--- a/ppt/web-design.pptx
+++ b/ppt/web-design.pptx
@@ -90,59 +90,62 @@
     <p:sldId id="402" r:id="rId84"/>
     <p:sldId id="403" r:id="rId85"/>
     <p:sldId id="404" r:id="rId86"/>
-    <p:sldId id="409" r:id="rId87"/>
-    <p:sldId id="410" r:id="rId88"/>
-    <p:sldId id="411" r:id="rId89"/>
-    <p:sldId id="306" r:id="rId90"/>
-    <p:sldId id="414" r:id="rId91"/>
-    <p:sldId id="412" r:id="rId92"/>
-    <p:sldId id="413" r:id="rId93"/>
-    <p:sldId id="382" r:id="rId94"/>
-    <p:sldId id="349" r:id="rId95"/>
-    <p:sldId id="340" r:id="rId96"/>
-    <p:sldId id="341" r:id="rId97"/>
-    <p:sldId id="342" r:id="rId98"/>
-    <p:sldId id="343" r:id="rId99"/>
-    <p:sldId id="399" r:id="rId100"/>
-    <p:sldId id="344" r:id="rId101"/>
-    <p:sldId id="345" r:id="rId102"/>
-    <p:sldId id="346" r:id="rId103"/>
-    <p:sldId id="348" r:id="rId104"/>
-    <p:sldId id="350" r:id="rId105"/>
-    <p:sldId id="307" r:id="rId106"/>
-    <p:sldId id="353" r:id="rId107"/>
-    <p:sldId id="354" r:id="rId108"/>
-    <p:sldId id="352" r:id="rId109"/>
-    <p:sldId id="308" r:id="rId110"/>
-    <p:sldId id="309" r:id="rId111"/>
-    <p:sldId id="310" r:id="rId112"/>
-    <p:sldId id="311" r:id="rId113"/>
-    <p:sldId id="319" r:id="rId114"/>
-    <p:sldId id="329" r:id="rId115"/>
-    <p:sldId id="324" r:id="rId116"/>
-    <p:sldId id="316" r:id="rId117"/>
-    <p:sldId id="327" r:id="rId118"/>
-    <p:sldId id="328" r:id="rId119"/>
-    <p:sldId id="326" r:id="rId120"/>
-    <p:sldId id="334" r:id="rId121"/>
-    <p:sldId id="325" r:id="rId122"/>
-    <p:sldId id="315" r:id="rId123"/>
-    <p:sldId id="313" r:id="rId124"/>
-    <p:sldId id="318" r:id="rId125"/>
-    <p:sldId id="314" r:id="rId126"/>
-    <p:sldId id="331" r:id="rId127"/>
-    <p:sldId id="312" r:id="rId128"/>
-    <p:sldId id="333" r:id="rId129"/>
-    <p:sldId id="330" r:id="rId130"/>
-    <p:sldId id="320" r:id="rId131"/>
-    <p:sldId id="321" r:id="rId132"/>
-    <p:sldId id="322" r:id="rId133"/>
-    <p:sldId id="335" r:id="rId134"/>
-    <p:sldId id="323" r:id="rId135"/>
-    <p:sldId id="332" r:id="rId136"/>
-    <p:sldId id="351" r:id="rId137"/>
-    <p:sldId id="397" r:id="rId138"/>
-    <p:sldId id="398" r:id="rId139"/>
+    <p:sldId id="416" r:id="rId87"/>
+    <p:sldId id="409" r:id="rId88"/>
+    <p:sldId id="417" r:id="rId89"/>
+    <p:sldId id="418" r:id="rId90"/>
+    <p:sldId id="410" r:id="rId91"/>
+    <p:sldId id="411" r:id="rId92"/>
+    <p:sldId id="306" r:id="rId93"/>
+    <p:sldId id="414" r:id="rId94"/>
+    <p:sldId id="412" r:id="rId95"/>
+    <p:sldId id="413" r:id="rId96"/>
+    <p:sldId id="382" r:id="rId97"/>
+    <p:sldId id="349" r:id="rId98"/>
+    <p:sldId id="340" r:id="rId99"/>
+    <p:sldId id="341" r:id="rId100"/>
+    <p:sldId id="342" r:id="rId101"/>
+    <p:sldId id="343" r:id="rId102"/>
+    <p:sldId id="399" r:id="rId103"/>
+    <p:sldId id="344" r:id="rId104"/>
+    <p:sldId id="345" r:id="rId105"/>
+    <p:sldId id="346" r:id="rId106"/>
+    <p:sldId id="348" r:id="rId107"/>
+    <p:sldId id="350" r:id="rId108"/>
+    <p:sldId id="307" r:id="rId109"/>
+    <p:sldId id="353" r:id="rId110"/>
+    <p:sldId id="354" r:id="rId111"/>
+    <p:sldId id="352" r:id="rId112"/>
+    <p:sldId id="308" r:id="rId113"/>
+    <p:sldId id="309" r:id="rId114"/>
+    <p:sldId id="310" r:id="rId115"/>
+    <p:sldId id="311" r:id="rId116"/>
+    <p:sldId id="319" r:id="rId117"/>
+    <p:sldId id="329" r:id="rId118"/>
+    <p:sldId id="324" r:id="rId119"/>
+    <p:sldId id="316" r:id="rId120"/>
+    <p:sldId id="327" r:id="rId121"/>
+    <p:sldId id="328" r:id="rId122"/>
+    <p:sldId id="326" r:id="rId123"/>
+    <p:sldId id="334" r:id="rId124"/>
+    <p:sldId id="325" r:id="rId125"/>
+    <p:sldId id="315" r:id="rId126"/>
+    <p:sldId id="313" r:id="rId127"/>
+    <p:sldId id="318" r:id="rId128"/>
+    <p:sldId id="314" r:id="rId129"/>
+    <p:sldId id="331" r:id="rId130"/>
+    <p:sldId id="312" r:id="rId131"/>
+    <p:sldId id="333" r:id="rId132"/>
+    <p:sldId id="330" r:id="rId133"/>
+    <p:sldId id="320" r:id="rId134"/>
+    <p:sldId id="321" r:id="rId135"/>
+    <p:sldId id="322" r:id="rId136"/>
+    <p:sldId id="335" r:id="rId137"/>
+    <p:sldId id="323" r:id="rId138"/>
+    <p:sldId id="332" r:id="rId139"/>
+    <p:sldId id="351" r:id="rId140"/>
+    <p:sldId id="397" r:id="rId141"/>
+    <p:sldId id="398" r:id="rId142"/>
   </p:sldIdLst>
   <p:sldSz cx="12192000" cy="6858000"/>
   <p:notesSz cx="6858000" cy="9144000"/>
@@ -3637,44 +3640,96 @@
       </p:grpSpPr>
       <p:sp>
         <p:nvSpPr>
-          <p:cNvPr id="4" name="TextBox 3">
-            <a:extLst>
-              <a:ext uri="{FF2B5EF4-FFF2-40B4-BE49-F238E27FC236}">
-                <a16:creationId xmlns:a16="http://schemas.microsoft.com/office/drawing/2014/main" id="{77E83A82-1077-074D-D148-C824C7D5A2ED}"/>
-              </a:ext>
-            </a:extLst>
-          </p:cNvPr>
-          <p:cNvSpPr txBox="1"/>
-          <p:nvPr/>
-        </p:nvSpPr>
-        <p:spPr>
-          <a:xfrm>
-            <a:off x="1053123" y="2412023"/>
-            <a:ext cx="10085754" cy="1323439"/>
-          </a:xfrm>
-          <a:prstGeom prst="rect">
-            <a:avLst/>
-          </a:prstGeom>
-          <a:noFill/>
-        </p:spPr>
-        <p:txBody>
-          <a:bodyPr wrap="square" rtlCol="0">
-            <a:spAutoFit/>
-          </a:bodyPr>
-          <a:lstStyle/>
-          <a:p>
-            <a:pPr algn="ctr"/>
-            <a:r>
-              <a:rPr lang="en-US" altLang="ko-KR" sz="8000" dirty="0"/>
-              <a:t>DOTHOME</a:t>
-            </a:r>
-          </a:p>
-        </p:txBody>
-      </p:sp>
+          <p:cNvPr id="2" name="TextBox 1">
+            <a:extLst>
+              <a:ext uri="{FF2B5EF4-FFF2-40B4-BE49-F238E27FC236}">
+                <a16:creationId xmlns:a16="http://schemas.microsoft.com/office/drawing/2014/main" id="{8278C8EB-50D0-7D68-FFC9-6D394D1095DE}"/>
+              </a:ext>
+            </a:extLst>
+          </p:cNvPr>
+          <p:cNvSpPr txBox="1"/>
+          <p:nvPr/>
+        </p:nvSpPr>
+        <p:spPr>
+          <a:xfrm>
+            <a:off x="1053123" y="151423"/>
+            <a:ext cx="10085754" cy="1077218"/>
+          </a:xfrm>
+          <a:prstGeom prst="rect">
+            <a:avLst/>
+          </a:prstGeom>
+          <a:noFill/>
+        </p:spPr>
+        <p:txBody>
+          <a:bodyPr wrap="square" rtlCol="0">
+            <a:spAutoFit/>
+          </a:bodyPr>
+          <a:lstStyle/>
+          <a:p>
+            <a:pPr algn="ctr"/>
+            <a:r>
+              <a:rPr lang="en-US" altLang="ko-KR" sz="4000" dirty="0"/>
+              <a:t>Git</a:t>
+            </a:r>
+            <a:r>
+              <a:rPr lang="ko-KR" altLang="en-US" sz="4000" dirty="0"/>
+              <a:t>을 이용한 </a:t>
+            </a:r>
+            <a:r>
+              <a:rPr lang="en-US" altLang="ko-KR" sz="4000" dirty="0"/>
+              <a:t>GitHub</a:t>
+            </a:r>
+          </a:p>
+          <a:p>
+            <a:pPr algn="ctr"/>
+            <a:r>
+              <a:rPr lang="ko-KR" altLang="en-US" sz="2400" dirty="0"/>
+              <a:t>개발자 최고 커뮤니티</a:t>
+            </a:r>
+            <a:endParaRPr lang="en-US" altLang="ko-KR" sz="2400" dirty="0"/>
+          </a:p>
+        </p:txBody>
+      </p:sp>
+      <p:pic>
+        <p:nvPicPr>
+          <p:cNvPr id="7" name="그림 6" descr="로고, 그래픽, 폰트, 상징이(가) 표시된 사진&#10;&#10;자동 생성된 설명">
+            <a:extLst>
+              <a:ext uri="{FF2B5EF4-FFF2-40B4-BE49-F238E27FC236}">
+                <a16:creationId xmlns:a16="http://schemas.microsoft.com/office/drawing/2014/main" id="{AB023880-28C6-4DB8-F94E-367322554280}"/>
+              </a:ext>
+            </a:extLst>
+          </p:cNvPr>
+          <p:cNvPicPr>
+            <a:picLocks noChangeAspect="1"/>
+          </p:cNvPicPr>
+          <p:nvPr/>
+        </p:nvPicPr>
+        <p:blipFill>
+          <a:blip r:embed="rId2">
+            <a:extLst>
+              <a:ext uri="{28A0092B-C50C-407E-A947-70E740481C1C}">
+                <a14:useLocalDpi xmlns:a14="http://schemas.microsoft.com/office/drawing/2010/main" val="0"/>
+              </a:ext>
+            </a:extLst>
+          </a:blip>
+          <a:stretch>
+            <a:fillRect/>
+          </a:stretch>
+        </p:blipFill>
+        <p:spPr>
+          <a:xfrm>
+            <a:off x="2482664" y="1304841"/>
+            <a:ext cx="7226671" cy="5207268"/>
+          </a:xfrm>
+          <a:prstGeom prst="rect">
+            <a:avLst/>
+          </a:prstGeom>
+        </p:spPr>
+      </p:pic>
     </p:spTree>
     <p:extLst>
       <p:ext uri="{BB962C8B-B14F-4D97-AF65-F5344CB8AC3E}">
-        <p14:creationId xmlns:p14="http://schemas.microsoft.com/office/powerpoint/2010/main" val="820581568"/>
+        <p14:creationId xmlns:p14="http://schemas.microsoft.com/office/powerpoint/2010/main" val="1186518214"/>
       </p:ext>
     </p:extLst>
   </p:cSld>
@@ -3731,60 +3786,25 @@
           <a:p>
             <a:pPr algn="ctr"/>
             <a:r>
+              <a:rPr lang="en-US" altLang="ko-KR" sz="8000" dirty="0" err="1"/>
+              <a:t>Github</a:t>
+            </a:r>
+            <a:r>
               <a:rPr lang="en-US" altLang="ko-KR" sz="8000" dirty="0"/>
-              <a:t>FileZilla</a:t>
-            </a:r>
-          </a:p>
-        </p:txBody>
-      </p:sp>
-      <p:sp>
-        <p:nvSpPr>
-          <p:cNvPr id="2" name="TextBox 1">
-            <a:extLst>
-              <a:ext uri="{FF2B5EF4-FFF2-40B4-BE49-F238E27FC236}">
-                <a16:creationId xmlns:a16="http://schemas.microsoft.com/office/drawing/2014/main" id="{9BFA4F6D-E4A8-6F1D-BF02-18B0ADC60998}"/>
-              </a:ext>
-            </a:extLst>
-          </p:cNvPr>
-          <p:cNvSpPr txBox="1"/>
-          <p:nvPr/>
-        </p:nvSpPr>
-        <p:spPr>
-          <a:xfrm>
-            <a:off x="1053123" y="3735462"/>
-            <a:ext cx="10085754" cy="707886"/>
-          </a:xfrm>
-          <a:prstGeom prst="rect">
-            <a:avLst/>
-          </a:prstGeom>
-          <a:noFill/>
-        </p:spPr>
-        <p:txBody>
-          <a:bodyPr wrap="square" rtlCol="0">
-            <a:spAutoFit/>
-          </a:bodyPr>
-          <a:lstStyle/>
-          <a:p>
-            <a:pPr algn="ctr"/>
-            <a:r>
-              <a:rPr lang="en-US" altLang="ko-KR" sz="4000" dirty="0"/>
-              <a:t>FTP(</a:t>
-            </a:r>
-            <a:r>
-              <a:rPr lang="ko-KR" altLang="en-US" sz="4000" dirty="0"/>
-              <a:t>파일 전송 프로토콜</a:t>
-            </a:r>
-            <a:r>
-              <a:rPr lang="en-US" altLang="ko-KR" sz="4000" dirty="0"/>
-              <a:t>)</a:t>
-            </a:r>
+              <a:t> desktop </a:t>
+            </a:r>
+            <a:r>
+              <a:rPr lang="ko-KR" altLang="en-US" sz="8000" dirty="0"/>
+              <a:t>설치</a:t>
+            </a:r>
+            <a:endParaRPr lang="en-US" altLang="ko-KR" sz="8000" dirty="0"/>
           </a:p>
         </p:txBody>
       </p:sp>
     </p:spTree>
     <p:extLst>
       <p:ext uri="{BB962C8B-B14F-4D97-AF65-F5344CB8AC3E}">
-        <p14:creationId xmlns:p14="http://schemas.microsoft.com/office/powerpoint/2010/main" val="4192333984"/>
+        <p14:creationId xmlns:p14="http://schemas.microsoft.com/office/powerpoint/2010/main" val="1460668198"/>
       </p:ext>
     </p:extLst>
   </p:cSld>
@@ -3825,7 +3845,7 @@
         </p:nvSpPr>
         <p:spPr>
           <a:xfrm>
-            <a:off x="1053123" y="127000"/>
+            <a:off x="1053123" y="2412023"/>
             <a:ext cx="10085754" cy="1323439"/>
           </a:xfrm>
           <a:prstGeom prst="rect">
@@ -3842,51 +3862,15 @@
             <a:pPr algn="ctr"/>
             <a:r>
               <a:rPr lang="en-US" altLang="ko-KR" sz="8000" dirty="0"/>
-              <a:t>Figma</a:t>
-            </a:r>
-          </a:p>
-        </p:txBody>
-      </p:sp>
-      <p:pic>
-        <p:nvPicPr>
-          <p:cNvPr id="3" name="그림 2" descr="다채로움, 스크린샷이(가) 표시된 사진&#10;&#10;자동 생성된 설명">
-            <a:extLst>
-              <a:ext uri="{FF2B5EF4-FFF2-40B4-BE49-F238E27FC236}">
-                <a16:creationId xmlns:a16="http://schemas.microsoft.com/office/drawing/2014/main" id="{1F771651-FDE2-E807-3532-0E1095CF4872}"/>
-              </a:ext>
-            </a:extLst>
-          </p:cNvPr>
-          <p:cNvPicPr>
-            <a:picLocks noChangeAspect="1"/>
-          </p:cNvPicPr>
-          <p:nvPr/>
-        </p:nvPicPr>
-        <p:blipFill>
-          <a:blip r:embed="rId2">
-            <a:extLst>
-              <a:ext uri="{28A0092B-C50C-407E-A947-70E740481C1C}">
-                <a14:useLocalDpi xmlns:a14="http://schemas.microsoft.com/office/drawing/2010/main" val="0"/>
-              </a:ext>
-            </a:extLst>
-          </a:blip>
-          <a:stretch>
-            <a:fillRect/>
-          </a:stretch>
-        </p:blipFill>
-        <p:spPr>
-          <a:xfrm>
-            <a:off x="3714750" y="1733550"/>
-            <a:ext cx="4762500" cy="4762500"/>
-          </a:xfrm>
-          <a:prstGeom prst="rect">
-            <a:avLst/>
-          </a:prstGeom>
-        </p:spPr>
-      </p:pic>
+              <a:t>Github.io</a:t>
+            </a:r>
+          </a:p>
+        </p:txBody>
+      </p:sp>
     </p:spTree>
     <p:extLst>
       <p:ext uri="{BB962C8B-B14F-4D97-AF65-F5344CB8AC3E}">
-        <p14:creationId xmlns:p14="http://schemas.microsoft.com/office/powerpoint/2010/main" val="2134888076"/>
+        <p14:creationId xmlns:p14="http://schemas.microsoft.com/office/powerpoint/2010/main" val="865265397"/>
       </p:ext>
     </p:extLst>
   </p:cSld>
@@ -3927,69 +3911,32 @@
         </p:nvSpPr>
         <p:spPr>
           <a:xfrm>
-            <a:off x="1053123" y="913423"/>
-            <a:ext cx="10085754" cy="923330"/>
-          </a:xfrm>
-          <a:prstGeom prst="rect">
-            <a:avLst/>
-          </a:prstGeom>
-          <a:noFill/>
-        </p:spPr>
-        <p:txBody>
-          <a:bodyPr wrap="square" rtlCol="0">
-            <a:spAutoFit/>
-          </a:bodyPr>
-          <a:lstStyle/>
-          <a:p>
-            <a:pPr algn="ctr"/>
-            <a:r>
-              <a:rPr lang="ko-KR" altLang="en-US" sz="5400" dirty="0"/>
-              <a:t>파일구조</a:t>
-            </a:r>
-            <a:endParaRPr lang="en-US" altLang="ko-KR" sz="5400" dirty="0"/>
-          </a:p>
-        </p:txBody>
-      </p:sp>
-      <p:pic>
-        <p:nvPicPr>
-          <p:cNvPr id="12" name="그림 11" descr="도표, 텍스트, 직사각형, 라인이(가) 표시된 사진&#10;&#10;자동 생성된 설명">
-            <a:extLst>
-              <a:ext uri="{FF2B5EF4-FFF2-40B4-BE49-F238E27FC236}">
-                <a16:creationId xmlns:a16="http://schemas.microsoft.com/office/drawing/2014/main" id="{2FEE06C4-B225-F8EB-F0D1-969DE949664C}"/>
-              </a:ext>
-            </a:extLst>
-          </p:cNvPr>
-          <p:cNvPicPr>
-            <a:picLocks noChangeAspect="1"/>
-          </p:cNvPicPr>
-          <p:nvPr/>
-        </p:nvPicPr>
-        <p:blipFill>
-          <a:blip r:embed="rId2">
-            <a:extLst>
-              <a:ext uri="{28A0092B-C50C-407E-A947-70E740481C1C}">
-                <a14:useLocalDpi xmlns:a14="http://schemas.microsoft.com/office/drawing/2010/main" val="0"/>
-              </a:ext>
-            </a:extLst>
-          </a:blip>
-          <a:stretch>
-            <a:fillRect/>
-          </a:stretch>
-        </p:blipFill>
-        <p:spPr>
-          <a:xfrm>
-            <a:off x="984250" y="1836753"/>
-            <a:ext cx="10223500" cy="4494389"/>
-          </a:xfrm>
-          <a:prstGeom prst="rect">
-            <a:avLst/>
-          </a:prstGeom>
-        </p:spPr>
-      </p:pic>
+            <a:off x="1053123" y="2412023"/>
+            <a:ext cx="10085754" cy="1323439"/>
+          </a:xfrm>
+          <a:prstGeom prst="rect">
+            <a:avLst/>
+          </a:prstGeom>
+          <a:noFill/>
+        </p:spPr>
+        <p:txBody>
+          <a:bodyPr wrap="square" rtlCol="0">
+            <a:spAutoFit/>
+          </a:bodyPr>
+          <a:lstStyle/>
+          <a:p>
+            <a:pPr algn="ctr"/>
+            <a:r>
+              <a:rPr lang="en-US" altLang="ko-KR" sz="8000" dirty="0"/>
+              <a:t>DOTHOME</a:t>
+            </a:r>
+          </a:p>
+        </p:txBody>
+      </p:sp>
     </p:spTree>
     <p:extLst>
       <p:ext uri="{BB962C8B-B14F-4D97-AF65-F5344CB8AC3E}">
-        <p14:creationId xmlns:p14="http://schemas.microsoft.com/office/powerpoint/2010/main" val="3308427511"/>
+        <p14:creationId xmlns:p14="http://schemas.microsoft.com/office/powerpoint/2010/main" val="820581568"/>
       </p:ext>
     </p:extLst>
   </p:cSld>
@@ -4030,68 +3977,76 @@
         </p:nvSpPr>
         <p:spPr>
           <a:xfrm>
-            <a:off x="2182446" y="5066323"/>
-            <a:ext cx="7268308" cy="769441"/>
-          </a:xfrm>
-          <a:prstGeom prst="rect">
-            <a:avLst/>
-          </a:prstGeom>
-          <a:noFill/>
-        </p:spPr>
-        <p:txBody>
-          <a:bodyPr wrap="square" rtlCol="0">
-            <a:spAutoFit/>
-          </a:bodyPr>
-          <a:lstStyle/>
-          <a:p>
-            <a:pPr algn="ctr"/>
-            <a:r>
-              <a:rPr lang="ko-KR" altLang="en-US" sz="4400" dirty="0"/>
-              <a:t>질문 리스트 작성하기</a:t>
-            </a:r>
-          </a:p>
-        </p:txBody>
-      </p:sp>
-      <p:pic>
-        <p:nvPicPr>
-          <p:cNvPr id="6" name="그림 5" descr="만화 영화, 예술, 그래픽, 그림이(가) 표시된 사진&#10;&#10;자동 생성된 설명">
-            <a:extLst>
-              <a:ext uri="{FF2B5EF4-FFF2-40B4-BE49-F238E27FC236}">
-                <a16:creationId xmlns:a16="http://schemas.microsoft.com/office/drawing/2014/main" id="{4A46C2B8-FD94-4AE0-FAC4-B57C1F6BB0D0}"/>
-              </a:ext>
-            </a:extLst>
-          </p:cNvPr>
-          <p:cNvPicPr>
-            <a:picLocks noChangeAspect="1"/>
-          </p:cNvPicPr>
-          <p:nvPr/>
-        </p:nvPicPr>
-        <p:blipFill>
-          <a:blip r:embed="rId2">
-            <a:extLst>
-              <a:ext uri="{28A0092B-C50C-407E-A947-70E740481C1C}">
-                <a14:useLocalDpi xmlns:a14="http://schemas.microsoft.com/office/drawing/2010/main" val="0"/>
-              </a:ext>
-            </a:extLst>
-          </a:blip>
-          <a:stretch>
-            <a:fillRect/>
-          </a:stretch>
-        </p:blipFill>
-        <p:spPr>
-          <a:xfrm>
-            <a:off x="4064000" y="769442"/>
-            <a:ext cx="4064000" cy="4064000"/>
-          </a:xfrm>
-          <a:prstGeom prst="rect">
-            <a:avLst/>
-          </a:prstGeom>
-        </p:spPr>
-      </p:pic>
+            <a:off x="1053123" y="2412023"/>
+            <a:ext cx="10085754" cy="1323439"/>
+          </a:xfrm>
+          <a:prstGeom prst="rect">
+            <a:avLst/>
+          </a:prstGeom>
+          <a:noFill/>
+        </p:spPr>
+        <p:txBody>
+          <a:bodyPr wrap="square" rtlCol="0">
+            <a:spAutoFit/>
+          </a:bodyPr>
+          <a:lstStyle/>
+          <a:p>
+            <a:pPr algn="ctr"/>
+            <a:r>
+              <a:rPr lang="en-US" altLang="ko-KR" sz="8000" dirty="0"/>
+              <a:t>FileZilla</a:t>
+            </a:r>
+          </a:p>
+        </p:txBody>
+      </p:sp>
+      <p:sp>
+        <p:nvSpPr>
+          <p:cNvPr id="2" name="TextBox 1">
+            <a:extLst>
+              <a:ext uri="{FF2B5EF4-FFF2-40B4-BE49-F238E27FC236}">
+                <a16:creationId xmlns:a16="http://schemas.microsoft.com/office/drawing/2014/main" id="{9BFA4F6D-E4A8-6F1D-BF02-18B0ADC60998}"/>
+              </a:ext>
+            </a:extLst>
+          </p:cNvPr>
+          <p:cNvSpPr txBox="1"/>
+          <p:nvPr/>
+        </p:nvSpPr>
+        <p:spPr>
+          <a:xfrm>
+            <a:off x="1053123" y="3735462"/>
+            <a:ext cx="10085754" cy="707886"/>
+          </a:xfrm>
+          <a:prstGeom prst="rect">
+            <a:avLst/>
+          </a:prstGeom>
+          <a:noFill/>
+        </p:spPr>
+        <p:txBody>
+          <a:bodyPr wrap="square" rtlCol="0">
+            <a:spAutoFit/>
+          </a:bodyPr>
+          <a:lstStyle/>
+          <a:p>
+            <a:pPr algn="ctr"/>
+            <a:r>
+              <a:rPr lang="en-US" altLang="ko-KR" sz="4000" dirty="0"/>
+              <a:t>FTP(</a:t>
+            </a:r>
+            <a:r>
+              <a:rPr lang="ko-KR" altLang="en-US" sz="4000" dirty="0"/>
+              <a:t>파일 전송 프로토콜</a:t>
+            </a:r>
+            <a:r>
+              <a:rPr lang="en-US" altLang="ko-KR" sz="4000" dirty="0"/>
+              <a:t>)</a:t>
+            </a:r>
+          </a:p>
+        </p:txBody>
+      </p:sp>
     </p:spTree>
     <p:extLst>
       <p:ext uri="{BB962C8B-B14F-4D97-AF65-F5344CB8AC3E}">
-        <p14:creationId xmlns:p14="http://schemas.microsoft.com/office/powerpoint/2010/main" val="897698508"/>
+        <p14:creationId xmlns:p14="http://schemas.microsoft.com/office/powerpoint/2010/main" val="4192333984"/>
       </p:ext>
     </p:extLst>
   </p:cSld>
@@ -4132,8 +4087,8 @@
         </p:nvSpPr>
         <p:spPr>
           <a:xfrm>
-            <a:off x="2461846" y="2145323"/>
-            <a:ext cx="7268308" cy="1323439"/>
+            <a:off x="1053123" y="127000"/>
+            <a:ext cx="10085754" cy="1323439"/>
           </a:xfrm>
           <a:prstGeom prst="rect">
             <a:avLst/>
@@ -4149,15 +4104,51 @@
             <a:pPr algn="ctr"/>
             <a:r>
               <a:rPr lang="en-US" altLang="ko-KR" sz="8000" dirty="0"/>
-              <a:t>Framework</a:t>
-            </a:r>
-          </a:p>
-        </p:txBody>
-      </p:sp>
+              <a:t>Figma</a:t>
+            </a:r>
+          </a:p>
+        </p:txBody>
+      </p:sp>
+      <p:pic>
+        <p:nvPicPr>
+          <p:cNvPr id="3" name="그림 2" descr="다채로움, 스크린샷이(가) 표시된 사진&#10;&#10;자동 생성된 설명">
+            <a:extLst>
+              <a:ext uri="{FF2B5EF4-FFF2-40B4-BE49-F238E27FC236}">
+                <a16:creationId xmlns:a16="http://schemas.microsoft.com/office/drawing/2014/main" id="{1F771651-FDE2-E807-3532-0E1095CF4872}"/>
+              </a:ext>
+            </a:extLst>
+          </p:cNvPr>
+          <p:cNvPicPr>
+            <a:picLocks noChangeAspect="1"/>
+          </p:cNvPicPr>
+          <p:nvPr/>
+        </p:nvPicPr>
+        <p:blipFill>
+          <a:blip r:embed="rId2">
+            <a:extLst>
+              <a:ext uri="{28A0092B-C50C-407E-A947-70E740481C1C}">
+                <a14:useLocalDpi xmlns:a14="http://schemas.microsoft.com/office/drawing/2010/main" val="0"/>
+              </a:ext>
+            </a:extLst>
+          </a:blip>
+          <a:stretch>
+            <a:fillRect/>
+          </a:stretch>
+        </p:blipFill>
+        <p:spPr>
+          <a:xfrm>
+            <a:off x="3714750" y="1733550"/>
+            <a:ext cx="4762500" cy="4762500"/>
+          </a:xfrm>
+          <a:prstGeom prst="rect">
+            <a:avLst/>
+          </a:prstGeom>
+        </p:spPr>
+      </p:pic>
     </p:spTree>
     <p:extLst>
       <p:ext uri="{BB962C8B-B14F-4D97-AF65-F5344CB8AC3E}">
-        <p14:creationId xmlns:p14="http://schemas.microsoft.com/office/powerpoint/2010/main" val="4256682101"/>
+        <p14:creationId xmlns:p14="http://schemas.microsoft.com/office/powerpoint/2010/main" val="2134888076"/>
       </p:ext>
     </p:extLst>
   </p:cSld>
@@ -4198,35 +4189,69 @@
         </p:nvSpPr>
         <p:spPr>
           <a:xfrm>
-            <a:off x="2461846" y="2145323"/>
-            <a:ext cx="7268308" cy="1323439"/>
-          </a:xfrm>
-          <a:prstGeom prst="rect">
-            <a:avLst/>
-          </a:prstGeom>
-          <a:noFill/>
-        </p:spPr>
-        <p:txBody>
-          <a:bodyPr wrap="square" rtlCol="0">
-            <a:spAutoFit/>
-          </a:bodyPr>
-          <a:lstStyle/>
-          <a:p>
-            <a:pPr algn="ctr"/>
-            <a:r>
-              <a:rPr lang="en-US" altLang="ko-KR" sz="8000" dirty="0">
-                <a:hlinkClick r:id="rId2"/>
-              </a:rPr>
-              <a:t>Bootstrap</a:t>
-            </a:r>
-            <a:endParaRPr lang="en-US" altLang="ko-KR" sz="8000" dirty="0"/>
-          </a:p>
-        </p:txBody>
-      </p:sp>
+            <a:off x="1053123" y="913423"/>
+            <a:ext cx="10085754" cy="923330"/>
+          </a:xfrm>
+          <a:prstGeom prst="rect">
+            <a:avLst/>
+          </a:prstGeom>
+          <a:noFill/>
+        </p:spPr>
+        <p:txBody>
+          <a:bodyPr wrap="square" rtlCol="0">
+            <a:spAutoFit/>
+          </a:bodyPr>
+          <a:lstStyle/>
+          <a:p>
+            <a:pPr algn="ctr"/>
+            <a:r>
+              <a:rPr lang="ko-KR" altLang="en-US" sz="5400" dirty="0"/>
+              <a:t>파일구조</a:t>
+            </a:r>
+            <a:endParaRPr lang="en-US" altLang="ko-KR" sz="5400" dirty="0"/>
+          </a:p>
+        </p:txBody>
+      </p:sp>
+      <p:pic>
+        <p:nvPicPr>
+          <p:cNvPr id="12" name="그림 11" descr="도표, 텍스트, 직사각형, 라인이(가) 표시된 사진&#10;&#10;자동 생성된 설명">
+            <a:extLst>
+              <a:ext uri="{FF2B5EF4-FFF2-40B4-BE49-F238E27FC236}">
+                <a16:creationId xmlns:a16="http://schemas.microsoft.com/office/drawing/2014/main" id="{2FEE06C4-B225-F8EB-F0D1-969DE949664C}"/>
+              </a:ext>
+            </a:extLst>
+          </p:cNvPr>
+          <p:cNvPicPr>
+            <a:picLocks noChangeAspect="1"/>
+          </p:cNvPicPr>
+          <p:nvPr/>
+        </p:nvPicPr>
+        <p:blipFill>
+          <a:blip r:embed="rId2">
+            <a:extLst>
+              <a:ext uri="{28A0092B-C50C-407E-A947-70E740481C1C}">
+                <a14:useLocalDpi xmlns:a14="http://schemas.microsoft.com/office/drawing/2010/main" val="0"/>
+              </a:ext>
+            </a:extLst>
+          </a:blip>
+          <a:stretch>
+            <a:fillRect/>
+          </a:stretch>
+        </p:blipFill>
+        <p:spPr>
+          <a:xfrm>
+            <a:off x="984250" y="1836753"/>
+            <a:ext cx="10223500" cy="4494389"/>
+          </a:xfrm>
+          <a:prstGeom prst="rect">
+            <a:avLst/>
+          </a:prstGeom>
+        </p:spPr>
+      </p:pic>
     </p:spTree>
     <p:extLst>
       <p:ext uri="{BB962C8B-B14F-4D97-AF65-F5344CB8AC3E}">
-        <p14:creationId xmlns:p14="http://schemas.microsoft.com/office/powerpoint/2010/main" val="1799096479"/>
+        <p14:creationId xmlns:p14="http://schemas.microsoft.com/office/powerpoint/2010/main" val="3308427511"/>
       </p:ext>
     </p:extLst>
   </p:cSld>
@@ -4267,35 +4292,68 @@
         </p:nvSpPr>
         <p:spPr>
           <a:xfrm>
-            <a:off x="2461846" y="2145323"/>
-            <a:ext cx="7268308" cy="1323439"/>
-          </a:xfrm>
-          <a:prstGeom prst="rect">
-            <a:avLst/>
-          </a:prstGeom>
-          <a:noFill/>
-        </p:spPr>
-        <p:txBody>
-          <a:bodyPr wrap="square" rtlCol="0">
-            <a:spAutoFit/>
-          </a:bodyPr>
-          <a:lstStyle/>
-          <a:p>
-            <a:pPr algn="ctr"/>
-            <a:r>
-              <a:rPr lang="en-US" altLang="ko-KR" sz="8000" dirty="0">
-                <a:hlinkClick r:id="rId2"/>
-              </a:rPr>
-              <a:t>Shoelace</a:t>
-            </a:r>
-            <a:endParaRPr lang="en-US" altLang="ko-KR" sz="8000" dirty="0"/>
-          </a:p>
-        </p:txBody>
-      </p:sp>
+            <a:off x="2182446" y="5066323"/>
+            <a:ext cx="7268308" cy="769441"/>
+          </a:xfrm>
+          <a:prstGeom prst="rect">
+            <a:avLst/>
+          </a:prstGeom>
+          <a:noFill/>
+        </p:spPr>
+        <p:txBody>
+          <a:bodyPr wrap="square" rtlCol="0">
+            <a:spAutoFit/>
+          </a:bodyPr>
+          <a:lstStyle/>
+          <a:p>
+            <a:pPr algn="ctr"/>
+            <a:r>
+              <a:rPr lang="ko-KR" altLang="en-US" sz="4400" dirty="0"/>
+              <a:t>질문 리스트 작성하기</a:t>
+            </a:r>
+          </a:p>
+        </p:txBody>
+      </p:sp>
+      <p:pic>
+        <p:nvPicPr>
+          <p:cNvPr id="6" name="그림 5" descr="만화 영화, 예술, 그래픽, 그림이(가) 표시된 사진&#10;&#10;자동 생성된 설명">
+            <a:extLst>
+              <a:ext uri="{FF2B5EF4-FFF2-40B4-BE49-F238E27FC236}">
+                <a16:creationId xmlns:a16="http://schemas.microsoft.com/office/drawing/2014/main" id="{4A46C2B8-FD94-4AE0-FAC4-B57C1F6BB0D0}"/>
+              </a:ext>
+            </a:extLst>
+          </p:cNvPr>
+          <p:cNvPicPr>
+            <a:picLocks noChangeAspect="1"/>
+          </p:cNvPicPr>
+          <p:nvPr/>
+        </p:nvPicPr>
+        <p:blipFill>
+          <a:blip r:embed="rId2">
+            <a:extLst>
+              <a:ext uri="{28A0092B-C50C-407E-A947-70E740481C1C}">
+                <a14:useLocalDpi xmlns:a14="http://schemas.microsoft.com/office/drawing/2010/main" val="0"/>
+              </a:ext>
+            </a:extLst>
+          </a:blip>
+          <a:stretch>
+            <a:fillRect/>
+          </a:stretch>
+        </p:blipFill>
+        <p:spPr>
+          <a:xfrm>
+            <a:off x="4064000" y="769442"/>
+            <a:ext cx="4064000" cy="4064000"/>
+          </a:xfrm>
+          <a:prstGeom prst="rect">
+            <a:avLst/>
+          </a:prstGeom>
+        </p:spPr>
+      </p:pic>
     </p:spTree>
     <p:extLst>
       <p:ext uri="{BB962C8B-B14F-4D97-AF65-F5344CB8AC3E}">
-        <p14:creationId xmlns:p14="http://schemas.microsoft.com/office/powerpoint/2010/main" val="2349785759"/>
+        <p14:creationId xmlns:p14="http://schemas.microsoft.com/office/powerpoint/2010/main" val="897698508"/>
       </p:ext>
     </p:extLst>
   </p:cSld>
@@ -4336,7 +4394,7 @@
         </p:nvSpPr>
         <p:spPr>
           <a:xfrm>
-            <a:off x="2461846" y="1180123"/>
+            <a:off x="2461846" y="2145323"/>
             <a:ext cx="7268308" cy="1323439"/>
           </a:xfrm>
           <a:prstGeom prst="rect">
@@ -4352,53 +4410,16 @@
           <a:p>
             <a:pPr algn="ctr"/>
             <a:r>
-              <a:rPr lang="en-US" altLang="ko-KR" sz="8000" dirty="0" err="1"/>
-              <a:t>Javascript</a:t>
-            </a:r>
-            <a:endParaRPr lang="en-US" altLang="ko-KR" sz="8000" dirty="0"/>
-          </a:p>
-        </p:txBody>
-      </p:sp>
-      <p:pic>
-        <p:nvPicPr>
-          <p:cNvPr id="2" name="그림 1" descr="노랑, 상징, 디자인이(가) 표시된 사진&#10;&#10;자동 생성된 설명">
-            <a:extLst>
-              <a:ext uri="{FF2B5EF4-FFF2-40B4-BE49-F238E27FC236}">
-                <a16:creationId xmlns:a16="http://schemas.microsoft.com/office/drawing/2014/main" id="{3DFF3BB6-C236-FBC7-C3DC-D6D4EA736085}"/>
-              </a:ext>
-            </a:extLst>
-          </p:cNvPr>
-          <p:cNvPicPr>
-            <a:picLocks noChangeAspect="1"/>
-          </p:cNvPicPr>
-          <p:nvPr/>
-        </p:nvPicPr>
-        <p:blipFill>
-          <a:blip r:embed="rId2">
-            <a:extLst>
-              <a:ext uri="{28A0092B-C50C-407E-A947-70E740481C1C}">
-                <a14:useLocalDpi xmlns:a14="http://schemas.microsoft.com/office/drawing/2010/main" val="0"/>
-              </a:ext>
-            </a:extLst>
-          </a:blip>
-          <a:stretch>
-            <a:fillRect/>
-          </a:stretch>
-        </p:blipFill>
-        <p:spPr>
-          <a:xfrm>
-            <a:off x="3622623" y="2503562"/>
-            <a:ext cx="4946754" cy="2780969"/>
-          </a:xfrm>
-          <a:prstGeom prst="rect">
-            <a:avLst/>
-          </a:prstGeom>
-        </p:spPr>
-      </p:pic>
+              <a:rPr lang="en-US" altLang="ko-KR" sz="8000" dirty="0"/>
+              <a:t>Framework</a:t>
+            </a:r>
+          </a:p>
+        </p:txBody>
+      </p:sp>
     </p:spTree>
     <p:extLst>
       <p:ext uri="{BB962C8B-B14F-4D97-AF65-F5344CB8AC3E}">
-        <p14:creationId xmlns:p14="http://schemas.microsoft.com/office/powerpoint/2010/main" val="2652492327"/>
+        <p14:creationId xmlns:p14="http://schemas.microsoft.com/office/powerpoint/2010/main" val="4256682101"/>
       </p:ext>
     </p:extLst>
   </p:cSld>
@@ -4425,119 +4446,49 @@
           <a:chExt cx="0" cy="0"/>
         </a:xfrm>
       </p:grpSpPr>
-      <p:pic>
-        <p:nvPicPr>
-          <p:cNvPr id="6" name="그림 5" descr="노랑, 상징, 디자인이(가) 표시된 사진&#10;&#10;자동 생성된 설명">
-            <a:extLst>
-              <a:ext uri="{FF2B5EF4-FFF2-40B4-BE49-F238E27FC236}">
-                <a16:creationId xmlns:a16="http://schemas.microsoft.com/office/drawing/2014/main" id="{CDB384A8-6F52-FB60-C415-46011987E3F4}"/>
-              </a:ext>
-            </a:extLst>
-          </p:cNvPr>
-          <p:cNvPicPr>
-            <a:picLocks noChangeAspect="1"/>
-          </p:cNvPicPr>
-          <p:nvPr/>
-        </p:nvPicPr>
-        <p:blipFill>
-          <a:blip r:embed="rId2">
-            <a:extLst>
-              <a:ext uri="{28A0092B-C50C-407E-A947-70E740481C1C}">
-                <a14:useLocalDpi xmlns:a14="http://schemas.microsoft.com/office/drawing/2010/main" val="0"/>
-              </a:ext>
-            </a:extLst>
-          </a:blip>
-          <a:stretch>
-            <a:fillRect/>
-          </a:stretch>
-        </p:blipFill>
-        <p:spPr>
-          <a:xfrm>
-            <a:off x="6235910" y="2038515"/>
-            <a:ext cx="4946754" cy="2780969"/>
-          </a:xfrm>
-          <a:prstGeom prst="rect">
-            <a:avLst/>
-          </a:prstGeom>
-        </p:spPr>
-      </p:pic>
-      <p:pic>
-        <p:nvPicPr>
-          <p:cNvPr id="8" name="그림 7" descr="그래픽, 폰트, 디자인이(가) 표시된 사진&#10;&#10;자동 생성된 설명">
-            <a:extLst>
-              <a:ext uri="{FF2B5EF4-FFF2-40B4-BE49-F238E27FC236}">
-                <a16:creationId xmlns:a16="http://schemas.microsoft.com/office/drawing/2014/main" id="{9895062A-6C85-72E8-9708-4807D4D4311F}"/>
-              </a:ext>
-            </a:extLst>
-          </p:cNvPr>
-          <p:cNvPicPr>
-            <a:picLocks noChangeAspect="1"/>
-          </p:cNvPicPr>
-          <p:nvPr/>
-        </p:nvPicPr>
-        <p:blipFill>
-          <a:blip r:embed="rId3">
-            <a:extLst>
-              <a:ext uri="{28A0092B-C50C-407E-A947-70E740481C1C}">
-                <a14:useLocalDpi xmlns:a14="http://schemas.microsoft.com/office/drawing/2010/main" val="0"/>
-              </a:ext>
-            </a:extLst>
-          </a:blip>
-          <a:stretch>
-            <a:fillRect/>
-          </a:stretch>
-        </p:blipFill>
-        <p:spPr>
-          <a:xfrm>
-            <a:off x="1312105" y="1382060"/>
-            <a:ext cx="4643986" cy="4643986"/>
-          </a:xfrm>
-          <a:prstGeom prst="rect">
-            <a:avLst/>
-          </a:prstGeom>
-        </p:spPr>
-      </p:pic>
-      <p:sp>
-        <p:nvSpPr>
-          <p:cNvPr id="9" name="TextBox 8">
-            <a:extLst>
-              <a:ext uri="{FF2B5EF4-FFF2-40B4-BE49-F238E27FC236}">
-                <a16:creationId xmlns:a16="http://schemas.microsoft.com/office/drawing/2014/main" id="{A5D86789-24EC-01C9-5BF1-0A724D3BFD09}"/>
-              </a:ext>
-            </a:extLst>
-          </p:cNvPr>
-          <p:cNvSpPr txBox="1"/>
-          <p:nvPr/>
-        </p:nvSpPr>
-        <p:spPr>
-          <a:xfrm>
-            <a:off x="2461847" y="674174"/>
-            <a:ext cx="7268308" cy="707886"/>
-          </a:xfrm>
-          <a:prstGeom prst="rect">
-            <a:avLst/>
-          </a:prstGeom>
-          <a:noFill/>
-        </p:spPr>
-        <p:txBody>
-          <a:bodyPr wrap="square" rtlCol="0">
-            <a:spAutoFit/>
-          </a:bodyPr>
-          <a:lstStyle/>
-          <a:p>
-            <a:pPr algn="ctr"/>
-            <a:r>
-              <a:rPr lang="ko-KR" altLang="en-US" sz="4000"/>
-              <a:t>이름의 유래</a:t>
-            </a:r>
-            <a:endParaRPr lang="en-US" altLang="ko-KR" sz="4000" dirty="0"/>
+      <p:sp>
+        <p:nvSpPr>
+          <p:cNvPr id="4" name="TextBox 3">
+            <a:extLst>
+              <a:ext uri="{FF2B5EF4-FFF2-40B4-BE49-F238E27FC236}">
+                <a16:creationId xmlns:a16="http://schemas.microsoft.com/office/drawing/2014/main" id="{77E83A82-1077-074D-D148-C824C7D5A2ED}"/>
+              </a:ext>
+            </a:extLst>
+          </p:cNvPr>
+          <p:cNvSpPr txBox="1"/>
+          <p:nvPr/>
+        </p:nvSpPr>
+        <p:spPr>
+          <a:xfrm>
+            <a:off x="2461846" y="2145323"/>
+            <a:ext cx="7268308" cy="1323439"/>
+          </a:xfrm>
+          <a:prstGeom prst="rect">
+            <a:avLst/>
+          </a:prstGeom>
+          <a:noFill/>
+        </p:spPr>
+        <p:txBody>
+          <a:bodyPr wrap="square" rtlCol="0">
+            <a:spAutoFit/>
+          </a:bodyPr>
+          <a:lstStyle/>
+          <a:p>
+            <a:pPr algn="ctr"/>
+            <a:r>
+              <a:rPr lang="en-US" altLang="ko-KR" sz="8000" dirty="0">
+                <a:hlinkClick r:id="rId2"/>
+              </a:rPr>
+              <a:t>Bootstrap</a:t>
+            </a:r>
+            <a:endParaRPr lang="en-US" altLang="ko-KR" sz="8000" dirty="0"/>
           </a:p>
         </p:txBody>
       </p:sp>
     </p:spTree>
     <p:extLst>
       <p:ext uri="{BB962C8B-B14F-4D97-AF65-F5344CB8AC3E}">
-        <p14:creationId xmlns:p14="http://schemas.microsoft.com/office/powerpoint/2010/main" val="2082934293"/>
+        <p14:creationId xmlns:p14="http://schemas.microsoft.com/office/powerpoint/2010/main" val="1799096479"/>
       </p:ext>
     </p:extLst>
   </p:cSld>
@@ -4673,8 +4624,10 @@
           <a:p>
             <a:pPr algn="ctr"/>
             <a:r>
-              <a:rPr lang="ko-KR" altLang="en-US" sz="8000" dirty="0"/>
-              <a:t>변수</a:t>
+              <a:rPr lang="en-US" altLang="ko-KR" sz="8000" dirty="0">
+                <a:hlinkClick r:id="rId2"/>
+              </a:rPr>
+              <a:t>Shoelace</a:t>
             </a:r>
             <a:endParaRPr lang="en-US" altLang="ko-KR" sz="8000" dirty="0"/>
           </a:p>
@@ -4683,7 +4636,7 @@
     </p:spTree>
     <p:extLst>
       <p:ext uri="{BB962C8B-B14F-4D97-AF65-F5344CB8AC3E}">
-        <p14:creationId xmlns:p14="http://schemas.microsoft.com/office/powerpoint/2010/main" val="1004204534"/>
+        <p14:creationId xmlns:p14="http://schemas.microsoft.com/office/powerpoint/2010/main" val="2349785759"/>
       </p:ext>
     </p:extLst>
   </p:cSld>
@@ -4724,7 +4677,7 @@
         </p:nvSpPr>
         <p:spPr>
           <a:xfrm>
-            <a:off x="2461846" y="2145323"/>
+            <a:off x="2461846" y="1180123"/>
             <a:ext cx="7268308" cy="1323439"/>
           </a:xfrm>
           <a:prstGeom prst="rect">
@@ -4740,21 +4693,53 @@
           <a:p>
             <a:pPr algn="ctr"/>
             <a:r>
-              <a:rPr lang="ko-KR" altLang="en-US" sz="8000" dirty="0" err="1"/>
-              <a:t>변수명</a:t>
-            </a:r>
-            <a:r>
-              <a:rPr lang="ko-KR" altLang="en-US" sz="8000" dirty="0"/>
-              <a:t> 규칙</a:t>
+              <a:rPr lang="en-US" altLang="ko-KR" sz="8000" dirty="0" err="1"/>
+              <a:t>Javascript</a:t>
             </a:r>
             <a:endParaRPr lang="en-US" altLang="ko-KR" sz="8000" dirty="0"/>
           </a:p>
         </p:txBody>
       </p:sp>
+      <p:pic>
+        <p:nvPicPr>
+          <p:cNvPr id="2" name="그림 1" descr="노랑, 상징, 디자인이(가) 표시된 사진&#10;&#10;자동 생성된 설명">
+            <a:extLst>
+              <a:ext uri="{FF2B5EF4-FFF2-40B4-BE49-F238E27FC236}">
+                <a16:creationId xmlns:a16="http://schemas.microsoft.com/office/drawing/2014/main" id="{3DFF3BB6-C236-FBC7-C3DC-D6D4EA736085}"/>
+              </a:ext>
+            </a:extLst>
+          </p:cNvPr>
+          <p:cNvPicPr>
+            <a:picLocks noChangeAspect="1"/>
+          </p:cNvPicPr>
+          <p:nvPr/>
+        </p:nvPicPr>
+        <p:blipFill>
+          <a:blip r:embed="rId2">
+            <a:extLst>
+              <a:ext uri="{28A0092B-C50C-407E-A947-70E740481C1C}">
+                <a14:useLocalDpi xmlns:a14="http://schemas.microsoft.com/office/drawing/2010/main" val="0"/>
+              </a:ext>
+            </a:extLst>
+          </a:blip>
+          <a:stretch>
+            <a:fillRect/>
+          </a:stretch>
+        </p:blipFill>
+        <p:spPr>
+          <a:xfrm>
+            <a:off x="3622623" y="2503562"/>
+            <a:ext cx="4946754" cy="2780969"/>
+          </a:xfrm>
+          <a:prstGeom prst="rect">
+            <a:avLst/>
+          </a:prstGeom>
+        </p:spPr>
+      </p:pic>
     </p:spTree>
     <p:extLst>
       <p:ext uri="{BB962C8B-B14F-4D97-AF65-F5344CB8AC3E}">
-        <p14:creationId xmlns:p14="http://schemas.microsoft.com/office/powerpoint/2010/main" val="2525268661"/>
+        <p14:creationId xmlns:p14="http://schemas.microsoft.com/office/powerpoint/2010/main" val="2652492327"/>
       </p:ext>
     </p:extLst>
   </p:cSld>
@@ -4781,46 +4766,119 @@
           <a:chExt cx="0" cy="0"/>
         </a:xfrm>
       </p:grpSpPr>
-      <p:sp>
-        <p:nvSpPr>
-          <p:cNvPr id="4" name="TextBox 3">
-            <a:extLst>
-              <a:ext uri="{FF2B5EF4-FFF2-40B4-BE49-F238E27FC236}">
-                <a16:creationId xmlns:a16="http://schemas.microsoft.com/office/drawing/2014/main" id="{77E83A82-1077-074D-D148-C824C7D5A2ED}"/>
-              </a:ext>
-            </a:extLst>
-          </p:cNvPr>
-          <p:cNvSpPr txBox="1"/>
-          <p:nvPr/>
-        </p:nvSpPr>
-        <p:spPr>
-          <a:xfrm>
-            <a:off x="2461846" y="2145323"/>
-            <a:ext cx="7268308" cy="1323439"/>
-          </a:xfrm>
-          <a:prstGeom prst="rect">
-            <a:avLst/>
-          </a:prstGeom>
-          <a:noFill/>
-        </p:spPr>
-        <p:txBody>
-          <a:bodyPr wrap="square" rtlCol="0">
-            <a:spAutoFit/>
-          </a:bodyPr>
-          <a:lstStyle/>
-          <a:p>
-            <a:pPr algn="ctr"/>
-            <a:r>
-              <a:rPr lang="en-US" altLang="ko-KR" sz="8000" dirty="0"/>
-              <a:t>var let const</a:t>
-            </a:r>
+      <p:pic>
+        <p:nvPicPr>
+          <p:cNvPr id="6" name="그림 5" descr="노랑, 상징, 디자인이(가) 표시된 사진&#10;&#10;자동 생성된 설명">
+            <a:extLst>
+              <a:ext uri="{FF2B5EF4-FFF2-40B4-BE49-F238E27FC236}">
+                <a16:creationId xmlns:a16="http://schemas.microsoft.com/office/drawing/2014/main" id="{CDB384A8-6F52-FB60-C415-46011987E3F4}"/>
+              </a:ext>
+            </a:extLst>
+          </p:cNvPr>
+          <p:cNvPicPr>
+            <a:picLocks noChangeAspect="1"/>
+          </p:cNvPicPr>
+          <p:nvPr/>
+        </p:nvPicPr>
+        <p:blipFill>
+          <a:blip r:embed="rId2">
+            <a:extLst>
+              <a:ext uri="{28A0092B-C50C-407E-A947-70E740481C1C}">
+                <a14:useLocalDpi xmlns:a14="http://schemas.microsoft.com/office/drawing/2010/main" val="0"/>
+              </a:ext>
+            </a:extLst>
+          </a:blip>
+          <a:stretch>
+            <a:fillRect/>
+          </a:stretch>
+        </p:blipFill>
+        <p:spPr>
+          <a:xfrm>
+            <a:off x="6235910" y="2038515"/>
+            <a:ext cx="4946754" cy="2780969"/>
+          </a:xfrm>
+          <a:prstGeom prst="rect">
+            <a:avLst/>
+          </a:prstGeom>
+        </p:spPr>
+      </p:pic>
+      <p:pic>
+        <p:nvPicPr>
+          <p:cNvPr id="8" name="그림 7" descr="그래픽, 폰트, 디자인이(가) 표시된 사진&#10;&#10;자동 생성된 설명">
+            <a:extLst>
+              <a:ext uri="{FF2B5EF4-FFF2-40B4-BE49-F238E27FC236}">
+                <a16:creationId xmlns:a16="http://schemas.microsoft.com/office/drawing/2014/main" id="{9895062A-6C85-72E8-9708-4807D4D4311F}"/>
+              </a:ext>
+            </a:extLst>
+          </p:cNvPr>
+          <p:cNvPicPr>
+            <a:picLocks noChangeAspect="1"/>
+          </p:cNvPicPr>
+          <p:nvPr/>
+        </p:nvPicPr>
+        <p:blipFill>
+          <a:blip r:embed="rId3">
+            <a:extLst>
+              <a:ext uri="{28A0092B-C50C-407E-A947-70E740481C1C}">
+                <a14:useLocalDpi xmlns:a14="http://schemas.microsoft.com/office/drawing/2010/main" val="0"/>
+              </a:ext>
+            </a:extLst>
+          </a:blip>
+          <a:stretch>
+            <a:fillRect/>
+          </a:stretch>
+        </p:blipFill>
+        <p:spPr>
+          <a:xfrm>
+            <a:off x="1312105" y="1382060"/>
+            <a:ext cx="4643986" cy="4643986"/>
+          </a:xfrm>
+          <a:prstGeom prst="rect">
+            <a:avLst/>
+          </a:prstGeom>
+        </p:spPr>
+      </p:pic>
+      <p:sp>
+        <p:nvSpPr>
+          <p:cNvPr id="9" name="TextBox 8">
+            <a:extLst>
+              <a:ext uri="{FF2B5EF4-FFF2-40B4-BE49-F238E27FC236}">
+                <a16:creationId xmlns:a16="http://schemas.microsoft.com/office/drawing/2014/main" id="{A5D86789-24EC-01C9-5BF1-0A724D3BFD09}"/>
+              </a:ext>
+            </a:extLst>
+          </p:cNvPr>
+          <p:cNvSpPr txBox="1"/>
+          <p:nvPr/>
+        </p:nvSpPr>
+        <p:spPr>
+          <a:xfrm>
+            <a:off x="2461847" y="674174"/>
+            <a:ext cx="7268308" cy="707886"/>
+          </a:xfrm>
+          <a:prstGeom prst="rect">
+            <a:avLst/>
+          </a:prstGeom>
+          <a:noFill/>
+        </p:spPr>
+        <p:txBody>
+          <a:bodyPr wrap="square" rtlCol="0">
+            <a:spAutoFit/>
+          </a:bodyPr>
+          <a:lstStyle/>
+          <a:p>
+            <a:pPr algn="ctr"/>
+            <a:r>
+              <a:rPr lang="ko-KR" altLang="en-US" sz="4000"/>
+              <a:t>이름의 유래</a:t>
+            </a:r>
+            <a:endParaRPr lang="en-US" altLang="ko-KR" sz="4000" dirty="0"/>
           </a:p>
         </p:txBody>
       </p:sp>
     </p:spTree>
     <p:extLst>
       <p:ext uri="{BB962C8B-B14F-4D97-AF65-F5344CB8AC3E}">
-        <p14:creationId xmlns:p14="http://schemas.microsoft.com/office/powerpoint/2010/main" val="2557639981"/>
+        <p14:creationId xmlns:p14="http://schemas.microsoft.com/office/powerpoint/2010/main" val="2082934293"/>
       </p:ext>
     </p:extLst>
   </p:cSld>
@@ -4877,16 +4935,17 @@
           <a:p>
             <a:pPr algn="ctr"/>
             <a:r>
-              <a:rPr lang="en-US" altLang="ko-KR" sz="8000" dirty="0"/>
-              <a:t>console.log()</a:t>
-            </a:r>
+              <a:rPr lang="ko-KR" altLang="en-US" sz="8000" dirty="0"/>
+              <a:t>변수</a:t>
+            </a:r>
+            <a:endParaRPr lang="en-US" altLang="ko-KR" sz="8000" dirty="0"/>
           </a:p>
         </p:txBody>
       </p:sp>
     </p:spTree>
     <p:extLst>
       <p:ext uri="{BB962C8B-B14F-4D97-AF65-F5344CB8AC3E}">
-        <p14:creationId xmlns:p14="http://schemas.microsoft.com/office/powerpoint/2010/main" val="194507990"/>
+        <p14:creationId xmlns:p14="http://schemas.microsoft.com/office/powerpoint/2010/main" val="1004204534"/>
       </p:ext>
     </p:extLst>
   </p:cSld>
@@ -4927,7 +4986,7 @@
         </p:nvSpPr>
         <p:spPr>
           <a:xfrm>
-            <a:off x="2461846" y="2551723"/>
+            <a:off x="2461846" y="2145323"/>
             <a:ext cx="7268308" cy="1323439"/>
           </a:xfrm>
           <a:prstGeom prst="rect">
@@ -4943,16 +5002,21 @@
           <a:p>
             <a:pPr algn="ctr"/>
             <a:r>
-              <a:rPr lang="en-US" altLang="ko-KR" sz="8000" dirty="0"/>
-              <a:t>+ - * / % **</a:t>
-            </a:r>
+              <a:rPr lang="ko-KR" altLang="en-US" sz="8000" dirty="0" err="1"/>
+              <a:t>변수명</a:t>
+            </a:r>
+            <a:r>
+              <a:rPr lang="ko-KR" altLang="en-US" sz="8000" dirty="0"/>
+              <a:t> 규칙</a:t>
+            </a:r>
+            <a:endParaRPr lang="en-US" altLang="ko-KR" sz="8000" dirty="0"/>
           </a:p>
         </p:txBody>
       </p:sp>
     </p:spTree>
     <p:extLst>
       <p:ext uri="{BB962C8B-B14F-4D97-AF65-F5344CB8AC3E}">
-        <p14:creationId xmlns:p14="http://schemas.microsoft.com/office/powerpoint/2010/main" val="4203081283"/>
+        <p14:creationId xmlns:p14="http://schemas.microsoft.com/office/powerpoint/2010/main" val="2525268661"/>
       </p:ext>
     </p:extLst>
   </p:cSld>
@@ -5010,7 +5074,7 @@
             <a:pPr algn="ctr"/>
             <a:r>
               <a:rPr lang="en-US" altLang="ko-KR" sz="8000" dirty="0"/>
-              <a:t>alert()</a:t>
+              <a:t>var let const</a:t>
             </a:r>
           </a:p>
         </p:txBody>
@@ -5018,7 +5082,7 @@
     </p:spTree>
     <p:extLst>
       <p:ext uri="{BB962C8B-B14F-4D97-AF65-F5344CB8AC3E}">
-        <p14:creationId xmlns:p14="http://schemas.microsoft.com/office/powerpoint/2010/main" val="2768001639"/>
+        <p14:creationId xmlns:p14="http://schemas.microsoft.com/office/powerpoint/2010/main" val="2557639981"/>
       </p:ext>
     </p:extLst>
   </p:cSld>
@@ -5059,7 +5123,7 @@
         </p:nvSpPr>
         <p:spPr>
           <a:xfrm>
-            <a:off x="2461846" y="2564423"/>
+            <a:off x="2461846" y="2145323"/>
             <a:ext cx="7268308" cy="1323439"/>
           </a:xfrm>
           <a:prstGeom prst="rect">
@@ -5076,7 +5140,7 @@
             <a:pPr algn="ctr"/>
             <a:r>
               <a:rPr lang="en-US" altLang="ko-KR" sz="8000" dirty="0"/>
-              <a:t>if</a:t>
+              <a:t>console.log()</a:t>
             </a:r>
           </a:p>
         </p:txBody>
@@ -5084,7 +5148,7 @@
     </p:spTree>
     <p:extLst>
       <p:ext uri="{BB962C8B-B14F-4D97-AF65-F5344CB8AC3E}">
-        <p14:creationId xmlns:p14="http://schemas.microsoft.com/office/powerpoint/2010/main" val="1676203958"/>
+        <p14:creationId xmlns:p14="http://schemas.microsoft.com/office/powerpoint/2010/main" val="194507990"/>
       </p:ext>
     </p:extLst>
   </p:cSld>
@@ -5125,8 +5189,8 @@
         </p:nvSpPr>
         <p:spPr>
           <a:xfrm>
-            <a:off x="2461846" y="761023"/>
-            <a:ext cx="7268308" cy="5016758"/>
+            <a:off x="2461846" y="2551723"/>
+            <a:ext cx="7268308" cy="1323439"/>
           </a:xfrm>
           <a:prstGeom prst="rect">
             <a:avLst/>
@@ -5142,28 +5206,7 @@
             <a:pPr algn="ctr"/>
             <a:r>
               <a:rPr lang="en-US" altLang="ko-KR" sz="8000" dirty="0"/>
-              <a:t>&gt;</a:t>
-            </a:r>
-          </a:p>
-          <a:p>
-            <a:pPr algn="ctr"/>
-            <a:r>
-              <a:rPr lang="en-US" altLang="ko-KR" sz="8000" dirty="0"/>
-              <a:t>&lt;</a:t>
-            </a:r>
-          </a:p>
-          <a:p>
-            <a:pPr algn="ctr"/>
-            <a:r>
-              <a:rPr lang="en-US" altLang="ko-KR" sz="8000" dirty="0"/>
-              <a:t>&gt;=</a:t>
-            </a:r>
-          </a:p>
-          <a:p>
-            <a:pPr algn="ctr"/>
-            <a:r>
-              <a:rPr lang="en-US" altLang="ko-KR" sz="8000" dirty="0"/>
-              <a:t>&lt;=</a:t>
+              <a:t>+ - * / % **</a:t>
             </a:r>
           </a:p>
         </p:txBody>
@@ -5171,7 +5214,7 @@
     </p:spTree>
     <p:extLst>
       <p:ext uri="{BB962C8B-B14F-4D97-AF65-F5344CB8AC3E}">
-        <p14:creationId xmlns:p14="http://schemas.microsoft.com/office/powerpoint/2010/main" val="4091158168"/>
+        <p14:creationId xmlns:p14="http://schemas.microsoft.com/office/powerpoint/2010/main" val="4203081283"/>
       </p:ext>
     </p:extLst>
   </p:cSld>
@@ -5212,8 +5255,8 @@
         </p:nvSpPr>
         <p:spPr>
           <a:xfrm>
-            <a:off x="2461846" y="1269023"/>
-            <a:ext cx="7268308" cy="3785652"/>
+            <a:off x="2461846" y="2145323"/>
+            <a:ext cx="7268308" cy="1323439"/>
           </a:xfrm>
           <a:prstGeom prst="rect">
             <a:avLst/>
@@ -5229,21 +5272,7 @@
             <a:pPr algn="ctr"/>
             <a:r>
               <a:rPr lang="en-US" altLang="ko-KR" sz="8000" dirty="0"/>
-              <a:t>||</a:t>
-            </a:r>
-          </a:p>
-          <a:p>
-            <a:pPr algn="ctr"/>
-            <a:r>
-              <a:rPr lang="en-US" altLang="ko-KR" sz="8000" dirty="0"/>
-              <a:t>&amp;&amp;</a:t>
-            </a:r>
-          </a:p>
-          <a:p>
-            <a:pPr algn="ctr"/>
-            <a:r>
-              <a:rPr lang="en-US" altLang="ko-KR" sz="8000" dirty="0"/>
-              <a:t>!</a:t>
+              <a:t>alert()</a:t>
             </a:r>
           </a:p>
         </p:txBody>
@@ -5251,7 +5280,7 @@
     </p:spTree>
     <p:extLst>
       <p:ext uri="{BB962C8B-B14F-4D97-AF65-F5344CB8AC3E}">
-        <p14:creationId xmlns:p14="http://schemas.microsoft.com/office/powerpoint/2010/main" val="2531885579"/>
+        <p14:creationId xmlns:p14="http://schemas.microsoft.com/office/powerpoint/2010/main" val="2768001639"/>
       </p:ext>
     </p:extLst>
   </p:cSld>
@@ -5292,8 +5321,8 @@
         </p:nvSpPr>
         <p:spPr>
           <a:xfrm>
-            <a:off x="2461846" y="1015023"/>
-            <a:ext cx="7268308" cy="3785652"/>
+            <a:off x="2461846" y="2564423"/>
+            <a:ext cx="7268308" cy="1323439"/>
           </a:xfrm>
           <a:prstGeom prst="rect">
             <a:avLst/>
@@ -5310,20 +5339,6 @@
             <a:r>
               <a:rPr lang="en-US" altLang="ko-KR" sz="8000" dirty="0"/>
               <a:t>if</a:t>
-            </a:r>
-          </a:p>
-          <a:p>
-            <a:pPr algn="ctr"/>
-            <a:r>
-              <a:rPr lang="en-US" altLang="ko-KR" sz="8000" dirty="0"/>
-              <a:t>else if</a:t>
-            </a:r>
-          </a:p>
-          <a:p>
-            <a:pPr algn="ctr"/>
-            <a:r>
-              <a:rPr lang="en-US" altLang="ko-KR" sz="8000" dirty="0"/>
-              <a:t>else</a:t>
             </a:r>
           </a:p>
         </p:txBody>
@@ -5331,7 +5346,7 @@
     </p:spTree>
     <p:extLst>
       <p:ext uri="{BB962C8B-B14F-4D97-AF65-F5344CB8AC3E}">
-        <p14:creationId xmlns:p14="http://schemas.microsoft.com/office/powerpoint/2010/main" val="1384890283"/>
+        <p14:creationId xmlns:p14="http://schemas.microsoft.com/office/powerpoint/2010/main" val="1676203958"/>
       </p:ext>
     </p:extLst>
   </p:cSld>
@@ -5439,8 +5454,8 @@
         </p:nvSpPr>
         <p:spPr>
           <a:xfrm>
-            <a:off x="2461846" y="1878623"/>
-            <a:ext cx="7268308" cy="2554545"/>
+            <a:off x="2461846" y="761023"/>
+            <a:ext cx="7268308" cy="5016758"/>
           </a:xfrm>
           <a:prstGeom prst="rect">
             <a:avLst/>
@@ -5456,14 +5471,28 @@
             <a:pPr algn="ctr"/>
             <a:r>
               <a:rPr lang="en-US" altLang="ko-KR" sz="8000" dirty="0"/>
-              <a:t>//</a:t>
+              <a:t>&gt;</a:t>
             </a:r>
           </a:p>
           <a:p>
             <a:pPr algn="ctr"/>
             <a:r>
               <a:rPr lang="en-US" altLang="ko-KR" sz="8000" dirty="0"/>
-              <a:t>/**/</a:t>
+              <a:t>&lt;</a:t>
+            </a:r>
+          </a:p>
+          <a:p>
+            <a:pPr algn="ctr"/>
+            <a:r>
+              <a:rPr lang="en-US" altLang="ko-KR" sz="8000" dirty="0"/>
+              <a:t>&gt;=</a:t>
+            </a:r>
+          </a:p>
+          <a:p>
+            <a:pPr algn="ctr"/>
+            <a:r>
+              <a:rPr lang="en-US" altLang="ko-KR" sz="8000" dirty="0"/>
+              <a:t>&lt;=</a:t>
             </a:r>
           </a:p>
         </p:txBody>
@@ -5471,7 +5500,7 @@
     </p:spTree>
     <p:extLst>
       <p:ext uri="{BB962C8B-B14F-4D97-AF65-F5344CB8AC3E}">
-        <p14:creationId xmlns:p14="http://schemas.microsoft.com/office/powerpoint/2010/main" val="3460563741"/>
+        <p14:creationId xmlns:p14="http://schemas.microsoft.com/office/powerpoint/2010/main" val="4091158168"/>
       </p:ext>
     </p:extLst>
   </p:cSld>
@@ -5512,8 +5541,8 @@
         </p:nvSpPr>
         <p:spPr>
           <a:xfrm>
-            <a:off x="2461846" y="2207161"/>
-            <a:ext cx="7268308" cy="1323439"/>
+            <a:off x="2461846" y="1269023"/>
+            <a:ext cx="7268308" cy="3785652"/>
           </a:xfrm>
           <a:prstGeom prst="rect">
             <a:avLst/>
@@ -5529,7 +5558,21 @@
             <a:pPr algn="ctr"/>
             <a:r>
               <a:rPr lang="en-US" altLang="ko-KR" sz="8000" dirty="0"/>
-              <a:t>? :</a:t>
+              <a:t>||</a:t>
+            </a:r>
+          </a:p>
+          <a:p>
+            <a:pPr algn="ctr"/>
+            <a:r>
+              <a:rPr lang="en-US" altLang="ko-KR" sz="8000" dirty="0"/>
+              <a:t>&amp;&amp;</a:t>
+            </a:r>
+          </a:p>
+          <a:p>
+            <a:pPr algn="ctr"/>
+            <a:r>
+              <a:rPr lang="en-US" altLang="ko-KR" sz="8000" dirty="0"/>
+              <a:t>!</a:t>
             </a:r>
           </a:p>
         </p:txBody>
@@ -5537,7 +5580,7 @@
     </p:spTree>
     <p:extLst>
       <p:ext uri="{BB962C8B-B14F-4D97-AF65-F5344CB8AC3E}">
-        <p14:creationId xmlns:p14="http://schemas.microsoft.com/office/powerpoint/2010/main" val="1720475646"/>
+        <p14:creationId xmlns:p14="http://schemas.microsoft.com/office/powerpoint/2010/main" val="2531885579"/>
       </p:ext>
     </p:extLst>
   </p:cSld>
@@ -5578,8 +5621,8 @@
         </p:nvSpPr>
         <p:spPr>
           <a:xfrm>
-            <a:off x="2461846" y="2145323"/>
-            <a:ext cx="7268308" cy="1323439"/>
+            <a:off x="2461846" y="1015023"/>
+            <a:ext cx="7268308" cy="3785652"/>
           </a:xfrm>
           <a:prstGeom prst="rect">
             <a:avLst/>
@@ -5595,7 +5638,21 @@
             <a:pPr algn="ctr"/>
             <a:r>
               <a:rPr lang="en-US" altLang="ko-KR" sz="8000" dirty="0"/>
-              <a:t>switch</a:t>
+              <a:t>if</a:t>
+            </a:r>
+          </a:p>
+          <a:p>
+            <a:pPr algn="ctr"/>
+            <a:r>
+              <a:rPr lang="en-US" altLang="ko-KR" sz="8000" dirty="0"/>
+              <a:t>else if</a:t>
+            </a:r>
+          </a:p>
+          <a:p>
+            <a:pPr algn="ctr"/>
+            <a:r>
+              <a:rPr lang="en-US" altLang="ko-KR" sz="8000" dirty="0"/>
+              <a:t>else</a:t>
             </a:r>
           </a:p>
         </p:txBody>
@@ -5603,7 +5660,7 @@
     </p:spTree>
     <p:extLst>
       <p:ext uri="{BB962C8B-B14F-4D97-AF65-F5344CB8AC3E}">
-        <p14:creationId xmlns:p14="http://schemas.microsoft.com/office/powerpoint/2010/main" val="1752721334"/>
+        <p14:creationId xmlns:p14="http://schemas.microsoft.com/office/powerpoint/2010/main" val="1384890283"/>
       </p:ext>
     </p:extLst>
   </p:cSld>
@@ -5644,8 +5701,8 @@
         </p:nvSpPr>
         <p:spPr>
           <a:xfrm>
-            <a:off x="2461846" y="2145323"/>
-            <a:ext cx="7268308" cy="1323439"/>
+            <a:off x="2461846" y="1878623"/>
+            <a:ext cx="7268308" cy="2554545"/>
           </a:xfrm>
           <a:prstGeom prst="rect">
             <a:avLst/>
@@ -5661,7 +5718,14 @@
             <a:pPr algn="ctr"/>
             <a:r>
               <a:rPr lang="en-US" altLang="ko-KR" sz="8000" dirty="0"/>
-              <a:t>while</a:t>
+              <a:t>//</a:t>
+            </a:r>
+          </a:p>
+          <a:p>
+            <a:pPr algn="ctr"/>
+            <a:r>
+              <a:rPr lang="en-US" altLang="ko-KR" sz="8000" dirty="0"/>
+              <a:t>/**/</a:t>
             </a:r>
           </a:p>
         </p:txBody>
@@ -5669,7 +5733,7 @@
     </p:spTree>
     <p:extLst>
       <p:ext uri="{BB962C8B-B14F-4D97-AF65-F5344CB8AC3E}">
-        <p14:creationId xmlns:p14="http://schemas.microsoft.com/office/powerpoint/2010/main" val="3957724946"/>
+        <p14:creationId xmlns:p14="http://schemas.microsoft.com/office/powerpoint/2010/main" val="3460563741"/>
       </p:ext>
     </p:extLst>
   </p:cSld>
@@ -5710,7 +5774,7 @@
         </p:nvSpPr>
         <p:spPr>
           <a:xfrm>
-            <a:off x="2461846" y="2145323"/>
+            <a:off x="2461846" y="2207161"/>
             <a:ext cx="7268308" cy="1323439"/>
           </a:xfrm>
           <a:prstGeom prst="rect">
@@ -5727,43 +5791,7 @@
             <a:pPr algn="ctr"/>
             <a:r>
               <a:rPr lang="en-US" altLang="ko-KR" sz="8000" dirty="0"/>
-              <a:t>continue</a:t>
-            </a:r>
-          </a:p>
-        </p:txBody>
-      </p:sp>
-      <p:sp>
-        <p:nvSpPr>
-          <p:cNvPr id="2" name="TextBox 1">
-            <a:extLst>
-              <a:ext uri="{FF2B5EF4-FFF2-40B4-BE49-F238E27FC236}">
-                <a16:creationId xmlns:a16="http://schemas.microsoft.com/office/drawing/2014/main" id="{4215E355-C71B-D009-5413-1B23656E5882}"/>
-              </a:ext>
-            </a:extLst>
-          </p:cNvPr>
-          <p:cNvSpPr txBox="1"/>
-          <p:nvPr/>
-        </p:nvSpPr>
-        <p:spPr>
-          <a:xfrm>
-            <a:off x="2461846" y="3262923"/>
-            <a:ext cx="7268308" cy="1323439"/>
-          </a:xfrm>
-          <a:prstGeom prst="rect">
-            <a:avLst/>
-          </a:prstGeom>
-          <a:noFill/>
-        </p:spPr>
-        <p:txBody>
-          <a:bodyPr wrap="square" rtlCol="0">
-            <a:spAutoFit/>
-          </a:bodyPr>
-          <a:lstStyle/>
-          <a:p>
-            <a:pPr algn="ctr"/>
-            <a:r>
-              <a:rPr lang="en-US" altLang="ko-KR" sz="8000" dirty="0"/>
-              <a:t>break</a:t>
+              <a:t>? :</a:t>
             </a:r>
           </a:p>
         </p:txBody>
@@ -5771,7 +5799,7 @@
     </p:spTree>
     <p:extLst>
       <p:ext uri="{BB962C8B-B14F-4D97-AF65-F5344CB8AC3E}">
-        <p14:creationId xmlns:p14="http://schemas.microsoft.com/office/powerpoint/2010/main" val="203296431"/>
+        <p14:creationId xmlns:p14="http://schemas.microsoft.com/office/powerpoint/2010/main" val="1720475646"/>
       </p:ext>
     </p:extLst>
   </p:cSld>
@@ -5828,17 +5856,16 @@
           <a:p>
             <a:pPr algn="ctr"/>
             <a:r>
-              <a:rPr lang="en-US" altLang="ko-KR" sz="8000" dirty="0" err="1"/>
-              <a:t>dowhile</a:t>
-            </a:r>
-            <a:endParaRPr lang="en-US" altLang="ko-KR" sz="8000" dirty="0"/>
+              <a:rPr lang="en-US" altLang="ko-KR" sz="8000" dirty="0"/>
+              <a:t>switch</a:t>
+            </a:r>
           </a:p>
         </p:txBody>
       </p:sp>
     </p:spTree>
     <p:extLst>
       <p:ext uri="{BB962C8B-B14F-4D97-AF65-F5344CB8AC3E}">
-        <p14:creationId xmlns:p14="http://schemas.microsoft.com/office/powerpoint/2010/main" val="2658919004"/>
+        <p14:creationId xmlns:p14="http://schemas.microsoft.com/office/powerpoint/2010/main" val="1752721334"/>
       </p:ext>
     </p:extLst>
   </p:cSld>
@@ -5879,8 +5906,8 @@
         </p:nvSpPr>
         <p:spPr>
           <a:xfrm>
-            <a:off x="2461846" y="584200"/>
-            <a:ext cx="7268308" cy="5016758"/>
+            <a:off x="2461846" y="2145323"/>
+            <a:ext cx="7268308" cy="1323439"/>
           </a:xfrm>
           <a:prstGeom prst="rect">
             <a:avLst/>
@@ -5896,28 +5923,7 @@
             <a:pPr algn="ctr"/>
             <a:r>
               <a:rPr lang="en-US" altLang="ko-KR" sz="8000" dirty="0"/>
-              <a:t>++</a:t>
-            </a:r>
-          </a:p>
-          <a:p>
-            <a:pPr algn="ctr"/>
-            <a:r>
-              <a:rPr lang="en-US" altLang="ko-KR" sz="8000" dirty="0"/>
-              <a:t>--</a:t>
-            </a:r>
-          </a:p>
-          <a:p>
-            <a:pPr algn="ctr"/>
-            <a:r>
-              <a:rPr lang="en-US" altLang="ko-KR" sz="8000" dirty="0"/>
-              <a:t>+=</a:t>
-            </a:r>
-          </a:p>
-          <a:p>
-            <a:pPr algn="ctr"/>
-            <a:r>
-              <a:rPr lang="en-US" altLang="ko-KR" sz="8000" dirty="0"/>
-              <a:t>* / % !</a:t>
+              <a:t>while</a:t>
             </a:r>
           </a:p>
         </p:txBody>
@@ -5925,7 +5931,7 @@
     </p:spTree>
     <p:extLst>
       <p:ext uri="{BB962C8B-B14F-4D97-AF65-F5344CB8AC3E}">
-        <p14:creationId xmlns:p14="http://schemas.microsoft.com/office/powerpoint/2010/main" val="1196184717"/>
+        <p14:creationId xmlns:p14="http://schemas.microsoft.com/office/powerpoint/2010/main" val="3957724946"/>
       </p:ext>
     </p:extLst>
   </p:cSld>
@@ -5983,7 +5989,43 @@
             <a:pPr algn="ctr"/>
             <a:r>
               <a:rPr lang="en-US" altLang="ko-KR" sz="8000" dirty="0"/>
-              <a:t>for</a:t>
+              <a:t>continue</a:t>
+            </a:r>
+          </a:p>
+        </p:txBody>
+      </p:sp>
+      <p:sp>
+        <p:nvSpPr>
+          <p:cNvPr id="2" name="TextBox 1">
+            <a:extLst>
+              <a:ext uri="{FF2B5EF4-FFF2-40B4-BE49-F238E27FC236}">
+                <a16:creationId xmlns:a16="http://schemas.microsoft.com/office/drawing/2014/main" id="{4215E355-C71B-D009-5413-1B23656E5882}"/>
+              </a:ext>
+            </a:extLst>
+          </p:cNvPr>
+          <p:cNvSpPr txBox="1"/>
+          <p:nvPr/>
+        </p:nvSpPr>
+        <p:spPr>
+          <a:xfrm>
+            <a:off x="2461846" y="3262923"/>
+            <a:ext cx="7268308" cy="1323439"/>
+          </a:xfrm>
+          <a:prstGeom prst="rect">
+            <a:avLst/>
+          </a:prstGeom>
+          <a:noFill/>
+        </p:spPr>
+        <p:txBody>
+          <a:bodyPr wrap="square" rtlCol="0">
+            <a:spAutoFit/>
+          </a:bodyPr>
+          <a:lstStyle/>
+          <a:p>
+            <a:pPr algn="ctr"/>
+            <a:r>
+              <a:rPr lang="en-US" altLang="ko-KR" sz="8000" dirty="0"/>
+              <a:t>break</a:t>
             </a:r>
           </a:p>
         </p:txBody>
@@ -5991,7 +6033,7 @@
     </p:spTree>
     <p:extLst>
       <p:ext uri="{BB962C8B-B14F-4D97-AF65-F5344CB8AC3E}">
-        <p14:creationId xmlns:p14="http://schemas.microsoft.com/office/powerpoint/2010/main" val="2212278104"/>
+        <p14:creationId xmlns:p14="http://schemas.microsoft.com/office/powerpoint/2010/main" val="203296431"/>
       </p:ext>
     </p:extLst>
   </p:cSld>
@@ -6032,32 +6074,24 @@
         </p:nvSpPr>
         <p:spPr>
           <a:xfrm>
-            <a:off x="2461846" y="1688123"/>
-            <a:ext cx="7268308" cy="2554545"/>
-          </a:xfrm>
-          <a:prstGeom prst="rect">
-            <a:avLst/>
-          </a:prstGeom>
-          <a:noFill/>
-        </p:spPr>
-        <p:txBody>
-          <a:bodyPr wrap="square" rtlCol="0">
-            <a:spAutoFit/>
-          </a:bodyPr>
-          <a:lstStyle/>
-          <a:p>
-            <a:pPr algn="ctr"/>
-            <a:r>
-              <a:rPr lang="ko-KR" altLang="en-US" sz="8000" dirty="0"/>
-              <a:t>지역변수</a:t>
-            </a:r>
-            <a:endParaRPr lang="en-US" altLang="ko-KR" sz="8000" dirty="0"/>
-          </a:p>
-          <a:p>
-            <a:pPr algn="ctr"/>
-            <a:r>
-              <a:rPr lang="ko-KR" altLang="en-US" sz="8000" dirty="0"/>
-              <a:t>전역변수</a:t>
+            <a:off x="2461846" y="2145323"/>
+            <a:ext cx="7268308" cy="1323439"/>
+          </a:xfrm>
+          <a:prstGeom prst="rect">
+            <a:avLst/>
+          </a:prstGeom>
+          <a:noFill/>
+        </p:spPr>
+        <p:txBody>
+          <a:bodyPr wrap="square" rtlCol="0">
+            <a:spAutoFit/>
+          </a:bodyPr>
+          <a:lstStyle/>
+          <a:p>
+            <a:pPr algn="ctr"/>
+            <a:r>
+              <a:rPr lang="en-US" altLang="ko-KR" sz="8000" dirty="0" err="1"/>
+              <a:t>dowhile</a:t>
             </a:r>
             <a:endParaRPr lang="en-US" altLang="ko-KR" sz="8000" dirty="0"/>
           </a:p>
@@ -6066,7 +6100,7 @@
     </p:spTree>
     <p:extLst>
       <p:ext uri="{BB962C8B-B14F-4D97-AF65-F5344CB8AC3E}">
-        <p14:creationId xmlns:p14="http://schemas.microsoft.com/office/powerpoint/2010/main" val="279647758"/>
+        <p14:creationId xmlns:p14="http://schemas.microsoft.com/office/powerpoint/2010/main" val="2658919004"/>
       </p:ext>
     </p:extLst>
   </p:cSld>
@@ -6107,28 +6141,45 @@
         </p:nvSpPr>
         <p:spPr>
           <a:xfrm>
-            <a:off x="2461846" y="2145323"/>
-            <a:ext cx="7268308" cy="1323439"/>
-          </a:xfrm>
-          <a:prstGeom prst="rect">
-            <a:avLst/>
-          </a:prstGeom>
-          <a:noFill/>
-        </p:spPr>
-        <p:txBody>
-          <a:bodyPr wrap="square" rtlCol="0">
-            <a:spAutoFit/>
-          </a:bodyPr>
-          <a:lstStyle/>
-          <a:p>
-            <a:pPr algn="ctr"/>
-            <a:r>
-              <a:rPr lang="ko-KR" altLang="en-US" sz="8000" dirty="0"/>
-              <a:t>배열</a:t>
-            </a:r>
+            <a:off x="2461846" y="584200"/>
+            <a:ext cx="7268308" cy="5016758"/>
+          </a:xfrm>
+          <a:prstGeom prst="rect">
+            <a:avLst/>
+          </a:prstGeom>
+          <a:noFill/>
+        </p:spPr>
+        <p:txBody>
+          <a:bodyPr wrap="square" rtlCol="0">
+            <a:spAutoFit/>
+          </a:bodyPr>
+          <a:lstStyle/>
+          <a:p>
+            <a:pPr algn="ctr"/>
             <a:r>
               <a:rPr lang="en-US" altLang="ko-KR" sz="8000" dirty="0"/>
-              <a:t>[]</a:t>
+              <a:t>++</a:t>
+            </a:r>
+          </a:p>
+          <a:p>
+            <a:pPr algn="ctr"/>
+            <a:r>
+              <a:rPr lang="en-US" altLang="ko-KR" sz="8000" dirty="0"/>
+              <a:t>--</a:t>
+            </a:r>
+          </a:p>
+          <a:p>
+            <a:pPr algn="ctr"/>
+            <a:r>
+              <a:rPr lang="en-US" altLang="ko-KR" sz="8000" dirty="0"/>
+              <a:t>+=</a:t>
+            </a:r>
+          </a:p>
+          <a:p>
+            <a:pPr algn="ctr"/>
+            <a:r>
+              <a:rPr lang="en-US" altLang="ko-KR" sz="8000" dirty="0"/>
+              <a:t>* / % !</a:t>
             </a:r>
           </a:p>
         </p:txBody>
@@ -6136,7 +6187,7 @@
     </p:spTree>
     <p:extLst>
       <p:ext uri="{BB962C8B-B14F-4D97-AF65-F5344CB8AC3E}">
-        <p14:creationId xmlns:p14="http://schemas.microsoft.com/office/powerpoint/2010/main" val="1230663859"/>
+        <p14:creationId xmlns:p14="http://schemas.microsoft.com/office/powerpoint/2010/main" val="1196184717"/>
       </p:ext>
     </p:extLst>
   </p:cSld>
@@ -6244,8 +6295,8 @@
         </p:nvSpPr>
         <p:spPr>
           <a:xfrm>
-            <a:off x="2461846" y="2105561"/>
-            <a:ext cx="7268308" cy="2554545"/>
+            <a:off x="2461846" y="2145323"/>
+            <a:ext cx="7268308" cy="1323439"/>
           </a:xfrm>
           <a:prstGeom prst="rect">
             <a:avLst/>
@@ -6261,14 +6312,7 @@
             <a:pPr algn="ctr"/>
             <a:r>
               <a:rPr lang="en-US" altLang="ko-KR" sz="8000" dirty="0"/>
-              <a:t>function()</a:t>
-            </a:r>
-          </a:p>
-          <a:p>
-            <a:pPr algn="ctr"/>
-            <a:r>
-              <a:rPr lang="en-US" altLang="ko-KR" sz="8000" dirty="0"/>
-              <a:t>return 0;</a:t>
+              <a:t>for</a:t>
             </a:r>
           </a:p>
         </p:txBody>
@@ -6276,7 +6320,7 @@
     </p:spTree>
     <p:extLst>
       <p:ext uri="{BB962C8B-B14F-4D97-AF65-F5344CB8AC3E}">
-        <p14:creationId xmlns:p14="http://schemas.microsoft.com/office/powerpoint/2010/main" val="26382584"/>
+        <p14:creationId xmlns:p14="http://schemas.microsoft.com/office/powerpoint/2010/main" val="2212278104"/>
       </p:ext>
     </p:extLst>
   </p:cSld>
@@ -6317,24 +6361,32 @@
         </p:nvSpPr>
         <p:spPr>
           <a:xfrm>
-            <a:off x="1746250" y="2526323"/>
-            <a:ext cx="8699500" cy="1323439"/>
-          </a:xfrm>
-          <a:prstGeom prst="rect">
-            <a:avLst/>
-          </a:prstGeom>
-          <a:noFill/>
-        </p:spPr>
-        <p:txBody>
-          <a:bodyPr wrap="square" rtlCol="0">
-            <a:spAutoFit/>
-          </a:bodyPr>
-          <a:lstStyle/>
-          <a:p>
-            <a:pPr algn="ctr"/>
-            <a:r>
-              <a:rPr lang="en-US" altLang="ko-KR" sz="8000" dirty="0" err="1"/>
-              <a:t>addEventListener</a:t>
+            <a:off x="2461846" y="1688123"/>
+            <a:ext cx="7268308" cy="2554545"/>
+          </a:xfrm>
+          <a:prstGeom prst="rect">
+            <a:avLst/>
+          </a:prstGeom>
+          <a:noFill/>
+        </p:spPr>
+        <p:txBody>
+          <a:bodyPr wrap="square" rtlCol="0">
+            <a:spAutoFit/>
+          </a:bodyPr>
+          <a:lstStyle/>
+          <a:p>
+            <a:pPr algn="ctr"/>
+            <a:r>
+              <a:rPr lang="ko-KR" altLang="en-US" sz="8000" dirty="0"/>
+              <a:t>지역변수</a:t>
+            </a:r>
+            <a:endParaRPr lang="en-US" altLang="ko-KR" sz="8000" dirty="0"/>
+          </a:p>
+          <a:p>
+            <a:pPr algn="ctr"/>
+            <a:r>
+              <a:rPr lang="ko-KR" altLang="en-US" sz="8000" dirty="0"/>
+              <a:t>전역변수</a:t>
             </a:r>
             <a:endParaRPr lang="en-US" altLang="ko-KR" sz="8000" dirty="0"/>
           </a:p>
@@ -6343,7 +6395,7 @@
     </p:spTree>
     <p:extLst>
       <p:ext uri="{BB962C8B-B14F-4D97-AF65-F5344CB8AC3E}">
-        <p14:creationId xmlns:p14="http://schemas.microsoft.com/office/powerpoint/2010/main" val="2225793031"/>
+        <p14:creationId xmlns:p14="http://schemas.microsoft.com/office/powerpoint/2010/main" val="279647758"/>
       </p:ext>
     </p:extLst>
   </p:cSld>
@@ -6384,24 +6436,28 @@
         </p:nvSpPr>
         <p:spPr>
           <a:xfrm>
-            <a:off x="1746250" y="2526323"/>
-            <a:ext cx="8699500" cy="1323439"/>
-          </a:xfrm>
-          <a:prstGeom prst="rect">
-            <a:avLst/>
-          </a:prstGeom>
-          <a:noFill/>
-        </p:spPr>
-        <p:txBody>
-          <a:bodyPr wrap="square" rtlCol="0">
-            <a:spAutoFit/>
-          </a:bodyPr>
-          <a:lstStyle/>
-          <a:p>
-            <a:pPr algn="ctr"/>
+            <a:off x="2461846" y="2145323"/>
+            <a:ext cx="7268308" cy="1323439"/>
+          </a:xfrm>
+          <a:prstGeom prst="rect">
+            <a:avLst/>
+          </a:prstGeom>
+          <a:noFill/>
+        </p:spPr>
+        <p:txBody>
+          <a:bodyPr wrap="square" rtlCol="0">
+            <a:spAutoFit/>
+          </a:bodyPr>
+          <a:lstStyle/>
+          <a:p>
+            <a:pPr algn="ctr"/>
+            <a:r>
+              <a:rPr lang="ko-KR" altLang="en-US" sz="8000" dirty="0"/>
+              <a:t>배열</a:t>
+            </a:r>
             <a:r>
               <a:rPr lang="en-US" altLang="ko-KR" sz="8000" dirty="0"/>
-              <a:t>select</a:t>
+              <a:t>[]</a:t>
             </a:r>
           </a:p>
         </p:txBody>
@@ -6409,7 +6465,7 @@
     </p:spTree>
     <p:extLst>
       <p:ext uri="{BB962C8B-B14F-4D97-AF65-F5344CB8AC3E}">
-        <p14:creationId xmlns:p14="http://schemas.microsoft.com/office/powerpoint/2010/main" val="891193199"/>
+        <p14:creationId xmlns:p14="http://schemas.microsoft.com/office/powerpoint/2010/main" val="1230663859"/>
       </p:ext>
     </p:extLst>
   </p:cSld>
@@ -6450,33 +6506,39 @@
         </p:nvSpPr>
         <p:spPr>
           <a:xfrm>
-            <a:off x="1746250" y="2526323"/>
-            <a:ext cx="8699500" cy="1323439"/>
-          </a:xfrm>
-          <a:prstGeom prst="rect">
-            <a:avLst/>
-          </a:prstGeom>
-          <a:noFill/>
-        </p:spPr>
-        <p:txBody>
-          <a:bodyPr wrap="square" rtlCol="0">
-            <a:spAutoFit/>
-          </a:bodyPr>
-          <a:lstStyle/>
-          <a:p>
-            <a:pPr algn="ctr"/>
-            <a:r>
-              <a:rPr lang="en-US" altLang="ko-KR" sz="8000" dirty="0" err="1"/>
-              <a:t>Math.PI</a:t>
-            </a:r>
-            <a:endParaRPr lang="en-US" altLang="ko-KR" sz="8000" dirty="0"/>
+            <a:off x="2461846" y="2105561"/>
+            <a:ext cx="7268308" cy="2554545"/>
+          </a:xfrm>
+          <a:prstGeom prst="rect">
+            <a:avLst/>
+          </a:prstGeom>
+          <a:noFill/>
+        </p:spPr>
+        <p:txBody>
+          <a:bodyPr wrap="square" rtlCol="0">
+            <a:spAutoFit/>
+          </a:bodyPr>
+          <a:lstStyle/>
+          <a:p>
+            <a:pPr algn="ctr"/>
+            <a:r>
+              <a:rPr lang="en-US" altLang="ko-KR" sz="8000" dirty="0"/>
+              <a:t>function()</a:t>
+            </a:r>
+          </a:p>
+          <a:p>
+            <a:pPr algn="ctr"/>
+            <a:r>
+              <a:rPr lang="en-US" altLang="ko-KR" sz="8000" dirty="0"/>
+              <a:t>return 0;</a:t>
+            </a:r>
           </a:p>
         </p:txBody>
       </p:sp>
     </p:spTree>
     <p:extLst>
       <p:ext uri="{BB962C8B-B14F-4D97-AF65-F5344CB8AC3E}">
-        <p14:creationId xmlns:p14="http://schemas.microsoft.com/office/powerpoint/2010/main" val="2940396978"/>
+        <p14:creationId xmlns:p14="http://schemas.microsoft.com/office/powerpoint/2010/main" val="26382584"/>
       </p:ext>
     </p:extLst>
   </p:cSld>
@@ -6533,16 +6595,17 @@
           <a:p>
             <a:pPr algn="ctr"/>
             <a:r>
-              <a:rPr lang="en-US" altLang="ko-KR" sz="8000" dirty="0"/>
-              <a:t>=&gt;()</a:t>
-            </a:r>
+              <a:rPr lang="en-US" altLang="ko-KR" sz="8000" dirty="0" err="1"/>
+              <a:t>addEventListener</a:t>
+            </a:r>
+            <a:endParaRPr lang="en-US" altLang="ko-KR" sz="8000" dirty="0"/>
           </a:p>
         </p:txBody>
       </p:sp>
     </p:spTree>
     <p:extLst>
       <p:ext uri="{BB962C8B-B14F-4D97-AF65-F5344CB8AC3E}">
-        <p14:creationId xmlns:p14="http://schemas.microsoft.com/office/powerpoint/2010/main" val="2555373383"/>
+        <p14:creationId xmlns:p14="http://schemas.microsoft.com/office/powerpoint/2010/main" val="2225793031"/>
       </p:ext>
     </p:extLst>
   </p:cSld>
@@ -6583,8 +6646,8 @@
         </p:nvSpPr>
         <p:spPr>
           <a:xfrm>
-            <a:off x="1746250" y="2151727"/>
-            <a:ext cx="8699500" cy="2554545"/>
+            <a:off x="1746250" y="2526323"/>
+            <a:ext cx="8699500" cy="1323439"/>
           </a:xfrm>
           <a:prstGeom prst="rect">
             <a:avLst/>
@@ -6600,14 +6663,7 @@
             <a:pPr algn="ctr"/>
             <a:r>
               <a:rPr lang="en-US" altLang="ko-KR" sz="8000" dirty="0"/>
-              <a:t>~ | &amp; ^ &lt;&lt; &gt;&gt;</a:t>
-            </a:r>
-          </a:p>
-          <a:p>
-            <a:pPr algn="ctr"/>
-            <a:r>
-              <a:rPr lang="en-US" altLang="ko-KR" sz="8000" dirty="0"/>
-              <a:t>&lt;&lt;&lt; &gt;&gt;&gt;</a:t>
+              <a:t>select</a:t>
             </a:r>
           </a:p>
         </p:txBody>
@@ -6615,7 +6671,7 @@
     </p:spTree>
     <p:extLst>
       <p:ext uri="{BB962C8B-B14F-4D97-AF65-F5344CB8AC3E}">
-        <p14:creationId xmlns:p14="http://schemas.microsoft.com/office/powerpoint/2010/main" val="3530468642"/>
+        <p14:creationId xmlns:p14="http://schemas.microsoft.com/office/powerpoint/2010/main" val="891193199"/>
       </p:ext>
     </p:extLst>
   </p:cSld>
@@ -6656,68 +6712,33 @@
         </p:nvSpPr>
         <p:spPr>
           <a:xfrm>
-            <a:off x="2182446" y="5066323"/>
-            <a:ext cx="7268308" cy="769441"/>
-          </a:xfrm>
-          <a:prstGeom prst="rect">
-            <a:avLst/>
-          </a:prstGeom>
-          <a:noFill/>
-        </p:spPr>
-        <p:txBody>
-          <a:bodyPr wrap="square" rtlCol="0">
-            <a:spAutoFit/>
-          </a:bodyPr>
-          <a:lstStyle/>
-          <a:p>
-            <a:pPr algn="ctr"/>
-            <a:r>
-              <a:rPr lang="ko-KR" altLang="en-US" sz="4400" dirty="0"/>
-              <a:t>질문 리스트 작성하기</a:t>
-            </a:r>
-          </a:p>
-        </p:txBody>
-      </p:sp>
-      <p:pic>
-        <p:nvPicPr>
-          <p:cNvPr id="6" name="그림 5" descr="만화 영화, 예술, 그래픽, 그림이(가) 표시된 사진&#10;&#10;자동 생성된 설명">
-            <a:extLst>
-              <a:ext uri="{FF2B5EF4-FFF2-40B4-BE49-F238E27FC236}">
-                <a16:creationId xmlns:a16="http://schemas.microsoft.com/office/drawing/2014/main" id="{4A46C2B8-FD94-4AE0-FAC4-B57C1F6BB0D0}"/>
-              </a:ext>
-            </a:extLst>
-          </p:cNvPr>
-          <p:cNvPicPr>
-            <a:picLocks noChangeAspect="1"/>
-          </p:cNvPicPr>
-          <p:nvPr/>
-        </p:nvPicPr>
-        <p:blipFill>
-          <a:blip r:embed="rId2">
-            <a:extLst>
-              <a:ext uri="{28A0092B-C50C-407E-A947-70E740481C1C}">
-                <a14:useLocalDpi xmlns:a14="http://schemas.microsoft.com/office/drawing/2010/main" val="0"/>
-              </a:ext>
-            </a:extLst>
-          </a:blip>
-          <a:stretch>
-            <a:fillRect/>
-          </a:stretch>
-        </p:blipFill>
-        <p:spPr>
-          <a:xfrm>
-            <a:off x="4064000" y="769442"/>
-            <a:ext cx="4064000" cy="4064000"/>
-          </a:xfrm>
-          <a:prstGeom prst="rect">
-            <a:avLst/>
-          </a:prstGeom>
-        </p:spPr>
-      </p:pic>
+            <a:off x="1746250" y="2526323"/>
+            <a:ext cx="8699500" cy="1323439"/>
+          </a:xfrm>
+          <a:prstGeom prst="rect">
+            <a:avLst/>
+          </a:prstGeom>
+          <a:noFill/>
+        </p:spPr>
+        <p:txBody>
+          <a:bodyPr wrap="square" rtlCol="0">
+            <a:spAutoFit/>
+          </a:bodyPr>
+          <a:lstStyle/>
+          <a:p>
+            <a:pPr algn="ctr"/>
+            <a:r>
+              <a:rPr lang="en-US" altLang="ko-KR" sz="8000" dirty="0" err="1"/>
+              <a:t>Math.PI</a:t>
+            </a:r>
+            <a:endParaRPr lang="en-US" altLang="ko-KR" sz="8000" dirty="0"/>
+          </a:p>
+        </p:txBody>
+      </p:sp>
     </p:spTree>
     <p:extLst>
       <p:ext uri="{BB962C8B-B14F-4D97-AF65-F5344CB8AC3E}">
-        <p14:creationId xmlns:p14="http://schemas.microsoft.com/office/powerpoint/2010/main" val="2608603203"/>
+        <p14:creationId xmlns:p14="http://schemas.microsoft.com/office/powerpoint/2010/main" val="2940396978"/>
       </p:ext>
     </p:extLst>
   </p:cSld>
@@ -6758,8 +6779,8 @@
         </p:nvSpPr>
         <p:spPr>
           <a:xfrm>
-            <a:off x="2461846" y="1180123"/>
-            <a:ext cx="7268308" cy="1323439"/>
+            <a:off x="1746250" y="2526323"/>
+            <a:ext cx="8699500" cy="1323439"/>
           </a:xfrm>
           <a:prstGeom prst="rect">
             <a:avLst/>
@@ -6775,7 +6796,7 @@
             <a:pPr algn="ctr"/>
             <a:r>
               <a:rPr lang="en-US" altLang="ko-KR" sz="8000" dirty="0"/>
-              <a:t>node.js</a:t>
+              <a:t>=&gt;()</a:t>
             </a:r>
           </a:p>
         </p:txBody>
@@ -6783,7 +6804,7 @@
     </p:spTree>
     <p:extLst>
       <p:ext uri="{BB962C8B-B14F-4D97-AF65-F5344CB8AC3E}">
-        <p14:creationId xmlns:p14="http://schemas.microsoft.com/office/powerpoint/2010/main" val="2497955860"/>
+        <p14:creationId xmlns:p14="http://schemas.microsoft.com/office/powerpoint/2010/main" val="2555373383"/>
       </p:ext>
     </p:extLst>
   </p:cSld>
@@ -6824,8 +6845,8 @@
         </p:nvSpPr>
         <p:spPr>
           <a:xfrm>
-            <a:off x="2461846" y="1180123"/>
-            <a:ext cx="7268308" cy="1323439"/>
+            <a:off x="1746250" y="2151727"/>
+            <a:ext cx="8699500" cy="2554545"/>
           </a:xfrm>
           <a:prstGeom prst="rect">
             <a:avLst/>
@@ -6841,7 +6862,14 @@
             <a:pPr algn="ctr"/>
             <a:r>
               <a:rPr lang="en-US" altLang="ko-KR" sz="8000" dirty="0"/>
-              <a:t>API</a:t>
+              <a:t>~ | &amp; ^ &lt;&lt; &gt;&gt;</a:t>
+            </a:r>
+          </a:p>
+          <a:p>
+            <a:pPr algn="ctr"/>
+            <a:r>
+              <a:rPr lang="en-US" altLang="ko-KR" sz="8000" dirty="0"/>
+              <a:t>&lt;&lt;&lt; &gt;&gt;&gt;</a:t>
             </a:r>
           </a:p>
         </p:txBody>
@@ -6849,7 +6877,109 @@
     </p:spTree>
     <p:extLst>
       <p:ext uri="{BB962C8B-B14F-4D97-AF65-F5344CB8AC3E}">
-        <p14:creationId xmlns:p14="http://schemas.microsoft.com/office/powerpoint/2010/main" val="3333711254"/>
+        <p14:creationId xmlns:p14="http://schemas.microsoft.com/office/powerpoint/2010/main" val="3530468642"/>
+      </p:ext>
+    </p:extLst>
+  </p:cSld>
+  <p:clrMapOvr>
+    <a:masterClrMapping/>
+  </p:clrMapOvr>
+</p:sld>
+</file>
+
+<file path=ppt/slides/slide139.xml><?xml version="1.0" encoding="utf-8"?>
+<p:sld xmlns:a="http://schemas.openxmlformats.org/drawingml/2006/main" xmlns:r="http://schemas.openxmlformats.org/officeDocument/2006/relationships" xmlns:p="http://schemas.openxmlformats.org/presentationml/2006/main">
+  <p:cSld>
+    <p:spTree>
+      <p:nvGrpSpPr>
+        <p:cNvPr id="1" name=""/>
+        <p:cNvGrpSpPr/>
+        <p:nvPr/>
+      </p:nvGrpSpPr>
+      <p:grpSpPr>
+        <a:xfrm>
+          <a:off x="0" y="0"/>
+          <a:ext cx="0" cy="0"/>
+          <a:chOff x="0" y="0"/>
+          <a:chExt cx="0" cy="0"/>
+        </a:xfrm>
+      </p:grpSpPr>
+      <p:sp>
+        <p:nvSpPr>
+          <p:cNvPr id="4" name="TextBox 3">
+            <a:extLst>
+              <a:ext uri="{FF2B5EF4-FFF2-40B4-BE49-F238E27FC236}">
+                <a16:creationId xmlns:a16="http://schemas.microsoft.com/office/drawing/2014/main" id="{77E83A82-1077-074D-D148-C824C7D5A2ED}"/>
+              </a:ext>
+            </a:extLst>
+          </p:cNvPr>
+          <p:cNvSpPr txBox="1"/>
+          <p:nvPr/>
+        </p:nvSpPr>
+        <p:spPr>
+          <a:xfrm>
+            <a:off x="2182446" y="5066323"/>
+            <a:ext cx="7268308" cy="769441"/>
+          </a:xfrm>
+          <a:prstGeom prst="rect">
+            <a:avLst/>
+          </a:prstGeom>
+          <a:noFill/>
+        </p:spPr>
+        <p:txBody>
+          <a:bodyPr wrap="square" rtlCol="0">
+            <a:spAutoFit/>
+          </a:bodyPr>
+          <a:lstStyle/>
+          <a:p>
+            <a:pPr algn="ctr"/>
+            <a:r>
+              <a:rPr lang="ko-KR" altLang="en-US" sz="4400" dirty="0"/>
+              <a:t>질문 리스트 작성하기</a:t>
+            </a:r>
+          </a:p>
+        </p:txBody>
+      </p:sp>
+      <p:pic>
+        <p:nvPicPr>
+          <p:cNvPr id="6" name="그림 5" descr="만화 영화, 예술, 그래픽, 그림이(가) 표시된 사진&#10;&#10;자동 생성된 설명">
+            <a:extLst>
+              <a:ext uri="{FF2B5EF4-FFF2-40B4-BE49-F238E27FC236}">
+                <a16:creationId xmlns:a16="http://schemas.microsoft.com/office/drawing/2014/main" id="{4A46C2B8-FD94-4AE0-FAC4-B57C1F6BB0D0}"/>
+              </a:ext>
+            </a:extLst>
+          </p:cNvPr>
+          <p:cNvPicPr>
+            <a:picLocks noChangeAspect="1"/>
+          </p:cNvPicPr>
+          <p:nvPr/>
+        </p:nvPicPr>
+        <p:blipFill>
+          <a:blip r:embed="rId2">
+            <a:extLst>
+              <a:ext uri="{28A0092B-C50C-407E-A947-70E740481C1C}">
+                <a14:useLocalDpi xmlns:a14="http://schemas.microsoft.com/office/drawing/2010/main" val="0"/>
+              </a:ext>
+            </a:extLst>
+          </a:blip>
+          <a:stretch>
+            <a:fillRect/>
+          </a:stretch>
+        </p:blipFill>
+        <p:spPr>
+          <a:xfrm>
+            <a:off x="4064000" y="769442"/>
+            <a:ext cx="4064000" cy="4064000"/>
+          </a:xfrm>
+          <a:prstGeom prst="rect">
+            <a:avLst/>
+          </a:prstGeom>
+        </p:spPr>
+      </p:pic>
+    </p:spTree>
+    <p:extLst>
+      <p:ext uri="{BB962C8B-B14F-4D97-AF65-F5344CB8AC3E}">
+        <p14:creationId xmlns:p14="http://schemas.microsoft.com/office/powerpoint/2010/main" val="2608603203"/>
       </p:ext>
     </p:extLst>
   </p:cSld>
@@ -7029,6 +7159,138 @@
     <p:extLst>
       <p:ext uri="{BB962C8B-B14F-4D97-AF65-F5344CB8AC3E}">
         <p14:creationId xmlns:p14="http://schemas.microsoft.com/office/powerpoint/2010/main" val="2794802763"/>
+      </p:ext>
+    </p:extLst>
+  </p:cSld>
+  <p:clrMapOvr>
+    <a:masterClrMapping/>
+  </p:clrMapOvr>
+</p:sld>
+</file>
+
+<file path=ppt/slides/slide140.xml><?xml version="1.0" encoding="utf-8"?>
+<p:sld xmlns:a="http://schemas.openxmlformats.org/drawingml/2006/main" xmlns:r="http://schemas.openxmlformats.org/officeDocument/2006/relationships" xmlns:p="http://schemas.openxmlformats.org/presentationml/2006/main">
+  <p:cSld>
+    <p:spTree>
+      <p:nvGrpSpPr>
+        <p:cNvPr id="1" name=""/>
+        <p:cNvGrpSpPr/>
+        <p:nvPr/>
+      </p:nvGrpSpPr>
+      <p:grpSpPr>
+        <a:xfrm>
+          <a:off x="0" y="0"/>
+          <a:ext cx="0" cy="0"/>
+          <a:chOff x="0" y="0"/>
+          <a:chExt cx="0" cy="0"/>
+        </a:xfrm>
+      </p:grpSpPr>
+      <p:sp>
+        <p:nvSpPr>
+          <p:cNvPr id="4" name="TextBox 3">
+            <a:extLst>
+              <a:ext uri="{FF2B5EF4-FFF2-40B4-BE49-F238E27FC236}">
+                <a16:creationId xmlns:a16="http://schemas.microsoft.com/office/drawing/2014/main" id="{77E83A82-1077-074D-D148-C824C7D5A2ED}"/>
+              </a:ext>
+            </a:extLst>
+          </p:cNvPr>
+          <p:cNvSpPr txBox="1"/>
+          <p:nvPr/>
+        </p:nvSpPr>
+        <p:spPr>
+          <a:xfrm>
+            <a:off x="2461846" y="1180123"/>
+            <a:ext cx="7268308" cy="1323439"/>
+          </a:xfrm>
+          <a:prstGeom prst="rect">
+            <a:avLst/>
+          </a:prstGeom>
+          <a:noFill/>
+        </p:spPr>
+        <p:txBody>
+          <a:bodyPr wrap="square" rtlCol="0">
+            <a:spAutoFit/>
+          </a:bodyPr>
+          <a:lstStyle/>
+          <a:p>
+            <a:pPr algn="ctr"/>
+            <a:r>
+              <a:rPr lang="en-US" altLang="ko-KR" sz="8000" dirty="0"/>
+              <a:t>node.js</a:t>
+            </a:r>
+          </a:p>
+        </p:txBody>
+      </p:sp>
+    </p:spTree>
+    <p:extLst>
+      <p:ext uri="{BB962C8B-B14F-4D97-AF65-F5344CB8AC3E}">
+        <p14:creationId xmlns:p14="http://schemas.microsoft.com/office/powerpoint/2010/main" val="2497955860"/>
+      </p:ext>
+    </p:extLst>
+  </p:cSld>
+  <p:clrMapOvr>
+    <a:masterClrMapping/>
+  </p:clrMapOvr>
+</p:sld>
+</file>
+
+<file path=ppt/slides/slide141.xml><?xml version="1.0" encoding="utf-8"?>
+<p:sld xmlns:a="http://schemas.openxmlformats.org/drawingml/2006/main" xmlns:r="http://schemas.openxmlformats.org/officeDocument/2006/relationships" xmlns:p="http://schemas.openxmlformats.org/presentationml/2006/main">
+  <p:cSld>
+    <p:spTree>
+      <p:nvGrpSpPr>
+        <p:cNvPr id="1" name=""/>
+        <p:cNvGrpSpPr/>
+        <p:nvPr/>
+      </p:nvGrpSpPr>
+      <p:grpSpPr>
+        <a:xfrm>
+          <a:off x="0" y="0"/>
+          <a:ext cx="0" cy="0"/>
+          <a:chOff x="0" y="0"/>
+          <a:chExt cx="0" cy="0"/>
+        </a:xfrm>
+      </p:grpSpPr>
+      <p:sp>
+        <p:nvSpPr>
+          <p:cNvPr id="4" name="TextBox 3">
+            <a:extLst>
+              <a:ext uri="{FF2B5EF4-FFF2-40B4-BE49-F238E27FC236}">
+                <a16:creationId xmlns:a16="http://schemas.microsoft.com/office/drawing/2014/main" id="{77E83A82-1077-074D-D148-C824C7D5A2ED}"/>
+              </a:ext>
+            </a:extLst>
+          </p:cNvPr>
+          <p:cNvSpPr txBox="1"/>
+          <p:nvPr/>
+        </p:nvSpPr>
+        <p:spPr>
+          <a:xfrm>
+            <a:off x="2461846" y="1180123"/>
+            <a:ext cx="7268308" cy="1323439"/>
+          </a:xfrm>
+          <a:prstGeom prst="rect">
+            <a:avLst/>
+          </a:prstGeom>
+          <a:noFill/>
+        </p:spPr>
+        <p:txBody>
+          <a:bodyPr wrap="square" rtlCol="0">
+            <a:spAutoFit/>
+          </a:bodyPr>
+          <a:lstStyle/>
+          <a:p>
+            <a:pPr algn="ctr"/>
+            <a:r>
+              <a:rPr lang="en-US" altLang="ko-KR" sz="8000" dirty="0"/>
+              <a:t>API</a:t>
+            </a:r>
+          </a:p>
+        </p:txBody>
+      </p:sp>
+    </p:spTree>
+    <p:extLst>
+      <p:ext uri="{BB962C8B-B14F-4D97-AF65-F5344CB8AC3E}">
+        <p14:creationId xmlns:p14="http://schemas.microsoft.com/office/powerpoint/2010/main" val="3333711254"/>
       </p:ext>
     </p:extLst>
   </p:cSld>
@@ -17174,61 +17436,20 @@
       </p:grpSpPr>
       <p:sp>
         <p:nvSpPr>
-          <p:cNvPr id="4" name="TextBox 3">
-            <a:extLst>
-              <a:ext uri="{FF2B5EF4-FFF2-40B4-BE49-F238E27FC236}">
-                <a16:creationId xmlns:a16="http://schemas.microsoft.com/office/drawing/2014/main" id="{77E83A82-1077-074D-D148-C824C7D5A2ED}"/>
-              </a:ext>
-            </a:extLst>
-          </p:cNvPr>
-          <p:cNvSpPr txBox="1"/>
-          <p:nvPr/>
-        </p:nvSpPr>
-        <p:spPr>
-          <a:xfrm>
-            <a:off x="2461846" y="392723"/>
-            <a:ext cx="7268308" cy="769441"/>
-          </a:xfrm>
-          <a:prstGeom prst="rect">
-            <a:avLst/>
-          </a:prstGeom>
-          <a:noFill/>
-        </p:spPr>
-        <p:txBody>
-          <a:bodyPr wrap="square" rtlCol="0">
-            <a:spAutoFit/>
-          </a:bodyPr>
-          <a:lstStyle/>
-          <a:p>
-            <a:pPr algn="ctr"/>
-            <a:r>
-              <a:rPr lang="en-US" altLang="ko-KR" sz="4400" dirty="0"/>
-              <a:t>CSS </a:t>
-            </a:r>
-            <a:r>
-              <a:rPr lang="ko-KR" altLang="en-US" sz="4400" dirty="0" err="1"/>
-              <a:t>선택자</a:t>
-            </a:r>
-            <a:endParaRPr lang="ko-KR" altLang="en-US" sz="4400" dirty="0"/>
-          </a:p>
-        </p:txBody>
-      </p:sp>
-      <p:sp>
-        <p:nvSpPr>
           <p:cNvPr id="2" name="TextBox 1">
             <a:extLst>
               <a:ext uri="{FF2B5EF4-FFF2-40B4-BE49-F238E27FC236}">
-                <a16:creationId xmlns:a16="http://schemas.microsoft.com/office/drawing/2014/main" id="{CDE84F91-E200-1633-CEE1-DE55A55BA226}"/>
-              </a:ext>
-            </a:extLst>
-          </p:cNvPr>
-          <p:cNvSpPr txBox="1"/>
-          <p:nvPr/>
-        </p:nvSpPr>
-        <p:spPr>
-          <a:xfrm>
-            <a:off x="711200" y="832966"/>
-            <a:ext cx="9018954" cy="5632311"/>
+                <a16:creationId xmlns:a16="http://schemas.microsoft.com/office/drawing/2014/main" id="{5667DB42-EA86-6686-7BB8-B8635E1EB3B6}"/>
+              </a:ext>
+            </a:extLst>
+          </p:cNvPr>
+          <p:cNvSpPr txBox="1"/>
+          <p:nvPr/>
+        </p:nvSpPr>
+        <p:spPr>
+          <a:xfrm>
+            <a:off x="912446" y="2451368"/>
+            <a:ext cx="9018954" cy="1015663"/>
           </a:xfrm>
           <a:prstGeom prst="rect">
             <a:avLst/>
@@ -17243,45 +17464,21 @@
           <a:p>
             <a:r>
               <a:rPr lang="en-US" altLang="ko-KR" sz="2000" dirty="0"/>
-              <a:t>* {</a:t>
-            </a:r>
-          </a:p>
-          <a:p>
-            <a:r>
-              <a:rPr lang="en-US" altLang="ko-KR" sz="2000" dirty="0"/>
-              <a:t>}</a:t>
-            </a:r>
-          </a:p>
-          <a:p>
-            <a:r>
-              <a:rPr lang="en-US" altLang="ko-KR" sz="2000" dirty="0"/>
-              <a:t>h1 {</a:t>
-            </a:r>
-          </a:p>
-          <a:p>
-            <a:r>
-              <a:rPr lang="en-US" altLang="ko-KR" sz="2000" dirty="0"/>
-              <a:t>}</a:t>
-            </a:r>
-          </a:p>
-          <a:p>
-            <a:r>
-              <a:rPr lang="en-US" altLang="ko-KR" sz="2000" dirty="0"/>
-              <a:t>.box, p {</a:t>
-            </a:r>
-          </a:p>
-          <a:p>
-            <a:r>
-              <a:rPr lang="en-US" altLang="ko-KR" sz="2000" dirty="0"/>
-              <a:t>}</a:t>
-            </a:r>
-          </a:p>
-          <a:p>
+              <a:t>html, body</a:t>
+            </a:r>
             <a:r>
               <a:rPr lang="en-US" altLang="ko-KR" sz="2000" b="0" dirty="0">
                 <a:effectLst/>
               </a:rPr>
-              <a:t>#box p {</a:t>
+              <a:t> {</a:t>
+            </a:r>
+          </a:p>
+          <a:p>
+            <a:r>
+              <a:rPr lang="en-US" altLang="ko-KR" sz="2000" b="0" dirty="0">
+                <a:effectLst/>
+              </a:rPr>
+              <a:t> text-decoration: none;</a:t>
             </a:r>
           </a:p>
           <a:p>
@@ -17292,92 +17489,12 @@
               <a:t>}</a:t>
             </a:r>
           </a:p>
-          <a:p>
-            <a:r>
-              <a:rPr lang="en-US" altLang="ko-KR" sz="2000" dirty="0"/>
-              <a:t>a[title] {</a:t>
-            </a:r>
-          </a:p>
-          <a:p>
-            <a:r>
-              <a:rPr lang="en-US" altLang="ko-KR" sz="2000" dirty="0"/>
-              <a:t>}</a:t>
-            </a:r>
-          </a:p>
-          <a:p>
-            <a:r>
-              <a:rPr lang="en-US" altLang="ko-KR" sz="2000" b="0" dirty="0">
-                <a:effectLst/>
-              </a:rPr>
-              <a:t>a[</a:t>
-            </a:r>
-            <a:r>
-              <a:rPr lang="en-US" altLang="ko-KR" sz="2000" b="0" dirty="0" err="1">
-                <a:effectLst/>
-              </a:rPr>
-              <a:t>href</a:t>
-            </a:r>
-            <a:r>
-              <a:rPr lang="en-US" altLang="ko-KR" sz="2000" b="0" dirty="0">
-                <a:effectLst/>
-              </a:rPr>
-              <a:t>="index.html"] {</a:t>
-            </a:r>
-          </a:p>
-          <a:p>
-            <a:r>
-              <a:rPr lang="en-US" altLang="ko-KR" sz="2000" b="0" dirty="0">
-                <a:effectLst/>
-              </a:rPr>
-              <a:t>}</a:t>
-            </a:r>
-          </a:p>
-          <a:p>
-            <a:r>
-              <a:rPr lang="en-US" altLang="ko-KR" sz="2000" dirty="0"/>
-              <a:t>a:hover {</a:t>
-            </a:r>
-          </a:p>
-          <a:p>
-            <a:r>
-              <a:rPr lang="en-US" altLang="ko-KR" sz="2000" dirty="0"/>
-              <a:t>}</a:t>
-            </a:r>
-          </a:p>
-          <a:p>
-            <a:r>
-              <a:rPr lang="en-US" altLang="ko-KR" sz="2000" dirty="0"/>
-              <a:t>div &gt; p {</a:t>
-            </a:r>
-          </a:p>
-          <a:p>
-            <a:r>
-              <a:rPr lang="en-US" altLang="ko-KR" sz="2000" dirty="0"/>
-              <a:t>}</a:t>
-            </a:r>
-          </a:p>
-          <a:p>
-            <a:r>
-              <a:rPr lang="en-US" altLang="ko-KR" sz="2000" b="0" dirty="0">
-                <a:effectLst/>
-              </a:rPr>
-              <a:t>div &gt; p:first-child {</a:t>
-            </a:r>
-          </a:p>
-          <a:p>
-            <a:r>
-              <a:rPr lang="en-US" altLang="ko-KR" sz="2000" b="0" dirty="0">
-                <a:effectLst/>
-              </a:rPr>
-              <a:t>}</a:t>
-            </a:r>
-          </a:p>
         </p:txBody>
       </p:sp>
     </p:spTree>
     <p:extLst>
       <p:ext uri="{BB962C8B-B14F-4D97-AF65-F5344CB8AC3E}">
-        <p14:creationId xmlns:p14="http://schemas.microsoft.com/office/powerpoint/2010/main" val="3598240748"/>
+        <p14:creationId xmlns:p14="http://schemas.microsoft.com/office/powerpoint/2010/main" val="1655922050"/>
       </p:ext>
     </p:extLst>
   </p:cSld>
@@ -17459,8 +17576,8 @@
         </p:nvSpPr>
         <p:spPr>
           <a:xfrm>
-            <a:off x="711200" y="1709266"/>
-            <a:ext cx="9018954" cy="3170099"/>
+            <a:off x="711200" y="832966"/>
+            <a:ext cx="9018954" cy="5632311"/>
           </a:xfrm>
           <a:prstGeom prst="rect">
             <a:avLst/>
@@ -17475,7 +17592,31 @@
           <a:p>
             <a:r>
               <a:rPr lang="en-US" altLang="ko-KR" sz="2000" dirty="0"/>
-              <a:t>a:link {</a:t>
+              <a:t>* {</a:t>
+            </a:r>
+          </a:p>
+          <a:p>
+            <a:r>
+              <a:rPr lang="en-US" altLang="ko-KR" sz="2000" dirty="0"/>
+              <a:t>}</a:t>
+            </a:r>
+          </a:p>
+          <a:p>
+            <a:r>
+              <a:rPr lang="en-US" altLang="ko-KR" sz="2000" dirty="0"/>
+              <a:t>h1 {</a:t>
+            </a:r>
+          </a:p>
+          <a:p>
+            <a:r>
+              <a:rPr lang="en-US" altLang="ko-KR" sz="2000" dirty="0"/>
+              <a:t>}</a:t>
+            </a:r>
+          </a:p>
+          <a:p>
+            <a:r>
+              <a:rPr lang="en-US" altLang="ko-KR" sz="2000" dirty="0"/>
+              <a:t>.box, p {</a:t>
             </a:r>
           </a:p>
           <a:p>
@@ -17489,7 +17630,7 @@
               <a:rPr lang="en-US" altLang="ko-KR" sz="2000" b="0" dirty="0">
                 <a:effectLst/>
               </a:rPr>
-              <a:t>a:visited {</a:t>
+              <a:t>#box p {</a:t>
             </a:r>
           </a:p>
           <a:p>
@@ -17503,7 +17644,7 @@
           <a:p>
             <a:r>
               <a:rPr lang="en-US" altLang="ko-KR" sz="2000" dirty="0"/>
-              <a:t>a:focus {</a:t>
+              <a:t>a[title] {</a:t>
             </a:r>
           </a:p>
           <a:p>
@@ -17517,7 +17658,19 @@
               <a:rPr lang="en-US" altLang="ko-KR" sz="2000" b="0" dirty="0">
                 <a:effectLst/>
               </a:rPr>
-              <a:t>a:hover {</a:t>
+              <a:t>a[</a:t>
+            </a:r>
+            <a:r>
+              <a:rPr lang="en-US" altLang="ko-KR" sz="2000" b="0" dirty="0" err="1">
+                <a:effectLst/>
+              </a:rPr>
+              <a:t>href</a:t>
+            </a:r>
+            <a:r>
+              <a:rPr lang="en-US" altLang="ko-KR" sz="2000" b="0" dirty="0">
+                <a:effectLst/>
+              </a:rPr>
+              <a:t>="index.html"] {</a:t>
             </a:r>
           </a:p>
           <a:p>
@@ -17531,7 +17684,7 @@
           <a:p>
             <a:r>
               <a:rPr lang="en-US" altLang="ko-KR" sz="2000" dirty="0"/>
-              <a:t>a:active {</a:t>
+              <a:t>a:hover {</a:t>
             </a:r>
           </a:p>
           <a:p>
@@ -17539,16 +17692,41 @@
               <a:rPr lang="en-US" altLang="ko-KR" sz="2000" dirty="0"/>
               <a:t>}</a:t>
             </a:r>
-            <a:endParaRPr lang="en-US" altLang="ko-KR" sz="2000" b="0" dirty="0">
-              <a:effectLst/>
-            </a:endParaRPr>
+          </a:p>
+          <a:p>
+            <a:r>
+              <a:rPr lang="en-US" altLang="ko-KR" sz="2000" dirty="0"/>
+              <a:t>div &gt; p {</a:t>
+            </a:r>
+          </a:p>
+          <a:p>
+            <a:r>
+              <a:rPr lang="en-US" altLang="ko-KR" sz="2000" dirty="0"/>
+              <a:t>}</a:t>
+            </a:r>
+          </a:p>
+          <a:p>
+            <a:r>
+              <a:rPr lang="en-US" altLang="ko-KR" sz="2000" b="0" dirty="0">
+                <a:effectLst/>
+              </a:rPr>
+              <a:t>div &gt; p:first-child {</a:t>
+            </a:r>
+          </a:p>
+          <a:p>
+            <a:r>
+              <a:rPr lang="en-US" altLang="ko-KR" sz="2000" b="0" dirty="0">
+                <a:effectLst/>
+              </a:rPr>
+              <a:t>}</a:t>
+            </a:r>
           </a:p>
         </p:txBody>
       </p:sp>
     </p:spTree>
     <p:extLst>
       <p:ext uri="{BB962C8B-B14F-4D97-AF65-F5344CB8AC3E}">
-        <p14:creationId xmlns:p14="http://schemas.microsoft.com/office/powerpoint/2010/main" val="3221376626"/>
+        <p14:creationId xmlns:p14="http://schemas.microsoft.com/office/powerpoint/2010/main" val="3598240748"/>
       </p:ext>
     </p:extLst>
   </p:cSld>
@@ -17589,7 +17767,7 @@
         </p:nvSpPr>
         <p:spPr>
           <a:xfrm>
-            <a:off x="2461846" y="430823"/>
+            <a:off x="2461846" y="392723"/>
             <a:ext cx="7268308" cy="769441"/>
           </a:xfrm>
           <a:prstGeom prst="rect">
@@ -17609,102 +17787,241 @@
               <a:t>CSS </a:t>
             </a:r>
             <a:r>
-              <a:rPr lang="ko-KR" altLang="en-US" sz="4400" dirty="0"/>
-              <a:t>우선순위</a:t>
-            </a:r>
-          </a:p>
-        </p:txBody>
-      </p:sp>
-      <p:sp>
-        <p:nvSpPr>
-          <p:cNvPr id="3" name="TextBox 2">
-            <a:extLst>
-              <a:ext uri="{FF2B5EF4-FFF2-40B4-BE49-F238E27FC236}">
-                <a16:creationId xmlns:a16="http://schemas.microsoft.com/office/drawing/2014/main" id="{AAB98EA7-E45C-DFEA-0B08-97709329C1C9}"/>
-              </a:ext>
-            </a:extLst>
-          </p:cNvPr>
-          <p:cNvSpPr txBox="1"/>
-          <p:nvPr/>
-        </p:nvSpPr>
-        <p:spPr>
-          <a:xfrm>
-            <a:off x="1009650" y="2654568"/>
-            <a:ext cx="10172700" cy="461665"/>
-          </a:xfrm>
-          <a:prstGeom prst="rect">
-            <a:avLst/>
-          </a:prstGeom>
-          <a:noFill/>
-        </p:spPr>
-        <p:txBody>
-          <a:bodyPr wrap="square" rtlCol="0">
-            <a:spAutoFit/>
-          </a:bodyPr>
-          <a:lstStyle/>
-          <a:p>
-            <a:pPr algn="ctr"/>
-            <a:r>
-              <a:rPr lang="en-US" altLang="ko-KR" sz="2400" b="0" dirty="0">
+              <a:rPr lang="ko-KR" altLang="en-US" sz="4400" dirty="0" err="1"/>
+              <a:t>선택자</a:t>
+            </a:r>
+            <a:endParaRPr lang="ko-KR" altLang="en-US" sz="4400" dirty="0"/>
+          </a:p>
+        </p:txBody>
+      </p:sp>
+      <p:sp>
+        <p:nvSpPr>
+          <p:cNvPr id="2" name="TextBox 1">
+            <a:extLst>
+              <a:ext uri="{FF2B5EF4-FFF2-40B4-BE49-F238E27FC236}">
+                <a16:creationId xmlns:a16="http://schemas.microsoft.com/office/drawing/2014/main" id="{CDE84F91-E200-1633-CEE1-DE55A55BA226}"/>
+              </a:ext>
+            </a:extLst>
+          </p:cNvPr>
+          <p:cNvSpPr txBox="1"/>
+          <p:nvPr/>
+        </p:nvSpPr>
+        <p:spPr>
+          <a:xfrm>
+            <a:off x="327378" y="305068"/>
+            <a:ext cx="9018954" cy="6247864"/>
+          </a:xfrm>
+          <a:prstGeom prst="rect">
+            <a:avLst/>
+          </a:prstGeom>
+          <a:noFill/>
+        </p:spPr>
+        <p:txBody>
+          <a:bodyPr wrap="square" rtlCol="0">
+            <a:spAutoFit/>
+          </a:bodyPr>
+          <a:lstStyle/>
+          <a:p>
+            <a:r>
+              <a:rPr lang="en-US" altLang="ko-KR" sz="2000" dirty="0"/>
+              <a:t>// </a:t>
+            </a:r>
+            <a:r>
+              <a:rPr lang="ko-KR" altLang="en-US" sz="2000" dirty="0"/>
+              <a:t>태그 </a:t>
+            </a:r>
+            <a:r>
+              <a:rPr lang="ko-KR" altLang="en-US" sz="2000" dirty="0" err="1"/>
+              <a:t>선택자</a:t>
+            </a:r>
+            <a:endParaRPr lang="en-US" altLang="ko-KR" sz="2000" dirty="0"/>
+          </a:p>
+          <a:p>
+            <a:r>
+              <a:rPr lang="en-US" altLang="ko-KR" sz="2000" dirty="0"/>
+              <a:t>li {</a:t>
+            </a:r>
+          </a:p>
+          <a:p>
+            <a:r>
+              <a:rPr lang="en-US" altLang="ko-KR" sz="2000" dirty="0"/>
+              <a:t> color:</a:t>
+            </a:r>
+            <a:r>
+              <a:rPr lang="ko-KR" altLang="en-US" sz="2000" dirty="0"/>
+              <a:t> </a:t>
+            </a:r>
+            <a:r>
+              <a:rPr lang="en-US" altLang="ko-KR" sz="2000" dirty="0"/>
+              <a:t>red;</a:t>
+            </a:r>
+            <a:br>
+              <a:rPr lang="en-US" altLang="ko-KR" sz="2000" dirty="0"/>
+            </a:br>
+            <a:r>
+              <a:rPr lang="en-US" altLang="ko-KR" sz="2000" dirty="0"/>
+              <a:t>}</a:t>
+            </a:r>
+          </a:p>
+          <a:p>
+            <a:r>
+              <a:rPr lang="en-US" altLang="ko-KR" sz="2000" b="0" dirty="0">
                 <a:effectLst/>
               </a:rPr>
-              <a:t>!important &gt; inline &gt; id</a:t>
-            </a:r>
-            <a:r>
-              <a:rPr lang="ko-KR" altLang="en-US" sz="2400" b="0" dirty="0" err="1">
+              <a:t>// </a:t>
+            </a:r>
+            <a:r>
+              <a:rPr lang="en-US" altLang="ko-KR" sz="2000" dirty="0"/>
+              <a:t>id </a:t>
+            </a:r>
+            <a:r>
+              <a:rPr lang="ko-KR" altLang="en-US" sz="2000" dirty="0" err="1"/>
+              <a:t>선택자</a:t>
+            </a:r>
+            <a:endParaRPr lang="en-US" altLang="ko-KR" sz="2000" dirty="0"/>
+          </a:p>
+          <a:p>
+            <a:r>
+              <a:rPr lang="en-US" altLang="ko-KR" sz="2000" b="0" dirty="0">
                 <a:effectLst/>
               </a:rPr>
-              <a:t>선택자</a:t>
-            </a:r>
-            <a:r>
-              <a:rPr lang="ko-KR" altLang="en-US" sz="2400" b="0" dirty="0">
+              <a:t>#select {</a:t>
+            </a:r>
+          </a:p>
+          <a:p>
+            <a:r>
+              <a:rPr lang="en-US" altLang="ko-KR" sz="2000" dirty="0"/>
+              <a:t> font-size: 100px;</a:t>
+            </a:r>
+          </a:p>
+          <a:p>
+            <a:r>
+              <a:rPr lang="en-US" altLang="ko-KR" sz="2000" b="0" dirty="0">
                 <a:effectLst/>
               </a:rPr>
-              <a:t> </a:t>
-            </a:r>
-            <a:r>
-              <a:rPr lang="en-US" altLang="ko-KR" sz="2400" b="0" dirty="0">
+              <a:t>}</a:t>
+            </a:r>
+          </a:p>
+          <a:p>
+            <a:r>
+              <a:rPr lang="en-US" altLang="ko-KR" sz="2000" dirty="0"/>
+              <a:t>// class </a:t>
+            </a:r>
+            <a:r>
+              <a:rPr lang="ko-KR" altLang="en-US" sz="2000" dirty="0" err="1"/>
+              <a:t>선택자</a:t>
+            </a:r>
+            <a:endParaRPr lang="en-US" altLang="ko-KR" sz="2000" dirty="0"/>
+          </a:p>
+          <a:p>
+            <a:r>
+              <a:rPr lang="en-US" altLang="ko-KR" sz="2000" b="0" dirty="0">
                 <a:effectLst/>
               </a:rPr>
-              <a:t>&gt; class</a:t>
-            </a:r>
-            <a:r>
-              <a:rPr lang="ko-KR" altLang="en-US" sz="2400" b="0" dirty="0">
+              <a:t>.</a:t>
+            </a:r>
+            <a:r>
+              <a:rPr lang="en-US" altLang="ko-KR" sz="2000" b="0" dirty="0" err="1">
                 <a:effectLst/>
               </a:rPr>
-              <a:t>명 </a:t>
-            </a:r>
-            <a:r>
-              <a:rPr lang="en-US" altLang="ko-KR" sz="2400" b="0" dirty="0">
+              <a:t>deactive</a:t>
+            </a:r>
+            <a:r>
+              <a:rPr lang="en-US" altLang="ko-KR" sz="2000" b="0" dirty="0">
                 <a:effectLst/>
               </a:rPr>
-              <a:t>&gt; HTML </a:t>
-            </a:r>
-            <a:r>
-              <a:rPr lang="ko-KR" altLang="en-US" sz="2400" b="0" dirty="0" err="1">
+              <a:t> {</a:t>
+            </a:r>
+          </a:p>
+          <a:p>
+            <a:r>
+              <a:rPr lang="en-US" altLang="ko-KR" sz="2000" dirty="0"/>
+              <a:t> text-decoration: line-through;</a:t>
+            </a:r>
+          </a:p>
+          <a:p>
+            <a:r>
+              <a:rPr lang="en-US" altLang="ko-KR" sz="2000" b="0" dirty="0">
                 <a:effectLst/>
               </a:rPr>
-              <a:t>태그명</a:t>
-            </a:r>
-            <a:r>
-              <a:rPr lang="ko-KR" altLang="en-US" sz="2400" b="0" dirty="0">
+              <a:t>}</a:t>
+            </a:r>
+          </a:p>
+          <a:p>
+            <a:r>
+              <a:rPr lang="en-US" altLang="ko-KR" sz="2000" dirty="0"/>
+              <a:t>// </a:t>
+            </a:r>
+            <a:r>
+              <a:rPr lang="ko-KR" altLang="en-US" sz="2000" dirty="0"/>
+              <a:t>부모</a:t>
+            </a:r>
+            <a:r>
+              <a:rPr lang="en-US" altLang="ko-KR" sz="2000" dirty="0"/>
+              <a:t>, </a:t>
+            </a:r>
+            <a:r>
+              <a:rPr lang="ko-KR" altLang="en-US" sz="2000" dirty="0"/>
+              <a:t>자손 </a:t>
+            </a:r>
+            <a:r>
+              <a:rPr lang="ko-KR" altLang="en-US" sz="2000" dirty="0" err="1"/>
+              <a:t>선택자</a:t>
+            </a:r>
+            <a:endParaRPr lang="en-US" altLang="ko-KR" sz="2000" dirty="0"/>
+          </a:p>
+          <a:p>
+            <a:r>
+              <a:rPr lang="en-US" altLang="ko-KR" sz="2000" b="0" dirty="0" err="1">
                 <a:effectLst/>
               </a:rPr>
-              <a:t> </a:t>
-            </a:r>
-            <a:r>
-              <a:rPr lang="en-US" altLang="ko-KR" sz="2400" b="0" dirty="0">
+              <a:t>ul</a:t>
+            </a:r>
+            <a:r>
+              <a:rPr lang="en-US" altLang="ko-KR" sz="2000" b="0" dirty="0">
                 <a:effectLst/>
               </a:rPr>
-              <a:t>&gt; </a:t>
-            </a:r>
-            <a:r>
-              <a:rPr lang="ko-KR" altLang="en-US" sz="2400" b="0" dirty="0">
+              <a:t> li {</a:t>
+            </a:r>
+          </a:p>
+          <a:p>
+            <a:r>
+              <a:rPr lang="en-US" altLang="ko-KR" sz="2000" dirty="0"/>
+              <a:t> color: red;</a:t>
+            </a:r>
+          </a:p>
+          <a:p>
+            <a:r>
+              <a:rPr lang="en-US" altLang="ko-KR" sz="2000" b="0" dirty="0">
                 <a:effectLst/>
               </a:rPr>
-              <a:t>부모 상속</a:t>
-            </a:r>
-            <a:endParaRPr lang="en-US" altLang="ko-KR" sz="2400" b="0" dirty="0">
+              <a:t>}</a:t>
+            </a:r>
+          </a:p>
+          <a:p>
+            <a:r>
+              <a:rPr lang="en-US" altLang="ko-KR" sz="2000" dirty="0"/>
+              <a:t>#lecture &gt; li {</a:t>
+            </a:r>
+          </a:p>
+          <a:p>
+            <a:r>
+              <a:rPr lang="en-US" altLang="ko-KR" sz="2000" dirty="0"/>
+              <a:t> border: 1px solid black;</a:t>
+            </a:r>
+          </a:p>
+          <a:p>
+            <a:r>
+              <a:rPr lang="en-US" altLang="ko-KR" sz="2000" dirty="0"/>
+              <a:t> color: blue;</a:t>
+            </a:r>
+          </a:p>
+          <a:p>
+            <a:r>
+              <a:rPr lang="en-US" altLang="ko-KR" sz="2000" dirty="0"/>
+              <a:t>}</a:t>
+            </a:r>
+            <a:endParaRPr lang="en-US" altLang="ko-KR" sz="2000" b="0" dirty="0">
               <a:effectLst/>
             </a:endParaRPr>
           </a:p>
@@ -17713,7 +18030,7 @@
     </p:spTree>
     <p:extLst>
       <p:ext uri="{BB962C8B-B14F-4D97-AF65-F5344CB8AC3E}">
-        <p14:creationId xmlns:p14="http://schemas.microsoft.com/office/powerpoint/2010/main" val="2271540261"/>
+        <p14:creationId xmlns:p14="http://schemas.microsoft.com/office/powerpoint/2010/main" val="3190781140"/>
       </p:ext>
     </p:extLst>
   </p:cSld>
@@ -17754,7 +18071,7 @@
         </p:nvSpPr>
         <p:spPr>
           <a:xfrm>
-            <a:off x="2461846" y="278423"/>
+            <a:off x="2461846" y="392723"/>
             <a:ext cx="7268308" cy="769441"/>
           </a:xfrm>
           <a:prstGeom prst="rect">
@@ -17774,52 +18091,180 @@
               <a:t>CSS </a:t>
             </a:r>
             <a:r>
-              <a:rPr lang="ko-KR" altLang="en-US" sz="4400" dirty="0"/>
-              <a:t>박스 모델</a:t>
-            </a:r>
-          </a:p>
-        </p:txBody>
-      </p:sp>
-      <p:pic>
-        <p:nvPicPr>
-          <p:cNvPr id="3" name="그림 2" descr="텍스트, 스크린샷, 직사각형, 디스플레이이(가) 표시된 사진&#10;&#10;자동 생성된 설명">
-            <a:extLst>
-              <a:ext uri="{FF2B5EF4-FFF2-40B4-BE49-F238E27FC236}">
-                <a16:creationId xmlns:a16="http://schemas.microsoft.com/office/drawing/2014/main" id="{56A16C8C-C540-1149-4D2B-B279DD534EC0}"/>
-              </a:ext>
-            </a:extLst>
-          </p:cNvPr>
-          <p:cNvPicPr>
-            <a:picLocks noChangeAspect="1"/>
-          </p:cNvPicPr>
-          <p:nvPr/>
-        </p:nvPicPr>
-        <p:blipFill>
-          <a:blip r:embed="rId2">
-            <a:extLst>
-              <a:ext uri="{28A0092B-C50C-407E-A947-70E740481C1C}">
-                <a14:useLocalDpi xmlns:a14="http://schemas.microsoft.com/office/drawing/2010/main" val="0"/>
-              </a:ext>
-            </a:extLst>
-          </a:blip>
-          <a:stretch>
-            <a:fillRect/>
-          </a:stretch>
-        </p:blipFill>
-        <p:spPr>
-          <a:xfrm>
-            <a:off x="2196567" y="1301864"/>
-            <a:ext cx="7533587" cy="4712677"/>
-          </a:xfrm>
-          <a:prstGeom prst="rect">
-            <a:avLst/>
-          </a:prstGeom>
-        </p:spPr>
-      </p:pic>
+              <a:rPr lang="ko-KR" altLang="en-US" sz="4400" dirty="0" err="1"/>
+              <a:t>선택자</a:t>
+            </a:r>
+            <a:endParaRPr lang="ko-KR" altLang="en-US" sz="4400" dirty="0"/>
+          </a:p>
+        </p:txBody>
+      </p:sp>
+      <p:sp>
+        <p:nvSpPr>
+          <p:cNvPr id="2" name="TextBox 1">
+            <a:extLst>
+              <a:ext uri="{FF2B5EF4-FFF2-40B4-BE49-F238E27FC236}">
+                <a16:creationId xmlns:a16="http://schemas.microsoft.com/office/drawing/2014/main" id="{CDE84F91-E200-1633-CEE1-DE55A55BA226}"/>
+              </a:ext>
+            </a:extLst>
+          </p:cNvPr>
+          <p:cNvSpPr txBox="1"/>
+          <p:nvPr/>
+        </p:nvSpPr>
+        <p:spPr>
+          <a:xfrm>
+            <a:off x="327378" y="305068"/>
+            <a:ext cx="9018954" cy="4093428"/>
+          </a:xfrm>
+          <a:prstGeom prst="rect">
+            <a:avLst/>
+          </a:prstGeom>
+          <a:noFill/>
+        </p:spPr>
+        <p:txBody>
+          <a:bodyPr wrap="square" rtlCol="0">
+            <a:spAutoFit/>
+          </a:bodyPr>
+          <a:lstStyle/>
+          <a:p>
+            <a:r>
+              <a:rPr lang="en-US" altLang="ko-KR" sz="2000" dirty="0"/>
+              <a:t>// </a:t>
+            </a:r>
+            <a:r>
+              <a:rPr lang="ko-KR" altLang="en-US" sz="2000" dirty="0"/>
+              <a:t>여러 선택</a:t>
+            </a:r>
+            <a:endParaRPr lang="en-US" altLang="ko-KR" sz="2000" dirty="0"/>
+          </a:p>
+          <a:p>
+            <a:r>
+              <a:rPr lang="en-US" altLang="ko-KR" sz="2000" b="0" dirty="0" err="1">
+                <a:effectLst/>
+              </a:rPr>
+              <a:t>ul</a:t>
+            </a:r>
+            <a:r>
+              <a:rPr lang="en-US" altLang="ko-KR" sz="2000" b="0" dirty="0">
+                <a:effectLst/>
+              </a:rPr>
+              <a:t>, </a:t>
+            </a:r>
+            <a:r>
+              <a:rPr lang="en-US" altLang="ko-KR" sz="2000" b="0" dirty="0" err="1">
+                <a:effectLst/>
+              </a:rPr>
+              <a:t>ol</a:t>
+            </a:r>
+            <a:r>
+              <a:rPr lang="en-US" altLang="ko-KR" sz="2000" b="0" dirty="0">
+                <a:effectLst/>
+              </a:rPr>
+              <a:t> {</a:t>
+            </a:r>
+          </a:p>
+          <a:p>
+            <a:r>
+              <a:rPr lang="en-US" altLang="ko-KR" sz="2000" dirty="0"/>
+              <a:t> color: green;</a:t>
+            </a:r>
+          </a:p>
+          <a:p>
+            <a:r>
+              <a:rPr lang="en-US" altLang="ko-KR" sz="2000" b="0" dirty="0">
+                <a:effectLst/>
+              </a:rPr>
+              <a:t>}</a:t>
+            </a:r>
+          </a:p>
+          <a:p>
+            <a:r>
+              <a:rPr lang="en-US" altLang="ko-KR" sz="2000" b="0" dirty="0">
+                <a:effectLst/>
+              </a:rPr>
+              <a:t>// </a:t>
+            </a:r>
+            <a:r>
+              <a:rPr lang="ko-KR" altLang="en-US" sz="2000" dirty="0"/>
+              <a:t>가상 클래스 </a:t>
+            </a:r>
+            <a:r>
+              <a:rPr lang="ko-KR" altLang="en-US" sz="2000" dirty="0" err="1"/>
+              <a:t>선택자</a:t>
+            </a:r>
+            <a:endParaRPr lang="en-US" altLang="ko-KR" sz="2000" dirty="0"/>
+          </a:p>
+          <a:p>
+            <a:r>
+              <a:rPr lang="en-US" altLang="ko-KR" sz="2000" b="0" dirty="0">
+                <a:effectLst/>
+              </a:rPr>
+              <a:t>a:active {</a:t>
+            </a:r>
+          </a:p>
+          <a:p>
+            <a:r>
+              <a:rPr lang="en-US" altLang="ko-KR" sz="2000" dirty="0"/>
+              <a:t> color: green;</a:t>
+            </a:r>
+          </a:p>
+          <a:p>
+            <a:r>
+              <a:rPr lang="en-US" altLang="ko-KR" sz="2000" dirty="0"/>
+              <a:t>}</a:t>
+            </a:r>
+          </a:p>
+          <a:p>
+            <a:r>
+              <a:rPr lang="en-US" altLang="ko-KR" sz="2000" b="0" dirty="0">
+                <a:effectLst/>
+              </a:rPr>
+              <a:t>a:visited</a:t>
+            </a:r>
+            <a:endParaRPr lang="en-US" altLang="ko-KR" sz="2000" dirty="0"/>
+          </a:p>
+          <a:p>
+            <a:r>
+              <a:rPr lang="en-US" altLang="ko-KR" sz="2000" b="0" dirty="0">
+                <a:effectLst/>
+              </a:rPr>
+              <a:t>a:</a:t>
+            </a:r>
+            <a:r>
+              <a:rPr lang="en-US" altLang="ko-KR" sz="2000" dirty="0"/>
+              <a:t>hover</a:t>
+            </a:r>
+          </a:p>
+          <a:p>
+            <a:r>
+              <a:rPr lang="en-US" altLang="ko-KR" sz="2000" b="0" dirty="0">
+                <a:effectLst/>
+              </a:rPr>
+              <a:t>a:link</a:t>
+            </a:r>
+          </a:p>
+          <a:p>
+            <a:r>
+              <a:rPr lang="en-US" altLang="ko-KR" sz="2000" dirty="0"/>
+              <a:t>a:focus</a:t>
+            </a:r>
+          </a:p>
+          <a:p>
+            <a:r>
+              <a:rPr lang="en-US" altLang="ko-KR" sz="2000" b="0">
+                <a:effectLst/>
+              </a:rPr>
+              <a:t>a:first-child</a:t>
+            </a:r>
+            <a:endParaRPr lang="en-US" altLang="ko-KR" sz="2000" b="0" dirty="0">
+              <a:effectLst/>
+            </a:endParaRPr>
+          </a:p>
+        </p:txBody>
+      </p:sp>
     </p:spTree>
     <p:extLst>
       <p:ext uri="{BB962C8B-B14F-4D97-AF65-F5344CB8AC3E}">
-        <p14:creationId xmlns:p14="http://schemas.microsoft.com/office/powerpoint/2010/main" val="2303041322"/>
+        <p14:creationId xmlns:p14="http://schemas.microsoft.com/office/powerpoint/2010/main" val="967638719"/>
       </p:ext>
     </p:extLst>
   </p:cSld>
@@ -18286,7 +18731,7 @@
         </p:nvSpPr>
         <p:spPr>
           <a:xfrm>
-            <a:off x="2461846" y="278423"/>
+            <a:off x="2461846" y="392723"/>
             <a:ext cx="7268308" cy="769441"/>
           </a:xfrm>
           <a:prstGeom prst="rect">
@@ -18306,52 +18751,117 @@
               <a:t>CSS </a:t>
             </a:r>
             <a:r>
-              <a:rPr lang="ko-KR" altLang="en-US" sz="4400" dirty="0"/>
-              <a:t>레이아웃</a:t>
-            </a:r>
-          </a:p>
-        </p:txBody>
-      </p:sp>
-      <p:pic>
-        <p:nvPicPr>
-          <p:cNvPr id="5" name="그림 4" descr="텍스트, 스크린샷, 소프트웨어, 운영 체제이(가) 표시된 사진&#10;&#10;자동 생성된 설명">
-            <a:extLst>
-              <a:ext uri="{FF2B5EF4-FFF2-40B4-BE49-F238E27FC236}">
-                <a16:creationId xmlns:a16="http://schemas.microsoft.com/office/drawing/2014/main" id="{4B562B0D-3070-321D-2FB6-1BEC049BC4F1}"/>
-              </a:ext>
-            </a:extLst>
-          </p:cNvPr>
-          <p:cNvPicPr>
-            <a:picLocks noChangeAspect="1"/>
-          </p:cNvPicPr>
-          <p:nvPr/>
-        </p:nvPicPr>
-        <p:blipFill>
-          <a:blip r:embed="rId2">
-            <a:extLst>
-              <a:ext uri="{28A0092B-C50C-407E-A947-70E740481C1C}">
-                <a14:useLocalDpi xmlns:a14="http://schemas.microsoft.com/office/drawing/2010/main" val="0"/>
-              </a:ext>
-            </a:extLst>
-          </a:blip>
-          <a:stretch>
-            <a:fillRect/>
-          </a:stretch>
-        </p:blipFill>
-        <p:spPr>
-          <a:xfrm>
-            <a:off x="2214562" y="1389820"/>
-            <a:ext cx="7762875" cy="4725229"/>
-          </a:xfrm>
-          <a:prstGeom prst="rect">
-            <a:avLst/>
-          </a:prstGeom>
-        </p:spPr>
-      </p:pic>
+              <a:rPr lang="ko-KR" altLang="en-US" sz="4400" dirty="0" err="1"/>
+              <a:t>선택자</a:t>
+            </a:r>
+            <a:endParaRPr lang="ko-KR" altLang="en-US" sz="4400" dirty="0"/>
+          </a:p>
+        </p:txBody>
+      </p:sp>
+      <p:sp>
+        <p:nvSpPr>
+          <p:cNvPr id="2" name="TextBox 1">
+            <a:extLst>
+              <a:ext uri="{FF2B5EF4-FFF2-40B4-BE49-F238E27FC236}">
+                <a16:creationId xmlns:a16="http://schemas.microsoft.com/office/drawing/2014/main" id="{CDE84F91-E200-1633-CEE1-DE55A55BA226}"/>
+              </a:ext>
+            </a:extLst>
+          </p:cNvPr>
+          <p:cNvSpPr txBox="1"/>
+          <p:nvPr/>
+        </p:nvSpPr>
+        <p:spPr>
+          <a:xfrm>
+            <a:off x="711200" y="1709266"/>
+            <a:ext cx="9018954" cy="3170099"/>
+          </a:xfrm>
+          <a:prstGeom prst="rect">
+            <a:avLst/>
+          </a:prstGeom>
+          <a:noFill/>
+        </p:spPr>
+        <p:txBody>
+          <a:bodyPr wrap="square" rtlCol="0">
+            <a:spAutoFit/>
+          </a:bodyPr>
+          <a:lstStyle/>
+          <a:p>
+            <a:r>
+              <a:rPr lang="en-US" altLang="ko-KR" sz="2000" dirty="0"/>
+              <a:t>a:link {</a:t>
+            </a:r>
+          </a:p>
+          <a:p>
+            <a:r>
+              <a:rPr lang="en-US" altLang="ko-KR" sz="2000" dirty="0"/>
+              <a:t>}</a:t>
+            </a:r>
+          </a:p>
+          <a:p>
+            <a:r>
+              <a:rPr lang="en-US" altLang="ko-KR" sz="2000" b="0" dirty="0">
+                <a:effectLst/>
+              </a:rPr>
+              <a:t>a:visited {</a:t>
+            </a:r>
+          </a:p>
+          <a:p>
+            <a:r>
+              <a:rPr lang="en-US" altLang="ko-KR" sz="2000" b="0" dirty="0">
+                <a:effectLst/>
+              </a:rPr>
+              <a:t>}</a:t>
+            </a:r>
+          </a:p>
+          <a:p>
+            <a:r>
+              <a:rPr lang="en-US" altLang="ko-KR" sz="2000" dirty="0"/>
+              <a:t>a:focus {</a:t>
+            </a:r>
+          </a:p>
+          <a:p>
+            <a:r>
+              <a:rPr lang="en-US" altLang="ko-KR" sz="2000" dirty="0"/>
+              <a:t>}</a:t>
+            </a:r>
+          </a:p>
+          <a:p>
+            <a:r>
+              <a:rPr lang="en-US" altLang="ko-KR" sz="2000" b="0" dirty="0">
+                <a:effectLst/>
+              </a:rPr>
+              <a:t>a:hover {</a:t>
+            </a:r>
+          </a:p>
+          <a:p>
+            <a:r>
+              <a:rPr lang="en-US" altLang="ko-KR" sz="2000" b="0" dirty="0">
+                <a:effectLst/>
+              </a:rPr>
+              <a:t>}</a:t>
+            </a:r>
+          </a:p>
+          <a:p>
+            <a:r>
+              <a:rPr lang="en-US" altLang="ko-KR" sz="2000" dirty="0"/>
+              <a:t>a:active {</a:t>
+            </a:r>
+          </a:p>
+          <a:p>
+            <a:r>
+              <a:rPr lang="en-US" altLang="ko-KR" sz="2000" dirty="0"/>
+              <a:t>}</a:t>
+            </a:r>
+            <a:endParaRPr lang="en-US" altLang="ko-KR" sz="2000" b="0" dirty="0">
+              <a:effectLst/>
+            </a:endParaRPr>
+          </a:p>
+        </p:txBody>
+      </p:sp>
     </p:spTree>
     <p:extLst>
       <p:ext uri="{BB962C8B-B14F-4D97-AF65-F5344CB8AC3E}">
-        <p14:creationId xmlns:p14="http://schemas.microsoft.com/office/powerpoint/2010/main" val="207085717"/>
+        <p14:creationId xmlns:p14="http://schemas.microsoft.com/office/powerpoint/2010/main" val="3221376626"/>
       </p:ext>
     </p:extLst>
   </p:cSld>
@@ -18392,7 +18902,7 @@
         </p:nvSpPr>
         <p:spPr>
           <a:xfrm>
-            <a:off x="2461846" y="2272323"/>
+            <a:off x="2461846" y="430823"/>
             <a:ext cx="7268308" cy="769441"/>
           </a:xfrm>
           <a:prstGeom prst="rect">
@@ -18409,16 +18919,114 @@
             <a:pPr algn="ctr"/>
             <a:r>
               <a:rPr lang="en-US" altLang="ko-KR" sz="4400" dirty="0"/>
-              <a:t>Google Font</a:t>
-            </a:r>
-            <a:endParaRPr lang="ko-KR" altLang="en-US" sz="4400" dirty="0"/>
+              <a:t>CSS </a:t>
+            </a:r>
+            <a:r>
+              <a:rPr lang="ko-KR" altLang="en-US" sz="4400" dirty="0"/>
+              <a:t>우선순위</a:t>
+            </a:r>
+          </a:p>
+        </p:txBody>
+      </p:sp>
+      <p:sp>
+        <p:nvSpPr>
+          <p:cNvPr id="3" name="TextBox 2">
+            <a:extLst>
+              <a:ext uri="{FF2B5EF4-FFF2-40B4-BE49-F238E27FC236}">
+                <a16:creationId xmlns:a16="http://schemas.microsoft.com/office/drawing/2014/main" id="{AAB98EA7-E45C-DFEA-0B08-97709329C1C9}"/>
+              </a:ext>
+            </a:extLst>
+          </p:cNvPr>
+          <p:cNvSpPr txBox="1"/>
+          <p:nvPr/>
+        </p:nvSpPr>
+        <p:spPr>
+          <a:xfrm>
+            <a:off x="1009650" y="2654568"/>
+            <a:ext cx="10172700" cy="461665"/>
+          </a:xfrm>
+          <a:prstGeom prst="rect">
+            <a:avLst/>
+          </a:prstGeom>
+          <a:noFill/>
+        </p:spPr>
+        <p:txBody>
+          <a:bodyPr wrap="square" rtlCol="0">
+            <a:spAutoFit/>
+          </a:bodyPr>
+          <a:lstStyle/>
+          <a:p>
+            <a:pPr algn="ctr"/>
+            <a:r>
+              <a:rPr lang="en-US" altLang="ko-KR" sz="2400" b="0" dirty="0">
+                <a:effectLst/>
+              </a:rPr>
+              <a:t>!important &gt; inline &gt; id</a:t>
+            </a:r>
+            <a:r>
+              <a:rPr lang="ko-KR" altLang="en-US" sz="2400" b="0" dirty="0" err="1">
+                <a:effectLst/>
+              </a:rPr>
+              <a:t>선택자</a:t>
+            </a:r>
+            <a:r>
+              <a:rPr lang="ko-KR" altLang="en-US" sz="2400" b="0" dirty="0">
+                <a:effectLst/>
+              </a:rPr>
+              <a:t> </a:t>
+            </a:r>
+            <a:r>
+              <a:rPr lang="en-US" altLang="ko-KR" sz="2400" b="0" dirty="0">
+                <a:effectLst/>
+              </a:rPr>
+              <a:t>&gt; class</a:t>
+            </a:r>
+            <a:r>
+              <a:rPr lang="ko-KR" altLang="en-US" sz="2400" b="0" dirty="0">
+                <a:effectLst/>
+              </a:rPr>
+              <a:t>명 </a:t>
+            </a:r>
+            <a:r>
+              <a:rPr lang="en-US" altLang="ko-KR" sz="2400" b="0" dirty="0">
+                <a:effectLst/>
+              </a:rPr>
+              <a:t>&gt; HTML </a:t>
+            </a:r>
+            <a:r>
+              <a:rPr lang="ko-KR" altLang="en-US" sz="2400" b="0" dirty="0" err="1">
+                <a:effectLst/>
+              </a:rPr>
+              <a:t>태그명</a:t>
+            </a:r>
+            <a:r>
+              <a:rPr lang="ko-KR" altLang="en-US" sz="2400" b="0" dirty="0">
+                <a:effectLst/>
+              </a:rPr>
+              <a:t> </a:t>
+            </a:r>
+            <a:r>
+              <a:rPr lang="en-US" altLang="ko-KR" sz="2400" b="0" dirty="0">
+                <a:effectLst/>
+              </a:rPr>
+              <a:t>&gt; </a:t>
+            </a:r>
+            <a:r>
+              <a:rPr lang="ko-KR" altLang="en-US" sz="2400" b="0" dirty="0">
+                <a:effectLst/>
+              </a:rPr>
+              <a:t>부모 상속</a:t>
+            </a:r>
+            <a:endParaRPr lang="en-US" altLang="ko-KR" sz="2400" b="0" dirty="0">
+              <a:effectLst/>
+            </a:endParaRPr>
           </a:p>
         </p:txBody>
       </p:sp>
     </p:spTree>
     <p:extLst>
       <p:ext uri="{BB962C8B-B14F-4D97-AF65-F5344CB8AC3E}">
-        <p14:creationId xmlns:p14="http://schemas.microsoft.com/office/powerpoint/2010/main" val="2831799372"/>
+        <p14:creationId xmlns:p14="http://schemas.microsoft.com/office/powerpoint/2010/main" val="2271540261"/>
       </p:ext>
     </p:extLst>
   </p:cSld>
@@ -18459,7 +19067,7 @@
         </p:nvSpPr>
         <p:spPr>
           <a:xfrm>
-            <a:off x="2461846" y="2272323"/>
+            <a:off x="2461846" y="278423"/>
             <a:ext cx="7268308" cy="769441"/>
           </a:xfrm>
           <a:prstGeom prst="rect">
@@ -18476,16 +19084,55 @@
             <a:pPr algn="ctr"/>
             <a:r>
               <a:rPr lang="en-US" altLang="ko-KR" sz="4400" dirty="0"/>
-              <a:t>License</a:t>
-            </a:r>
-            <a:endParaRPr lang="ko-KR" altLang="en-US" sz="4400" dirty="0"/>
-          </a:p>
-        </p:txBody>
-      </p:sp>
+              <a:t>CSS </a:t>
+            </a:r>
+            <a:r>
+              <a:rPr lang="ko-KR" altLang="en-US" sz="4400" dirty="0"/>
+              <a:t>박스 모델</a:t>
+            </a:r>
+          </a:p>
+        </p:txBody>
+      </p:sp>
+      <p:pic>
+        <p:nvPicPr>
+          <p:cNvPr id="3" name="그림 2" descr="텍스트, 스크린샷, 직사각형, 디스플레이이(가) 표시된 사진&#10;&#10;자동 생성된 설명">
+            <a:extLst>
+              <a:ext uri="{FF2B5EF4-FFF2-40B4-BE49-F238E27FC236}">
+                <a16:creationId xmlns:a16="http://schemas.microsoft.com/office/drawing/2014/main" id="{56A16C8C-C540-1149-4D2B-B279DD534EC0}"/>
+              </a:ext>
+            </a:extLst>
+          </p:cNvPr>
+          <p:cNvPicPr>
+            <a:picLocks noChangeAspect="1"/>
+          </p:cNvPicPr>
+          <p:nvPr/>
+        </p:nvPicPr>
+        <p:blipFill>
+          <a:blip r:embed="rId2">
+            <a:extLst>
+              <a:ext uri="{28A0092B-C50C-407E-A947-70E740481C1C}">
+                <a14:useLocalDpi xmlns:a14="http://schemas.microsoft.com/office/drawing/2010/main" val="0"/>
+              </a:ext>
+            </a:extLst>
+          </a:blip>
+          <a:stretch>
+            <a:fillRect/>
+          </a:stretch>
+        </p:blipFill>
+        <p:spPr>
+          <a:xfrm>
+            <a:off x="2196567" y="1301864"/>
+            <a:ext cx="7533587" cy="4712677"/>
+          </a:xfrm>
+          <a:prstGeom prst="rect">
+            <a:avLst/>
+          </a:prstGeom>
+        </p:spPr>
+      </p:pic>
     </p:spTree>
     <p:extLst>
       <p:ext uri="{BB962C8B-B14F-4D97-AF65-F5344CB8AC3E}">
-        <p14:creationId xmlns:p14="http://schemas.microsoft.com/office/powerpoint/2010/main" val="2733209541"/>
+        <p14:creationId xmlns:p14="http://schemas.microsoft.com/office/powerpoint/2010/main" val="2303041322"/>
       </p:ext>
     </p:extLst>
   </p:cSld>
@@ -18526,7 +19173,7 @@
         </p:nvSpPr>
         <p:spPr>
           <a:xfrm>
-            <a:off x="2461846" y="2145323"/>
+            <a:off x="2461846" y="278423"/>
             <a:ext cx="7268308" cy="769441"/>
           </a:xfrm>
           <a:prstGeom prst="rect">
@@ -18547,15 +19194,51 @@
             </a:r>
             <a:r>
               <a:rPr lang="ko-KR" altLang="en-US" sz="4400" dirty="0"/>
-              <a:t>애니메이션</a:t>
-            </a:r>
-          </a:p>
-        </p:txBody>
-      </p:sp>
+              <a:t>레이아웃</a:t>
+            </a:r>
+          </a:p>
+        </p:txBody>
+      </p:sp>
+      <p:pic>
+        <p:nvPicPr>
+          <p:cNvPr id="5" name="그림 4" descr="텍스트, 스크린샷, 소프트웨어, 운영 체제이(가) 표시된 사진&#10;&#10;자동 생성된 설명">
+            <a:extLst>
+              <a:ext uri="{FF2B5EF4-FFF2-40B4-BE49-F238E27FC236}">
+                <a16:creationId xmlns:a16="http://schemas.microsoft.com/office/drawing/2014/main" id="{4B562B0D-3070-321D-2FB6-1BEC049BC4F1}"/>
+              </a:ext>
+            </a:extLst>
+          </p:cNvPr>
+          <p:cNvPicPr>
+            <a:picLocks noChangeAspect="1"/>
+          </p:cNvPicPr>
+          <p:nvPr/>
+        </p:nvPicPr>
+        <p:blipFill>
+          <a:blip r:embed="rId2">
+            <a:extLst>
+              <a:ext uri="{28A0092B-C50C-407E-A947-70E740481C1C}">
+                <a14:useLocalDpi xmlns:a14="http://schemas.microsoft.com/office/drawing/2010/main" val="0"/>
+              </a:ext>
+            </a:extLst>
+          </a:blip>
+          <a:stretch>
+            <a:fillRect/>
+          </a:stretch>
+        </p:blipFill>
+        <p:spPr>
+          <a:xfrm>
+            <a:off x="2214562" y="1389820"/>
+            <a:ext cx="7762875" cy="4725229"/>
+          </a:xfrm>
+          <a:prstGeom prst="rect">
+            <a:avLst/>
+          </a:prstGeom>
+        </p:spPr>
+      </p:pic>
     </p:spTree>
     <p:extLst>
       <p:ext uri="{BB962C8B-B14F-4D97-AF65-F5344CB8AC3E}">
-        <p14:creationId xmlns:p14="http://schemas.microsoft.com/office/powerpoint/2010/main" val="1487699276"/>
+        <p14:creationId xmlns:p14="http://schemas.microsoft.com/office/powerpoint/2010/main" val="207085717"/>
       </p:ext>
     </p:extLst>
   </p:cSld>
@@ -18596,7 +19279,7 @@
         </p:nvSpPr>
         <p:spPr>
           <a:xfrm>
-            <a:off x="2182446" y="5066323"/>
+            <a:off x="2461846" y="2272323"/>
             <a:ext cx="7268308" cy="769441"/>
           </a:xfrm>
           <a:prstGeom prst="rect">
@@ -18612,52 +19295,17 @@
           <a:p>
             <a:pPr algn="ctr"/>
             <a:r>
-              <a:rPr lang="ko-KR" altLang="en-US" sz="4400" dirty="0"/>
-              <a:t>질문 리스트 작성하기</a:t>
-            </a:r>
-          </a:p>
-        </p:txBody>
-      </p:sp>
-      <p:pic>
-        <p:nvPicPr>
-          <p:cNvPr id="6" name="그림 5" descr="만화 영화, 예술, 그래픽, 그림이(가) 표시된 사진&#10;&#10;자동 생성된 설명">
-            <a:extLst>
-              <a:ext uri="{FF2B5EF4-FFF2-40B4-BE49-F238E27FC236}">
-                <a16:creationId xmlns:a16="http://schemas.microsoft.com/office/drawing/2014/main" id="{4A46C2B8-FD94-4AE0-FAC4-B57C1F6BB0D0}"/>
-              </a:ext>
-            </a:extLst>
-          </p:cNvPr>
-          <p:cNvPicPr>
-            <a:picLocks noChangeAspect="1"/>
-          </p:cNvPicPr>
-          <p:nvPr/>
-        </p:nvPicPr>
-        <p:blipFill>
-          <a:blip r:embed="rId2">
-            <a:extLst>
-              <a:ext uri="{28A0092B-C50C-407E-A947-70E740481C1C}">
-                <a14:useLocalDpi xmlns:a14="http://schemas.microsoft.com/office/drawing/2010/main" val="0"/>
-              </a:ext>
-            </a:extLst>
-          </a:blip>
-          <a:stretch>
-            <a:fillRect/>
-          </a:stretch>
-        </p:blipFill>
-        <p:spPr>
-          <a:xfrm>
-            <a:off x="4064000" y="769442"/>
-            <a:ext cx="4064000" cy="4064000"/>
-          </a:xfrm>
-          <a:prstGeom prst="rect">
-            <a:avLst/>
-          </a:prstGeom>
-        </p:spPr>
-      </p:pic>
+              <a:rPr lang="en-US" altLang="ko-KR" sz="4400" dirty="0"/>
+              <a:t>Google Font</a:t>
+            </a:r>
+            <a:endParaRPr lang="ko-KR" altLang="en-US" sz="4400" dirty="0"/>
+          </a:p>
+        </p:txBody>
+      </p:sp>
     </p:spTree>
     <p:extLst>
       <p:ext uri="{BB962C8B-B14F-4D97-AF65-F5344CB8AC3E}">
-        <p14:creationId xmlns:p14="http://schemas.microsoft.com/office/powerpoint/2010/main" val="2841109164"/>
+        <p14:creationId xmlns:p14="http://schemas.microsoft.com/office/powerpoint/2010/main" val="2831799372"/>
       </p:ext>
     </p:extLst>
   </p:cSld>
@@ -18698,33 +19346,33 @@
         </p:nvSpPr>
         <p:spPr>
           <a:xfrm>
-            <a:off x="1053123" y="2412023"/>
-            <a:ext cx="10085754" cy="1107996"/>
-          </a:xfrm>
-          <a:prstGeom prst="rect">
-            <a:avLst/>
-          </a:prstGeom>
-          <a:noFill/>
-        </p:spPr>
-        <p:txBody>
-          <a:bodyPr wrap="square" rtlCol="0">
-            <a:spAutoFit/>
-          </a:bodyPr>
-          <a:lstStyle/>
-          <a:p>
-            <a:pPr algn="ctr"/>
-            <a:r>
-              <a:rPr lang="ko-KR" altLang="en-US" sz="6600" dirty="0"/>
-              <a:t>인터넷에 올리기</a:t>
-            </a:r>
-            <a:endParaRPr lang="en-US" altLang="ko-KR" sz="6600" dirty="0"/>
+            <a:off x="2461846" y="2272323"/>
+            <a:ext cx="7268308" cy="769441"/>
+          </a:xfrm>
+          <a:prstGeom prst="rect">
+            <a:avLst/>
+          </a:prstGeom>
+          <a:noFill/>
+        </p:spPr>
+        <p:txBody>
+          <a:bodyPr wrap="square" rtlCol="0">
+            <a:spAutoFit/>
+          </a:bodyPr>
+          <a:lstStyle/>
+          <a:p>
+            <a:pPr algn="ctr"/>
+            <a:r>
+              <a:rPr lang="en-US" altLang="ko-KR" sz="4400" dirty="0"/>
+              <a:t>License</a:t>
+            </a:r>
+            <a:endParaRPr lang="ko-KR" altLang="en-US" sz="4400" dirty="0"/>
           </a:p>
         </p:txBody>
       </p:sp>
     </p:spTree>
     <p:extLst>
       <p:ext uri="{BB962C8B-B14F-4D97-AF65-F5344CB8AC3E}">
-        <p14:creationId xmlns:p14="http://schemas.microsoft.com/office/powerpoint/2010/main" val="1570912372"/>
+        <p14:creationId xmlns:p14="http://schemas.microsoft.com/office/powerpoint/2010/main" val="2733209541"/>
       </p:ext>
     </p:extLst>
   </p:cSld>
@@ -18765,72 +19413,36 @@
         </p:nvSpPr>
         <p:spPr>
           <a:xfrm>
-            <a:off x="1053123" y="151423"/>
-            <a:ext cx="10085754" cy="707886"/>
-          </a:xfrm>
-          <a:prstGeom prst="rect">
-            <a:avLst/>
-          </a:prstGeom>
-          <a:noFill/>
-        </p:spPr>
-        <p:txBody>
-          <a:bodyPr wrap="square" rtlCol="0">
-            <a:spAutoFit/>
-          </a:bodyPr>
-          <a:lstStyle/>
-          <a:p>
-            <a:pPr algn="ctr"/>
-            <a:r>
-              <a:rPr lang="ko-KR" altLang="en-US" sz="4000" dirty="0"/>
-              <a:t>버전관리시스템 </a:t>
-            </a:r>
-            <a:r>
-              <a:rPr lang="en-US" altLang="ko-KR" sz="4000" dirty="0"/>
-              <a:t>Git</a:t>
-            </a:r>
-          </a:p>
-        </p:txBody>
-      </p:sp>
-      <p:pic>
-        <p:nvPicPr>
-          <p:cNvPr id="6" name="그림 5" descr="로고, 폰트, 상징, 그래픽이(가) 표시된 사진&#10;&#10;자동 생성된 설명">
-            <a:extLst>
-              <a:ext uri="{FF2B5EF4-FFF2-40B4-BE49-F238E27FC236}">
-                <a16:creationId xmlns:a16="http://schemas.microsoft.com/office/drawing/2014/main" id="{F2B0C222-6FA1-F252-84E3-C5BB7B04A903}"/>
-              </a:ext>
-            </a:extLst>
-          </p:cNvPr>
-          <p:cNvPicPr>
-            <a:picLocks noChangeAspect="1"/>
-          </p:cNvPicPr>
-          <p:nvPr/>
-        </p:nvPicPr>
-        <p:blipFill>
-          <a:blip r:embed="rId2">
-            <a:extLst>
-              <a:ext uri="{28A0092B-C50C-407E-A947-70E740481C1C}">
-                <a14:useLocalDpi xmlns:a14="http://schemas.microsoft.com/office/drawing/2010/main" val="0"/>
-              </a:ext>
-            </a:extLst>
-          </a:blip>
-          <a:stretch>
-            <a:fillRect/>
-          </a:stretch>
-        </p:blipFill>
-        <p:spPr>
-          <a:xfrm>
-            <a:off x="2138217" y="1054931"/>
-            <a:ext cx="7338033" cy="4748138"/>
-          </a:xfrm>
-          <a:prstGeom prst="rect">
-            <a:avLst/>
-          </a:prstGeom>
-        </p:spPr>
-      </p:pic>
+            <a:off x="2461846" y="2145323"/>
+            <a:ext cx="7268308" cy="769441"/>
+          </a:xfrm>
+          <a:prstGeom prst="rect">
+            <a:avLst/>
+          </a:prstGeom>
+          <a:noFill/>
+        </p:spPr>
+        <p:txBody>
+          <a:bodyPr wrap="square" rtlCol="0">
+            <a:spAutoFit/>
+          </a:bodyPr>
+          <a:lstStyle/>
+          <a:p>
+            <a:pPr algn="ctr"/>
+            <a:r>
+              <a:rPr lang="en-US" altLang="ko-KR" sz="4400" dirty="0"/>
+              <a:t>CSS </a:t>
+            </a:r>
+            <a:r>
+              <a:rPr lang="ko-KR" altLang="en-US" sz="4400" dirty="0"/>
+              <a:t>애니메이션</a:t>
+            </a:r>
+          </a:p>
+        </p:txBody>
+      </p:sp>
     </p:spTree>
     <p:extLst>
       <p:ext uri="{BB962C8B-B14F-4D97-AF65-F5344CB8AC3E}">
-        <p14:creationId xmlns:p14="http://schemas.microsoft.com/office/powerpoint/2010/main" val="17395606"/>
+        <p14:creationId xmlns:p14="http://schemas.microsoft.com/office/powerpoint/2010/main" val="1487699276"/>
       </p:ext>
     </p:extLst>
   </p:cSld>
@@ -18859,62 +19471,46 @@
       </p:grpSpPr>
       <p:sp>
         <p:nvSpPr>
-          <p:cNvPr id="2" name="TextBox 1">
-            <a:extLst>
-              <a:ext uri="{FF2B5EF4-FFF2-40B4-BE49-F238E27FC236}">
-                <a16:creationId xmlns:a16="http://schemas.microsoft.com/office/drawing/2014/main" id="{8278C8EB-50D0-7D68-FFC9-6D394D1095DE}"/>
-              </a:ext>
-            </a:extLst>
-          </p:cNvPr>
-          <p:cNvSpPr txBox="1"/>
-          <p:nvPr/>
-        </p:nvSpPr>
-        <p:spPr>
-          <a:xfrm>
-            <a:off x="1053123" y="151423"/>
-            <a:ext cx="10085754" cy="1077218"/>
-          </a:xfrm>
-          <a:prstGeom prst="rect">
-            <a:avLst/>
-          </a:prstGeom>
-          <a:noFill/>
-        </p:spPr>
-        <p:txBody>
-          <a:bodyPr wrap="square" rtlCol="0">
-            <a:spAutoFit/>
-          </a:bodyPr>
-          <a:lstStyle/>
-          <a:p>
-            <a:pPr algn="ctr"/>
-            <a:r>
-              <a:rPr lang="en-US" altLang="ko-KR" sz="4000" dirty="0"/>
-              <a:t>Git</a:t>
-            </a:r>
-            <a:r>
-              <a:rPr lang="ko-KR" altLang="en-US" sz="4000" dirty="0"/>
-              <a:t>을 이용한 </a:t>
-            </a:r>
-            <a:r>
-              <a:rPr lang="en-US" altLang="ko-KR" sz="4000" dirty="0"/>
-              <a:t>GitHub</a:t>
-            </a:r>
-          </a:p>
-          <a:p>
-            <a:pPr algn="ctr"/>
-            <a:r>
-              <a:rPr lang="ko-KR" altLang="en-US" sz="2400" dirty="0"/>
-              <a:t>개발자 최고 커뮤니티</a:t>
-            </a:r>
-            <a:endParaRPr lang="en-US" altLang="ko-KR" sz="2400" dirty="0"/>
+          <p:cNvPr id="4" name="TextBox 3">
+            <a:extLst>
+              <a:ext uri="{FF2B5EF4-FFF2-40B4-BE49-F238E27FC236}">
+                <a16:creationId xmlns:a16="http://schemas.microsoft.com/office/drawing/2014/main" id="{77E83A82-1077-074D-D148-C824C7D5A2ED}"/>
+              </a:ext>
+            </a:extLst>
+          </p:cNvPr>
+          <p:cNvSpPr txBox="1"/>
+          <p:nvPr/>
+        </p:nvSpPr>
+        <p:spPr>
+          <a:xfrm>
+            <a:off x="2182446" y="5066323"/>
+            <a:ext cx="7268308" cy="769441"/>
+          </a:xfrm>
+          <a:prstGeom prst="rect">
+            <a:avLst/>
+          </a:prstGeom>
+          <a:noFill/>
+        </p:spPr>
+        <p:txBody>
+          <a:bodyPr wrap="square" rtlCol="0">
+            <a:spAutoFit/>
+          </a:bodyPr>
+          <a:lstStyle/>
+          <a:p>
+            <a:pPr algn="ctr"/>
+            <a:r>
+              <a:rPr lang="ko-KR" altLang="en-US" sz="4400" dirty="0"/>
+              <a:t>질문 리스트 작성하기</a:t>
+            </a:r>
           </a:p>
         </p:txBody>
       </p:sp>
       <p:pic>
         <p:nvPicPr>
-          <p:cNvPr id="7" name="그림 6" descr="로고, 그래픽, 폰트, 상징이(가) 표시된 사진&#10;&#10;자동 생성된 설명">
-            <a:extLst>
-              <a:ext uri="{FF2B5EF4-FFF2-40B4-BE49-F238E27FC236}">
-                <a16:creationId xmlns:a16="http://schemas.microsoft.com/office/drawing/2014/main" id="{AB023880-28C6-4DB8-F94E-367322554280}"/>
+          <p:cNvPr id="6" name="그림 5" descr="만화 영화, 예술, 그래픽, 그림이(가) 표시된 사진&#10;&#10;자동 생성된 설명">
+            <a:extLst>
+              <a:ext uri="{FF2B5EF4-FFF2-40B4-BE49-F238E27FC236}">
+                <a16:creationId xmlns:a16="http://schemas.microsoft.com/office/drawing/2014/main" id="{4A46C2B8-FD94-4AE0-FAC4-B57C1F6BB0D0}"/>
               </a:ext>
             </a:extLst>
           </p:cNvPr>
@@ -18937,8 +19533,8 @@
         </p:blipFill>
         <p:spPr>
           <a:xfrm>
-            <a:off x="2482664" y="1304841"/>
-            <a:ext cx="7226671" cy="5207268"/>
+            <a:off x="4064000" y="769442"/>
+            <a:ext cx="4064000" cy="4064000"/>
           </a:xfrm>
           <a:prstGeom prst="rect">
             <a:avLst/>
@@ -18948,7 +19544,7 @@
     </p:spTree>
     <p:extLst>
       <p:ext uri="{BB962C8B-B14F-4D97-AF65-F5344CB8AC3E}">
-        <p14:creationId xmlns:p14="http://schemas.microsoft.com/office/powerpoint/2010/main" val="1186518214"/>
+        <p14:creationId xmlns:p14="http://schemas.microsoft.com/office/powerpoint/2010/main" val="2841109164"/>
       </p:ext>
     </p:extLst>
   </p:cSld>
@@ -18990,40 +19586,32 @@
         <p:spPr>
           <a:xfrm>
             <a:off x="1053123" y="2412023"/>
-            <a:ext cx="10085754" cy="1323439"/>
-          </a:xfrm>
-          <a:prstGeom prst="rect">
-            <a:avLst/>
-          </a:prstGeom>
-          <a:noFill/>
-        </p:spPr>
-        <p:txBody>
-          <a:bodyPr wrap="square" rtlCol="0">
-            <a:spAutoFit/>
-          </a:bodyPr>
-          <a:lstStyle/>
-          <a:p>
-            <a:pPr algn="ctr"/>
-            <a:r>
-              <a:rPr lang="en-US" altLang="ko-KR" sz="8000" dirty="0" err="1"/>
-              <a:t>Github</a:t>
-            </a:r>
-            <a:r>
-              <a:rPr lang="en-US" altLang="ko-KR" sz="8000" dirty="0"/>
-              <a:t> desktop </a:t>
-            </a:r>
-            <a:r>
-              <a:rPr lang="ko-KR" altLang="en-US" sz="8000" dirty="0"/>
-              <a:t>설치</a:t>
-            </a:r>
-            <a:endParaRPr lang="en-US" altLang="ko-KR" sz="8000" dirty="0"/>
+            <a:ext cx="10085754" cy="1107996"/>
+          </a:xfrm>
+          <a:prstGeom prst="rect">
+            <a:avLst/>
+          </a:prstGeom>
+          <a:noFill/>
+        </p:spPr>
+        <p:txBody>
+          <a:bodyPr wrap="square" rtlCol="0">
+            <a:spAutoFit/>
+          </a:bodyPr>
+          <a:lstStyle/>
+          <a:p>
+            <a:pPr algn="ctr"/>
+            <a:r>
+              <a:rPr lang="ko-KR" altLang="en-US" sz="6600" dirty="0"/>
+              <a:t>인터넷에 올리기</a:t>
+            </a:r>
+            <a:endParaRPr lang="en-US" altLang="ko-KR" sz="6600" dirty="0"/>
           </a:p>
         </p:txBody>
       </p:sp>
     </p:spTree>
     <p:extLst>
       <p:ext uri="{BB962C8B-B14F-4D97-AF65-F5344CB8AC3E}">
-        <p14:creationId xmlns:p14="http://schemas.microsoft.com/office/powerpoint/2010/main" val="1460668198"/>
+        <p14:creationId xmlns:p14="http://schemas.microsoft.com/office/powerpoint/2010/main" val="1570912372"/>
       </p:ext>
     </p:extLst>
   </p:cSld>
@@ -19064,32 +19652,72 @@
         </p:nvSpPr>
         <p:spPr>
           <a:xfrm>
-            <a:off x="1053123" y="2412023"/>
-            <a:ext cx="10085754" cy="1323439"/>
-          </a:xfrm>
-          <a:prstGeom prst="rect">
-            <a:avLst/>
-          </a:prstGeom>
-          <a:noFill/>
-        </p:spPr>
-        <p:txBody>
-          <a:bodyPr wrap="square" rtlCol="0">
-            <a:spAutoFit/>
-          </a:bodyPr>
-          <a:lstStyle/>
-          <a:p>
-            <a:pPr algn="ctr"/>
-            <a:r>
-              <a:rPr lang="en-US" altLang="ko-KR" sz="8000" dirty="0"/>
-              <a:t>Github.io</a:t>
-            </a:r>
-          </a:p>
-        </p:txBody>
-      </p:sp>
+            <a:off x="1053123" y="151423"/>
+            <a:ext cx="10085754" cy="707886"/>
+          </a:xfrm>
+          <a:prstGeom prst="rect">
+            <a:avLst/>
+          </a:prstGeom>
+          <a:noFill/>
+        </p:spPr>
+        <p:txBody>
+          <a:bodyPr wrap="square" rtlCol="0">
+            <a:spAutoFit/>
+          </a:bodyPr>
+          <a:lstStyle/>
+          <a:p>
+            <a:pPr algn="ctr"/>
+            <a:r>
+              <a:rPr lang="ko-KR" altLang="en-US" sz="4000" dirty="0"/>
+              <a:t>버전관리시스템 </a:t>
+            </a:r>
+            <a:r>
+              <a:rPr lang="en-US" altLang="ko-KR" sz="4000" dirty="0"/>
+              <a:t>Git</a:t>
+            </a:r>
+          </a:p>
+        </p:txBody>
+      </p:sp>
+      <p:pic>
+        <p:nvPicPr>
+          <p:cNvPr id="6" name="그림 5" descr="로고, 폰트, 상징, 그래픽이(가) 표시된 사진&#10;&#10;자동 생성된 설명">
+            <a:extLst>
+              <a:ext uri="{FF2B5EF4-FFF2-40B4-BE49-F238E27FC236}">
+                <a16:creationId xmlns:a16="http://schemas.microsoft.com/office/drawing/2014/main" id="{F2B0C222-6FA1-F252-84E3-C5BB7B04A903}"/>
+              </a:ext>
+            </a:extLst>
+          </p:cNvPr>
+          <p:cNvPicPr>
+            <a:picLocks noChangeAspect="1"/>
+          </p:cNvPicPr>
+          <p:nvPr/>
+        </p:nvPicPr>
+        <p:blipFill>
+          <a:blip r:embed="rId2">
+            <a:extLst>
+              <a:ext uri="{28A0092B-C50C-407E-A947-70E740481C1C}">
+                <a14:useLocalDpi xmlns:a14="http://schemas.microsoft.com/office/drawing/2010/main" val="0"/>
+              </a:ext>
+            </a:extLst>
+          </a:blip>
+          <a:stretch>
+            <a:fillRect/>
+          </a:stretch>
+        </p:blipFill>
+        <p:spPr>
+          <a:xfrm>
+            <a:off x="2138217" y="1054931"/>
+            <a:ext cx="7338033" cy="4748138"/>
+          </a:xfrm>
+          <a:prstGeom prst="rect">
+            <a:avLst/>
+          </a:prstGeom>
+        </p:spPr>
+      </p:pic>
     </p:spTree>
     <p:extLst>
       <p:ext uri="{BB962C8B-B14F-4D97-AF65-F5344CB8AC3E}">
-        <p14:creationId xmlns:p14="http://schemas.microsoft.com/office/powerpoint/2010/main" val="865265397"/>
+        <p14:creationId xmlns:p14="http://schemas.microsoft.com/office/powerpoint/2010/main" val="17395606"/>
       </p:ext>
     </p:extLst>
   </p:cSld>

--- a/ppt/web-design.pptx
+++ b/ppt/web-design.pptx
@@ -95,57 +95,58 @@
     <p:sldId id="417" r:id="rId89"/>
     <p:sldId id="418" r:id="rId90"/>
     <p:sldId id="410" r:id="rId91"/>
-    <p:sldId id="411" r:id="rId92"/>
-    <p:sldId id="306" r:id="rId93"/>
-    <p:sldId id="414" r:id="rId94"/>
-    <p:sldId id="412" r:id="rId95"/>
-    <p:sldId id="413" r:id="rId96"/>
-    <p:sldId id="382" r:id="rId97"/>
-    <p:sldId id="349" r:id="rId98"/>
-    <p:sldId id="340" r:id="rId99"/>
-    <p:sldId id="341" r:id="rId100"/>
-    <p:sldId id="342" r:id="rId101"/>
-    <p:sldId id="343" r:id="rId102"/>
-    <p:sldId id="399" r:id="rId103"/>
-    <p:sldId id="344" r:id="rId104"/>
-    <p:sldId id="345" r:id="rId105"/>
-    <p:sldId id="346" r:id="rId106"/>
-    <p:sldId id="348" r:id="rId107"/>
-    <p:sldId id="350" r:id="rId108"/>
-    <p:sldId id="307" r:id="rId109"/>
-    <p:sldId id="353" r:id="rId110"/>
-    <p:sldId id="354" r:id="rId111"/>
-    <p:sldId id="352" r:id="rId112"/>
-    <p:sldId id="308" r:id="rId113"/>
-    <p:sldId id="309" r:id="rId114"/>
-    <p:sldId id="310" r:id="rId115"/>
-    <p:sldId id="311" r:id="rId116"/>
-    <p:sldId id="319" r:id="rId117"/>
-    <p:sldId id="329" r:id="rId118"/>
-    <p:sldId id="324" r:id="rId119"/>
-    <p:sldId id="316" r:id="rId120"/>
-    <p:sldId id="327" r:id="rId121"/>
-    <p:sldId id="328" r:id="rId122"/>
-    <p:sldId id="326" r:id="rId123"/>
-    <p:sldId id="334" r:id="rId124"/>
-    <p:sldId id="325" r:id="rId125"/>
-    <p:sldId id="315" r:id="rId126"/>
-    <p:sldId id="313" r:id="rId127"/>
-    <p:sldId id="318" r:id="rId128"/>
-    <p:sldId id="314" r:id="rId129"/>
-    <p:sldId id="331" r:id="rId130"/>
-    <p:sldId id="312" r:id="rId131"/>
-    <p:sldId id="333" r:id="rId132"/>
-    <p:sldId id="330" r:id="rId133"/>
-    <p:sldId id="320" r:id="rId134"/>
-    <p:sldId id="321" r:id="rId135"/>
-    <p:sldId id="322" r:id="rId136"/>
-    <p:sldId id="335" r:id="rId137"/>
-    <p:sldId id="323" r:id="rId138"/>
-    <p:sldId id="332" r:id="rId139"/>
-    <p:sldId id="351" r:id="rId140"/>
-    <p:sldId id="397" r:id="rId141"/>
-    <p:sldId id="398" r:id="rId142"/>
+    <p:sldId id="419" r:id="rId92"/>
+    <p:sldId id="420" r:id="rId93"/>
+    <p:sldId id="306" r:id="rId94"/>
+    <p:sldId id="414" r:id="rId95"/>
+    <p:sldId id="412" r:id="rId96"/>
+    <p:sldId id="413" r:id="rId97"/>
+    <p:sldId id="382" r:id="rId98"/>
+    <p:sldId id="349" r:id="rId99"/>
+    <p:sldId id="340" r:id="rId100"/>
+    <p:sldId id="341" r:id="rId101"/>
+    <p:sldId id="342" r:id="rId102"/>
+    <p:sldId id="343" r:id="rId103"/>
+    <p:sldId id="399" r:id="rId104"/>
+    <p:sldId id="344" r:id="rId105"/>
+    <p:sldId id="345" r:id="rId106"/>
+    <p:sldId id="346" r:id="rId107"/>
+    <p:sldId id="348" r:id="rId108"/>
+    <p:sldId id="350" r:id="rId109"/>
+    <p:sldId id="307" r:id="rId110"/>
+    <p:sldId id="353" r:id="rId111"/>
+    <p:sldId id="354" r:id="rId112"/>
+    <p:sldId id="352" r:id="rId113"/>
+    <p:sldId id="308" r:id="rId114"/>
+    <p:sldId id="309" r:id="rId115"/>
+    <p:sldId id="310" r:id="rId116"/>
+    <p:sldId id="311" r:id="rId117"/>
+    <p:sldId id="319" r:id="rId118"/>
+    <p:sldId id="329" r:id="rId119"/>
+    <p:sldId id="324" r:id="rId120"/>
+    <p:sldId id="316" r:id="rId121"/>
+    <p:sldId id="327" r:id="rId122"/>
+    <p:sldId id="328" r:id="rId123"/>
+    <p:sldId id="326" r:id="rId124"/>
+    <p:sldId id="334" r:id="rId125"/>
+    <p:sldId id="325" r:id="rId126"/>
+    <p:sldId id="315" r:id="rId127"/>
+    <p:sldId id="313" r:id="rId128"/>
+    <p:sldId id="318" r:id="rId129"/>
+    <p:sldId id="314" r:id="rId130"/>
+    <p:sldId id="331" r:id="rId131"/>
+    <p:sldId id="312" r:id="rId132"/>
+    <p:sldId id="333" r:id="rId133"/>
+    <p:sldId id="330" r:id="rId134"/>
+    <p:sldId id="320" r:id="rId135"/>
+    <p:sldId id="321" r:id="rId136"/>
+    <p:sldId id="322" r:id="rId137"/>
+    <p:sldId id="335" r:id="rId138"/>
+    <p:sldId id="323" r:id="rId139"/>
+    <p:sldId id="332" r:id="rId140"/>
+    <p:sldId id="351" r:id="rId141"/>
+    <p:sldId id="397" r:id="rId142"/>
+    <p:sldId id="398" r:id="rId143"/>
   </p:sldIdLst>
   <p:sldSz cx="12192000" cy="6858000"/>
   <p:notesSz cx="6858000" cy="9144000"/>
@@ -3640,10 +3641,10 @@
       </p:grpSpPr>
       <p:sp>
         <p:nvSpPr>
-          <p:cNvPr id="2" name="TextBox 1">
-            <a:extLst>
-              <a:ext uri="{FF2B5EF4-FFF2-40B4-BE49-F238E27FC236}">
-                <a16:creationId xmlns:a16="http://schemas.microsoft.com/office/drawing/2014/main" id="{8278C8EB-50D0-7D68-FFC9-6D394D1095DE}"/>
+          <p:cNvPr id="4" name="TextBox 3">
+            <a:extLst>
+              <a:ext uri="{FF2B5EF4-FFF2-40B4-BE49-F238E27FC236}">
+                <a16:creationId xmlns:a16="http://schemas.microsoft.com/office/drawing/2014/main" id="{77E83A82-1077-074D-D148-C824C7D5A2ED}"/>
               </a:ext>
             </a:extLst>
           </p:cNvPr>
@@ -3653,49 +3654,37 @@
         <p:spPr>
           <a:xfrm>
             <a:off x="1053123" y="151423"/>
-            <a:ext cx="10085754" cy="1077218"/>
-          </a:xfrm>
-          <a:prstGeom prst="rect">
-            <a:avLst/>
-          </a:prstGeom>
-          <a:noFill/>
-        </p:spPr>
-        <p:txBody>
-          <a:bodyPr wrap="square" rtlCol="0">
-            <a:spAutoFit/>
-          </a:bodyPr>
-          <a:lstStyle/>
-          <a:p>
-            <a:pPr algn="ctr"/>
+            <a:ext cx="10085754" cy="707886"/>
+          </a:xfrm>
+          <a:prstGeom prst="rect">
+            <a:avLst/>
+          </a:prstGeom>
+          <a:noFill/>
+        </p:spPr>
+        <p:txBody>
+          <a:bodyPr wrap="square" rtlCol="0">
+            <a:spAutoFit/>
+          </a:bodyPr>
+          <a:lstStyle/>
+          <a:p>
+            <a:pPr algn="ctr"/>
+            <a:r>
+              <a:rPr lang="ko-KR" altLang="en-US" sz="4000" dirty="0"/>
+              <a:t>버전관리시스템 </a:t>
+            </a:r>
             <a:r>
               <a:rPr lang="en-US" altLang="ko-KR" sz="4000" dirty="0"/>
               <a:t>Git</a:t>
             </a:r>
-            <a:r>
-              <a:rPr lang="ko-KR" altLang="en-US" sz="4000" dirty="0"/>
-              <a:t>을 이용한 </a:t>
-            </a:r>
-            <a:r>
-              <a:rPr lang="en-US" altLang="ko-KR" sz="4000" dirty="0"/>
-              <a:t>GitHub</a:t>
-            </a:r>
-          </a:p>
-          <a:p>
-            <a:pPr algn="ctr"/>
-            <a:r>
-              <a:rPr lang="ko-KR" altLang="en-US" sz="2400" dirty="0"/>
-              <a:t>개발자 최고 커뮤니티</a:t>
-            </a:r>
-            <a:endParaRPr lang="en-US" altLang="ko-KR" sz="2400" dirty="0"/>
           </a:p>
         </p:txBody>
       </p:sp>
       <p:pic>
         <p:nvPicPr>
-          <p:cNvPr id="7" name="그림 6" descr="로고, 그래픽, 폰트, 상징이(가) 표시된 사진&#10;&#10;자동 생성된 설명">
-            <a:extLst>
-              <a:ext uri="{FF2B5EF4-FFF2-40B4-BE49-F238E27FC236}">
-                <a16:creationId xmlns:a16="http://schemas.microsoft.com/office/drawing/2014/main" id="{AB023880-28C6-4DB8-F94E-367322554280}"/>
+          <p:cNvPr id="6" name="그림 5" descr="로고, 폰트, 상징, 그래픽이(가) 표시된 사진&#10;&#10;자동 생성된 설명">
+            <a:extLst>
+              <a:ext uri="{FF2B5EF4-FFF2-40B4-BE49-F238E27FC236}">
+                <a16:creationId xmlns:a16="http://schemas.microsoft.com/office/drawing/2014/main" id="{F2B0C222-6FA1-F252-84E3-C5BB7B04A903}"/>
               </a:ext>
             </a:extLst>
           </p:cNvPr>
@@ -3718,8 +3707,8 @@
         </p:blipFill>
         <p:spPr>
           <a:xfrm>
-            <a:off x="2482664" y="1304841"/>
-            <a:ext cx="7226671" cy="5207268"/>
+            <a:off x="2138217" y="1054931"/>
+            <a:ext cx="7338033" cy="4748138"/>
           </a:xfrm>
           <a:prstGeom prst="rect">
             <a:avLst/>
@@ -3729,7 +3718,7 @@
     </p:spTree>
     <p:extLst>
       <p:ext uri="{BB962C8B-B14F-4D97-AF65-F5344CB8AC3E}">
-        <p14:creationId xmlns:p14="http://schemas.microsoft.com/office/powerpoint/2010/main" val="1186518214"/>
+        <p14:creationId xmlns:p14="http://schemas.microsoft.com/office/powerpoint/2010/main" val="17395606"/>
       </p:ext>
     </p:extLst>
   </p:cSld>
@@ -3758,53 +3747,96 @@
       </p:grpSpPr>
       <p:sp>
         <p:nvSpPr>
-          <p:cNvPr id="4" name="TextBox 3">
-            <a:extLst>
-              <a:ext uri="{FF2B5EF4-FFF2-40B4-BE49-F238E27FC236}">
-                <a16:creationId xmlns:a16="http://schemas.microsoft.com/office/drawing/2014/main" id="{77E83A82-1077-074D-D148-C824C7D5A2ED}"/>
-              </a:ext>
-            </a:extLst>
-          </p:cNvPr>
-          <p:cNvSpPr txBox="1"/>
-          <p:nvPr/>
-        </p:nvSpPr>
-        <p:spPr>
-          <a:xfrm>
-            <a:off x="1053123" y="2412023"/>
-            <a:ext cx="10085754" cy="1323439"/>
-          </a:xfrm>
-          <a:prstGeom prst="rect">
-            <a:avLst/>
-          </a:prstGeom>
-          <a:noFill/>
-        </p:spPr>
-        <p:txBody>
-          <a:bodyPr wrap="square" rtlCol="0">
-            <a:spAutoFit/>
-          </a:bodyPr>
-          <a:lstStyle/>
-          <a:p>
-            <a:pPr algn="ctr"/>
-            <a:r>
-              <a:rPr lang="en-US" altLang="ko-KR" sz="8000" dirty="0" err="1"/>
-              <a:t>Github</a:t>
-            </a:r>
-            <a:r>
-              <a:rPr lang="en-US" altLang="ko-KR" sz="8000" dirty="0"/>
-              <a:t> desktop </a:t>
-            </a:r>
-            <a:r>
-              <a:rPr lang="ko-KR" altLang="en-US" sz="8000" dirty="0"/>
-              <a:t>설치</a:t>
-            </a:r>
-            <a:endParaRPr lang="en-US" altLang="ko-KR" sz="8000" dirty="0"/>
-          </a:p>
-        </p:txBody>
-      </p:sp>
+          <p:cNvPr id="2" name="TextBox 1">
+            <a:extLst>
+              <a:ext uri="{FF2B5EF4-FFF2-40B4-BE49-F238E27FC236}">
+                <a16:creationId xmlns:a16="http://schemas.microsoft.com/office/drawing/2014/main" id="{8278C8EB-50D0-7D68-FFC9-6D394D1095DE}"/>
+              </a:ext>
+            </a:extLst>
+          </p:cNvPr>
+          <p:cNvSpPr txBox="1"/>
+          <p:nvPr/>
+        </p:nvSpPr>
+        <p:spPr>
+          <a:xfrm>
+            <a:off x="1053123" y="151423"/>
+            <a:ext cx="10085754" cy="1077218"/>
+          </a:xfrm>
+          <a:prstGeom prst="rect">
+            <a:avLst/>
+          </a:prstGeom>
+          <a:noFill/>
+        </p:spPr>
+        <p:txBody>
+          <a:bodyPr wrap="square" rtlCol="0">
+            <a:spAutoFit/>
+          </a:bodyPr>
+          <a:lstStyle/>
+          <a:p>
+            <a:pPr algn="ctr"/>
+            <a:r>
+              <a:rPr lang="en-US" altLang="ko-KR" sz="4000" dirty="0"/>
+              <a:t>Git</a:t>
+            </a:r>
+            <a:r>
+              <a:rPr lang="ko-KR" altLang="en-US" sz="4000" dirty="0"/>
+              <a:t>을 이용한 </a:t>
+            </a:r>
+            <a:r>
+              <a:rPr lang="en-US" altLang="ko-KR" sz="4000" dirty="0"/>
+              <a:t>GitHub</a:t>
+            </a:r>
+          </a:p>
+          <a:p>
+            <a:pPr algn="ctr"/>
+            <a:r>
+              <a:rPr lang="ko-KR" altLang="en-US" sz="2400" dirty="0"/>
+              <a:t>개발자 최고 커뮤니티</a:t>
+            </a:r>
+            <a:endParaRPr lang="en-US" altLang="ko-KR" sz="2400" dirty="0"/>
+          </a:p>
+        </p:txBody>
+      </p:sp>
+      <p:pic>
+        <p:nvPicPr>
+          <p:cNvPr id="7" name="그림 6" descr="로고, 그래픽, 폰트, 상징이(가) 표시된 사진&#10;&#10;자동 생성된 설명">
+            <a:extLst>
+              <a:ext uri="{FF2B5EF4-FFF2-40B4-BE49-F238E27FC236}">
+                <a16:creationId xmlns:a16="http://schemas.microsoft.com/office/drawing/2014/main" id="{AB023880-28C6-4DB8-F94E-367322554280}"/>
+              </a:ext>
+            </a:extLst>
+          </p:cNvPr>
+          <p:cNvPicPr>
+            <a:picLocks noChangeAspect="1"/>
+          </p:cNvPicPr>
+          <p:nvPr/>
+        </p:nvPicPr>
+        <p:blipFill>
+          <a:blip r:embed="rId2">
+            <a:extLst>
+              <a:ext uri="{28A0092B-C50C-407E-A947-70E740481C1C}">
+                <a14:useLocalDpi xmlns:a14="http://schemas.microsoft.com/office/drawing/2010/main" val="0"/>
+              </a:ext>
+            </a:extLst>
+          </a:blip>
+          <a:stretch>
+            <a:fillRect/>
+          </a:stretch>
+        </p:blipFill>
+        <p:spPr>
+          <a:xfrm>
+            <a:off x="2482664" y="1304841"/>
+            <a:ext cx="7226671" cy="5207268"/>
+          </a:xfrm>
+          <a:prstGeom prst="rect">
+            <a:avLst/>
+          </a:prstGeom>
+        </p:spPr>
+      </p:pic>
     </p:spTree>
     <p:extLst>
       <p:ext uri="{BB962C8B-B14F-4D97-AF65-F5344CB8AC3E}">
-        <p14:creationId xmlns:p14="http://schemas.microsoft.com/office/powerpoint/2010/main" val="1460668198"/>
+        <p14:creationId xmlns:p14="http://schemas.microsoft.com/office/powerpoint/2010/main" val="1186518214"/>
       </p:ext>
     </p:extLst>
   </p:cSld>
@@ -3861,16 +3893,25 @@
           <a:p>
             <a:pPr algn="ctr"/>
             <a:r>
+              <a:rPr lang="en-US" altLang="ko-KR" sz="8000" dirty="0" err="1"/>
+              <a:t>Github</a:t>
+            </a:r>
+            <a:r>
               <a:rPr lang="en-US" altLang="ko-KR" sz="8000" dirty="0"/>
-              <a:t>Github.io</a:t>
-            </a:r>
+              <a:t> desktop </a:t>
+            </a:r>
+            <a:r>
+              <a:rPr lang="ko-KR" altLang="en-US" sz="8000" dirty="0"/>
+              <a:t>설치</a:t>
+            </a:r>
+            <a:endParaRPr lang="en-US" altLang="ko-KR" sz="8000" dirty="0"/>
           </a:p>
         </p:txBody>
       </p:sp>
     </p:spTree>
     <p:extLst>
       <p:ext uri="{BB962C8B-B14F-4D97-AF65-F5344CB8AC3E}">
-        <p14:creationId xmlns:p14="http://schemas.microsoft.com/office/powerpoint/2010/main" val="865265397"/>
+        <p14:creationId xmlns:p14="http://schemas.microsoft.com/office/powerpoint/2010/main" val="1460668198"/>
       </p:ext>
     </p:extLst>
   </p:cSld>
@@ -3928,7 +3969,7 @@
             <a:pPr algn="ctr"/>
             <a:r>
               <a:rPr lang="en-US" altLang="ko-KR" sz="8000" dirty="0"/>
-              <a:t>DOTHOME</a:t>
+              <a:t>Github.io</a:t>
             </a:r>
           </a:p>
         </p:txBody>
@@ -3936,7 +3977,7 @@
     </p:spTree>
     <p:extLst>
       <p:ext uri="{BB962C8B-B14F-4D97-AF65-F5344CB8AC3E}">
-        <p14:creationId xmlns:p14="http://schemas.microsoft.com/office/powerpoint/2010/main" val="820581568"/>
+        <p14:creationId xmlns:p14="http://schemas.microsoft.com/office/powerpoint/2010/main" val="865265397"/>
       </p:ext>
     </p:extLst>
   </p:cSld>
@@ -3994,51 +4035,7 @@
             <a:pPr algn="ctr"/>
             <a:r>
               <a:rPr lang="en-US" altLang="ko-KR" sz="8000" dirty="0"/>
-              <a:t>FileZilla</a:t>
-            </a:r>
-          </a:p>
-        </p:txBody>
-      </p:sp>
-      <p:sp>
-        <p:nvSpPr>
-          <p:cNvPr id="2" name="TextBox 1">
-            <a:extLst>
-              <a:ext uri="{FF2B5EF4-FFF2-40B4-BE49-F238E27FC236}">
-                <a16:creationId xmlns:a16="http://schemas.microsoft.com/office/drawing/2014/main" id="{9BFA4F6D-E4A8-6F1D-BF02-18B0ADC60998}"/>
-              </a:ext>
-            </a:extLst>
-          </p:cNvPr>
-          <p:cNvSpPr txBox="1"/>
-          <p:nvPr/>
-        </p:nvSpPr>
-        <p:spPr>
-          <a:xfrm>
-            <a:off x="1053123" y="3735462"/>
-            <a:ext cx="10085754" cy="707886"/>
-          </a:xfrm>
-          <a:prstGeom prst="rect">
-            <a:avLst/>
-          </a:prstGeom>
-          <a:noFill/>
-        </p:spPr>
-        <p:txBody>
-          <a:bodyPr wrap="square" rtlCol="0">
-            <a:spAutoFit/>
-          </a:bodyPr>
-          <a:lstStyle/>
-          <a:p>
-            <a:pPr algn="ctr"/>
-            <a:r>
-              <a:rPr lang="en-US" altLang="ko-KR" sz="4000" dirty="0"/>
-              <a:t>FTP(</a:t>
-            </a:r>
-            <a:r>
-              <a:rPr lang="ko-KR" altLang="en-US" sz="4000" dirty="0"/>
-              <a:t>파일 전송 프로토콜</a:t>
-            </a:r>
-            <a:r>
-              <a:rPr lang="en-US" altLang="ko-KR" sz="4000" dirty="0"/>
-              <a:t>)</a:t>
+              <a:t>DOTHOME</a:t>
             </a:r>
           </a:p>
         </p:txBody>
@@ -4046,7 +4043,7 @@
     </p:spTree>
     <p:extLst>
       <p:ext uri="{BB962C8B-B14F-4D97-AF65-F5344CB8AC3E}">
-        <p14:creationId xmlns:p14="http://schemas.microsoft.com/office/powerpoint/2010/main" val="4192333984"/>
+        <p14:creationId xmlns:p14="http://schemas.microsoft.com/office/powerpoint/2010/main" val="820581568"/>
       </p:ext>
     </p:extLst>
   </p:cSld>
@@ -4087,7 +4084,7 @@
         </p:nvSpPr>
         <p:spPr>
           <a:xfrm>
-            <a:off x="1053123" y="127000"/>
+            <a:off x="1053123" y="2412023"/>
             <a:ext cx="10085754" cy="1323439"/>
           </a:xfrm>
           <a:prstGeom prst="rect">
@@ -4104,51 +4101,59 @@
             <a:pPr algn="ctr"/>
             <a:r>
               <a:rPr lang="en-US" altLang="ko-KR" sz="8000" dirty="0"/>
-              <a:t>Figma</a:t>
-            </a:r>
-          </a:p>
-        </p:txBody>
-      </p:sp>
-      <p:pic>
-        <p:nvPicPr>
-          <p:cNvPr id="3" name="그림 2" descr="다채로움, 스크린샷이(가) 표시된 사진&#10;&#10;자동 생성된 설명">
-            <a:extLst>
-              <a:ext uri="{FF2B5EF4-FFF2-40B4-BE49-F238E27FC236}">
-                <a16:creationId xmlns:a16="http://schemas.microsoft.com/office/drawing/2014/main" id="{1F771651-FDE2-E807-3532-0E1095CF4872}"/>
-              </a:ext>
-            </a:extLst>
-          </p:cNvPr>
-          <p:cNvPicPr>
-            <a:picLocks noChangeAspect="1"/>
-          </p:cNvPicPr>
-          <p:nvPr/>
-        </p:nvPicPr>
-        <p:blipFill>
-          <a:blip r:embed="rId2">
-            <a:extLst>
-              <a:ext uri="{28A0092B-C50C-407E-A947-70E740481C1C}">
-                <a14:useLocalDpi xmlns:a14="http://schemas.microsoft.com/office/drawing/2010/main" val="0"/>
-              </a:ext>
-            </a:extLst>
-          </a:blip>
-          <a:stretch>
-            <a:fillRect/>
-          </a:stretch>
-        </p:blipFill>
-        <p:spPr>
-          <a:xfrm>
-            <a:off x="3714750" y="1733550"/>
-            <a:ext cx="4762500" cy="4762500"/>
-          </a:xfrm>
-          <a:prstGeom prst="rect">
-            <a:avLst/>
-          </a:prstGeom>
-        </p:spPr>
-      </p:pic>
+              <a:t>FileZilla</a:t>
+            </a:r>
+          </a:p>
+        </p:txBody>
+      </p:sp>
+      <p:sp>
+        <p:nvSpPr>
+          <p:cNvPr id="2" name="TextBox 1">
+            <a:extLst>
+              <a:ext uri="{FF2B5EF4-FFF2-40B4-BE49-F238E27FC236}">
+                <a16:creationId xmlns:a16="http://schemas.microsoft.com/office/drawing/2014/main" id="{9BFA4F6D-E4A8-6F1D-BF02-18B0ADC60998}"/>
+              </a:ext>
+            </a:extLst>
+          </p:cNvPr>
+          <p:cNvSpPr txBox="1"/>
+          <p:nvPr/>
+        </p:nvSpPr>
+        <p:spPr>
+          <a:xfrm>
+            <a:off x="1053123" y="3735462"/>
+            <a:ext cx="10085754" cy="707886"/>
+          </a:xfrm>
+          <a:prstGeom prst="rect">
+            <a:avLst/>
+          </a:prstGeom>
+          <a:noFill/>
+        </p:spPr>
+        <p:txBody>
+          <a:bodyPr wrap="square" rtlCol="0">
+            <a:spAutoFit/>
+          </a:bodyPr>
+          <a:lstStyle/>
+          <a:p>
+            <a:pPr algn="ctr"/>
+            <a:r>
+              <a:rPr lang="en-US" altLang="ko-KR" sz="4000" dirty="0"/>
+              <a:t>FTP(</a:t>
+            </a:r>
+            <a:r>
+              <a:rPr lang="ko-KR" altLang="en-US" sz="4000" dirty="0"/>
+              <a:t>파일 전송 프로토콜</a:t>
+            </a:r>
+            <a:r>
+              <a:rPr lang="en-US" altLang="ko-KR" sz="4000" dirty="0"/>
+              <a:t>)</a:t>
+            </a:r>
+          </a:p>
+        </p:txBody>
+      </p:sp>
     </p:spTree>
     <p:extLst>
       <p:ext uri="{BB962C8B-B14F-4D97-AF65-F5344CB8AC3E}">
-        <p14:creationId xmlns:p14="http://schemas.microsoft.com/office/powerpoint/2010/main" val="2134888076"/>
+        <p14:creationId xmlns:p14="http://schemas.microsoft.com/office/powerpoint/2010/main" val="4192333984"/>
       </p:ext>
     </p:extLst>
   </p:cSld>
@@ -4189,35 +4194,34 @@
         </p:nvSpPr>
         <p:spPr>
           <a:xfrm>
-            <a:off x="1053123" y="913423"/>
-            <a:ext cx="10085754" cy="923330"/>
-          </a:xfrm>
-          <a:prstGeom prst="rect">
-            <a:avLst/>
-          </a:prstGeom>
-          <a:noFill/>
-        </p:spPr>
-        <p:txBody>
-          <a:bodyPr wrap="square" rtlCol="0">
-            <a:spAutoFit/>
-          </a:bodyPr>
-          <a:lstStyle/>
-          <a:p>
-            <a:pPr algn="ctr"/>
-            <a:r>
-              <a:rPr lang="ko-KR" altLang="en-US" sz="5400" dirty="0"/>
-              <a:t>파일구조</a:t>
-            </a:r>
-            <a:endParaRPr lang="en-US" altLang="ko-KR" sz="5400" dirty="0"/>
+            <a:off x="1053123" y="127000"/>
+            <a:ext cx="10085754" cy="1323439"/>
+          </a:xfrm>
+          <a:prstGeom prst="rect">
+            <a:avLst/>
+          </a:prstGeom>
+          <a:noFill/>
+        </p:spPr>
+        <p:txBody>
+          <a:bodyPr wrap="square" rtlCol="0">
+            <a:spAutoFit/>
+          </a:bodyPr>
+          <a:lstStyle/>
+          <a:p>
+            <a:pPr algn="ctr"/>
+            <a:r>
+              <a:rPr lang="en-US" altLang="ko-KR" sz="8000" dirty="0"/>
+              <a:t>Figma</a:t>
+            </a:r>
           </a:p>
         </p:txBody>
       </p:sp>
       <p:pic>
         <p:nvPicPr>
-          <p:cNvPr id="12" name="그림 11" descr="도표, 텍스트, 직사각형, 라인이(가) 표시된 사진&#10;&#10;자동 생성된 설명">
-            <a:extLst>
-              <a:ext uri="{FF2B5EF4-FFF2-40B4-BE49-F238E27FC236}">
-                <a16:creationId xmlns:a16="http://schemas.microsoft.com/office/drawing/2014/main" id="{2FEE06C4-B225-F8EB-F0D1-969DE949664C}"/>
+          <p:cNvPr id="3" name="그림 2" descr="다채로움, 스크린샷이(가) 표시된 사진&#10;&#10;자동 생성된 설명">
+            <a:extLst>
+              <a:ext uri="{FF2B5EF4-FFF2-40B4-BE49-F238E27FC236}">
+                <a16:creationId xmlns:a16="http://schemas.microsoft.com/office/drawing/2014/main" id="{1F771651-FDE2-E807-3532-0E1095CF4872}"/>
               </a:ext>
             </a:extLst>
           </p:cNvPr>
@@ -4240,8 +4244,8 @@
         </p:blipFill>
         <p:spPr>
           <a:xfrm>
-            <a:off x="984250" y="1836753"/>
-            <a:ext cx="10223500" cy="4494389"/>
+            <a:off x="3714750" y="1733550"/>
+            <a:ext cx="4762500" cy="4762500"/>
           </a:xfrm>
           <a:prstGeom prst="rect">
             <a:avLst/>
@@ -4251,7 +4255,7 @@
     </p:spTree>
     <p:extLst>
       <p:ext uri="{BB962C8B-B14F-4D97-AF65-F5344CB8AC3E}">
-        <p14:creationId xmlns:p14="http://schemas.microsoft.com/office/powerpoint/2010/main" val="3308427511"/>
+        <p14:creationId xmlns:p14="http://schemas.microsoft.com/office/powerpoint/2010/main" val="2134888076"/>
       </p:ext>
     </p:extLst>
   </p:cSld>
@@ -4292,34 +4296,35 @@
         </p:nvSpPr>
         <p:spPr>
           <a:xfrm>
-            <a:off x="2182446" y="5066323"/>
-            <a:ext cx="7268308" cy="769441"/>
-          </a:xfrm>
-          <a:prstGeom prst="rect">
-            <a:avLst/>
-          </a:prstGeom>
-          <a:noFill/>
-        </p:spPr>
-        <p:txBody>
-          <a:bodyPr wrap="square" rtlCol="0">
-            <a:spAutoFit/>
-          </a:bodyPr>
-          <a:lstStyle/>
-          <a:p>
-            <a:pPr algn="ctr"/>
-            <a:r>
-              <a:rPr lang="ko-KR" altLang="en-US" sz="4400" dirty="0"/>
-              <a:t>질문 리스트 작성하기</a:t>
-            </a:r>
+            <a:off x="1053123" y="913423"/>
+            <a:ext cx="10085754" cy="923330"/>
+          </a:xfrm>
+          <a:prstGeom prst="rect">
+            <a:avLst/>
+          </a:prstGeom>
+          <a:noFill/>
+        </p:spPr>
+        <p:txBody>
+          <a:bodyPr wrap="square" rtlCol="0">
+            <a:spAutoFit/>
+          </a:bodyPr>
+          <a:lstStyle/>
+          <a:p>
+            <a:pPr algn="ctr"/>
+            <a:r>
+              <a:rPr lang="ko-KR" altLang="en-US" sz="5400" dirty="0"/>
+              <a:t>파일구조</a:t>
+            </a:r>
+            <a:endParaRPr lang="en-US" altLang="ko-KR" sz="5400" dirty="0"/>
           </a:p>
         </p:txBody>
       </p:sp>
       <p:pic>
         <p:nvPicPr>
-          <p:cNvPr id="6" name="그림 5" descr="만화 영화, 예술, 그래픽, 그림이(가) 표시된 사진&#10;&#10;자동 생성된 설명">
-            <a:extLst>
-              <a:ext uri="{FF2B5EF4-FFF2-40B4-BE49-F238E27FC236}">
-                <a16:creationId xmlns:a16="http://schemas.microsoft.com/office/drawing/2014/main" id="{4A46C2B8-FD94-4AE0-FAC4-B57C1F6BB0D0}"/>
+          <p:cNvPr id="12" name="그림 11" descr="도표, 텍스트, 직사각형, 라인이(가) 표시된 사진&#10;&#10;자동 생성된 설명">
+            <a:extLst>
+              <a:ext uri="{FF2B5EF4-FFF2-40B4-BE49-F238E27FC236}">
+                <a16:creationId xmlns:a16="http://schemas.microsoft.com/office/drawing/2014/main" id="{2FEE06C4-B225-F8EB-F0D1-969DE949664C}"/>
               </a:ext>
             </a:extLst>
           </p:cNvPr>
@@ -4342,8 +4347,8 @@
         </p:blipFill>
         <p:spPr>
           <a:xfrm>
-            <a:off x="4064000" y="769442"/>
-            <a:ext cx="4064000" cy="4064000"/>
+            <a:off x="984250" y="1836753"/>
+            <a:ext cx="10223500" cy="4494389"/>
           </a:xfrm>
           <a:prstGeom prst="rect">
             <a:avLst/>
@@ -4353,7 +4358,7 @@
     </p:spTree>
     <p:extLst>
       <p:ext uri="{BB962C8B-B14F-4D97-AF65-F5344CB8AC3E}">
-        <p14:creationId xmlns:p14="http://schemas.microsoft.com/office/powerpoint/2010/main" val="897698508"/>
+        <p14:creationId xmlns:p14="http://schemas.microsoft.com/office/powerpoint/2010/main" val="3308427511"/>
       </p:ext>
     </p:extLst>
   </p:cSld>
@@ -4394,32 +4399,68 @@
         </p:nvSpPr>
         <p:spPr>
           <a:xfrm>
-            <a:off x="2461846" y="2145323"/>
-            <a:ext cx="7268308" cy="1323439"/>
-          </a:xfrm>
-          <a:prstGeom prst="rect">
-            <a:avLst/>
-          </a:prstGeom>
-          <a:noFill/>
-        </p:spPr>
-        <p:txBody>
-          <a:bodyPr wrap="square" rtlCol="0">
-            <a:spAutoFit/>
-          </a:bodyPr>
-          <a:lstStyle/>
-          <a:p>
-            <a:pPr algn="ctr"/>
-            <a:r>
-              <a:rPr lang="en-US" altLang="ko-KR" sz="8000" dirty="0"/>
-              <a:t>Framework</a:t>
-            </a:r>
-          </a:p>
-        </p:txBody>
-      </p:sp>
+            <a:off x="2182446" y="5066323"/>
+            <a:ext cx="7268308" cy="769441"/>
+          </a:xfrm>
+          <a:prstGeom prst="rect">
+            <a:avLst/>
+          </a:prstGeom>
+          <a:noFill/>
+        </p:spPr>
+        <p:txBody>
+          <a:bodyPr wrap="square" rtlCol="0">
+            <a:spAutoFit/>
+          </a:bodyPr>
+          <a:lstStyle/>
+          <a:p>
+            <a:pPr algn="ctr"/>
+            <a:r>
+              <a:rPr lang="ko-KR" altLang="en-US" sz="4400" dirty="0"/>
+              <a:t>질문 리스트 작성하기</a:t>
+            </a:r>
+          </a:p>
+        </p:txBody>
+      </p:sp>
+      <p:pic>
+        <p:nvPicPr>
+          <p:cNvPr id="6" name="그림 5" descr="만화 영화, 예술, 그래픽, 그림이(가) 표시된 사진&#10;&#10;자동 생성된 설명">
+            <a:extLst>
+              <a:ext uri="{FF2B5EF4-FFF2-40B4-BE49-F238E27FC236}">
+                <a16:creationId xmlns:a16="http://schemas.microsoft.com/office/drawing/2014/main" id="{4A46C2B8-FD94-4AE0-FAC4-B57C1F6BB0D0}"/>
+              </a:ext>
+            </a:extLst>
+          </p:cNvPr>
+          <p:cNvPicPr>
+            <a:picLocks noChangeAspect="1"/>
+          </p:cNvPicPr>
+          <p:nvPr/>
+        </p:nvPicPr>
+        <p:blipFill>
+          <a:blip r:embed="rId2">
+            <a:extLst>
+              <a:ext uri="{28A0092B-C50C-407E-A947-70E740481C1C}">
+                <a14:useLocalDpi xmlns:a14="http://schemas.microsoft.com/office/drawing/2010/main" val="0"/>
+              </a:ext>
+            </a:extLst>
+          </a:blip>
+          <a:stretch>
+            <a:fillRect/>
+          </a:stretch>
+        </p:blipFill>
+        <p:spPr>
+          <a:xfrm>
+            <a:off x="4064000" y="769442"/>
+            <a:ext cx="4064000" cy="4064000"/>
+          </a:xfrm>
+          <a:prstGeom prst="rect">
+            <a:avLst/>
+          </a:prstGeom>
+        </p:spPr>
+      </p:pic>
     </p:spTree>
     <p:extLst>
       <p:ext uri="{BB962C8B-B14F-4D97-AF65-F5344CB8AC3E}">
-        <p14:creationId xmlns:p14="http://schemas.microsoft.com/office/powerpoint/2010/main" val="4256682101"/>
+        <p14:creationId xmlns:p14="http://schemas.microsoft.com/office/powerpoint/2010/main" val="897698508"/>
       </p:ext>
     </p:extLst>
   </p:cSld>
@@ -4476,19 +4517,16 @@
           <a:p>
             <a:pPr algn="ctr"/>
             <a:r>
-              <a:rPr lang="en-US" altLang="ko-KR" sz="8000" dirty="0">
-                <a:hlinkClick r:id="rId2"/>
-              </a:rPr>
-              <a:t>Bootstrap</a:t>
-            </a:r>
-            <a:endParaRPr lang="en-US" altLang="ko-KR" sz="8000" dirty="0"/>
+              <a:rPr lang="en-US" altLang="ko-KR" sz="8000" dirty="0"/>
+              <a:t>Framework</a:t>
+            </a:r>
           </a:p>
         </p:txBody>
       </p:sp>
     </p:spTree>
     <p:extLst>
       <p:ext uri="{BB962C8B-B14F-4D97-AF65-F5344CB8AC3E}">
-        <p14:creationId xmlns:p14="http://schemas.microsoft.com/office/powerpoint/2010/main" val="1799096479"/>
+        <p14:creationId xmlns:p14="http://schemas.microsoft.com/office/powerpoint/2010/main" val="4256682101"/>
       </p:ext>
     </p:extLst>
   </p:cSld>
@@ -4627,7 +4665,7 @@
               <a:rPr lang="en-US" altLang="ko-KR" sz="8000" dirty="0">
                 <a:hlinkClick r:id="rId2"/>
               </a:rPr>
-              <a:t>Shoelace</a:t>
+              <a:t>Bootstrap</a:t>
             </a:r>
             <a:endParaRPr lang="en-US" altLang="ko-KR" sz="8000" dirty="0"/>
           </a:p>
@@ -4636,7 +4674,7 @@
     </p:spTree>
     <p:extLst>
       <p:ext uri="{BB962C8B-B14F-4D97-AF65-F5344CB8AC3E}">
-        <p14:creationId xmlns:p14="http://schemas.microsoft.com/office/powerpoint/2010/main" val="2349785759"/>
+        <p14:creationId xmlns:p14="http://schemas.microsoft.com/office/powerpoint/2010/main" val="1799096479"/>
       </p:ext>
     </p:extLst>
   </p:cSld>
@@ -4677,7 +4715,7 @@
         </p:nvSpPr>
         <p:spPr>
           <a:xfrm>
-            <a:off x="2461846" y="1180123"/>
+            <a:off x="2461846" y="2145323"/>
             <a:ext cx="7268308" cy="1323439"/>
           </a:xfrm>
           <a:prstGeom prst="rect">
@@ -4693,53 +4731,19 @@
           <a:p>
             <a:pPr algn="ctr"/>
             <a:r>
-              <a:rPr lang="en-US" altLang="ko-KR" sz="8000" dirty="0" err="1"/>
-              <a:t>Javascript</a:t>
+              <a:rPr lang="en-US" altLang="ko-KR" sz="8000" dirty="0">
+                <a:hlinkClick r:id="rId2"/>
+              </a:rPr>
+              <a:t>Shoelace</a:t>
             </a:r>
             <a:endParaRPr lang="en-US" altLang="ko-KR" sz="8000" dirty="0"/>
           </a:p>
         </p:txBody>
       </p:sp>
-      <p:pic>
-        <p:nvPicPr>
-          <p:cNvPr id="2" name="그림 1" descr="노랑, 상징, 디자인이(가) 표시된 사진&#10;&#10;자동 생성된 설명">
-            <a:extLst>
-              <a:ext uri="{FF2B5EF4-FFF2-40B4-BE49-F238E27FC236}">
-                <a16:creationId xmlns:a16="http://schemas.microsoft.com/office/drawing/2014/main" id="{3DFF3BB6-C236-FBC7-C3DC-D6D4EA736085}"/>
-              </a:ext>
-            </a:extLst>
-          </p:cNvPr>
-          <p:cNvPicPr>
-            <a:picLocks noChangeAspect="1"/>
-          </p:cNvPicPr>
-          <p:nvPr/>
-        </p:nvPicPr>
-        <p:blipFill>
-          <a:blip r:embed="rId2">
-            <a:extLst>
-              <a:ext uri="{28A0092B-C50C-407E-A947-70E740481C1C}">
-                <a14:useLocalDpi xmlns:a14="http://schemas.microsoft.com/office/drawing/2010/main" val="0"/>
-              </a:ext>
-            </a:extLst>
-          </a:blip>
-          <a:stretch>
-            <a:fillRect/>
-          </a:stretch>
-        </p:blipFill>
-        <p:spPr>
-          <a:xfrm>
-            <a:off x="3622623" y="2503562"/>
-            <a:ext cx="4946754" cy="2780969"/>
-          </a:xfrm>
-          <a:prstGeom prst="rect">
-            <a:avLst/>
-          </a:prstGeom>
-        </p:spPr>
-      </p:pic>
     </p:spTree>
     <p:extLst>
       <p:ext uri="{BB962C8B-B14F-4D97-AF65-F5344CB8AC3E}">
-        <p14:creationId xmlns:p14="http://schemas.microsoft.com/office/powerpoint/2010/main" val="2652492327"/>
+        <p14:creationId xmlns:p14="http://schemas.microsoft.com/office/powerpoint/2010/main" val="2349785759"/>
       </p:ext>
     </p:extLst>
   </p:cSld>
@@ -4766,12 +4770,49 @@
           <a:chExt cx="0" cy="0"/>
         </a:xfrm>
       </p:grpSpPr>
+      <p:sp>
+        <p:nvSpPr>
+          <p:cNvPr id="4" name="TextBox 3">
+            <a:extLst>
+              <a:ext uri="{FF2B5EF4-FFF2-40B4-BE49-F238E27FC236}">
+                <a16:creationId xmlns:a16="http://schemas.microsoft.com/office/drawing/2014/main" id="{77E83A82-1077-074D-D148-C824C7D5A2ED}"/>
+              </a:ext>
+            </a:extLst>
+          </p:cNvPr>
+          <p:cNvSpPr txBox="1"/>
+          <p:nvPr/>
+        </p:nvSpPr>
+        <p:spPr>
+          <a:xfrm>
+            <a:off x="2461846" y="1180123"/>
+            <a:ext cx="7268308" cy="1323439"/>
+          </a:xfrm>
+          <a:prstGeom prst="rect">
+            <a:avLst/>
+          </a:prstGeom>
+          <a:noFill/>
+        </p:spPr>
+        <p:txBody>
+          <a:bodyPr wrap="square" rtlCol="0">
+            <a:spAutoFit/>
+          </a:bodyPr>
+          <a:lstStyle/>
+          <a:p>
+            <a:pPr algn="ctr"/>
+            <a:r>
+              <a:rPr lang="en-US" altLang="ko-KR" sz="8000" dirty="0" err="1"/>
+              <a:t>Javascript</a:t>
+            </a:r>
+            <a:endParaRPr lang="en-US" altLang="ko-KR" sz="8000" dirty="0"/>
+          </a:p>
+        </p:txBody>
+      </p:sp>
       <p:pic>
         <p:nvPicPr>
-          <p:cNvPr id="6" name="그림 5" descr="노랑, 상징, 디자인이(가) 표시된 사진&#10;&#10;자동 생성된 설명">
-            <a:extLst>
-              <a:ext uri="{FF2B5EF4-FFF2-40B4-BE49-F238E27FC236}">
-                <a16:creationId xmlns:a16="http://schemas.microsoft.com/office/drawing/2014/main" id="{CDB384A8-6F52-FB60-C415-46011987E3F4}"/>
+          <p:cNvPr id="2" name="그림 1" descr="노랑, 상징, 디자인이(가) 표시된 사진&#10;&#10;자동 생성된 설명">
+            <a:extLst>
+              <a:ext uri="{FF2B5EF4-FFF2-40B4-BE49-F238E27FC236}">
+                <a16:creationId xmlns:a16="http://schemas.microsoft.com/office/drawing/2014/main" id="{3DFF3BB6-C236-FBC7-C3DC-D6D4EA736085}"/>
               </a:ext>
             </a:extLst>
           </p:cNvPr>
@@ -4794,7 +4835,7 @@
         </p:blipFill>
         <p:spPr>
           <a:xfrm>
-            <a:off x="6235910" y="2038515"/>
+            <a:off x="3622623" y="2503562"/>
             <a:ext cx="4946754" cy="2780969"/>
           </a:xfrm>
           <a:prstGeom prst="rect">
@@ -4802,83 +4843,10 @@
           </a:prstGeom>
         </p:spPr>
       </p:pic>
-      <p:pic>
-        <p:nvPicPr>
-          <p:cNvPr id="8" name="그림 7" descr="그래픽, 폰트, 디자인이(가) 표시된 사진&#10;&#10;자동 생성된 설명">
-            <a:extLst>
-              <a:ext uri="{FF2B5EF4-FFF2-40B4-BE49-F238E27FC236}">
-                <a16:creationId xmlns:a16="http://schemas.microsoft.com/office/drawing/2014/main" id="{9895062A-6C85-72E8-9708-4807D4D4311F}"/>
-              </a:ext>
-            </a:extLst>
-          </p:cNvPr>
-          <p:cNvPicPr>
-            <a:picLocks noChangeAspect="1"/>
-          </p:cNvPicPr>
-          <p:nvPr/>
-        </p:nvPicPr>
-        <p:blipFill>
-          <a:blip r:embed="rId3">
-            <a:extLst>
-              <a:ext uri="{28A0092B-C50C-407E-A947-70E740481C1C}">
-                <a14:useLocalDpi xmlns:a14="http://schemas.microsoft.com/office/drawing/2010/main" val="0"/>
-              </a:ext>
-            </a:extLst>
-          </a:blip>
-          <a:stretch>
-            <a:fillRect/>
-          </a:stretch>
-        </p:blipFill>
-        <p:spPr>
-          <a:xfrm>
-            <a:off x="1312105" y="1382060"/>
-            <a:ext cx="4643986" cy="4643986"/>
-          </a:xfrm>
-          <a:prstGeom prst="rect">
-            <a:avLst/>
-          </a:prstGeom>
-        </p:spPr>
-      </p:pic>
-      <p:sp>
-        <p:nvSpPr>
-          <p:cNvPr id="9" name="TextBox 8">
-            <a:extLst>
-              <a:ext uri="{FF2B5EF4-FFF2-40B4-BE49-F238E27FC236}">
-                <a16:creationId xmlns:a16="http://schemas.microsoft.com/office/drawing/2014/main" id="{A5D86789-24EC-01C9-5BF1-0A724D3BFD09}"/>
-              </a:ext>
-            </a:extLst>
-          </p:cNvPr>
-          <p:cNvSpPr txBox="1"/>
-          <p:nvPr/>
-        </p:nvSpPr>
-        <p:spPr>
-          <a:xfrm>
-            <a:off x="2461847" y="674174"/>
-            <a:ext cx="7268308" cy="707886"/>
-          </a:xfrm>
-          <a:prstGeom prst="rect">
-            <a:avLst/>
-          </a:prstGeom>
-          <a:noFill/>
-        </p:spPr>
-        <p:txBody>
-          <a:bodyPr wrap="square" rtlCol="0">
-            <a:spAutoFit/>
-          </a:bodyPr>
-          <a:lstStyle/>
-          <a:p>
-            <a:pPr algn="ctr"/>
-            <a:r>
-              <a:rPr lang="ko-KR" altLang="en-US" sz="4000"/>
-              <a:t>이름의 유래</a:t>
-            </a:r>
-            <a:endParaRPr lang="en-US" altLang="ko-KR" sz="4000" dirty="0"/>
-          </a:p>
-        </p:txBody>
-      </p:sp>
     </p:spTree>
     <p:extLst>
       <p:ext uri="{BB962C8B-B14F-4D97-AF65-F5344CB8AC3E}">
-        <p14:creationId xmlns:p14="http://schemas.microsoft.com/office/powerpoint/2010/main" val="2082934293"/>
+        <p14:creationId xmlns:p14="http://schemas.microsoft.com/office/powerpoint/2010/main" val="2652492327"/>
       </p:ext>
     </p:extLst>
   </p:cSld>
@@ -4905,47 +4873,119 @@
           <a:chExt cx="0" cy="0"/>
         </a:xfrm>
       </p:grpSpPr>
-      <p:sp>
-        <p:nvSpPr>
-          <p:cNvPr id="4" name="TextBox 3">
-            <a:extLst>
-              <a:ext uri="{FF2B5EF4-FFF2-40B4-BE49-F238E27FC236}">
-                <a16:creationId xmlns:a16="http://schemas.microsoft.com/office/drawing/2014/main" id="{77E83A82-1077-074D-D148-C824C7D5A2ED}"/>
-              </a:ext>
-            </a:extLst>
-          </p:cNvPr>
-          <p:cNvSpPr txBox="1"/>
-          <p:nvPr/>
-        </p:nvSpPr>
-        <p:spPr>
-          <a:xfrm>
-            <a:off x="2461846" y="2145323"/>
-            <a:ext cx="7268308" cy="1323439"/>
-          </a:xfrm>
-          <a:prstGeom prst="rect">
-            <a:avLst/>
-          </a:prstGeom>
-          <a:noFill/>
-        </p:spPr>
-        <p:txBody>
-          <a:bodyPr wrap="square" rtlCol="0">
-            <a:spAutoFit/>
-          </a:bodyPr>
-          <a:lstStyle/>
-          <a:p>
-            <a:pPr algn="ctr"/>
-            <a:r>
-              <a:rPr lang="ko-KR" altLang="en-US" sz="8000" dirty="0"/>
-              <a:t>변수</a:t>
-            </a:r>
-            <a:endParaRPr lang="en-US" altLang="ko-KR" sz="8000" dirty="0"/>
+      <p:pic>
+        <p:nvPicPr>
+          <p:cNvPr id="6" name="그림 5" descr="노랑, 상징, 디자인이(가) 표시된 사진&#10;&#10;자동 생성된 설명">
+            <a:extLst>
+              <a:ext uri="{FF2B5EF4-FFF2-40B4-BE49-F238E27FC236}">
+                <a16:creationId xmlns:a16="http://schemas.microsoft.com/office/drawing/2014/main" id="{CDB384A8-6F52-FB60-C415-46011987E3F4}"/>
+              </a:ext>
+            </a:extLst>
+          </p:cNvPr>
+          <p:cNvPicPr>
+            <a:picLocks noChangeAspect="1"/>
+          </p:cNvPicPr>
+          <p:nvPr/>
+        </p:nvPicPr>
+        <p:blipFill>
+          <a:blip r:embed="rId2">
+            <a:extLst>
+              <a:ext uri="{28A0092B-C50C-407E-A947-70E740481C1C}">
+                <a14:useLocalDpi xmlns:a14="http://schemas.microsoft.com/office/drawing/2010/main" val="0"/>
+              </a:ext>
+            </a:extLst>
+          </a:blip>
+          <a:stretch>
+            <a:fillRect/>
+          </a:stretch>
+        </p:blipFill>
+        <p:spPr>
+          <a:xfrm>
+            <a:off x="6235910" y="2038515"/>
+            <a:ext cx="4946754" cy="2780969"/>
+          </a:xfrm>
+          <a:prstGeom prst="rect">
+            <a:avLst/>
+          </a:prstGeom>
+        </p:spPr>
+      </p:pic>
+      <p:pic>
+        <p:nvPicPr>
+          <p:cNvPr id="8" name="그림 7" descr="그래픽, 폰트, 디자인이(가) 표시된 사진&#10;&#10;자동 생성된 설명">
+            <a:extLst>
+              <a:ext uri="{FF2B5EF4-FFF2-40B4-BE49-F238E27FC236}">
+                <a16:creationId xmlns:a16="http://schemas.microsoft.com/office/drawing/2014/main" id="{9895062A-6C85-72E8-9708-4807D4D4311F}"/>
+              </a:ext>
+            </a:extLst>
+          </p:cNvPr>
+          <p:cNvPicPr>
+            <a:picLocks noChangeAspect="1"/>
+          </p:cNvPicPr>
+          <p:nvPr/>
+        </p:nvPicPr>
+        <p:blipFill>
+          <a:blip r:embed="rId3">
+            <a:extLst>
+              <a:ext uri="{28A0092B-C50C-407E-A947-70E740481C1C}">
+                <a14:useLocalDpi xmlns:a14="http://schemas.microsoft.com/office/drawing/2010/main" val="0"/>
+              </a:ext>
+            </a:extLst>
+          </a:blip>
+          <a:stretch>
+            <a:fillRect/>
+          </a:stretch>
+        </p:blipFill>
+        <p:spPr>
+          <a:xfrm>
+            <a:off x="1312105" y="1382060"/>
+            <a:ext cx="4643986" cy="4643986"/>
+          </a:xfrm>
+          <a:prstGeom prst="rect">
+            <a:avLst/>
+          </a:prstGeom>
+        </p:spPr>
+      </p:pic>
+      <p:sp>
+        <p:nvSpPr>
+          <p:cNvPr id="9" name="TextBox 8">
+            <a:extLst>
+              <a:ext uri="{FF2B5EF4-FFF2-40B4-BE49-F238E27FC236}">
+                <a16:creationId xmlns:a16="http://schemas.microsoft.com/office/drawing/2014/main" id="{A5D86789-24EC-01C9-5BF1-0A724D3BFD09}"/>
+              </a:ext>
+            </a:extLst>
+          </p:cNvPr>
+          <p:cNvSpPr txBox="1"/>
+          <p:nvPr/>
+        </p:nvSpPr>
+        <p:spPr>
+          <a:xfrm>
+            <a:off x="2461847" y="674174"/>
+            <a:ext cx="7268308" cy="707886"/>
+          </a:xfrm>
+          <a:prstGeom prst="rect">
+            <a:avLst/>
+          </a:prstGeom>
+          <a:noFill/>
+        </p:spPr>
+        <p:txBody>
+          <a:bodyPr wrap="square" rtlCol="0">
+            <a:spAutoFit/>
+          </a:bodyPr>
+          <a:lstStyle/>
+          <a:p>
+            <a:pPr algn="ctr"/>
+            <a:r>
+              <a:rPr lang="ko-KR" altLang="en-US" sz="4000"/>
+              <a:t>이름의 유래</a:t>
+            </a:r>
+            <a:endParaRPr lang="en-US" altLang="ko-KR" sz="4000" dirty="0"/>
           </a:p>
         </p:txBody>
       </p:sp>
     </p:spTree>
     <p:extLst>
       <p:ext uri="{BB962C8B-B14F-4D97-AF65-F5344CB8AC3E}">
-        <p14:creationId xmlns:p14="http://schemas.microsoft.com/office/powerpoint/2010/main" val="1004204534"/>
+        <p14:creationId xmlns:p14="http://schemas.microsoft.com/office/powerpoint/2010/main" val="2082934293"/>
       </p:ext>
     </p:extLst>
   </p:cSld>
@@ -5002,12 +5042,8 @@
           <a:p>
             <a:pPr algn="ctr"/>
             <a:r>
-              <a:rPr lang="ko-KR" altLang="en-US" sz="8000" dirty="0" err="1"/>
-              <a:t>변수명</a:t>
-            </a:r>
-            <a:r>
               <a:rPr lang="ko-KR" altLang="en-US" sz="8000" dirty="0"/>
-              <a:t> 규칙</a:t>
+              <a:t>변수</a:t>
             </a:r>
             <a:endParaRPr lang="en-US" altLang="ko-KR" sz="8000" dirty="0"/>
           </a:p>
@@ -5016,7 +5052,7 @@
     </p:spTree>
     <p:extLst>
       <p:ext uri="{BB962C8B-B14F-4D97-AF65-F5344CB8AC3E}">
-        <p14:creationId xmlns:p14="http://schemas.microsoft.com/office/powerpoint/2010/main" val="2525268661"/>
+        <p14:creationId xmlns:p14="http://schemas.microsoft.com/office/powerpoint/2010/main" val="1004204534"/>
       </p:ext>
     </p:extLst>
   </p:cSld>
@@ -5073,16 +5109,21 @@
           <a:p>
             <a:pPr algn="ctr"/>
             <a:r>
-              <a:rPr lang="en-US" altLang="ko-KR" sz="8000" dirty="0"/>
-              <a:t>var let const</a:t>
-            </a:r>
+              <a:rPr lang="ko-KR" altLang="en-US" sz="8000" dirty="0" err="1"/>
+              <a:t>변수명</a:t>
+            </a:r>
+            <a:r>
+              <a:rPr lang="ko-KR" altLang="en-US" sz="8000" dirty="0"/>
+              <a:t> 규칙</a:t>
+            </a:r>
+            <a:endParaRPr lang="en-US" altLang="ko-KR" sz="8000" dirty="0"/>
           </a:p>
         </p:txBody>
       </p:sp>
     </p:spTree>
     <p:extLst>
       <p:ext uri="{BB962C8B-B14F-4D97-AF65-F5344CB8AC3E}">
-        <p14:creationId xmlns:p14="http://schemas.microsoft.com/office/powerpoint/2010/main" val="2557639981"/>
+        <p14:creationId xmlns:p14="http://schemas.microsoft.com/office/powerpoint/2010/main" val="2525268661"/>
       </p:ext>
     </p:extLst>
   </p:cSld>
@@ -5140,7 +5181,7 @@
             <a:pPr algn="ctr"/>
             <a:r>
               <a:rPr lang="en-US" altLang="ko-KR" sz="8000" dirty="0"/>
-              <a:t>console.log()</a:t>
+              <a:t>var let const</a:t>
             </a:r>
           </a:p>
         </p:txBody>
@@ -5148,7 +5189,7 @@
     </p:spTree>
     <p:extLst>
       <p:ext uri="{BB962C8B-B14F-4D97-AF65-F5344CB8AC3E}">
-        <p14:creationId xmlns:p14="http://schemas.microsoft.com/office/powerpoint/2010/main" val="194507990"/>
+        <p14:creationId xmlns:p14="http://schemas.microsoft.com/office/powerpoint/2010/main" val="2557639981"/>
       </p:ext>
     </p:extLst>
   </p:cSld>
@@ -5189,7 +5230,7 @@
         </p:nvSpPr>
         <p:spPr>
           <a:xfrm>
-            <a:off x="2461846" y="2551723"/>
+            <a:off x="2461846" y="2145323"/>
             <a:ext cx="7268308" cy="1323439"/>
           </a:xfrm>
           <a:prstGeom prst="rect">
@@ -5206,7 +5247,7 @@
             <a:pPr algn="ctr"/>
             <a:r>
               <a:rPr lang="en-US" altLang="ko-KR" sz="8000" dirty="0"/>
-              <a:t>+ - * / % **</a:t>
+              <a:t>console.log()</a:t>
             </a:r>
           </a:p>
         </p:txBody>
@@ -5214,7 +5255,7 @@
     </p:spTree>
     <p:extLst>
       <p:ext uri="{BB962C8B-B14F-4D97-AF65-F5344CB8AC3E}">
-        <p14:creationId xmlns:p14="http://schemas.microsoft.com/office/powerpoint/2010/main" val="4203081283"/>
+        <p14:creationId xmlns:p14="http://schemas.microsoft.com/office/powerpoint/2010/main" val="194507990"/>
       </p:ext>
     </p:extLst>
   </p:cSld>
@@ -5255,7 +5296,7 @@
         </p:nvSpPr>
         <p:spPr>
           <a:xfrm>
-            <a:off x="2461846" y="2145323"/>
+            <a:off x="2461846" y="2551723"/>
             <a:ext cx="7268308" cy="1323439"/>
           </a:xfrm>
           <a:prstGeom prst="rect">
@@ -5272,7 +5313,7 @@
             <a:pPr algn="ctr"/>
             <a:r>
               <a:rPr lang="en-US" altLang="ko-KR" sz="8000" dirty="0"/>
-              <a:t>alert()</a:t>
+              <a:t>+ - * / % **</a:t>
             </a:r>
           </a:p>
         </p:txBody>
@@ -5280,7 +5321,7 @@
     </p:spTree>
     <p:extLst>
       <p:ext uri="{BB962C8B-B14F-4D97-AF65-F5344CB8AC3E}">
-        <p14:creationId xmlns:p14="http://schemas.microsoft.com/office/powerpoint/2010/main" val="2768001639"/>
+        <p14:creationId xmlns:p14="http://schemas.microsoft.com/office/powerpoint/2010/main" val="4203081283"/>
       </p:ext>
     </p:extLst>
   </p:cSld>
@@ -5321,7 +5362,7 @@
         </p:nvSpPr>
         <p:spPr>
           <a:xfrm>
-            <a:off x="2461846" y="2564423"/>
+            <a:off x="2461846" y="2145323"/>
             <a:ext cx="7268308" cy="1323439"/>
           </a:xfrm>
           <a:prstGeom prst="rect">
@@ -5338,7 +5379,7 @@
             <a:pPr algn="ctr"/>
             <a:r>
               <a:rPr lang="en-US" altLang="ko-KR" sz="8000" dirty="0"/>
-              <a:t>if</a:t>
+              <a:t>alert()</a:t>
             </a:r>
           </a:p>
         </p:txBody>
@@ -5346,7 +5387,7 @@
     </p:spTree>
     <p:extLst>
       <p:ext uri="{BB962C8B-B14F-4D97-AF65-F5344CB8AC3E}">
-        <p14:creationId xmlns:p14="http://schemas.microsoft.com/office/powerpoint/2010/main" val="1676203958"/>
+        <p14:creationId xmlns:p14="http://schemas.microsoft.com/office/powerpoint/2010/main" val="2768001639"/>
       </p:ext>
     </p:extLst>
   </p:cSld>
@@ -5454,8 +5495,8 @@
         </p:nvSpPr>
         <p:spPr>
           <a:xfrm>
-            <a:off x="2461846" y="761023"/>
-            <a:ext cx="7268308" cy="5016758"/>
+            <a:off x="2461846" y="2564423"/>
+            <a:ext cx="7268308" cy="1323439"/>
           </a:xfrm>
           <a:prstGeom prst="rect">
             <a:avLst/>
@@ -5471,28 +5512,7 @@
             <a:pPr algn="ctr"/>
             <a:r>
               <a:rPr lang="en-US" altLang="ko-KR" sz="8000" dirty="0"/>
-              <a:t>&gt;</a:t>
-            </a:r>
-          </a:p>
-          <a:p>
-            <a:pPr algn="ctr"/>
-            <a:r>
-              <a:rPr lang="en-US" altLang="ko-KR" sz="8000" dirty="0"/>
-              <a:t>&lt;</a:t>
-            </a:r>
-          </a:p>
-          <a:p>
-            <a:pPr algn="ctr"/>
-            <a:r>
-              <a:rPr lang="en-US" altLang="ko-KR" sz="8000" dirty="0"/>
-              <a:t>&gt;=</a:t>
-            </a:r>
-          </a:p>
-          <a:p>
-            <a:pPr algn="ctr"/>
-            <a:r>
-              <a:rPr lang="en-US" altLang="ko-KR" sz="8000" dirty="0"/>
-              <a:t>&lt;=</a:t>
+              <a:t>if</a:t>
             </a:r>
           </a:p>
         </p:txBody>
@@ -5500,7 +5520,7 @@
     </p:spTree>
     <p:extLst>
       <p:ext uri="{BB962C8B-B14F-4D97-AF65-F5344CB8AC3E}">
-        <p14:creationId xmlns:p14="http://schemas.microsoft.com/office/powerpoint/2010/main" val="4091158168"/>
+        <p14:creationId xmlns:p14="http://schemas.microsoft.com/office/powerpoint/2010/main" val="1676203958"/>
       </p:ext>
     </p:extLst>
   </p:cSld>
@@ -5541,8 +5561,8 @@
         </p:nvSpPr>
         <p:spPr>
           <a:xfrm>
-            <a:off x="2461846" y="1269023"/>
-            <a:ext cx="7268308" cy="3785652"/>
+            <a:off x="2461846" y="761023"/>
+            <a:ext cx="7268308" cy="5016758"/>
           </a:xfrm>
           <a:prstGeom prst="rect">
             <a:avLst/>
@@ -5558,21 +5578,28 @@
             <a:pPr algn="ctr"/>
             <a:r>
               <a:rPr lang="en-US" altLang="ko-KR" sz="8000" dirty="0"/>
-              <a:t>||</a:t>
+              <a:t>&gt;</a:t>
             </a:r>
           </a:p>
           <a:p>
             <a:pPr algn="ctr"/>
             <a:r>
               <a:rPr lang="en-US" altLang="ko-KR" sz="8000" dirty="0"/>
-              <a:t>&amp;&amp;</a:t>
+              <a:t>&lt;</a:t>
             </a:r>
           </a:p>
           <a:p>
             <a:pPr algn="ctr"/>
             <a:r>
               <a:rPr lang="en-US" altLang="ko-KR" sz="8000" dirty="0"/>
-              <a:t>!</a:t>
+              <a:t>&gt;=</a:t>
+            </a:r>
+          </a:p>
+          <a:p>
+            <a:pPr algn="ctr"/>
+            <a:r>
+              <a:rPr lang="en-US" altLang="ko-KR" sz="8000" dirty="0"/>
+              <a:t>&lt;=</a:t>
             </a:r>
           </a:p>
         </p:txBody>
@@ -5580,7 +5607,7 @@
     </p:spTree>
     <p:extLst>
       <p:ext uri="{BB962C8B-B14F-4D97-AF65-F5344CB8AC3E}">
-        <p14:creationId xmlns:p14="http://schemas.microsoft.com/office/powerpoint/2010/main" val="2531885579"/>
+        <p14:creationId xmlns:p14="http://schemas.microsoft.com/office/powerpoint/2010/main" val="4091158168"/>
       </p:ext>
     </p:extLst>
   </p:cSld>
@@ -5621,7 +5648,7 @@
         </p:nvSpPr>
         <p:spPr>
           <a:xfrm>
-            <a:off x="2461846" y="1015023"/>
+            <a:off x="2461846" y="1269023"/>
             <a:ext cx="7268308" cy="3785652"/>
           </a:xfrm>
           <a:prstGeom prst="rect">
@@ -5638,21 +5665,21 @@
             <a:pPr algn="ctr"/>
             <a:r>
               <a:rPr lang="en-US" altLang="ko-KR" sz="8000" dirty="0"/>
-              <a:t>if</a:t>
+              <a:t>||</a:t>
             </a:r>
           </a:p>
           <a:p>
             <a:pPr algn="ctr"/>
             <a:r>
               <a:rPr lang="en-US" altLang="ko-KR" sz="8000" dirty="0"/>
-              <a:t>else if</a:t>
+              <a:t>&amp;&amp;</a:t>
             </a:r>
           </a:p>
           <a:p>
             <a:pPr algn="ctr"/>
             <a:r>
               <a:rPr lang="en-US" altLang="ko-KR" sz="8000" dirty="0"/>
-              <a:t>else</a:t>
+              <a:t>!</a:t>
             </a:r>
           </a:p>
         </p:txBody>
@@ -5660,7 +5687,7 @@
     </p:spTree>
     <p:extLst>
       <p:ext uri="{BB962C8B-B14F-4D97-AF65-F5344CB8AC3E}">
-        <p14:creationId xmlns:p14="http://schemas.microsoft.com/office/powerpoint/2010/main" val="1384890283"/>
+        <p14:creationId xmlns:p14="http://schemas.microsoft.com/office/powerpoint/2010/main" val="2531885579"/>
       </p:ext>
     </p:extLst>
   </p:cSld>
@@ -5701,8 +5728,8 @@
         </p:nvSpPr>
         <p:spPr>
           <a:xfrm>
-            <a:off x="2461846" y="1878623"/>
-            <a:ext cx="7268308" cy="2554545"/>
+            <a:off x="2461846" y="1015023"/>
+            <a:ext cx="7268308" cy="3785652"/>
           </a:xfrm>
           <a:prstGeom prst="rect">
             <a:avLst/>
@@ -5718,14 +5745,21 @@
             <a:pPr algn="ctr"/>
             <a:r>
               <a:rPr lang="en-US" altLang="ko-KR" sz="8000" dirty="0"/>
-              <a:t>//</a:t>
+              <a:t>if</a:t>
             </a:r>
           </a:p>
           <a:p>
             <a:pPr algn="ctr"/>
             <a:r>
               <a:rPr lang="en-US" altLang="ko-KR" sz="8000" dirty="0"/>
-              <a:t>/**/</a:t>
+              <a:t>else if</a:t>
+            </a:r>
+          </a:p>
+          <a:p>
+            <a:pPr algn="ctr"/>
+            <a:r>
+              <a:rPr lang="en-US" altLang="ko-KR" sz="8000" dirty="0"/>
+              <a:t>else</a:t>
             </a:r>
           </a:p>
         </p:txBody>
@@ -5733,7 +5767,7 @@
     </p:spTree>
     <p:extLst>
       <p:ext uri="{BB962C8B-B14F-4D97-AF65-F5344CB8AC3E}">
-        <p14:creationId xmlns:p14="http://schemas.microsoft.com/office/powerpoint/2010/main" val="3460563741"/>
+        <p14:creationId xmlns:p14="http://schemas.microsoft.com/office/powerpoint/2010/main" val="1384890283"/>
       </p:ext>
     </p:extLst>
   </p:cSld>
@@ -5774,8 +5808,8 @@
         </p:nvSpPr>
         <p:spPr>
           <a:xfrm>
-            <a:off x="2461846" y="2207161"/>
-            <a:ext cx="7268308" cy="1323439"/>
+            <a:off x="2461846" y="1878623"/>
+            <a:ext cx="7268308" cy="2554545"/>
           </a:xfrm>
           <a:prstGeom prst="rect">
             <a:avLst/>
@@ -5791,7 +5825,14 @@
             <a:pPr algn="ctr"/>
             <a:r>
               <a:rPr lang="en-US" altLang="ko-KR" sz="8000" dirty="0"/>
-              <a:t>? :</a:t>
+              <a:t>//</a:t>
+            </a:r>
+          </a:p>
+          <a:p>
+            <a:pPr algn="ctr"/>
+            <a:r>
+              <a:rPr lang="en-US" altLang="ko-KR" sz="8000" dirty="0"/>
+              <a:t>/**/</a:t>
             </a:r>
           </a:p>
         </p:txBody>
@@ -5799,7 +5840,7 @@
     </p:spTree>
     <p:extLst>
       <p:ext uri="{BB962C8B-B14F-4D97-AF65-F5344CB8AC3E}">
-        <p14:creationId xmlns:p14="http://schemas.microsoft.com/office/powerpoint/2010/main" val="1720475646"/>
+        <p14:creationId xmlns:p14="http://schemas.microsoft.com/office/powerpoint/2010/main" val="3460563741"/>
       </p:ext>
     </p:extLst>
   </p:cSld>
@@ -5840,7 +5881,7 @@
         </p:nvSpPr>
         <p:spPr>
           <a:xfrm>
-            <a:off x="2461846" y="2145323"/>
+            <a:off x="2461846" y="2207161"/>
             <a:ext cx="7268308" cy="1323439"/>
           </a:xfrm>
           <a:prstGeom prst="rect">
@@ -5857,7 +5898,7 @@
             <a:pPr algn="ctr"/>
             <a:r>
               <a:rPr lang="en-US" altLang="ko-KR" sz="8000" dirty="0"/>
-              <a:t>switch</a:t>
+              <a:t>? :</a:t>
             </a:r>
           </a:p>
         </p:txBody>
@@ -5865,7 +5906,7 @@
     </p:spTree>
     <p:extLst>
       <p:ext uri="{BB962C8B-B14F-4D97-AF65-F5344CB8AC3E}">
-        <p14:creationId xmlns:p14="http://schemas.microsoft.com/office/powerpoint/2010/main" val="1752721334"/>
+        <p14:creationId xmlns:p14="http://schemas.microsoft.com/office/powerpoint/2010/main" val="1720475646"/>
       </p:ext>
     </p:extLst>
   </p:cSld>
@@ -5923,7 +5964,7 @@
             <a:pPr algn="ctr"/>
             <a:r>
               <a:rPr lang="en-US" altLang="ko-KR" sz="8000" dirty="0"/>
-              <a:t>while</a:t>
+              <a:t>switch</a:t>
             </a:r>
           </a:p>
         </p:txBody>
@@ -5931,7 +5972,7 @@
     </p:spTree>
     <p:extLst>
       <p:ext uri="{BB962C8B-B14F-4D97-AF65-F5344CB8AC3E}">
-        <p14:creationId xmlns:p14="http://schemas.microsoft.com/office/powerpoint/2010/main" val="3957724946"/>
+        <p14:creationId xmlns:p14="http://schemas.microsoft.com/office/powerpoint/2010/main" val="1752721334"/>
       </p:ext>
     </p:extLst>
   </p:cSld>
@@ -5989,43 +6030,7 @@
             <a:pPr algn="ctr"/>
             <a:r>
               <a:rPr lang="en-US" altLang="ko-KR" sz="8000" dirty="0"/>
-              <a:t>continue</a:t>
-            </a:r>
-          </a:p>
-        </p:txBody>
-      </p:sp>
-      <p:sp>
-        <p:nvSpPr>
-          <p:cNvPr id="2" name="TextBox 1">
-            <a:extLst>
-              <a:ext uri="{FF2B5EF4-FFF2-40B4-BE49-F238E27FC236}">
-                <a16:creationId xmlns:a16="http://schemas.microsoft.com/office/drawing/2014/main" id="{4215E355-C71B-D009-5413-1B23656E5882}"/>
-              </a:ext>
-            </a:extLst>
-          </p:cNvPr>
-          <p:cNvSpPr txBox="1"/>
-          <p:nvPr/>
-        </p:nvSpPr>
-        <p:spPr>
-          <a:xfrm>
-            <a:off x="2461846" y="3262923"/>
-            <a:ext cx="7268308" cy="1323439"/>
-          </a:xfrm>
-          <a:prstGeom prst="rect">
-            <a:avLst/>
-          </a:prstGeom>
-          <a:noFill/>
-        </p:spPr>
-        <p:txBody>
-          <a:bodyPr wrap="square" rtlCol="0">
-            <a:spAutoFit/>
-          </a:bodyPr>
-          <a:lstStyle/>
-          <a:p>
-            <a:pPr algn="ctr"/>
-            <a:r>
-              <a:rPr lang="en-US" altLang="ko-KR" sz="8000" dirty="0"/>
-              <a:t>break</a:t>
+              <a:t>while</a:t>
             </a:r>
           </a:p>
         </p:txBody>
@@ -6033,7 +6038,7 @@
     </p:spTree>
     <p:extLst>
       <p:ext uri="{BB962C8B-B14F-4D97-AF65-F5344CB8AC3E}">
-        <p14:creationId xmlns:p14="http://schemas.microsoft.com/office/powerpoint/2010/main" val="203296431"/>
+        <p14:creationId xmlns:p14="http://schemas.microsoft.com/office/powerpoint/2010/main" val="3957724946"/>
       </p:ext>
     </p:extLst>
   </p:cSld>
@@ -6090,17 +6095,52 @@
           <a:p>
             <a:pPr algn="ctr"/>
             <a:r>
-              <a:rPr lang="en-US" altLang="ko-KR" sz="8000" dirty="0" err="1"/>
-              <a:t>dowhile</a:t>
-            </a:r>
-            <a:endParaRPr lang="en-US" altLang="ko-KR" sz="8000" dirty="0"/>
+              <a:rPr lang="en-US" altLang="ko-KR" sz="8000" dirty="0"/>
+              <a:t>continue</a:t>
+            </a:r>
+          </a:p>
+        </p:txBody>
+      </p:sp>
+      <p:sp>
+        <p:nvSpPr>
+          <p:cNvPr id="2" name="TextBox 1">
+            <a:extLst>
+              <a:ext uri="{FF2B5EF4-FFF2-40B4-BE49-F238E27FC236}">
+                <a16:creationId xmlns:a16="http://schemas.microsoft.com/office/drawing/2014/main" id="{4215E355-C71B-D009-5413-1B23656E5882}"/>
+              </a:ext>
+            </a:extLst>
+          </p:cNvPr>
+          <p:cNvSpPr txBox="1"/>
+          <p:nvPr/>
+        </p:nvSpPr>
+        <p:spPr>
+          <a:xfrm>
+            <a:off x="2461846" y="3262923"/>
+            <a:ext cx="7268308" cy="1323439"/>
+          </a:xfrm>
+          <a:prstGeom prst="rect">
+            <a:avLst/>
+          </a:prstGeom>
+          <a:noFill/>
+        </p:spPr>
+        <p:txBody>
+          <a:bodyPr wrap="square" rtlCol="0">
+            <a:spAutoFit/>
+          </a:bodyPr>
+          <a:lstStyle/>
+          <a:p>
+            <a:pPr algn="ctr"/>
+            <a:r>
+              <a:rPr lang="en-US" altLang="ko-KR" sz="8000" dirty="0"/>
+              <a:t>break</a:t>
+            </a:r>
           </a:p>
         </p:txBody>
       </p:sp>
     </p:spTree>
     <p:extLst>
       <p:ext uri="{BB962C8B-B14F-4D97-AF65-F5344CB8AC3E}">
-        <p14:creationId xmlns:p14="http://schemas.microsoft.com/office/powerpoint/2010/main" val="2658919004"/>
+        <p14:creationId xmlns:p14="http://schemas.microsoft.com/office/powerpoint/2010/main" val="203296431"/>
       </p:ext>
     </p:extLst>
   </p:cSld>
@@ -6141,53 +6181,33 @@
         </p:nvSpPr>
         <p:spPr>
           <a:xfrm>
-            <a:off x="2461846" y="584200"/>
-            <a:ext cx="7268308" cy="5016758"/>
-          </a:xfrm>
-          <a:prstGeom prst="rect">
-            <a:avLst/>
-          </a:prstGeom>
-          <a:noFill/>
-        </p:spPr>
-        <p:txBody>
-          <a:bodyPr wrap="square" rtlCol="0">
-            <a:spAutoFit/>
-          </a:bodyPr>
-          <a:lstStyle/>
-          <a:p>
-            <a:pPr algn="ctr"/>
-            <a:r>
-              <a:rPr lang="en-US" altLang="ko-KR" sz="8000" dirty="0"/>
-              <a:t>++</a:t>
-            </a:r>
-          </a:p>
-          <a:p>
-            <a:pPr algn="ctr"/>
-            <a:r>
-              <a:rPr lang="en-US" altLang="ko-KR" sz="8000" dirty="0"/>
-              <a:t>--</a:t>
-            </a:r>
-          </a:p>
-          <a:p>
-            <a:pPr algn="ctr"/>
-            <a:r>
-              <a:rPr lang="en-US" altLang="ko-KR" sz="8000" dirty="0"/>
-              <a:t>+=</a:t>
-            </a:r>
-          </a:p>
-          <a:p>
-            <a:pPr algn="ctr"/>
-            <a:r>
-              <a:rPr lang="en-US" altLang="ko-KR" sz="8000" dirty="0"/>
-              <a:t>* / % !</a:t>
-            </a:r>
+            <a:off x="2461846" y="2145323"/>
+            <a:ext cx="7268308" cy="1323439"/>
+          </a:xfrm>
+          <a:prstGeom prst="rect">
+            <a:avLst/>
+          </a:prstGeom>
+          <a:noFill/>
+        </p:spPr>
+        <p:txBody>
+          <a:bodyPr wrap="square" rtlCol="0">
+            <a:spAutoFit/>
+          </a:bodyPr>
+          <a:lstStyle/>
+          <a:p>
+            <a:pPr algn="ctr"/>
+            <a:r>
+              <a:rPr lang="en-US" altLang="ko-KR" sz="8000" dirty="0" err="1"/>
+              <a:t>dowhile</a:t>
+            </a:r>
+            <a:endParaRPr lang="en-US" altLang="ko-KR" sz="8000" dirty="0"/>
           </a:p>
         </p:txBody>
       </p:sp>
     </p:spTree>
     <p:extLst>
       <p:ext uri="{BB962C8B-B14F-4D97-AF65-F5344CB8AC3E}">
-        <p14:creationId xmlns:p14="http://schemas.microsoft.com/office/powerpoint/2010/main" val="1196184717"/>
+        <p14:creationId xmlns:p14="http://schemas.microsoft.com/office/powerpoint/2010/main" val="2658919004"/>
       </p:ext>
     </p:extLst>
   </p:cSld>
@@ -6295,8 +6315,8 @@
         </p:nvSpPr>
         <p:spPr>
           <a:xfrm>
-            <a:off x="2461846" y="2145323"/>
-            <a:ext cx="7268308" cy="1323439"/>
+            <a:off x="2461846" y="584200"/>
+            <a:ext cx="7268308" cy="5016758"/>
           </a:xfrm>
           <a:prstGeom prst="rect">
             <a:avLst/>
@@ -6312,7 +6332,28 @@
             <a:pPr algn="ctr"/>
             <a:r>
               <a:rPr lang="en-US" altLang="ko-KR" sz="8000" dirty="0"/>
-              <a:t>for</a:t>
+              <a:t>++</a:t>
+            </a:r>
+          </a:p>
+          <a:p>
+            <a:pPr algn="ctr"/>
+            <a:r>
+              <a:rPr lang="en-US" altLang="ko-KR" sz="8000" dirty="0"/>
+              <a:t>--</a:t>
+            </a:r>
+          </a:p>
+          <a:p>
+            <a:pPr algn="ctr"/>
+            <a:r>
+              <a:rPr lang="en-US" altLang="ko-KR" sz="8000" dirty="0"/>
+              <a:t>+=</a:t>
+            </a:r>
+          </a:p>
+          <a:p>
+            <a:pPr algn="ctr"/>
+            <a:r>
+              <a:rPr lang="en-US" altLang="ko-KR" sz="8000" dirty="0"/>
+              <a:t>* / % !</a:t>
             </a:r>
           </a:p>
         </p:txBody>
@@ -6320,7 +6361,7 @@
     </p:spTree>
     <p:extLst>
       <p:ext uri="{BB962C8B-B14F-4D97-AF65-F5344CB8AC3E}">
-        <p14:creationId xmlns:p14="http://schemas.microsoft.com/office/powerpoint/2010/main" val="2212278104"/>
+        <p14:creationId xmlns:p14="http://schemas.microsoft.com/office/powerpoint/2010/main" val="1196184717"/>
       </p:ext>
     </p:extLst>
   </p:cSld>
@@ -6361,41 +6402,32 @@
         </p:nvSpPr>
         <p:spPr>
           <a:xfrm>
-            <a:off x="2461846" y="1688123"/>
-            <a:ext cx="7268308" cy="2554545"/>
-          </a:xfrm>
-          <a:prstGeom prst="rect">
-            <a:avLst/>
-          </a:prstGeom>
-          <a:noFill/>
-        </p:spPr>
-        <p:txBody>
-          <a:bodyPr wrap="square" rtlCol="0">
-            <a:spAutoFit/>
-          </a:bodyPr>
-          <a:lstStyle/>
-          <a:p>
-            <a:pPr algn="ctr"/>
-            <a:r>
-              <a:rPr lang="ko-KR" altLang="en-US" sz="8000" dirty="0"/>
-              <a:t>지역변수</a:t>
-            </a:r>
-            <a:endParaRPr lang="en-US" altLang="ko-KR" sz="8000" dirty="0"/>
-          </a:p>
-          <a:p>
-            <a:pPr algn="ctr"/>
-            <a:r>
-              <a:rPr lang="ko-KR" altLang="en-US" sz="8000" dirty="0"/>
-              <a:t>전역변수</a:t>
-            </a:r>
-            <a:endParaRPr lang="en-US" altLang="ko-KR" sz="8000" dirty="0"/>
+            <a:off x="2461846" y="2145323"/>
+            <a:ext cx="7268308" cy="1323439"/>
+          </a:xfrm>
+          <a:prstGeom prst="rect">
+            <a:avLst/>
+          </a:prstGeom>
+          <a:noFill/>
+        </p:spPr>
+        <p:txBody>
+          <a:bodyPr wrap="square" rtlCol="0">
+            <a:spAutoFit/>
+          </a:bodyPr>
+          <a:lstStyle/>
+          <a:p>
+            <a:pPr algn="ctr"/>
+            <a:r>
+              <a:rPr lang="en-US" altLang="ko-KR" sz="8000" dirty="0"/>
+              <a:t>for</a:t>
+            </a:r>
           </a:p>
         </p:txBody>
       </p:sp>
     </p:spTree>
     <p:extLst>
       <p:ext uri="{BB962C8B-B14F-4D97-AF65-F5344CB8AC3E}">
-        <p14:creationId xmlns:p14="http://schemas.microsoft.com/office/powerpoint/2010/main" val="279647758"/>
+        <p14:creationId xmlns:p14="http://schemas.microsoft.com/office/powerpoint/2010/main" val="2212278104"/>
       </p:ext>
     </p:extLst>
   </p:cSld>
@@ -6436,8 +6468,8 @@
         </p:nvSpPr>
         <p:spPr>
           <a:xfrm>
-            <a:off x="2461846" y="2145323"/>
-            <a:ext cx="7268308" cy="1323439"/>
+            <a:off x="2461846" y="1688123"/>
+            <a:ext cx="7268308" cy="2554545"/>
           </a:xfrm>
           <a:prstGeom prst="rect">
             <a:avLst/>
@@ -6453,19 +6485,24 @@
             <a:pPr algn="ctr"/>
             <a:r>
               <a:rPr lang="ko-KR" altLang="en-US" sz="8000" dirty="0"/>
-              <a:t>배열</a:t>
-            </a:r>
-            <a:r>
-              <a:rPr lang="en-US" altLang="ko-KR" sz="8000" dirty="0"/>
-              <a:t>[]</a:t>
-            </a:r>
+              <a:t>지역변수</a:t>
+            </a:r>
+            <a:endParaRPr lang="en-US" altLang="ko-KR" sz="8000" dirty="0"/>
+          </a:p>
+          <a:p>
+            <a:pPr algn="ctr"/>
+            <a:r>
+              <a:rPr lang="ko-KR" altLang="en-US" sz="8000" dirty="0"/>
+              <a:t>전역변수</a:t>
+            </a:r>
+            <a:endParaRPr lang="en-US" altLang="ko-KR" sz="8000" dirty="0"/>
           </a:p>
         </p:txBody>
       </p:sp>
     </p:spTree>
     <p:extLst>
       <p:ext uri="{BB962C8B-B14F-4D97-AF65-F5344CB8AC3E}">
-        <p14:creationId xmlns:p14="http://schemas.microsoft.com/office/powerpoint/2010/main" val="1230663859"/>
+        <p14:creationId xmlns:p14="http://schemas.microsoft.com/office/powerpoint/2010/main" val="279647758"/>
       </p:ext>
     </p:extLst>
   </p:cSld>
@@ -6506,31 +6543,28 @@
         </p:nvSpPr>
         <p:spPr>
           <a:xfrm>
-            <a:off x="2461846" y="2105561"/>
-            <a:ext cx="7268308" cy="2554545"/>
-          </a:xfrm>
-          <a:prstGeom prst="rect">
-            <a:avLst/>
-          </a:prstGeom>
-          <a:noFill/>
-        </p:spPr>
-        <p:txBody>
-          <a:bodyPr wrap="square" rtlCol="0">
-            <a:spAutoFit/>
-          </a:bodyPr>
-          <a:lstStyle/>
-          <a:p>
-            <a:pPr algn="ctr"/>
+            <a:off x="2461846" y="2145323"/>
+            <a:ext cx="7268308" cy="1323439"/>
+          </a:xfrm>
+          <a:prstGeom prst="rect">
+            <a:avLst/>
+          </a:prstGeom>
+          <a:noFill/>
+        </p:spPr>
+        <p:txBody>
+          <a:bodyPr wrap="square" rtlCol="0">
+            <a:spAutoFit/>
+          </a:bodyPr>
+          <a:lstStyle/>
+          <a:p>
+            <a:pPr algn="ctr"/>
+            <a:r>
+              <a:rPr lang="ko-KR" altLang="en-US" sz="8000" dirty="0"/>
+              <a:t>배열</a:t>
+            </a:r>
             <a:r>
               <a:rPr lang="en-US" altLang="ko-KR" sz="8000" dirty="0"/>
-              <a:t>function()</a:t>
-            </a:r>
-          </a:p>
-          <a:p>
-            <a:pPr algn="ctr"/>
-            <a:r>
-              <a:rPr lang="en-US" altLang="ko-KR" sz="8000" dirty="0"/>
-              <a:t>return 0;</a:t>
+              <a:t>[]</a:t>
             </a:r>
           </a:p>
         </p:txBody>
@@ -6538,7 +6572,7 @@
     </p:spTree>
     <p:extLst>
       <p:ext uri="{BB962C8B-B14F-4D97-AF65-F5344CB8AC3E}">
-        <p14:creationId xmlns:p14="http://schemas.microsoft.com/office/powerpoint/2010/main" val="26382584"/>
+        <p14:creationId xmlns:p14="http://schemas.microsoft.com/office/powerpoint/2010/main" val="1230663859"/>
       </p:ext>
     </p:extLst>
   </p:cSld>
@@ -6579,33 +6613,39 @@
         </p:nvSpPr>
         <p:spPr>
           <a:xfrm>
-            <a:off x="1746250" y="2526323"/>
-            <a:ext cx="8699500" cy="1323439"/>
-          </a:xfrm>
-          <a:prstGeom prst="rect">
-            <a:avLst/>
-          </a:prstGeom>
-          <a:noFill/>
-        </p:spPr>
-        <p:txBody>
-          <a:bodyPr wrap="square" rtlCol="0">
-            <a:spAutoFit/>
-          </a:bodyPr>
-          <a:lstStyle/>
-          <a:p>
-            <a:pPr algn="ctr"/>
-            <a:r>
-              <a:rPr lang="en-US" altLang="ko-KR" sz="8000" dirty="0" err="1"/>
-              <a:t>addEventListener</a:t>
-            </a:r>
-            <a:endParaRPr lang="en-US" altLang="ko-KR" sz="8000" dirty="0"/>
+            <a:off x="2461846" y="2105561"/>
+            <a:ext cx="7268308" cy="2554545"/>
+          </a:xfrm>
+          <a:prstGeom prst="rect">
+            <a:avLst/>
+          </a:prstGeom>
+          <a:noFill/>
+        </p:spPr>
+        <p:txBody>
+          <a:bodyPr wrap="square" rtlCol="0">
+            <a:spAutoFit/>
+          </a:bodyPr>
+          <a:lstStyle/>
+          <a:p>
+            <a:pPr algn="ctr"/>
+            <a:r>
+              <a:rPr lang="en-US" altLang="ko-KR" sz="8000" dirty="0"/>
+              <a:t>function()</a:t>
+            </a:r>
+          </a:p>
+          <a:p>
+            <a:pPr algn="ctr"/>
+            <a:r>
+              <a:rPr lang="en-US" altLang="ko-KR" sz="8000" dirty="0"/>
+              <a:t>return 0;</a:t>
+            </a:r>
           </a:p>
         </p:txBody>
       </p:sp>
     </p:spTree>
     <p:extLst>
       <p:ext uri="{BB962C8B-B14F-4D97-AF65-F5344CB8AC3E}">
-        <p14:creationId xmlns:p14="http://schemas.microsoft.com/office/powerpoint/2010/main" val="2225793031"/>
+        <p14:creationId xmlns:p14="http://schemas.microsoft.com/office/powerpoint/2010/main" val="26382584"/>
       </p:ext>
     </p:extLst>
   </p:cSld>
@@ -6662,16 +6702,17 @@
           <a:p>
             <a:pPr algn="ctr"/>
             <a:r>
-              <a:rPr lang="en-US" altLang="ko-KR" sz="8000" dirty="0"/>
-              <a:t>select</a:t>
-            </a:r>
+              <a:rPr lang="en-US" altLang="ko-KR" sz="8000" dirty="0" err="1"/>
+              <a:t>addEventListener</a:t>
+            </a:r>
+            <a:endParaRPr lang="en-US" altLang="ko-KR" sz="8000" dirty="0"/>
           </a:p>
         </p:txBody>
       </p:sp>
     </p:spTree>
     <p:extLst>
       <p:ext uri="{BB962C8B-B14F-4D97-AF65-F5344CB8AC3E}">
-        <p14:creationId xmlns:p14="http://schemas.microsoft.com/office/powerpoint/2010/main" val="891193199"/>
+        <p14:creationId xmlns:p14="http://schemas.microsoft.com/office/powerpoint/2010/main" val="2225793031"/>
       </p:ext>
     </p:extLst>
   </p:cSld>
@@ -6728,17 +6769,16 @@
           <a:p>
             <a:pPr algn="ctr"/>
             <a:r>
-              <a:rPr lang="en-US" altLang="ko-KR" sz="8000" dirty="0" err="1"/>
-              <a:t>Math.PI</a:t>
-            </a:r>
-            <a:endParaRPr lang="en-US" altLang="ko-KR" sz="8000" dirty="0"/>
+              <a:rPr lang="en-US" altLang="ko-KR" sz="8000" dirty="0"/>
+              <a:t>select</a:t>
+            </a:r>
           </a:p>
         </p:txBody>
       </p:sp>
     </p:spTree>
     <p:extLst>
       <p:ext uri="{BB962C8B-B14F-4D97-AF65-F5344CB8AC3E}">
-        <p14:creationId xmlns:p14="http://schemas.microsoft.com/office/powerpoint/2010/main" val="2940396978"/>
+        <p14:creationId xmlns:p14="http://schemas.microsoft.com/office/powerpoint/2010/main" val="891193199"/>
       </p:ext>
     </p:extLst>
   </p:cSld>
@@ -6795,16 +6835,17 @@
           <a:p>
             <a:pPr algn="ctr"/>
             <a:r>
-              <a:rPr lang="en-US" altLang="ko-KR" sz="8000" dirty="0"/>
-              <a:t>=&gt;()</a:t>
-            </a:r>
+              <a:rPr lang="en-US" altLang="ko-KR" sz="8000" dirty="0" err="1"/>
+              <a:t>Math.PI</a:t>
+            </a:r>
+            <a:endParaRPr lang="en-US" altLang="ko-KR" sz="8000" dirty="0"/>
           </a:p>
         </p:txBody>
       </p:sp>
     </p:spTree>
     <p:extLst>
       <p:ext uri="{BB962C8B-B14F-4D97-AF65-F5344CB8AC3E}">
-        <p14:creationId xmlns:p14="http://schemas.microsoft.com/office/powerpoint/2010/main" val="2555373383"/>
+        <p14:creationId xmlns:p14="http://schemas.microsoft.com/office/powerpoint/2010/main" val="2940396978"/>
       </p:ext>
     </p:extLst>
   </p:cSld>
@@ -6845,8 +6886,8 @@
         </p:nvSpPr>
         <p:spPr>
           <a:xfrm>
-            <a:off x="1746250" y="2151727"/>
-            <a:ext cx="8699500" cy="2554545"/>
+            <a:off x="1746250" y="2526323"/>
+            <a:ext cx="8699500" cy="1323439"/>
           </a:xfrm>
           <a:prstGeom prst="rect">
             <a:avLst/>
@@ -6862,14 +6903,7 @@
             <a:pPr algn="ctr"/>
             <a:r>
               <a:rPr lang="en-US" altLang="ko-KR" sz="8000" dirty="0"/>
-              <a:t>~ | &amp; ^ &lt;&lt; &gt;&gt;</a:t>
-            </a:r>
-          </a:p>
-          <a:p>
-            <a:pPr algn="ctr"/>
-            <a:r>
-              <a:rPr lang="en-US" altLang="ko-KR" sz="8000" dirty="0"/>
-              <a:t>&lt;&lt;&lt; &gt;&gt;&gt;</a:t>
+              <a:t>=&gt;()</a:t>
             </a:r>
           </a:p>
         </p:txBody>
@@ -6877,7 +6911,7 @@
     </p:spTree>
     <p:extLst>
       <p:ext uri="{BB962C8B-B14F-4D97-AF65-F5344CB8AC3E}">
-        <p14:creationId xmlns:p14="http://schemas.microsoft.com/office/powerpoint/2010/main" val="3530468642"/>
+        <p14:creationId xmlns:p14="http://schemas.microsoft.com/office/powerpoint/2010/main" val="2555373383"/>
       </p:ext>
     </p:extLst>
   </p:cSld>
@@ -6918,68 +6952,39 @@
         </p:nvSpPr>
         <p:spPr>
           <a:xfrm>
-            <a:off x="2182446" y="5066323"/>
-            <a:ext cx="7268308" cy="769441"/>
-          </a:xfrm>
-          <a:prstGeom prst="rect">
-            <a:avLst/>
-          </a:prstGeom>
-          <a:noFill/>
-        </p:spPr>
-        <p:txBody>
-          <a:bodyPr wrap="square" rtlCol="0">
-            <a:spAutoFit/>
-          </a:bodyPr>
-          <a:lstStyle/>
-          <a:p>
-            <a:pPr algn="ctr"/>
-            <a:r>
-              <a:rPr lang="ko-KR" altLang="en-US" sz="4400" dirty="0"/>
-              <a:t>질문 리스트 작성하기</a:t>
-            </a:r>
-          </a:p>
-        </p:txBody>
-      </p:sp>
-      <p:pic>
-        <p:nvPicPr>
-          <p:cNvPr id="6" name="그림 5" descr="만화 영화, 예술, 그래픽, 그림이(가) 표시된 사진&#10;&#10;자동 생성된 설명">
-            <a:extLst>
-              <a:ext uri="{FF2B5EF4-FFF2-40B4-BE49-F238E27FC236}">
-                <a16:creationId xmlns:a16="http://schemas.microsoft.com/office/drawing/2014/main" id="{4A46C2B8-FD94-4AE0-FAC4-B57C1F6BB0D0}"/>
-              </a:ext>
-            </a:extLst>
-          </p:cNvPr>
-          <p:cNvPicPr>
-            <a:picLocks noChangeAspect="1"/>
-          </p:cNvPicPr>
-          <p:nvPr/>
-        </p:nvPicPr>
-        <p:blipFill>
-          <a:blip r:embed="rId2">
-            <a:extLst>
-              <a:ext uri="{28A0092B-C50C-407E-A947-70E740481C1C}">
-                <a14:useLocalDpi xmlns:a14="http://schemas.microsoft.com/office/drawing/2010/main" val="0"/>
-              </a:ext>
-            </a:extLst>
-          </a:blip>
-          <a:stretch>
-            <a:fillRect/>
-          </a:stretch>
-        </p:blipFill>
-        <p:spPr>
-          <a:xfrm>
-            <a:off x="4064000" y="769442"/>
-            <a:ext cx="4064000" cy="4064000"/>
-          </a:xfrm>
-          <a:prstGeom prst="rect">
-            <a:avLst/>
-          </a:prstGeom>
-        </p:spPr>
-      </p:pic>
+            <a:off x="1746250" y="2151727"/>
+            <a:ext cx="8699500" cy="2554545"/>
+          </a:xfrm>
+          <a:prstGeom prst="rect">
+            <a:avLst/>
+          </a:prstGeom>
+          <a:noFill/>
+        </p:spPr>
+        <p:txBody>
+          <a:bodyPr wrap="square" rtlCol="0">
+            <a:spAutoFit/>
+          </a:bodyPr>
+          <a:lstStyle/>
+          <a:p>
+            <a:pPr algn="ctr"/>
+            <a:r>
+              <a:rPr lang="en-US" altLang="ko-KR" sz="8000" dirty="0"/>
+              <a:t>~ | &amp; ^ &lt;&lt; &gt;&gt;</a:t>
+            </a:r>
+          </a:p>
+          <a:p>
+            <a:pPr algn="ctr"/>
+            <a:r>
+              <a:rPr lang="en-US" altLang="ko-KR" sz="8000" dirty="0"/>
+              <a:t>&lt;&lt;&lt; &gt;&gt;&gt;</a:t>
+            </a:r>
+          </a:p>
+        </p:txBody>
+      </p:sp>
     </p:spTree>
     <p:extLst>
       <p:ext uri="{BB962C8B-B14F-4D97-AF65-F5344CB8AC3E}">
-        <p14:creationId xmlns:p14="http://schemas.microsoft.com/office/powerpoint/2010/main" val="2608603203"/>
+        <p14:creationId xmlns:p14="http://schemas.microsoft.com/office/powerpoint/2010/main" val="3530468642"/>
       </p:ext>
     </p:extLst>
   </p:cSld>
@@ -7199,6 +7204,108 @@
         </p:nvSpPr>
         <p:spPr>
           <a:xfrm>
+            <a:off x="2182446" y="5066323"/>
+            <a:ext cx="7268308" cy="769441"/>
+          </a:xfrm>
+          <a:prstGeom prst="rect">
+            <a:avLst/>
+          </a:prstGeom>
+          <a:noFill/>
+        </p:spPr>
+        <p:txBody>
+          <a:bodyPr wrap="square" rtlCol="0">
+            <a:spAutoFit/>
+          </a:bodyPr>
+          <a:lstStyle/>
+          <a:p>
+            <a:pPr algn="ctr"/>
+            <a:r>
+              <a:rPr lang="ko-KR" altLang="en-US" sz="4400" dirty="0"/>
+              <a:t>질문 리스트 작성하기</a:t>
+            </a:r>
+          </a:p>
+        </p:txBody>
+      </p:sp>
+      <p:pic>
+        <p:nvPicPr>
+          <p:cNvPr id="6" name="그림 5" descr="만화 영화, 예술, 그래픽, 그림이(가) 표시된 사진&#10;&#10;자동 생성된 설명">
+            <a:extLst>
+              <a:ext uri="{FF2B5EF4-FFF2-40B4-BE49-F238E27FC236}">
+                <a16:creationId xmlns:a16="http://schemas.microsoft.com/office/drawing/2014/main" id="{4A46C2B8-FD94-4AE0-FAC4-B57C1F6BB0D0}"/>
+              </a:ext>
+            </a:extLst>
+          </p:cNvPr>
+          <p:cNvPicPr>
+            <a:picLocks noChangeAspect="1"/>
+          </p:cNvPicPr>
+          <p:nvPr/>
+        </p:nvPicPr>
+        <p:blipFill>
+          <a:blip r:embed="rId2">
+            <a:extLst>
+              <a:ext uri="{28A0092B-C50C-407E-A947-70E740481C1C}">
+                <a14:useLocalDpi xmlns:a14="http://schemas.microsoft.com/office/drawing/2010/main" val="0"/>
+              </a:ext>
+            </a:extLst>
+          </a:blip>
+          <a:stretch>
+            <a:fillRect/>
+          </a:stretch>
+        </p:blipFill>
+        <p:spPr>
+          <a:xfrm>
+            <a:off x="4064000" y="769442"/>
+            <a:ext cx="4064000" cy="4064000"/>
+          </a:xfrm>
+          <a:prstGeom prst="rect">
+            <a:avLst/>
+          </a:prstGeom>
+        </p:spPr>
+      </p:pic>
+    </p:spTree>
+    <p:extLst>
+      <p:ext uri="{BB962C8B-B14F-4D97-AF65-F5344CB8AC3E}">
+        <p14:creationId xmlns:p14="http://schemas.microsoft.com/office/powerpoint/2010/main" val="2608603203"/>
+      </p:ext>
+    </p:extLst>
+  </p:cSld>
+  <p:clrMapOvr>
+    <a:masterClrMapping/>
+  </p:clrMapOvr>
+</p:sld>
+</file>
+
+<file path=ppt/slides/slide141.xml><?xml version="1.0" encoding="utf-8"?>
+<p:sld xmlns:a="http://schemas.openxmlformats.org/drawingml/2006/main" xmlns:r="http://schemas.openxmlformats.org/officeDocument/2006/relationships" xmlns:p="http://schemas.openxmlformats.org/presentationml/2006/main">
+  <p:cSld>
+    <p:spTree>
+      <p:nvGrpSpPr>
+        <p:cNvPr id="1" name=""/>
+        <p:cNvGrpSpPr/>
+        <p:nvPr/>
+      </p:nvGrpSpPr>
+      <p:grpSpPr>
+        <a:xfrm>
+          <a:off x="0" y="0"/>
+          <a:ext cx="0" cy="0"/>
+          <a:chOff x="0" y="0"/>
+          <a:chExt cx="0" cy="0"/>
+        </a:xfrm>
+      </p:grpSpPr>
+      <p:sp>
+        <p:nvSpPr>
+          <p:cNvPr id="4" name="TextBox 3">
+            <a:extLst>
+              <a:ext uri="{FF2B5EF4-FFF2-40B4-BE49-F238E27FC236}">
+                <a16:creationId xmlns:a16="http://schemas.microsoft.com/office/drawing/2014/main" id="{77E83A82-1077-074D-D148-C824C7D5A2ED}"/>
+              </a:ext>
+            </a:extLst>
+          </p:cNvPr>
+          <p:cNvSpPr txBox="1"/>
+          <p:nvPr/>
+        </p:nvSpPr>
+        <p:spPr>
+          <a:xfrm>
             <a:off x="2461846" y="1180123"/>
             <a:ext cx="7268308" cy="1323439"/>
           </a:xfrm>
@@ -7234,7 +7341,7 @@
 </p:sld>
 </file>
 
-<file path=ppt/slides/slide141.xml><?xml version="1.0" encoding="utf-8"?>
+<file path=ppt/slides/slide142.xml><?xml version="1.0" encoding="utf-8"?>
 <p:sld xmlns:a="http://schemas.openxmlformats.org/drawingml/2006/main" xmlns:r="http://schemas.openxmlformats.org/officeDocument/2006/relationships" xmlns:p="http://schemas.openxmlformats.org/presentationml/2006/main">
   <p:cSld>
     <p:spTree>
@@ -18113,7 +18220,7 @@
         <p:spPr>
           <a:xfrm>
             <a:off x="327378" y="305068"/>
-            <a:ext cx="9018954" cy="4093428"/>
+            <a:ext cx="9018954" cy="4708981"/>
           </a:xfrm>
           <a:prstGeom prst="rect">
             <a:avLst/>
@@ -18250,14 +18357,31 @@
           </a:p>
           <a:p>
             <a:r>
-              <a:rPr lang="en-US" altLang="ko-KR" sz="2000" b="0">
+              <a:rPr lang="en-US" altLang="ko-KR" sz="2000" b="0" dirty="0">
                 <a:effectLst/>
               </a:rPr>
               <a:t>a:first-child</a:t>
             </a:r>
-            <a:endParaRPr lang="en-US" altLang="ko-KR" sz="2000" b="0" dirty="0">
-              <a:effectLst/>
-            </a:endParaRPr>
+          </a:p>
+          <a:p>
+            <a:r>
+              <a:rPr lang="en-US" altLang="ko-KR" sz="2000" b="0" dirty="0">
+                <a:effectLst/>
+              </a:rPr>
+              <a:t>a:l</a:t>
+            </a:r>
+            <a:r>
+              <a:rPr lang="en-US" altLang="ko-KR" sz="2000" dirty="0"/>
+              <a:t>ast-child</a:t>
+            </a:r>
+          </a:p>
+          <a:p>
+            <a:r>
+              <a:rPr lang="en-US" altLang="ko-KR" sz="2000" b="0" dirty="0">
+                <a:effectLst/>
+              </a:rPr>
+              <a:t>a:nth-child(A)</a:t>
+            </a:r>
           </a:p>
         </p:txBody>
       </p:sp>
@@ -18902,7 +19026,7 @@
         </p:nvSpPr>
         <p:spPr>
           <a:xfrm>
-            <a:off x="2461846" y="430823"/>
+            <a:off x="2461846" y="2659559"/>
             <a:ext cx="7268308" cy="769441"/>
           </a:xfrm>
           <a:prstGeom prst="rect">
@@ -18918,115 +19042,31 @@
           <a:p>
             <a:pPr algn="ctr"/>
             <a:r>
-              <a:rPr lang="en-US" altLang="ko-KR" sz="4400" dirty="0"/>
+              <a:rPr lang="en-US" altLang="ko-KR" sz="4400" dirty="0">
+                <a:hlinkClick r:id="rId2"/>
+              </a:rPr>
               <a:t>CSS </a:t>
             </a:r>
             <a:r>
-              <a:rPr lang="ko-KR" altLang="en-US" sz="4400" dirty="0"/>
-              <a:t>우선순위</a:t>
-            </a:r>
-          </a:p>
-        </p:txBody>
-      </p:sp>
-      <p:sp>
-        <p:nvSpPr>
-          <p:cNvPr id="3" name="TextBox 2">
-            <a:extLst>
-              <a:ext uri="{FF2B5EF4-FFF2-40B4-BE49-F238E27FC236}">
-                <a16:creationId xmlns:a16="http://schemas.microsoft.com/office/drawing/2014/main" id="{AAB98EA7-E45C-DFEA-0B08-97709329C1C9}"/>
-              </a:ext>
-            </a:extLst>
-          </p:cNvPr>
-          <p:cNvSpPr txBox="1"/>
-          <p:nvPr/>
-        </p:nvSpPr>
-        <p:spPr>
-          <a:xfrm>
-            <a:off x="1009650" y="2654568"/>
-            <a:ext cx="10172700" cy="461665"/>
-          </a:xfrm>
-          <a:prstGeom prst="rect">
-            <a:avLst/>
-          </a:prstGeom>
-          <a:noFill/>
-        </p:spPr>
-        <p:txBody>
-          <a:bodyPr wrap="square" rtlCol="0">
-            <a:spAutoFit/>
-          </a:bodyPr>
-          <a:lstStyle/>
-          <a:p>
-            <a:pPr algn="ctr"/>
-            <a:r>
-              <a:rPr lang="en-US" altLang="ko-KR" sz="2400" b="0" dirty="0">
-                <a:effectLst/>
-              </a:rPr>
-              <a:t>!important &gt; inline &gt; id</a:t>
-            </a:r>
-            <a:r>
-              <a:rPr lang="ko-KR" altLang="en-US" sz="2400" b="0" dirty="0" err="1">
-                <a:effectLst/>
+              <a:rPr lang="ko-KR" altLang="en-US" sz="4400" dirty="0" err="1">
+                <a:hlinkClick r:id="rId2"/>
               </a:rPr>
               <a:t>선택자</a:t>
             </a:r>
             <a:r>
-              <a:rPr lang="ko-KR" altLang="en-US" sz="2400" b="0" dirty="0">
-                <a:effectLst/>
+              <a:rPr lang="ko-KR" altLang="en-US" sz="4400" dirty="0">
+                <a:hlinkClick r:id="rId2"/>
               </a:rPr>
-              <a:t> </a:t>
-            </a:r>
-            <a:r>
-              <a:rPr lang="en-US" altLang="ko-KR" sz="2400" b="0" dirty="0">
-                <a:effectLst/>
-              </a:rPr>
-              <a:t>&gt; class</a:t>
-            </a:r>
-            <a:r>
-              <a:rPr lang="ko-KR" altLang="en-US" sz="2400" b="0" dirty="0">
-                <a:effectLst/>
-              </a:rPr>
-              <a:t>명 </a:t>
-            </a:r>
-            <a:r>
-              <a:rPr lang="en-US" altLang="ko-KR" sz="2400" b="0" dirty="0">
-                <a:effectLst/>
-              </a:rPr>
-              <a:t>&gt; HTML </a:t>
-            </a:r>
-            <a:r>
-              <a:rPr lang="ko-KR" altLang="en-US" sz="2400" b="0" dirty="0" err="1">
-                <a:effectLst/>
-              </a:rPr>
-              <a:t>태그명</a:t>
-            </a:r>
-            <a:r>
-              <a:rPr lang="ko-KR" altLang="en-US" sz="2400" b="0" dirty="0">
-                <a:effectLst/>
-              </a:rPr>
-              <a:t> </a:t>
-            </a:r>
-            <a:r>
-              <a:rPr lang="en-US" altLang="ko-KR" sz="2400" b="0" dirty="0">
-                <a:effectLst/>
-              </a:rPr>
-              <a:t>&gt; </a:t>
-            </a:r>
-            <a:r>
-              <a:rPr lang="ko-KR" altLang="en-US" sz="2400" b="0" dirty="0">
-                <a:effectLst/>
-              </a:rPr>
-              <a:t>부모 상속</a:t>
-            </a:r>
-            <a:endParaRPr lang="en-US" altLang="ko-KR" sz="2400" b="0" dirty="0">
-              <a:effectLst/>
-            </a:endParaRPr>
+              <a:t> 실습</a:t>
+            </a:r>
+            <a:endParaRPr lang="ko-KR" altLang="en-US" sz="4400" dirty="0"/>
           </a:p>
         </p:txBody>
       </p:sp>
     </p:spTree>
     <p:extLst>
       <p:ext uri="{BB962C8B-B14F-4D97-AF65-F5344CB8AC3E}">
-        <p14:creationId xmlns:p14="http://schemas.microsoft.com/office/powerpoint/2010/main" val="2271540261"/>
+        <p14:creationId xmlns:p14="http://schemas.microsoft.com/office/powerpoint/2010/main" val="3800416521"/>
       </p:ext>
     </p:extLst>
   </p:cSld>
@@ -19067,7 +19107,7 @@
         </p:nvSpPr>
         <p:spPr>
           <a:xfrm>
-            <a:off x="2461846" y="278423"/>
+            <a:off x="2461846" y="430823"/>
             <a:ext cx="7268308" cy="769441"/>
           </a:xfrm>
           <a:prstGeom prst="rect">
@@ -19088,51 +19128,110 @@
             </a:r>
             <a:r>
               <a:rPr lang="ko-KR" altLang="en-US" sz="4400" dirty="0"/>
-              <a:t>박스 모델</a:t>
-            </a:r>
-          </a:p>
-        </p:txBody>
-      </p:sp>
-      <p:pic>
-        <p:nvPicPr>
-          <p:cNvPr id="3" name="그림 2" descr="텍스트, 스크린샷, 직사각형, 디스플레이이(가) 표시된 사진&#10;&#10;자동 생성된 설명">
-            <a:extLst>
-              <a:ext uri="{FF2B5EF4-FFF2-40B4-BE49-F238E27FC236}">
-                <a16:creationId xmlns:a16="http://schemas.microsoft.com/office/drawing/2014/main" id="{56A16C8C-C540-1149-4D2B-B279DD534EC0}"/>
-              </a:ext>
-            </a:extLst>
-          </p:cNvPr>
-          <p:cNvPicPr>
-            <a:picLocks noChangeAspect="1"/>
-          </p:cNvPicPr>
-          <p:nvPr/>
-        </p:nvPicPr>
-        <p:blipFill>
-          <a:blip r:embed="rId2">
-            <a:extLst>
-              <a:ext uri="{28A0092B-C50C-407E-A947-70E740481C1C}">
-                <a14:useLocalDpi xmlns:a14="http://schemas.microsoft.com/office/drawing/2010/main" val="0"/>
-              </a:ext>
-            </a:extLst>
-          </a:blip>
-          <a:stretch>
-            <a:fillRect/>
-          </a:stretch>
-        </p:blipFill>
-        <p:spPr>
-          <a:xfrm>
-            <a:off x="2196567" y="1301864"/>
-            <a:ext cx="7533587" cy="4712677"/>
-          </a:xfrm>
-          <a:prstGeom prst="rect">
-            <a:avLst/>
-          </a:prstGeom>
-        </p:spPr>
-      </p:pic>
+              <a:t>우선순위</a:t>
+            </a:r>
+          </a:p>
+        </p:txBody>
+      </p:sp>
+      <p:sp>
+        <p:nvSpPr>
+          <p:cNvPr id="3" name="TextBox 2">
+            <a:extLst>
+              <a:ext uri="{FF2B5EF4-FFF2-40B4-BE49-F238E27FC236}">
+                <a16:creationId xmlns:a16="http://schemas.microsoft.com/office/drawing/2014/main" id="{AAB98EA7-E45C-DFEA-0B08-97709329C1C9}"/>
+              </a:ext>
+            </a:extLst>
+          </p:cNvPr>
+          <p:cNvSpPr txBox="1"/>
+          <p:nvPr/>
+        </p:nvSpPr>
+        <p:spPr>
+          <a:xfrm>
+            <a:off x="1009650" y="2654568"/>
+            <a:ext cx="10172700" cy="461665"/>
+          </a:xfrm>
+          <a:prstGeom prst="rect">
+            <a:avLst/>
+          </a:prstGeom>
+          <a:noFill/>
+        </p:spPr>
+        <p:txBody>
+          <a:bodyPr wrap="square" rtlCol="0">
+            <a:spAutoFit/>
+          </a:bodyPr>
+          <a:lstStyle/>
+          <a:p>
+            <a:pPr algn="ctr"/>
+            <a:r>
+              <a:rPr lang="en-US" altLang="ko-KR" sz="2400" b="0" dirty="0">
+                <a:effectLst/>
+              </a:rPr>
+              <a:t>!important &gt; inline &gt; id</a:t>
+            </a:r>
+            <a:r>
+              <a:rPr lang="ko-KR" altLang="en-US" sz="2400" b="0" dirty="0" err="1">
+                <a:effectLst/>
+              </a:rPr>
+              <a:t>선택자</a:t>
+            </a:r>
+            <a:r>
+              <a:rPr lang="ko-KR" altLang="en-US" sz="2400" b="0" dirty="0">
+                <a:effectLst/>
+              </a:rPr>
+              <a:t> </a:t>
+            </a:r>
+            <a:r>
+              <a:rPr lang="en-US" altLang="ko-KR" sz="2400" b="0" dirty="0">
+                <a:effectLst/>
+              </a:rPr>
+              <a:t>&gt; class</a:t>
+            </a:r>
+            <a:r>
+              <a:rPr lang="ko-KR" altLang="en-US" sz="2400" b="0" dirty="0">
+                <a:effectLst/>
+              </a:rPr>
+              <a:t>명 </a:t>
+            </a:r>
+            <a:r>
+              <a:rPr lang="en-US" altLang="ko-KR" sz="2400" b="0" dirty="0">
+                <a:effectLst/>
+              </a:rPr>
+              <a:t>&gt; HTML </a:t>
+            </a:r>
+            <a:r>
+              <a:rPr lang="ko-KR" altLang="en-US" sz="2400" b="0" dirty="0" err="1">
+                <a:effectLst/>
+              </a:rPr>
+              <a:t>태그명</a:t>
+            </a:r>
+            <a:r>
+              <a:rPr lang="ko-KR" altLang="en-US" sz="2400" b="0" dirty="0">
+                <a:effectLst/>
+              </a:rPr>
+              <a:t> </a:t>
+            </a:r>
+            <a:r>
+              <a:rPr lang="en-US" altLang="ko-KR" sz="2400" b="0" dirty="0">
+                <a:effectLst/>
+              </a:rPr>
+              <a:t>&gt; </a:t>
+            </a:r>
+            <a:r>
+              <a:rPr lang="ko-KR" altLang="en-US" sz="2400" b="0" dirty="0">
+                <a:effectLst/>
+              </a:rPr>
+              <a:t>부모 상속</a:t>
+            </a:r>
+            <a:endParaRPr lang="en-US" altLang="ko-KR" sz="2400" b="0" dirty="0">
+              <a:effectLst/>
+            </a:endParaRPr>
+          </a:p>
+        </p:txBody>
+      </p:sp>
     </p:spTree>
     <p:extLst>
       <p:ext uri="{BB962C8B-B14F-4D97-AF65-F5344CB8AC3E}">
-        <p14:creationId xmlns:p14="http://schemas.microsoft.com/office/powerpoint/2010/main" val="2303041322"/>
+        <p14:creationId xmlns:p14="http://schemas.microsoft.com/office/powerpoint/2010/main" val="1580353136"/>
       </p:ext>
     </p:extLst>
   </p:cSld>
@@ -19194,17 +19293,17 @@
             </a:r>
             <a:r>
               <a:rPr lang="ko-KR" altLang="en-US" sz="4400" dirty="0"/>
-              <a:t>레이아웃</a:t>
+              <a:t>박스 모델</a:t>
             </a:r>
           </a:p>
         </p:txBody>
       </p:sp>
       <p:pic>
         <p:nvPicPr>
-          <p:cNvPr id="5" name="그림 4" descr="텍스트, 스크린샷, 소프트웨어, 운영 체제이(가) 표시된 사진&#10;&#10;자동 생성된 설명">
-            <a:extLst>
-              <a:ext uri="{FF2B5EF4-FFF2-40B4-BE49-F238E27FC236}">
-                <a16:creationId xmlns:a16="http://schemas.microsoft.com/office/drawing/2014/main" id="{4B562B0D-3070-321D-2FB6-1BEC049BC4F1}"/>
+          <p:cNvPr id="3" name="그림 2" descr="텍스트, 스크린샷, 직사각형, 디스플레이이(가) 표시된 사진&#10;&#10;자동 생성된 설명">
+            <a:extLst>
+              <a:ext uri="{FF2B5EF4-FFF2-40B4-BE49-F238E27FC236}">
+                <a16:creationId xmlns:a16="http://schemas.microsoft.com/office/drawing/2014/main" id="{56A16C8C-C540-1149-4D2B-B279DD534EC0}"/>
               </a:ext>
             </a:extLst>
           </p:cNvPr>
@@ -19227,8 +19326,8 @@
         </p:blipFill>
         <p:spPr>
           <a:xfrm>
-            <a:off x="2214562" y="1389820"/>
-            <a:ext cx="7762875" cy="4725229"/>
+            <a:off x="2196567" y="1301864"/>
+            <a:ext cx="7533587" cy="4712677"/>
           </a:xfrm>
           <a:prstGeom prst="rect">
             <a:avLst/>
@@ -19238,7 +19337,7 @@
     </p:spTree>
     <p:extLst>
       <p:ext uri="{BB962C8B-B14F-4D97-AF65-F5344CB8AC3E}">
-        <p14:creationId xmlns:p14="http://schemas.microsoft.com/office/powerpoint/2010/main" val="207085717"/>
+        <p14:creationId xmlns:p14="http://schemas.microsoft.com/office/powerpoint/2010/main" val="2303041322"/>
       </p:ext>
     </p:extLst>
   </p:cSld>
@@ -19279,7 +19378,7 @@
         </p:nvSpPr>
         <p:spPr>
           <a:xfrm>
-            <a:off x="2461846" y="2272323"/>
+            <a:off x="2461846" y="278423"/>
             <a:ext cx="7268308" cy="769441"/>
           </a:xfrm>
           <a:prstGeom prst="rect">
@@ -19296,16 +19395,55 @@
             <a:pPr algn="ctr"/>
             <a:r>
               <a:rPr lang="en-US" altLang="ko-KR" sz="4400" dirty="0"/>
-              <a:t>Google Font</a:t>
-            </a:r>
-            <a:endParaRPr lang="ko-KR" altLang="en-US" sz="4400" dirty="0"/>
-          </a:p>
-        </p:txBody>
-      </p:sp>
+              <a:t>CSS </a:t>
+            </a:r>
+            <a:r>
+              <a:rPr lang="ko-KR" altLang="en-US" sz="4400" dirty="0"/>
+              <a:t>레이아웃</a:t>
+            </a:r>
+          </a:p>
+        </p:txBody>
+      </p:sp>
+      <p:pic>
+        <p:nvPicPr>
+          <p:cNvPr id="5" name="그림 4" descr="텍스트, 스크린샷, 소프트웨어, 운영 체제이(가) 표시된 사진&#10;&#10;자동 생성된 설명">
+            <a:extLst>
+              <a:ext uri="{FF2B5EF4-FFF2-40B4-BE49-F238E27FC236}">
+                <a16:creationId xmlns:a16="http://schemas.microsoft.com/office/drawing/2014/main" id="{4B562B0D-3070-321D-2FB6-1BEC049BC4F1}"/>
+              </a:ext>
+            </a:extLst>
+          </p:cNvPr>
+          <p:cNvPicPr>
+            <a:picLocks noChangeAspect="1"/>
+          </p:cNvPicPr>
+          <p:nvPr/>
+        </p:nvPicPr>
+        <p:blipFill>
+          <a:blip r:embed="rId2">
+            <a:extLst>
+              <a:ext uri="{28A0092B-C50C-407E-A947-70E740481C1C}">
+                <a14:useLocalDpi xmlns:a14="http://schemas.microsoft.com/office/drawing/2010/main" val="0"/>
+              </a:ext>
+            </a:extLst>
+          </a:blip>
+          <a:stretch>
+            <a:fillRect/>
+          </a:stretch>
+        </p:blipFill>
+        <p:spPr>
+          <a:xfrm>
+            <a:off x="2214562" y="1389820"/>
+            <a:ext cx="7762875" cy="4725229"/>
+          </a:xfrm>
+          <a:prstGeom prst="rect">
+            <a:avLst/>
+          </a:prstGeom>
+        </p:spPr>
+      </p:pic>
     </p:spTree>
     <p:extLst>
       <p:ext uri="{BB962C8B-B14F-4D97-AF65-F5344CB8AC3E}">
-        <p14:creationId xmlns:p14="http://schemas.microsoft.com/office/powerpoint/2010/main" val="2831799372"/>
+        <p14:creationId xmlns:p14="http://schemas.microsoft.com/office/powerpoint/2010/main" val="207085717"/>
       </p:ext>
     </p:extLst>
   </p:cSld>
@@ -19363,7 +19501,7 @@
             <a:pPr algn="ctr"/>
             <a:r>
               <a:rPr lang="en-US" altLang="ko-KR" sz="4400" dirty="0"/>
-              <a:t>License</a:t>
+              <a:t>Google Font</a:t>
             </a:r>
             <a:endParaRPr lang="ko-KR" altLang="en-US" sz="4400" dirty="0"/>
           </a:p>
@@ -19372,7 +19510,7 @@
     </p:spTree>
     <p:extLst>
       <p:ext uri="{BB962C8B-B14F-4D97-AF65-F5344CB8AC3E}">
-        <p14:creationId xmlns:p14="http://schemas.microsoft.com/office/powerpoint/2010/main" val="2733209541"/>
+        <p14:creationId xmlns:p14="http://schemas.microsoft.com/office/powerpoint/2010/main" val="2831799372"/>
       </p:ext>
     </p:extLst>
   </p:cSld>
@@ -19413,7 +19551,7 @@
         </p:nvSpPr>
         <p:spPr>
           <a:xfrm>
-            <a:off x="2461846" y="2145323"/>
+            <a:off x="2461846" y="2272323"/>
             <a:ext cx="7268308" cy="769441"/>
           </a:xfrm>
           <a:prstGeom prst="rect">
@@ -19430,19 +19568,16 @@
             <a:pPr algn="ctr"/>
             <a:r>
               <a:rPr lang="en-US" altLang="ko-KR" sz="4400" dirty="0"/>
-              <a:t>CSS </a:t>
-            </a:r>
-            <a:r>
-              <a:rPr lang="ko-KR" altLang="en-US" sz="4400" dirty="0"/>
-              <a:t>애니메이션</a:t>
-            </a:r>
+              <a:t>License</a:t>
+            </a:r>
+            <a:endParaRPr lang="ko-KR" altLang="en-US" sz="4400" dirty="0"/>
           </a:p>
         </p:txBody>
       </p:sp>
     </p:spTree>
     <p:extLst>
       <p:ext uri="{BB962C8B-B14F-4D97-AF65-F5344CB8AC3E}">
-        <p14:creationId xmlns:p14="http://schemas.microsoft.com/office/powerpoint/2010/main" val="1487699276"/>
+        <p14:creationId xmlns:p14="http://schemas.microsoft.com/office/powerpoint/2010/main" val="2733209541"/>
       </p:ext>
     </p:extLst>
   </p:cSld>
@@ -19483,7 +19618,7 @@
         </p:nvSpPr>
         <p:spPr>
           <a:xfrm>
-            <a:off x="2182446" y="5066323"/>
+            <a:off x="2461846" y="2145323"/>
             <a:ext cx="7268308" cy="769441"/>
           </a:xfrm>
           <a:prstGeom prst="rect">
@@ -19499,52 +19634,20 @@
           <a:p>
             <a:pPr algn="ctr"/>
             <a:r>
+              <a:rPr lang="en-US" altLang="ko-KR" sz="4400" dirty="0"/>
+              <a:t>CSS </a:t>
+            </a:r>
+            <a:r>
               <a:rPr lang="ko-KR" altLang="en-US" sz="4400" dirty="0"/>
-              <a:t>질문 리스트 작성하기</a:t>
-            </a:r>
-          </a:p>
-        </p:txBody>
-      </p:sp>
-      <p:pic>
-        <p:nvPicPr>
-          <p:cNvPr id="6" name="그림 5" descr="만화 영화, 예술, 그래픽, 그림이(가) 표시된 사진&#10;&#10;자동 생성된 설명">
-            <a:extLst>
-              <a:ext uri="{FF2B5EF4-FFF2-40B4-BE49-F238E27FC236}">
-                <a16:creationId xmlns:a16="http://schemas.microsoft.com/office/drawing/2014/main" id="{4A46C2B8-FD94-4AE0-FAC4-B57C1F6BB0D0}"/>
-              </a:ext>
-            </a:extLst>
-          </p:cNvPr>
-          <p:cNvPicPr>
-            <a:picLocks noChangeAspect="1"/>
-          </p:cNvPicPr>
-          <p:nvPr/>
-        </p:nvPicPr>
-        <p:blipFill>
-          <a:blip r:embed="rId2">
-            <a:extLst>
-              <a:ext uri="{28A0092B-C50C-407E-A947-70E740481C1C}">
-                <a14:useLocalDpi xmlns:a14="http://schemas.microsoft.com/office/drawing/2010/main" val="0"/>
-              </a:ext>
-            </a:extLst>
-          </a:blip>
-          <a:stretch>
-            <a:fillRect/>
-          </a:stretch>
-        </p:blipFill>
-        <p:spPr>
-          <a:xfrm>
-            <a:off x="4064000" y="769442"/>
-            <a:ext cx="4064000" cy="4064000"/>
-          </a:xfrm>
-          <a:prstGeom prst="rect">
-            <a:avLst/>
-          </a:prstGeom>
-        </p:spPr>
-      </p:pic>
+              <a:t>애니메이션</a:t>
+            </a:r>
+          </a:p>
+        </p:txBody>
+      </p:sp>
     </p:spTree>
     <p:extLst>
       <p:ext uri="{BB962C8B-B14F-4D97-AF65-F5344CB8AC3E}">
-        <p14:creationId xmlns:p14="http://schemas.microsoft.com/office/powerpoint/2010/main" val="2841109164"/>
+        <p14:creationId xmlns:p14="http://schemas.microsoft.com/office/powerpoint/2010/main" val="1487699276"/>
       </p:ext>
     </p:extLst>
   </p:cSld>
@@ -19585,33 +19688,68 @@
         </p:nvSpPr>
         <p:spPr>
           <a:xfrm>
-            <a:off x="1053123" y="2412023"/>
-            <a:ext cx="10085754" cy="1107996"/>
-          </a:xfrm>
-          <a:prstGeom prst="rect">
-            <a:avLst/>
-          </a:prstGeom>
-          <a:noFill/>
-        </p:spPr>
-        <p:txBody>
-          <a:bodyPr wrap="square" rtlCol="0">
-            <a:spAutoFit/>
-          </a:bodyPr>
-          <a:lstStyle/>
-          <a:p>
-            <a:pPr algn="ctr"/>
-            <a:r>
-              <a:rPr lang="ko-KR" altLang="en-US" sz="6600" dirty="0"/>
-              <a:t>인터넷에 올리기</a:t>
-            </a:r>
-            <a:endParaRPr lang="en-US" altLang="ko-KR" sz="6600" dirty="0"/>
-          </a:p>
-        </p:txBody>
-      </p:sp>
+            <a:off x="2182446" y="5066323"/>
+            <a:ext cx="7268308" cy="769441"/>
+          </a:xfrm>
+          <a:prstGeom prst="rect">
+            <a:avLst/>
+          </a:prstGeom>
+          <a:noFill/>
+        </p:spPr>
+        <p:txBody>
+          <a:bodyPr wrap="square" rtlCol="0">
+            <a:spAutoFit/>
+          </a:bodyPr>
+          <a:lstStyle/>
+          <a:p>
+            <a:pPr algn="ctr"/>
+            <a:r>
+              <a:rPr lang="ko-KR" altLang="en-US" sz="4400" dirty="0"/>
+              <a:t>질문 리스트 작성하기</a:t>
+            </a:r>
+          </a:p>
+        </p:txBody>
+      </p:sp>
+      <p:pic>
+        <p:nvPicPr>
+          <p:cNvPr id="6" name="그림 5" descr="만화 영화, 예술, 그래픽, 그림이(가) 표시된 사진&#10;&#10;자동 생성된 설명">
+            <a:extLst>
+              <a:ext uri="{FF2B5EF4-FFF2-40B4-BE49-F238E27FC236}">
+                <a16:creationId xmlns:a16="http://schemas.microsoft.com/office/drawing/2014/main" id="{4A46C2B8-FD94-4AE0-FAC4-B57C1F6BB0D0}"/>
+              </a:ext>
+            </a:extLst>
+          </p:cNvPr>
+          <p:cNvPicPr>
+            <a:picLocks noChangeAspect="1"/>
+          </p:cNvPicPr>
+          <p:nvPr/>
+        </p:nvPicPr>
+        <p:blipFill>
+          <a:blip r:embed="rId2">
+            <a:extLst>
+              <a:ext uri="{28A0092B-C50C-407E-A947-70E740481C1C}">
+                <a14:useLocalDpi xmlns:a14="http://schemas.microsoft.com/office/drawing/2010/main" val="0"/>
+              </a:ext>
+            </a:extLst>
+          </a:blip>
+          <a:stretch>
+            <a:fillRect/>
+          </a:stretch>
+        </p:blipFill>
+        <p:spPr>
+          <a:xfrm>
+            <a:off x="4064000" y="769442"/>
+            <a:ext cx="4064000" cy="4064000"/>
+          </a:xfrm>
+          <a:prstGeom prst="rect">
+            <a:avLst/>
+          </a:prstGeom>
+        </p:spPr>
+      </p:pic>
     </p:spTree>
     <p:extLst>
       <p:ext uri="{BB962C8B-B14F-4D97-AF65-F5344CB8AC3E}">
-        <p14:creationId xmlns:p14="http://schemas.microsoft.com/office/powerpoint/2010/main" val="1570912372"/>
+        <p14:creationId xmlns:p14="http://schemas.microsoft.com/office/powerpoint/2010/main" val="2841109164"/>
       </p:ext>
     </p:extLst>
   </p:cSld>
@@ -19652,72 +19790,33 @@
         </p:nvSpPr>
         <p:spPr>
           <a:xfrm>
-            <a:off x="1053123" y="151423"/>
-            <a:ext cx="10085754" cy="707886"/>
-          </a:xfrm>
-          <a:prstGeom prst="rect">
-            <a:avLst/>
-          </a:prstGeom>
-          <a:noFill/>
-        </p:spPr>
-        <p:txBody>
-          <a:bodyPr wrap="square" rtlCol="0">
-            <a:spAutoFit/>
-          </a:bodyPr>
-          <a:lstStyle/>
-          <a:p>
-            <a:pPr algn="ctr"/>
-            <a:r>
-              <a:rPr lang="ko-KR" altLang="en-US" sz="4000" dirty="0"/>
-              <a:t>버전관리시스템 </a:t>
-            </a:r>
-            <a:r>
-              <a:rPr lang="en-US" altLang="ko-KR" sz="4000" dirty="0"/>
-              <a:t>Git</a:t>
-            </a:r>
-          </a:p>
-        </p:txBody>
-      </p:sp>
-      <p:pic>
-        <p:nvPicPr>
-          <p:cNvPr id="6" name="그림 5" descr="로고, 폰트, 상징, 그래픽이(가) 표시된 사진&#10;&#10;자동 생성된 설명">
-            <a:extLst>
-              <a:ext uri="{FF2B5EF4-FFF2-40B4-BE49-F238E27FC236}">
-                <a16:creationId xmlns:a16="http://schemas.microsoft.com/office/drawing/2014/main" id="{F2B0C222-6FA1-F252-84E3-C5BB7B04A903}"/>
-              </a:ext>
-            </a:extLst>
-          </p:cNvPr>
-          <p:cNvPicPr>
-            <a:picLocks noChangeAspect="1"/>
-          </p:cNvPicPr>
-          <p:nvPr/>
-        </p:nvPicPr>
-        <p:blipFill>
-          <a:blip r:embed="rId2">
-            <a:extLst>
-              <a:ext uri="{28A0092B-C50C-407E-A947-70E740481C1C}">
-                <a14:useLocalDpi xmlns:a14="http://schemas.microsoft.com/office/drawing/2010/main" val="0"/>
-              </a:ext>
-            </a:extLst>
-          </a:blip>
-          <a:stretch>
-            <a:fillRect/>
-          </a:stretch>
-        </p:blipFill>
-        <p:spPr>
-          <a:xfrm>
-            <a:off x="2138217" y="1054931"/>
-            <a:ext cx="7338033" cy="4748138"/>
-          </a:xfrm>
-          <a:prstGeom prst="rect">
-            <a:avLst/>
-          </a:prstGeom>
-        </p:spPr>
-      </p:pic>
+            <a:off x="1053123" y="2412023"/>
+            <a:ext cx="10085754" cy="1107996"/>
+          </a:xfrm>
+          <a:prstGeom prst="rect">
+            <a:avLst/>
+          </a:prstGeom>
+          <a:noFill/>
+        </p:spPr>
+        <p:txBody>
+          <a:bodyPr wrap="square" rtlCol="0">
+            <a:spAutoFit/>
+          </a:bodyPr>
+          <a:lstStyle/>
+          <a:p>
+            <a:pPr algn="ctr"/>
+            <a:r>
+              <a:rPr lang="ko-KR" altLang="en-US" sz="6600" dirty="0"/>
+              <a:t>인터넷에 올리기</a:t>
+            </a:r>
+            <a:endParaRPr lang="en-US" altLang="ko-KR" sz="6600" dirty="0"/>
+          </a:p>
+        </p:txBody>
+      </p:sp>
     </p:spTree>
     <p:extLst>
       <p:ext uri="{BB962C8B-B14F-4D97-AF65-F5344CB8AC3E}">
-        <p14:creationId xmlns:p14="http://schemas.microsoft.com/office/powerpoint/2010/main" val="17395606"/>
+        <p14:creationId xmlns:p14="http://schemas.microsoft.com/office/powerpoint/2010/main" val="1570912372"/>
       </p:ext>
     </p:extLst>
   </p:cSld>

--- a/ppt/web-design.pptx
+++ b/ppt/web-design.pptx
@@ -91,62 +91,63 @@
     <p:sldId id="403" r:id="rId85"/>
     <p:sldId id="404" r:id="rId86"/>
     <p:sldId id="416" r:id="rId87"/>
-    <p:sldId id="409" r:id="rId88"/>
-    <p:sldId id="417" r:id="rId89"/>
-    <p:sldId id="418" r:id="rId90"/>
-    <p:sldId id="410" r:id="rId91"/>
-    <p:sldId id="419" r:id="rId92"/>
-    <p:sldId id="420" r:id="rId93"/>
-    <p:sldId id="306" r:id="rId94"/>
-    <p:sldId id="414" r:id="rId95"/>
-    <p:sldId id="412" r:id="rId96"/>
-    <p:sldId id="413" r:id="rId97"/>
-    <p:sldId id="382" r:id="rId98"/>
-    <p:sldId id="349" r:id="rId99"/>
-    <p:sldId id="340" r:id="rId100"/>
-    <p:sldId id="341" r:id="rId101"/>
-    <p:sldId id="342" r:id="rId102"/>
-    <p:sldId id="343" r:id="rId103"/>
-    <p:sldId id="399" r:id="rId104"/>
-    <p:sldId id="344" r:id="rId105"/>
-    <p:sldId id="345" r:id="rId106"/>
-    <p:sldId id="346" r:id="rId107"/>
-    <p:sldId id="348" r:id="rId108"/>
-    <p:sldId id="350" r:id="rId109"/>
-    <p:sldId id="307" r:id="rId110"/>
-    <p:sldId id="353" r:id="rId111"/>
-    <p:sldId id="354" r:id="rId112"/>
-    <p:sldId id="352" r:id="rId113"/>
-    <p:sldId id="308" r:id="rId114"/>
-    <p:sldId id="309" r:id="rId115"/>
-    <p:sldId id="310" r:id="rId116"/>
-    <p:sldId id="311" r:id="rId117"/>
-    <p:sldId id="319" r:id="rId118"/>
-    <p:sldId id="329" r:id="rId119"/>
-    <p:sldId id="324" r:id="rId120"/>
-    <p:sldId id="316" r:id="rId121"/>
-    <p:sldId id="327" r:id="rId122"/>
-    <p:sldId id="328" r:id="rId123"/>
-    <p:sldId id="326" r:id="rId124"/>
-    <p:sldId id="334" r:id="rId125"/>
-    <p:sldId id="325" r:id="rId126"/>
-    <p:sldId id="315" r:id="rId127"/>
-    <p:sldId id="313" r:id="rId128"/>
-    <p:sldId id="318" r:id="rId129"/>
-    <p:sldId id="314" r:id="rId130"/>
-    <p:sldId id="331" r:id="rId131"/>
-    <p:sldId id="312" r:id="rId132"/>
-    <p:sldId id="333" r:id="rId133"/>
-    <p:sldId id="330" r:id="rId134"/>
-    <p:sldId id="320" r:id="rId135"/>
-    <p:sldId id="321" r:id="rId136"/>
-    <p:sldId id="322" r:id="rId137"/>
-    <p:sldId id="335" r:id="rId138"/>
-    <p:sldId id="323" r:id="rId139"/>
-    <p:sldId id="332" r:id="rId140"/>
-    <p:sldId id="351" r:id="rId141"/>
-    <p:sldId id="397" r:id="rId142"/>
-    <p:sldId id="398" r:id="rId143"/>
+    <p:sldId id="421" r:id="rId88"/>
+    <p:sldId id="409" r:id="rId89"/>
+    <p:sldId id="417" r:id="rId90"/>
+    <p:sldId id="418" r:id="rId91"/>
+    <p:sldId id="410" r:id="rId92"/>
+    <p:sldId id="419" r:id="rId93"/>
+    <p:sldId id="420" r:id="rId94"/>
+    <p:sldId id="306" r:id="rId95"/>
+    <p:sldId id="414" r:id="rId96"/>
+    <p:sldId id="382" r:id="rId97"/>
+    <p:sldId id="412" r:id="rId98"/>
+    <p:sldId id="413" r:id="rId99"/>
+    <p:sldId id="349" r:id="rId100"/>
+    <p:sldId id="340" r:id="rId101"/>
+    <p:sldId id="341" r:id="rId102"/>
+    <p:sldId id="342" r:id="rId103"/>
+    <p:sldId id="343" r:id="rId104"/>
+    <p:sldId id="399" r:id="rId105"/>
+    <p:sldId id="344" r:id="rId106"/>
+    <p:sldId id="345" r:id="rId107"/>
+    <p:sldId id="346" r:id="rId108"/>
+    <p:sldId id="348" r:id="rId109"/>
+    <p:sldId id="350" r:id="rId110"/>
+    <p:sldId id="307" r:id="rId111"/>
+    <p:sldId id="353" r:id="rId112"/>
+    <p:sldId id="354" r:id="rId113"/>
+    <p:sldId id="352" r:id="rId114"/>
+    <p:sldId id="308" r:id="rId115"/>
+    <p:sldId id="309" r:id="rId116"/>
+    <p:sldId id="310" r:id="rId117"/>
+    <p:sldId id="311" r:id="rId118"/>
+    <p:sldId id="319" r:id="rId119"/>
+    <p:sldId id="329" r:id="rId120"/>
+    <p:sldId id="324" r:id="rId121"/>
+    <p:sldId id="316" r:id="rId122"/>
+    <p:sldId id="327" r:id="rId123"/>
+    <p:sldId id="328" r:id="rId124"/>
+    <p:sldId id="326" r:id="rId125"/>
+    <p:sldId id="334" r:id="rId126"/>
+    <p:sldId id="325" r:id="rId127"/>
+    <p:sldId id="315" r:id="rId128"/>
+    <p:sldId id="313" r:id="rId129"/>
+    <p:sldId id="318" r:id="rId130"/>
+    <p:sldId id="314" r:id="rId131"/>
+    <p:sldId id="331" r:id="rId132"/>
+    <p:sldId id="312" r:id="rId133"/>
+    <p:sldId id="333" r:id="rId134"/>
+    <p:sldId id="330" r:id="rId135"/>
+    <p:sldId id="320" r:id="rId136"/>
+    <p:sldId id="321" r:id="rId137"/>
+    <p:sldId id="322" r:id="rId138"/>
+    <p:sldId id="335" r:id="rId139"/>
+    <p:sldId id="323" r:id="rId140"/>
+    <p:sldId id="332" r:id="rId141"/>
+    <p:sldId id="351" r:id="rId142"/>
+    <p:sldId id="397" r:id="rId143"/>
+    <p:sldId id="398" r:id="rId144"/>
   </p:sldIdLst>
   <p:sldSz cx="12192000" cy="6858000"/>
   <p:notesSz cx="6858000" cy="9144000"/>
@@ -400,7 +401,7 @@
           <a:p>
             <a:fld id="{73165A7E-2CB0-40BE-A268-322DAB4BC2CF}" type="datetimeFigureOut">
               <a:rPr lang="ko-KR" altLang="en-US" smtClean="0"/>
-              <a:t>2024-01-19</a:t>
+              <a:t>2024-01-20</a:t>
             </a:fld>
             <a:endParaRPr lang="ko-KR" altLang="en-US"/>
           </a:p>
@@ -598,7 +599,7 @@
           <a:p>
             <a:fld id="{73165A7E-2CB0-40BE-A268-322DAB4BC2CF}" type="datetimeFigureOut">
               <a:rPr lang="ko-KR" altLang="en-US" smtClean="0"/>
-              <a:t>2024-01-19</a:t>
+              <a:t>2024-01-20</a:t>
             </a:fld>
             <a:endParaRPr lang="ko-KR" altLang="en-US"/>
           </a:p>
@@ -806,7 +807,7 @@
           <a:p>
             <a:fld id="{73165A7E-2CB0-40BE-A268-322DAB4BC2CF}" type="datetimeFigureOut">
               <a:rPr lang="ko-KR" altLang="en-US" smtClean="0"/>
-              <a:t>2024-01-19</a:t>
+              <a:t>2024-01-20</a:t>
             </a:fld>
             <a:endParaRPr lang="ko-KR" altLang="en-US"/>
           </a:p>
@@ -1004,7 +1005,7 @@
           <a:p>
             <a:fld id="{73165A7E-2CB0-40BE-A268-322DAB4BC2CF}" type="datetimeFigureOut">
               <a:rPr lang="ko-KR" altLang="en-US" smtClean="0"/>
-              <a:t>2024-01-19</a:t>
+              <a:t>2024-01-20</a:t>
             </a:fld>
             <a:endParaRPr lang="ko-KR" altLang="en-US"/>
           </a:p>
@@ -1279,7 +1280,7 @@
           <a:p>
             <a:fld id="{73165A7E-2CB0-40BE-A268-322DAB4BC2CF}" type="datetimeFigureOut">
               <a:rPr lang="ko-KR" altLang="en-US" smtClean="0"/>
-              <a:t>2024-01-19</a:t>
+              <a:t>2024-01-20</a:t>
             </a:fld>
             <a:endParaRPr lang="ko-KR" altLang="en-US"/>
           </a:p>
@@ -1544,7 +1545,7 @@
           <a:p>
             <a:fld id="{73165A7E-2CB0-40BE-A268-322DAB4BC2CF}" type="datetimeFigureOut">
               <a:rPr lang="ko-KR" altLang="en-US" smtClean="0"/>
-              <a:t>2024-01-19</a:t>
+              <a:t>2024-01-20</a:t>
             </a:fld>
             <a:endParaRPr lang="ko-KR" altLang="en-US"/>
           </a:p>
@@ -1956,7 +1957,7 @@
           <a:p>
             <a:fld id="{73165A7E-2CB0-40BE-A268-322DAB4BC2CF}" type="datetimeFigureOut">
               <a:rPr lang="ko-KR" altLang="en-US" smtClean="0"/>
-              <a:t>2024-01-19</a:t>
+              <a:t>2024-01-20</a:t>
             </a:fld>
             <a:endParaRPr lang="ko-KR" altLang="en-US"/>
           </a:p>
@@ -2097,7 +2098,7 @@
           <a:p>
             <a:fld id="{73165A7E-2CB0-40BE-A268-322DAB4BC2CF}" type="datetimeFigureOut">
               <a:rPr lang="ko-KR" altLang="en-US" smtClean="0"/>
-              <a:t>2024-01-19</a:t>
+              <a:t>2024-01-20</a:t>
             </a:fld>
             <a:endParaRPr lang="ko-KR" altLang="en-US"/>
           </a:p>
@@ -2210,7 +2211,7 @@
           <a:p>
             <a:fld id="{73165A7E-2CB0-40BE-A268-322DAB4BC2CF}" type="datetimeFigureOut">
               <a:rPr lang="ko-KR" altLang="en-US" smtClean="0"/>
-              <a:t>2024-01-19</a:t>
+              <a:t>2024-01-20</a:t>
             </a:fld>
             <a:endParaRPr lang="ko-KR" altLang="en-US"/>
           </a:p>
@@ -2521,7 +2522,7 @@
           <a:p>
             <a:fld id="{73165A7E-2CB0-40BE-A268-322DAB4BC2CF}" type="datetimeFigureOut">
               <a:rPr lang="ko-KR" altLang="en-US" smtClean="0"/>
-              <a:t>2024-01-19</a:t>
+              <a:t>2024-01-20</a:t>
             </a:fld>
             <a:endParaRPr lang="ko-KR" altLang="en-US"/>
           </a:p>
@@ -2809,7 +2810,7 @@
           <a:p>
             <a:fld id="{73165A7E-2CB0-40BE-A268-322DAB4BC2CF}" type="datetimeFigureOut">
               <a:rPr lang="ko-KR" altLang="en-US" smtClean="0"/>
-              <a:t>2024-01-19</a:t>
+              <a:t>2024-01-20</a:t>
             </a:fld>
             <a:endParaRPr lang="ko-KR" altLang="en-US"/>
           </a:p>
@@ -3050,7 +3051,7 @@
           <a:p>
             <a:fld id="{73165A7E-2CB0-40BE-A268-322DAB4BC2CF}" type="datetimeFigureOut">
               <a:rPr lang="ko-KR" altLang="en-US" smtClean="0"/>
-              <a:t>2024-01-19</a:t>
+              <a:t>2024-01-20</a:t>
             </a:fld>
             <a:endParaRPr lang="ko-KR" altLang="en-US"/>
           </a:p>
@@ -3653,72 +3654,33 @@
         </p:nvSpPr>
         <p:spPr>
           <a:xfrm>
-            <a:off x="1053123" y="151423"/>
-            <a:ext cx="10085754" cy="707886"/>
-          </a:xfrm>
-          <a:prstGeom prst="rect">
-            <a:avLst/>
-          </a:prstGeom>
-          <a:noFill/>
-        </p:spPr>
-        <p:txBody>
-          <a:bodyPr wrap="square" rtlCol="0">
-            <a:spAutoFit/>
-          </a:bodyPr>
-          <a:lstStyle/>
-          <a:p>
-            <a:pPr algn="ctr"/>
-            <a:r>
-              <a:rPr lang="ko-KR" altLang="en-US" sz="4000" dirty="0"/>
-              <a:t>버전관리시스템 </a:t>
-            </a:r>
-            <a:r>
-              <a:rPr lang="en-US" altLang="ko-KR" sz="4000" dirty="0"/>
-              <a:t>Git</a:t>
-            </a:r>
-          </a:p>
-        </p:txBody>
-      </p:sp>
-      <p:pic>
-        <p:nvPicPr>
-          <p:cNvPr id="6" name="그림 5" descr="로고, 폰트, 상징, 그래픽이(가) 표시된 사진&#10;&#10;자동 생성된 설명">
-            <a:extLst>
-              <a:ext uri="{FF2B5EF4-FFF2-40B4-BE49-F238E27FC236}">
-                <a16:creationId xmlns:a16="http://schemas.microsoft.com/office/drawing/2014/main" id="{F2B0C222-6FA1-F252-84E3-C5BB7B04A903}"/>
-              </a:ext>
-            </a:extLst>
-          </p:cNvPr>
-          <p:cNvPicPr>
-            <a:picLocks noChangeAspect="1"/>
-          </p:cNvPicPr>
-          <p:nvPr/>
-        </p:nvPicPr>
-        <p:blipFill>
-          <a:blip r:embed="rId2">
-            <a:extLst>
-              <a:ext uri="{28A0092B-C50C-407E-A947-70E740481C1C}">
-                <a14:useLocalDpi xmlns:a14="http://schemas.microsoft.com/office/drawing/2010/main" val="0"/>
-              </a:ext>
-            </a:extLst>
-          </a:blip>
-          <a:stretch>
-            <a:fillRect/>
-          </a:stretch>
-        </p:blipFill>
-        <p:spPr>
-          <a:xfrm>
-            <a:off x="2138217" y="1054931"/>
-            <a:ext cx="7338033" cy="4748138"/>
-          </a:xfrm>
-          <a:prstGeom prst="rect">
-            <a:avLst/>
-          </a:prstGeom>
-        </p:spPr>
-      </p:pic>
+            <a:off x="1053123" y="2412023"/>
+            <a:ext cx="10085754" cy="1107996"/>
+          </a:xfrm>
+          <a:prstGeom prst="rect">
+            <a:avLst/>
+          </a:prstGeom>
+          <a:noFill/>
+        </p:spPr>
+        <p:txBody>
+          <a:bodyPr wrap="square" rtlCol="0">
+            <a:spAutoFit/>
+          </a:bodyPr>
+          <a:lstStyle/>
+          <a:p>
+            <a:pPr algn="ctr"/>
+            <a:r>
+              <a:rPr lang="ko-KR" altLang="en-US" sz="6600" dirty="0"/>
+              <a:t>인터넷에 올리기</a:t>
+            </a:r>
+            <a:endParaRPr lang="en-US" altLang="ko-KR" sz="6600" dirty="0"/>
+          </a:p>
+        </p:txBody>
+      </p:sp>
     </p:spTree>
     <p:extLst>
       <p:ext uri="{BB962C8B-B14F-4D97-AF65-F5344CB8AC3E}">
-        <p14:creationId xmlns:p14="http://schemas.microsoft.com/office/powerpoint/2010/main" val="17395606"/>
+        <p14:creationId xmlns:p14="http://schemas.microsoft.com/office/powerpoint/2010/main" val="1570912372"/>
       </p:ext>
     </p:extLst>
   </p:cSld>
@@ -3747,10 +3709,10 @@
       </p:grpSpPr>
       <p:sp>
         <p:nvSpPr>
-          <p:cNvPr id="2" name="TextBox 1">
-            <a:extLst>
-              <a:ext uri="{FF2B5EF4-FFF2-40B4-BE49-F238E27FC236}">
-                <a16:creationId xmlns:a16="http://schemas.microsoft.com/office/drawing/2014/main" id="{8278C8EB-50D0-7D68-FFC9-6D394D1095DE}"/>
+          <p:cNvPr id="4" name="TextBox 3">
+            <a:extLst>
+              <a:ext uri="{FF2B5EF4-FFF2-40B4-BE49-F238E27FC236}">
+                <a16:creationId xmlns:a16="http://schemas.microsoft.com/office/drawing/2014/main" id="{77E83A82-1077-074D-D148-C824C7D5A2ED}"/>
               </a:ext>
             </a:extLst>
           </p:cNvPr>
@@ -3760,49 +3722,37 @@
         <p:spPr>
           <a:xfrm>
             <a:off x="1053123" y="151423"/>
-            <a:ext cx="10085754" cy="1077218"/>
-          </a:xfrm>
-          <a:prstGeom prst="rect">
-            <a:avLst/>
-          </a:prstGeom>
-          <a:noFill/>
-        </p:spPr>
-        <p:txBody>
-          <a:bodyPr wrap="square" rtlCol="0">
-            <a:spAutoFit/>
-          </a:bodyPr>
-          <a:lstStyle/>
-          <a:p>
-            <a:pPr algn="ctr"/>
+            <a:ext cx="10085754" cy="707886"/>
+          </a:xfrm>
+          <a:prstGeom prst="rect">
+            <a:avLst/>
+          </a:prstGeom>
+          <a:noFill/>
+        </p:spPr>
+        <p:txBody>
+          <a:bodyPr wrap="square" rtlCol="0">
+            <a:spAutoFit/>
+          </a:bodyPr>
+          <a:lstStyle/>
+          <a:p>
+            <a:pPr algn="ctr"/>
+            <a:r>
+              <a:rPr lang="ko-KR" altLang="en-US" sz="4000" dirty="0"/>
+              <a:t>버전관리시스템 </a:t>
+            </a:r>
             <a:r>
               <a:rPr lang="en-US" altLang="ko-KR" sz="4000" dirty="0"/>
               <a:t>Git</a:t>
             </a:r>
-            <a:r>
-              <a:rPr lang="ko-KR" altLang="en-US" sz="4000" dirty="0"/>
-              <a:t>을 이용한 </a:t>
-            </a:r>
-            <a:r>
-              <a:rPr lang="en-US" altLang="ko-KR" sz="4000" dirty="0"/>
-              <a:t>GitHub</a:t>
-            </a:r>
-          </a:p>
-          <a:p>
-            <a:pPr algn="ctr"/>
-            <a:r>
-              <a:rPr lang="ko-KR" altLang="en-US" sz="2400" dirty="0"/>
-              <a:t>개발자 최고 커뮤니티</a:t>
-            </a:r>
-            <a:endParaRPr lang="en-US" altLang="ko-KR" sz="2400" dirty="0"/>
           </a:p>
         </p:txBody>
       </p:sp>
       <p:pic>
         <p:nvPicPr>
-          <p:cNvPr id="7" name="그림 6" descr="로고, 그래픽, 폰트, 상징이(가) 표시된 사진&#10;&#10;자동 생성된 설명">
-            <a:extLst>
-              <a:ext uri="{FF2B5EF4-FFF2-40B4-BE49-F238E27FC236}">
-                <a16:creationId xmlns:a16="http://schemas.microsoft.com/office/drawing/2014/main" id="{AB023880-28C6-4DB8-F94E-367322554280}"/>
+          <p:cNvPr id="6" name="그림 5" descr="로고, 폰트, 상징, 그래픽이(가) 표시된 사진&#10;&#10;자동 생성된 설명">
+            <a:extLst>
+              <a:ext uri="{FF2B5EF4-FFF2-40B4-BE49-F238E27FC236}">
+                <a16:creationId xmlns:a16="http://schemas.microsoft.com/office/drawing/2014/main" id="{F2B0C222-6FA1-F252-84E3-C5BB7B04A903}"/>
               </a:ext>
             </a:extLst>
           </p:cNvPr>
@@ -3825,8 +3775,8 @@
         </p:blipFill>
         <p:spPr>
           <a:xfrm>
-            <a:off x="2482664" y="1304841"/>
-            <a:ext cx="7226671" cy="5207268"/>
+            <a:off x="2138217" y="1054931"/>
+            <a:ext cx="7338033" cy="4748138"/>
           </a:xfrm>
           <a:prstGeom prst="rect">
             <a:avLst/>
@@ -3836,7 +3786,7 @@
     </p:spTree>
     <p:extLst>
       <p:ext uri="{BB962C8B-B14F-4D97-AF65-F5344CB8AC3E}">
-        <p14:creationId xmlns:p14="http://schemas.microsoft.com/office/powerpoint/2010/main" val="1186518214"/>
+        <p14:creationId xmlns:p14="http://schemas.microsoft.com/office/powerpoint/2010/main" val="17395606"/>
       </p:ext>
     </p:extLst>
   </p:cSld>
@@ -3865,53 +3815,96 @@
       </p:grpSpPr>
       <p:sp>
         <p:nvSpPr>
-          <p:cNvPr id="4" name="TextBox 3">
-            <a:extLst>
-              <a:ext uri="{FF2B5EF4-FFF2-40B4-BE49-F238E27FC236}">
-                <a16:creationId xmlns:a16="http://schemas.microsoft.com/office/drawing/2014/main" id="{77E83A82-1077-074D-D148-C824C7D5A2ED}"/>
-              </a:ext>
-            </a:extLst>
-          </p:cNvPr>
-          <p:cNvSpPr txBox="1"/>
-          <p:nvPr/>
-        </p:nvSpPr>
-        <p:spPr>
-          <a:xfrm>
-            <a:off x="1053123" y="2412023"/>
-            <a:ext cx="10085754" cy="1323439"/>
-          </a:xfrm>
-          <a:prstGeom prst="rect">
-            <a:avLst/>
-          </a:prstGeom>
-          <a:noFill/>
-        </p:spPr>
-        <p:txBody>
-          <a:bodyPr wrap="square" rtlCol="0">
-            <a:spAutoFit/>
-          </a:bodyPr>
-          <a:lstStyle/>
-          <a:p>
-            <a:pPr algn="ctr"/>
-            <a:r>
-              <a:rPr lang="en-US" altLang="ko-KR" sz="8000" dirty="0" err="1"/>
-              <a:t>Github</a:t>
-            </a:r>
-            <a:r>
-              <a:rPr lang="en-US" altLang="ko-KR" sz="8000" dirty="0"/>
-              <a:t> desktop </a:t>
-            </a:r>
-            <a:r>
-              <a:rPr lang="ko-KR" altLang="en-US" sz="8000" dirty="0"/>
-              <a:t>설치</a:t>
-            </a:r>
-            <a:endParaRPr lang="en-US" altLang="ko-KR" sz="8000" dirty="0"/>
-          </a:p>
-        </p:txBody>
-      </p:sp>
+          <p:cNvPr id="2" name="TextBox 1">
+            <a:extLst>
+              <a:ext uri="{FF2B5EF4-FFF2-40B4-BE49-F238E27FC236}">
+                <a16:creationId xmlns:a16="http://schemas.microsoft.com/office/drawing/2014/main" id="{8278C8EB-50D0-7D68-FFC9-6D394D1095DE}"/>
+              </a:ext>
+            </a:extLst>
+          </p:cNvPr>
+          <p:cNvSpPr txBox="1"/>
+          <p:nvPr/>
+        </p:nvSpPr>
+        <p:spPr>
+          <a:xfrm>
+            <a:off x="1053123" y="151423"/>
+            <a:ext cx="10085754" cy="1077218"/>
+          </a:xfrm>
+          <a:prstGeom prst="rect">
+            <a:avLst/>
+          </a:prstGeom>
+          <a:noFill/>
+        </p:spPr>
+        <p:txBody>
+          <a:bodyPr wrap="square" rtlCol="0">
+            <a:spAutoFit/>
+          </a:bodyPr>
+          <a:lstStyle/>
+          <a:p>
+            <a:pPr algn="ctr"/>
+            <a:r>
+              <a:rPr lang="en-US" altLang="ko-KR" sz="4000" dirty="0"/>
+              <a:t>Git</a:t>
+            </a:r>
+            <a:r>
+              <a:rPr lang="ko-KR" altLang="en-US" sz="4000" dirty="0"/>
+              <a:t>을 이용한 </a:t>
+            </a:r>
+            <a:r>
+              <a:rPr lang="en-US" altLang="ko-KR" sz="4000" dirty="0"/>
+              <a:t>GitHub</a:t>
+            </a:r>
+          </a:p>
+          <a:p>
+            <a:pPr algn="ctr"/>
+            <a:r>
+              <a:rPr lang="ko-KR" altLang="en-US" sz="2400" dirty="0"/>
+              <a:t>개발자 최고 커뮤니티</a:t>
+            </a:r>
+            <a:endParaRPr lang="en-US" altLang="ko-KR" sz="2400" dirty="0"/>
+          </a:p>
+        </p:txBody>
+      </p:sp>
+      <p:pic>
+        <p:nvPicPr>
+          <p:cNvPr id="7" name="그림 6" descr="로고, 그래픽, 폰트, 상징이(가) 표시된 사진&#10;&#10;자동 생성된 설명">
+            <a:extLst>
+              <a:ext uri="{FF2B5EF4-FFF2-40B4-BE49-F238E27FC236}">
+                <a16:creationId xmlns:a16="http://schemas.microsoft.com/office/drawing/2014/main" id="{AB023880-28C6-4DB8-F94E-367322554280}"/>
+              </a:ext>
+            </a:extLst>
+          </p:cNvPr>
+          <p:cNvPicPr>
+            <a:picLocks noChangeAspect="1"/>
+          </p:cNvPicPr>
+          <p:nvPr/>
+        </p:nvPicPr>
+        <p:blipFill>
+          <a:blip r:embed="rId2">
+            <a:extLst>
+              <a:ext uri="{28A0092B-C50C-407E-A947-70E740481C1C}">
+                <a14:useLocalDpi xmlns:a14="http://schemas.microsoft.com/office/drawing/2010/main" val="0"/>
+              </a:ext>
+            </a:extLst>
+          </a:blip>
+          <a:stretch>
+            <a:fillRect/>
+          </a:stretch>
+        </p:blipFill>
+        <p:spPr>
+          <a:xfrm>
+            <a:off x="2482664" y="1304841"/>
+            <a:ext cx="7226671" cy="5207268"/>
+          </a:xfrm>
+          <a:prstGeom prst="rect">
+            <a:avLst/>
+          </a:prstGeom>
+        </p:spPr>
+      </p:pic>
     </p:spTree>
     <p:extLst>
       <p:ext uri="{BB962C8B-B14F-4D97-AF65-F5344CB8AC3E}">
-        <p14:creationId xmlns:p14="http://schemas.microsoft.com/office/powerpoint/2010/main" val="1460668198"/>
+        <p14:creationId xmlns:p14="http://schemas.microsoft.com/office/powerpoint/2010/main" val="1186518214"/>
       </p:ext>
     </p:extLst>
   </p:cSld>
@@ -3968,16 +3961,25 @@
           <a:p>
             <a:pPr algn="ctr"/>
             <a:r>
+              <a:rPr lang="en-US" altLang="ko-KR" sz="8000" dirty="0" err="1"/>
+              <a:t>Github</a:t>
+            </a:r>
+            <a:r>
               <a:rPr lang="en-US" altLang="ko-KR" sz="8000" dirty="0"/>
-              <a:t>Github.io</a:t>
-            </a:r>
+              <a:t> desktop </a:t>
+            </a:r>
+            <a:r>
+              <a:rPr lang="ko-KR" altLang="en-US" sz="8000" dirty="0"/>
+              <a:t>설치</a:t>
+            </a:r>
+            <a:endParaRPr lang="en-US" altLang="ko-KR" sz="8000" dirty="0"/>
           </a:p>
         </p:txBody>
       </p:sp>
     </p:spTree>
     <p:extLst>
       <p:ext uri="{BB962C8B-B14F-4D97-AF65-F5344CB8AC3E}">
-        <p14:creationId xmlns:p14="http://schemas.microsoft.com/office/powerpoint/2010/main" val="865265397"/>
+        <p14:creationId xmlns:p14="http://schemas.microsoft.com/office/powerpoint/2010/main" val="1460668198"/>
       </p:ext>
     </p:extLst>
   </p:cSld>
@@ -4035,7 +4037,7 @@
             <a:pPr algn="ctr"/>
             <a:r>
               <a:rPr lang="en-US" altLang="ko-KR" sz="8000" dirty="0"/>
-              <a:t>DOTHOME</a:t>
+              <a:t>Github.io</a:t>
             </a:r>
           </a:p>
         </p:txBody>
@@ -4043,7 +4045,7 @@
     </p:spTree>
     <p:extLst>
       <p:ext uri="{BB962C8B-B14F-4D97-AF65-F5344CB8AC3E}">
-        <p14:creationId xmlns:p14="http://schemas.microsoft.com/office/powerpoint/2010/main" val="820581568"/>
+        <p14:creationId xmlns:p14="http://schemas.microsoft.com/office/powerpoint/2010/main" val="865265397"/>
       </p:ext>
     </p:extLst>
   </p:cSld>
@@ -4101,51 +4103,7 @@
             <a:pPr algn="ctr"/>
             <a:r>
               <a:rPr lang="en-US" altLang="ko-KR" sz="8000" dirty="0"/>
-              <a:t>FileZilla</a:t>
-            </a:r>
-          </a:p>
-        </p:txBody>
-      </p:sp>
-      <p:sp>
-        <p:nvSpPr>
-          <p:cNvPr id="2" name="TextBox 1">
-            <a:extLst>
-              <a:ext uri="{FF2B5EF4-FFF2-40B4-BE49-F238E27FC236}">
-                <a16:creationId xmlns:a16="http://schemas.microsoft.com/office/drawing/2014/main" id="{9BFA4F6D-E4A8-6F1D-BF02-18B0ADC60998}"/>
-              </a:ext>
-            </a:extLst>
-          </p:cNvPr>
-          <p:cNvSpPr txBox="1"/>
-          <p:nvPr/>
-        </p:nvSpPr>
-        <p:spPr>
-          <a:xfrm>
-            <a:off x="1053123" y="3735462"/>
-            <a:ext cx="10085754" cy="707886"/>
-          </a:xfrm>
-          <a:prstGeom prst="rect">
-            <a:avLst/>
-          </a:prstGeom>
-          <a:noFill/>
-        </p:spPr>
-        <p:txBody>
-          <a:bodyPr wrap="square" rtlCol="0">
-            <a:spAutoFit/>
-          </a:bodyPr>
-          <a:lstStyle/>
-          <a:p>
-            <a:pPr algn="ctr"/>
-            <a:r>
-              <a:rPr lang="en-US" altLang="ko-KR" sz="4000" dirty="0"/>
-              <a:t>FTP(</a:t>
-            </a:r>
-            <a:r>
-              <a:rPr lang="ko-KR" altLang="en-US" sz="4000" dirty="0"/>
-              <a:t>파일 전송 프로토콜</a:t>
-            </a:r>
-            <a:r>
-              <a:rPr lang="en-US" altLang="ko-KR" sz="4000" dirty="0"/>
-              <a:t>)</a:t>
+              <a:t>DOTHOME</a:t>
             </a:r>
           </a:p>
         </p:txBody>
@@ -4153,7 +4111,7 @@
     </p:spTree>
     <p:extLst>
       <p:ext uri="{BB962C8B-B14F-4D97-AF65-F5344CB8AC3E}">
-        <p14:creationId xmlns:p14="http://schemas.microsoft.com/office/powerpoint/2010/main" val="4192333984"/>
+        <p14:creationId xmlns:p14="http://schemas.microsoft.com/office/powerpoint/2010/main" val="820581568"/>
       </p:ext>
     </p:extLst>
   </p:cSld>
@@ -4194,7 +4152,7 @@
         </p:nvSpPr>
         <p:spPr>
           <a:xfrm>
-            <a:off x="1053123" y="127000"/>
+            <a:off x="1053123" y="2412023"/>
             <a:ext cx="10085754" cy="1323439"/>
           </a:xfrm>
           <a:prstGeom prst="rect">
@@ -4211,51 +4169,59 @@
             <a:pPr algn="ctr"/>
             <a:r>
               <a:rPr lang="en-US" altLang="ko-KR" sz="8000" dirty="0"/>
-              <a:t>Figma</a:t>
-            </a:r>
-          </a:p>
-        </p:txBody>
-      </p:sp>
-      <p:pic>
-        <p:nvPicPr>
-          <p:cNvPr id="3" name="그림 2" descr="다채로움, 스크린샷이(가) 표시된 사진&#10;&#10;자동 생성된 설명">
-            <a:extLst>
-              <a:ext uri="{FF2B5EF4-FFF2-40B4-BE49-F238E27FC236}">
-                <a16:creationId xmlns:a16="http://schemas.microsoft.com/office/drawing/2014/main" id="{1F771651-FDE2-E807-3532-0E1095CF4872}"/>
-              </a:ext>
-            </a:extLst>
-          </p:cNvPr>
-          <p:cNvPicPr>
-            <a:picLocks noChangeAspect="1"/>
-          </p:cNvPicPr>
-          <p:nvPr/>
-        </p:nvPicPr>
-        <p:blipFill>
-          <a:blip r:embed="rId2">
-            <a:extLst>
-              <a:ext uri="{28A0092B-C50C-407E-A947-70E740481C1C}">
-                <a14:useLocalDpi xmlns:a14="http://schemas.microsoft.com/office/drawing/2010/main" val="0"/>
-              </a:ext>
-            </a:extLst>
-          </a:blip>
-          <a:stretch>
-            <a:fillRect/>
-          </a:stretch>
-        </p:blipFill>
-        <p:spPr>
-          <a:xfrm>
-            <a:off x="3714750" y="1733550"/>
-            <a:ext cx="4762500" cy="4762500"/>
-          </a:xfrm>
-          <a:prstGeom prst="rect">
-            <a:avLst/>
-          </a:prstGeom>
-        </p:spPr>
-      </p:pic>
+              <a:t>FileZilla</a:t>
+            </a:r>
+          </a:p>
+        </p:txBody>
+      </p:sp>
+      <p:sp>
+        <p:nvSpPr>
+          <p:cNvPr id="2" name="TextBox 1">
+            <a:extLst>
+              <a:ext uri="{FF2B5EF4-FFF2-40B4-BE49-F238E27FC236}">
+                <a16:creationId xmlns:a16="http://schemas.microsoft.com/office/drawing/2014/main" id="{9BFA4F6D-E4A8-6F1D-BF02-18B0ADC60998}"/>
+              </a:ext>
+            </a:extLst>
+          </p:cNvPr>
+          <p:cNvSpPr txBox="1"/>
+          <p:nvPr/>
+        </p:nvSpPr>
+        <p:spPr>
+          <a:xfrm>
+            <a:off x="1053123" y="3735462"/>
+            <a:ext cx="10085754" cy="707886"/>
+          </a:xfrm>
+          <a:prstGeom prst="rect">
+            <a:avLst/>
+          </a:prstGeom>
+          <a:noFill/>
+        </p:spPr>
+        <p:txBody>
+          <a:bodyPr wrap="square" rtlCol="0">
+            <a:spAutoFit/>
+          </a:bodyPr>
+          <a:lstStyle/>
+          <a:p>
+            <a:pPr algn="ctr"/>
+            <a:r>
+              <a:rPr lang="en-US" altLang="ko-KR" sz="4000" dirty="0"/>
+              <a:t>FTP(</a:t>
+            </a:r>
+            <a:r>
+              <a:rPr lang="ko-KR" altLang="en-US" sz="4000" dirty="0"/>
+              <a:t>파일 전송 프로토콜</a:t>
+            </a:r>
+            <a:r>
+              <a:rPr lang="en-US" altLang="ko-KR" sz="4000" dirty="0"/>
+              <a:t>)</a:t>
+            </a:r>
+          </a:p>
+        </p:txBody>
+      </p:sp>
     </p:spTree>
     <p:extLst>
       <p:ext uri="{BB962C8B-B14F-4D97-AF65-F5344CB8AC3E}">
-        <p14:creationId xmlns:p14="http://schemas.microsoft.com/office/powerpoint/2010/main" val="2134888076"/>
+        <p14:creationId xmlns:p14="http://schemas.microsoft.com/office/powerpoint/2010/main" val="4192333984"/>
       </p:ext>
     </p:extLst>
   </p:cSld>
@@ -4296,35 +4262,34 @@
         </p:nvSpPr>
         <p:spPr>
           <a:xfrm>
-            <a:off x="1053123" y="913423"/>
-            <a:ext cx="10085754" cy="923330"/>
-          </a:xfrm>
-          <a:prstGeom prst="rect">
-            <a:avLst/>
-          </a:prstGeom>
-          <a:noFill/>
-        </p:spPr>
-        <p:txBody>
-          <a:bodyPr wrap="square" rtlCol="0">
-            <a:spAutoFit/>
-          </a:bodyPr>
-          <a:lstStyle/>
-          <a:p>
-            <a:pPr algn="ctr"/>
-            <a:r>
-              <a:rPr lang="ko-KR" altLang="en-US" sz="5400" dirty="0"/>
-              <a:t>파일구조</a:t>
-            </a:r>
-            <a:endParaRPr lang="en-US" altLang="ko-KR" sz="5400" dirty="0"/>
+            <a:off x="1053123" y="127000"/>
+            <a:ext cx="10085754" cy="1323439"/>
+          </a:xfrm>
+          <a:prstGeom prst="rect">
+            <a:avLst/>
+          </a:prstGeom>
+          <a:noFill/>
+        </p:spPr>
+        <p:txBody>
+          <a:bodyPr wrap="square" rtlCol="0">
+            <a:spAutoFit/>
+          </a:bodyPr>
+          <a:lstStyle/>
+          <a:p>
+            <a:pPr algn="ctr"/>
+            <a:r>
+              <a:rPr lang="en-US" altLang="ko-KR" sz="8000" dirty="0"/>
+              <a:t>Figma</a:t>
+            </a:r>
           </a:p>
         </p:txBody>
       </p:sp>
       <p:pic>
         <p:nvPicPr>
-          <p:cNvPr id="12" name="그림 11" descr="도표, 텍스트, 직사각형, 라인이(가) 표시된 사진&#10;&#10;자동 생성된 설명">
-            <a:extLst>
-              <a:ext uri="{FF2B5EF4-FFF2-40B4-BE49-F238E27FC236}">
-                <a16:creationId xmlns:a16="http://schemas.microsoft.com/office/drawing/2014/main" id="{2FEE06C4-B225-F8EB-F0D1-969DE949664C}"/>
+          <p:cNvPr id="3" name="그림 2" descr="다채로움, 스크린샷이(가) 표시된 사진&#10;&#10;자동 생성된 설명">
+            <a:extLst>
+              <a:ext uri="{FF2B5EF4-FFF2-40B4-BE49-F238E27FC236}">
+                <a16:creationId xmlns:a16="http://schemas.microsoft.com/office/drawing/2014/main" id="{1F771651-FDE2-E807-3532-0E1095CF4872}"/>
               </a:ext>
             </a:extLst>
           </p:cNvPr>
@@ -4347,8 +4312,8 @@
         </p:blipFill>
         <p:spPr>
           <a:xfrm>
-            <a:off x="984250" y="1836753"/>
-            <a:ext cx="10223500" cy="4494389"/>
+            <a:off x="3714750" y="1733550"/>
+            <a:ext cx="4762500" cy="4762500"/>
           </a:xfrm>
           <a:prstGeom prst="rect">
             <a:avLst/>
@@ -4358,7 +4323,7 @@
     </p:spTree>
     <p:extLst>
       <p:ext uri="{BB962C8B-B14F-4D97-AF65-F5344CB8AC3E}">
-        <p14:creationId xmlns:p14="http://schemas.microsoft.com/office/powerpoint/2010/main" val="3308427511"/>
+        <p14:creationId xmlns:p14="http://schemas.microsoft.com/office/powerpoint/2010/main" val="2134888076"/>
       </p:ext>
     </p:extLst>
   </p:cSld>
@@ -4399,34 +4364,35 @@
         </p:nvSpPr>
         <p:spPr>
           <a:xfrm>
-            <a:off x="2182446" y="5066323"/>
-            <a:ext cx="7268308" cy="769441"/>
-          </a:xfrm>
-          <a:prstGeom prst="rect">
-            <a:avLst/>
-          </a:prstGeom>
-          <a:noFill/>
-        </p:spPr>
-        <p:txBody>
-          <a:bodyPr wrap="square" rtlCol="0">
-            <a:spAutoFit/>
-          </a:bodyPr>
-          <a:lstStyle/>
-          <a:p>
-            <a:pPr algn="ctr"/>
-            <a:r>
-              <a:rPr lang="ko-KR" altLang="en-US" sz="4400" dirty="0"/>
-              <a:t>질문 리스트 작성하기</a:t>
-            </a:r>
+            <a:off x="1053123" y="913423"/>
+            <a:ext cx="10085754" cy="923330"/>
+          </a:xfrm>
+          <a:prstGeom prst="rect">
+            <a:avLst/>
+          </a:prstGeom>
+          <a:noFill/>
+        </p:spPr>
+        <p:txBody>
+          <a:bodyPr wrap="square" rtlCol="0">
+            <a:spAutoFit/>
+          </a:bodyPr>
+          <a:lstStyle/>
+          <a:p>
+            <a:pPr algn="ctr"/>
+            <a:r>
+              <a:rPr lang="ko-KR" altLang="en-US" sz="5400" dirty="0"/>
+              <a:t>파일구조</a:t>
+            </a:r>
+            <a:endParaRPr lang="en-US" altLang="ko-KR" sz="5400" dirty="0"/>
           </a:p>
         </p:txBody>
       </p:sp>
       <p:pic>
         <p:nvPicPr>
-          <p:cNvPr id="6" name="그림 5" descr="만화 영화, 예술, 그래픽, 그림이(가) 표시된 사진&#10;&#10;자동 생성된 설명">
-            <a:extLst>
-              <a:ext uri="{FF2B5EF4-FFF2-40B4-BE49-F238E27FC236}">
-                <a16:creationId xmlns:a16="http://schemas.microsoft.com/office/drawing/2014/main" id="{4A46C2B8-FD94-4AE0-FAC4-B57C1F6BB0D0}"/>
+          <p:cNvPr id="12" name="그림 11" descr="도표, 텍스트, 직사각형, 라인이(가) 표시된 사진&#10;&#10;자동 생성된 설명">
+            <a:extLst>
+              <a:ext uri="{FF2B5EF4-FFF2-40B4-BE49-F238E27FC236}">
+                <a16:creationId xmlns:a16="http://schemas.microsoft.com/office/drawing/2014/main" id="{2FEE06C4-B225-F8EB-F0D1-969DE949664C}"/>
               </a:ext>
             </a:extLst>
           </p:cNvPr>
@@ -4449,8 +4415,8 @@
         </p:blipFill>
         <p:spPr>
           <a:xfrm>
-            <a:off x="4064000" y="769442"/>
-            <a:ext cx="4064000" cy="4064000"/>
+            <a:off x="984250" y="1836753"/>
+            <a:ext cx="10223500" cy="4494389"/>
           </a:xfrm>
           <a:prstGeom prst="rect">
             <a:avLst/>
@@ -4460,7 +4426,7 @@
     </p:spTree>
     <p:extLst>
       <p:ext uri="{BB962C8B-B14F-4D97-AF65-F5344CB8AC3E}">
-        <p14:creationId xmlns:p14="http://schemas.microsoft.com/office/powerpoint/2010/main" val="897698508"/>
+        <p14:creationId xmlns:p14="http://schemas.microsoft.com/office/powerpoint/2010/main" val="3308427511"/>
       </p:ext>
     </p:extLst>
   </p:cSld>
@@ -4501,32 +4467,68 @@
         </p:nvSpPr>
         <p:spPr>
           <a:xfrm>
-            <a:off x="2461846" y="2145323"/>
-            <a:ext cx="7268308" cy="1323439"/>
-          </a:xfrm>
-          <a:prstGeom prst="rect">
-            <a:avLst/>
-          </a:prstGeom>
-          <a:noFill/>
-        </p:spPr>
-        <p:txBody>
-          <a:bodyPr wrap="square" rtlCol="0">
-            <a:spAutoFit/>
-          </a:bodyPr>
-          <a:lstStyle/>
-          <a:p>
-            <a:pPr algn="ctr"/>
-            <a:r>
-              <a:rPr lang="en-US" altLang="ko-KR" sz="8000" dirty="0"/>
-              <a:t>Framework</a:t>
-            </a:r>
-          </a:p>
-        </p:txBody>
-      </p:sp>
+            <a:off x="2182446" y="5066323"/>
+            <a:ext cx="7268308" cy="769441"/>
+          </a:xfrm>
+          <a:prstGeom prst="rect">
+            <a:avLst/>
+          </a:prstGeom>
+          <a:noFill/>
+        </p:spPr>
+        <p:txBody>
+          <a:bodyPr wrap="square" rtlCol="0">
+            <a:spAutoFit/>
+          </a:bodyPr>
+          <a:lstStyle/>
+          <a:p>
+            <a:pPr algn="ctr"/>
+            <a:r>
+              <a:rPr lang="ko-KR" altLang="en-US" sz="4400" dirty="0"/>
+              <a:t>질문 리스트 작성하기</a:t>
+            </a:r>
+          </a:p>
+        </p:txBody>
+      </p:sp>
+      <p:pic>
+        <p:nvPicPr>
+          <p:cNvPr id="6" name="그림 5" descr="만화 영화, 예술, 그래픽, 그림이(가) 표시된 사진&#10;&#10;자동 생성된 설명">
+            <a:extLst>
+              <a:ext uri="{FF2B5EF4-FFF2-40B4-BE49-F238E27FC236}">
+                <a16:creationId xmlns:a16="http://schemas.microsoft.com/office/drawing/2014/main" id="{4A46C2B8-FD94-4AE0-FAC4-B57C1F6BB0D0}"/>
+              </a:ext>
+            </a:extLst>
+          </p:cNvPr>
+          <p:cNvPicPr>
+            <a:picLocks noChangeAspect="1"/>
+          </p:cNvPicPr>
+          <p:nvPr/>
+        </p:nvPicPr>
+        <p:blipFill>
+          <a:blip r:embed="rId2">
+            <a:extLst>
+              <a:ext uri="{28A0092B-C50C-407E-A947-70E740481C1C}">
+                <a14:useLocalDpi xmlns:a14="http://schemas.microsoft.com/office/drawing/2010/main" val="0"/>
+              </a:ext>
+            </a:extLst>
+          </a:blip>
+          <a:stretch>
+            <a:fillRect/>
+          </a:stretch>
+        </p:blipFill>
+        <p:spPr>
+          <a:xfrm>
+            <a:off x="4064000" y="769442"/>
+            <a:ext cx="4064000" cy="4064000"/>
+          </a:xfrm>
+          <a:prstGeom prst="rect">
+            <a:avLst/>
+          </a:prstGeom>
+        </p:spPr>
+      </p:pic>
     </p:spTree>
     <p:extLst>
       <p:ext uri="{BB962C8B-B14F-4D97-AF65-F5344CB8AC3E}">
-        <p14:creationId xmlns:p14="http://schemas.microsoft.com/office/powerpoint/2010/main" val="4256682101"/>
+        <p14:creationId xmlns:p14="http://schemas.microsoft.com/office/powerpoint/2010/main" val="897698508"/>
       </p:ext>
     </p:extLst>
   </p:cSld>
@@ -4662,19 +4664,16 @@
           <a:p>
             <a:pPr algn="ctr"/>
             <a:r>
-              <a:rPr lang="en-US" altLang="ko-KR" sz="8000" dirty="0">
-                <a:hlinkClick r:id="rId2"/>
-              </a:rPr>
-              <a:t>Bootstrap</a:t>
-            </a:r>
-            <a:endParaRPr lang="en-US" altLang="ko-KR" sz="8000" dirty="0"/>
+              <a:rPr lang="en-US" altLang="ko-KR" sz="8000" dirty="0"/>
+              <a:t>Framework</a:t>
+            </a:r>
           </a:p>
         </p:txBody>
       </p:sp>
     </p:spTree>
     <p:extLst>
       <p:ext uri="{BB962C8B-B14F-4D97-AF65-F5344CB8AC3E}">
-        <p14:creationId xmlns:p14="http://schemas.microsoft.com/office/powerpoint/2010/main" val="1799096479"/>
+        <p14:creationId xmlns:p14="http://schemas.microsoft.com/office/powerpoint/2010/main" val="4256682101"/>
       </p:ext>
     </p:extLst>
   </p:cSld>
@@ -4734,7 +4733,7 @@
               <a:rPr lang="en-US" altLang="ko-KR" sz="8000" dirty="0">
                 <a:hlinkClick r:id="rId2"/>
               </a:rPr>
-              <a:t>Shoelace</a:t>
+              <a:t>Bootstrap</a:t>
             </a:r>
             <a:endParaRPr lang="en-US" altLang="ko-KR" sz="8000" dirty="0"/>
           </a:p>
@@ -4743,7 +4742,7 @@
     </p:spTree>
     <p:extLst>
       <p:ext uri="{BB962C8B-B14F-4D97-AF65-F5344CB8AC3E}">
-        <p14:creationId xmlns:p14="http://schemas.microsoft.com/office/powerpoint/2010/main" val="2349785759"/>
+        <p14:creationId xmlns:p14="http://schemas.microsoft.com/office/powerpoint/2010/main" val="1799096479"/>
       </p:ext>
     </p:extLst>
   </p:cSld>
@@ -4784,7 +4783,7 @@
         </p:nvSpPr>
         <p:spPr>
           <a:xfrm>
-            <a:off x="2461846" y="1180123"/>
+            <a:off x="2461846" y="2145323"/>
             <a:ext cx="7268308" cy="1323439"/>
           </a:xfrm>
           <a:prstGeom prst="rect">
@@ -4800,53 +4799,19 @@
           <a:p>
             <a:pPr algn="ctr"/>
             <a:r>
-              <a:rPr lang="en-US" altLang="ko-KR" sz="8000" dirty="0" err="1"/>
-              <a:t>Javascript</a:t>
+              <a:rPr lang="en-US" altLang="ko-KR" sz="8000" dirty="0">
+                <a:hlinkClick r:id="rId2"/>
+              </a:rPr>
+              <a:t>Shoelace</a:t>
             </a:r>
             <a:endParaRPr lang="en-US" altLang="ko-KR" sz="8000" dirty="0"/>
           </a:p>
         </p:txBody>
       </p:sp>
-      <p:pic>
-        <p:nvPicPr>
-          <p:cNvPr id="2" name="그림 1" descr="노랑, 상징, 디자인이(가) 표시된 사진&#10;&#10;자동 생성된 설명">
-            <a:extLst>
-              <a:ext uri="{FF2B5EF4-FFF2-40B4-BE49-F238E27FC236}">
-                <a16:creationId xmlns:a16="http://schemas.microsoft.com/office/drawing/2014/main" id="{3DFF3BB6-C236-FBC7-C3DC-D6D4EA736085}"/>
-              </a:ext>
-            </a:extLst>
-          </p:cNvPr>
-          <p:cNvPicPr>
-            <a:picLocks noChangeAspect="1"/>
-          </p:cNvPicPr>
-          <p:nvPr/>
-        </p:nvPicPr>
-        <p:blipFill>
-          <a:blip r:embed="rId2">
-            <a:extLst>
-              <a:ext uri="{28A0092B-C50C-407E-A947-70E740481C1C}">
-                <a14:useLocalDpi xmlns:a14="http://schemas.microsoft.com/office/drawing/2010/main" val="0"/>
-              </a:ext>
-            </a:extLst>
-          </a:blip>
-          <a:stretch>
-            <a:fillRect/>
-          </a:stretch>
-        </p:blipFill>
-        <p:spPr>
-          <a:xfrm>
-            <a:off x="3622623" y="2503562"/>
-            <a:ext cx="4946754" cy="2780969"/>
-          </a:xfrm>
-          <a:prstGeom prst="rect">
-            <a:avLst/>
-          </a:prstGeom>
-        </p:spPr>
-      </p:pic>
     </p:spTree>
     <p:extLst>
       <p:ext uri="{BB962C8B-B14F-4D97-AF65-F5344CB8AC3E}">
-        <p14:creationId xmlns:p14="http://schemas.microsoft.com/office/powerpoint/2010/main" val="2652492327"/>
+        <p14:creationId xmlns:p14="http://schemas.microsoft.com/office/powerpoint/2010/main" val="2349785759"/>
       </p:ext>
     </p:extLst>
   </p:cSld>
@@ -4873,12 +4838,49 @@
           <a:chExt cx="0" cy="0"/>
         </a:xfrm>
       </p:grpSpPr>
+      <p:sp>
+        <p:nvSpPr>
+          <p:cNvPr id="4" name="TextBox 3">
+            <a:extLst>
+              <a:ext uri="{FF2B5EF4-FFF2-40B4-BE49-F238E27FC236}">
+                <a16:creationId xmlns:a16="http://schemas.microsoft.com/office/drawing/2014/main" id="{77E83A82-1077-074D-D148-C824C7D5A2ED}"/>
+              </a:ext>
+            </a:extLst>
+          </p:cNvPr>
+          <p:cNvSpPr txBox="1"/>
+          <p:nvPr/>
+        </p:nvSpPr>
+        <p:spPr>
+          <a:xfrm>
+            <a:off x="2461846" y="1180123"/>
+            <a:ext cx="7268308" cy="1323439"/>
+          </a:xfrm>
+          <a:prstGeom prst="rect">
+            <a:avLst/>
+          </a:prstGeom>
+          <a:noFill/>
+        </p:spPr>
+        <p:txBody>
+          <a:bodyPr wrap="square" rtlCol="0">
+            <a:spAutoFit/>
+          </a:bodyPr>
+          <a:lstStyle/>
+          <a:p>
+            <a:pPr algn="ctr"/>
+            <a:r>
+              <a:rPr lang="en-US" altLang="ko-KR" sz="8000" dirty="0" err="1"/>
+              <a:t>Javascript</a:t>
+            </a:r>
+            <a:endParaRPr lang="en-US" altLang="ko-KR" sz="8000" dirty="0"/>
+          </a:p>
+        </p:txBody>
+      </p:sp>
       <p:pic>
         <p:nvPicPr>
-          <p:cNvPr id="6" name="그림 5" descr="노랑, 상징, 디자인이(가) 표시된 사진&#10;&#10;자동 생성된 설명">
-            <a:extLst>
-              <a:ext uri="{FF2B5EF4-FFF2-40B4-BE49-F238E27FC236}">
-                <a16:creationId xmlns:a16="http://schemas.microsoft.com/office/drawing/2014/main" id="{CDB384A8-6F52-FB60-C415-46011987E3F4}"/>
+          <p:cNvPr id="2" name="그림 1" descr="노랑, 상징, 디자인이(가) 표시된 사진&#10;&#10;자동 생성된 설명">
+            <a:extLst>
+              <a:ext uri="{FF2B5EF4-FFF2-40B4-BE49-F238E27FC236}">
+                <a16:creationId xmlns:a16="http://schemas.microsoft.com/office/drawing/2014/main" id="{3DFF3BB6-C236-FBC7-C3DC-D6D4EA736085}"/>
               </a:ext>
             </a:extLst>
           </p:cNvPr>
@@ -4901,7 +4903,7 @@
         </p:blipFill>
         <p:spPr>
           <a:xfrm>
-            <a:off x="6235910" y="2038515"/>
+            <a:off x="3622623" y="2503562"/>
             <a:ext cx="4946754" cy="2780969"/>
           </a:xfrm>
           <a:prstGeom prst="rect">
@@ -4909,83 +4911,10 @@
           </a:prstGeom>
         </p:spPr>
       </p:pic>
-      <p:pic>
-        <p:nvPicPr>
-          <p:cNvPr id="8" name="그림 7" descr="그래픽, 폰트, 디자인이(가) 표시된 사진&#10;&#10;자동 생성된 설명">
-            <a:extLst>
-              <a:ext uri="{FF2B5EF4-FFF2-40B4-BE49-F238E27FC236}">
-                <a16:creationId xmlns:a16="http://schemas.microsoft.com/office/drawing/2014/main" id="{9895062A-6C85-72E8-9708-4807D4D4311F}"/>
-              </a:ext>
-            </a:extLst>
-          </p:cNvPr>
-          <p:cNvPicPr>
-            <a:picLocks noChangeAspect="1"/>
-          </p:cNvPicPr>
-          <p:nvPr/>
-        </p:nvPicPr>
-        <p:blipFill>
-          <a:blip r:embed="rId3">
-            <a:extLst>
-              <a:ext uri="{28A0092B-C50C-407E-A947-70E740481C1C}">
-                <a14:useLocalDpi xmlns:a14="http://schemas.microsoft.com/office/drawing/2010/main" val="0"/>
-              </a:ext>
-            </a:extLst>
-          </a:blip>
-          <a:stretch>
-            <a:fillRect/>
-          </a:stretch>
-        </p:blipFill>
-        <p:spPr>
-          <a:xfrm>
-            <a:off x="1312105" y="1382060"/>
-            <a:ext cx="4643986" cy="4643986"/>
-          </a:xfrm>
-          <a:prstGeom prst="rect">
-            <a:avLst/>
-          </a:prstGeom>
-        </p:spPr>
-      </p:pic>
-      <p:sp>
-        <p:nvSpPr>
-          <p:cNvPr id="9" name="TextBox 8">
-            <a:extLst>
-              <a:ext uri="{FF2B5EF4-FFF2-40B4-BE49-F238E27FC236}">
-                <a16:creationId xmlns:a16="http://schemas.microsoft.com/office/drawing/2014/main" id="{A5D86789-24EC-01C9-5BF1-0A724D3BFD09}"/>
-              </a:ext>
-            </a:extLst>
-          </p:cNvPr>
-          <p:cNvSpPr txBox="1"/>
-          <p:nvPr/>
-        </p:nvSpPr>
-        <p:spPr>
-          <a:xfrm>
-            <a:off x="2461847" y="674174"/>
-            <a:ext cx="7268308" cy="707886"/>
-          </a:xfrm>
-          <a:prstGeom prst="rect">
-            <a:avLst/>
-          </a:prstGeom>
-          <a:noFill/>
-        </p:spPr>
-        <p:txBody>
-          <a:bodyPr wrap="square" rtlCol="0">
-            <a:spAutoFit/>
-          </a:bodyPr>
-          <a:lstStyle/>
-          <a:p>
-            <a:pPr algn="ctr"/>
-            <a:r>
-              <a:rPr lang="ko-KR" altLang="en-US" sz="4000"/>
-              <a:t>이름의 유래</a:t>
-            </a:r>
-            <a:endParaRPr lang="en-US" altLang="ko-KR" sz="4000" dirty="0"/>
-          </a:p>
-        </p:txBody>
-      </p:sp>
     </p:spTree>
     <p:extLst>
       <p:ext uri="{BB962C8B-B14F-4D97-AF65-F5344CB8AC3E}">
-        <p14:creationId xmlns:p14="http://schemas.microsoft.com/office/powerpoint/2010/main" val="2082934293"/>
+        <p14:creationId xmlns:p14="http://schemas.microsoft.com/office/powerpoint/2010/main" val="2652492327"/>
       </p:ext>
     </p:extLst>
   </p:cSld>
@@ -5012,47 +4941,119 @@
           <a:chExt cx="0" cy="0"/>
         </a:xfrm>
       </p:grpSpPr>
-      <p:sp>
-        <p:nvSpPr>
-          <p:cNvPr id="4" name="TextBox 3">
-            <a:extLst>
-              <a:ext uri="{FF2B5EF4-FFF2-40B4-BE49-F238E27FC236}">
-                <a16:creationId xmlns:a16="http://schemas.microsoft.com/office/drawing/2014/main" id="{77E83A82-1077-074D-D148-C824C7D5A2ED}"/>
-              </a:ext>
-            </a:extLst>
-          </p:cNvPr>
-          <p:cNvSpPr txBox="1"/>
-          <p:nvPr/>
-        </p:nvSpPr>
-        <p:spPr>
-          <a:xfrm>
-            <a:off x="2461846" y="2145323"/>
-            <a:ext cx="7268308" cy="1323439"/>
-          </a:xfrm>
-          <a:prstGeom prst="rect">
-            <a:avLst/>
-          </a:prstGeom>
-          <a:noFill/>
-        </p:spPr>
-        <p:txBody>
-          <a:bodyPr wrap="square" rtlCol="0">
-            <a:spAutoFit/>
-          </a:bodyPr>
-          <a:lstStyle/>
-          <a:p>
-            <a:pPr algn="ctr"/>
-            <a:r>
-              <a:rPr lang="ko-KR" altLang="en-US" sz="8000" dirty="0"/>
-              <a:t>변수</a:t>
-            </a:r>
-            <a:endParaRPr lang="en-US" altLang="ko-KR" sz="8000" dirty="0"/>
+      <p:pic>
+        <p:nvPicPr>
+          <p:cNvPr id="6" name="그림 5" descr="노랑, 상징, 디자인이(가) 표시된 사진&#10;&#10;자동 생성된 설명">
+            <a:extLst>
+              <a:ext uri="{FF2B5EF4-FFF2-40B4-BE49-F238E27FC236}">
+                <a16:creationId xmlns:a16="http://schemas.microsoft.com/office/drawing/2014/main" id="{CDB384A8-6F52-FB60-C415-46011987E3F4}"/>
+              </a:ext>
+            </a:extLst>
+          </p:cNvPr>
+          <p:cNvPicPr>
+            <a:picLocks noChangeAspect="1"/>
+          </p:cNvPicPr>
+          <p:nvPr/>
+        </p:nvPicPr>
+        <p:blipFill>
+          <a:blip r:embed="rId2">
+            <a:extLst>
+              <a:ext uri="{28A0092B-C50C-407E-A947-70E740481C1C}">
+                <a14:useLocalDpi xmlns:a14="http://schemas.microsoft.com/office/drawing/2010/main" val="0"/>
+              </a:ext>
+            </a:extLst>
+          </a:blip>
+          <a:stretch>
+            <a:fillRect/>
+          </a:stretch>
+        </p:blipFill>
+        <p:spPr>
+          <a:xfrm>
+            <a:off x="6235910" y="2038515"/>
+            <a:ext cx="4946754" cy="2780969"/>
+          </a:xfrm>
+          <a:prstGeom prst="rect">
+            <a:avLst/>
+          </a:prstGeom>
+        </p:spPr>
+      </p:pic>
+      <p:pic>
+        <p:nvPicPr>
+          <p:cNvPr id="8" name="그림 7" descr="그래픽, 폰트, 디자인이(가) 표시된 사진&#10;&#10;자동 생성된 설명">
+            <a:extLst>
+              <a:ext uri="{FF2B5EF4-FFF2-40B4-BE49-F238E27FC236}">
+                <a16:creationId xmlns:a16="http://schemas.microsoft.com/office/drawing/2014/main" id="{9895062A-6C85-72E8-9708-4807D4D4311F}"/>
+              </a:ext>
+            </a:extLst>
+          </p:cNvPr>
+          <p:cNvPicPr>
+            <a:picLocks noChangeAspect="1"/>
+          </p:cNvPicPr>
+          <p:nvPr/>
+        </p:nvPicPr>
+        <p:blipFill>
+          <a:blip r:embed="rId3">
+            <a:extLst>
+              <a:ext uri="{28A0092B-C50C-407E-A947-70E740481C1C}">
+                <a14:useLocalDpi xmlns:a14="http://schemas.microsoft.com/office/drawing/2010/main" val="0"/>
+              </a:ext>
+            </a:extLst>
+          </a:blip>
+          <a:stretch>
+            <a:fillRect/>
+          </a:stretch>
+        </p:blipFill>
+        <p:spPr>
+          <a:xfrm>
+            <a:off x="1312105" y="1382060"/>
+            <a:ext cx="4643986" cy="4643986"/>
+          </a:xfrm>
+          <a:prstGeom prst="rect">
+            <a:avLst/>
+          </a:prstGeom>
+        </p:spPr>
+      </p:pic>
+      <p:sp>
+        <p:nvSpPr>
+          <p:cNvPr id="9" name="TextBox 8">
+            <a:extLst>
+              <a:ext uri="{FF2B5EF4-FFF2-40B4-BE49-F238E27FC236}">
+                <a16:creationId xmlns:a16="http://schemas.microsoft.com/office/drawing/2014/main" id="{A5D86789-24EC-01C9-5BF1-0A724D3BFD09}"/>
+              </a:ext>
+            </a:extLst>
+          </p:cNvPr>
+          <p:cNvSpPr txBox="1"/>
+          <p:nvPr/>
+        </p:nvSpPr>
+        <p:spPr>
+          <a:xfrm>
+            <a:off x="2461847" y="674174"/>
+            <a:ext cx="7268308" cy="707886"/>
+          </a:xfrm>
+          <a:prstGeom prst="rect">
+            <a:avLst/>
+          </a:prstGeom>
+          <a:noFill/>
+        </p:spPr>
+        <p:txBody>
+          <a:bodyPr wrap="square" rtlCol="0">
+            <a:spAutoFit/>
+          </a:bodyPr>
+          <a:lstStyle/>
+          <a:p>
+            <a:pPr algn="ctr"/>
+            <a:r>
+              <a:rPr lang="ko-KR" altLang="en-US" sz="4000"/>
+              <a:t>이름의 유래</a:t>
+            </a:r>
+            <a:endParaRPr lang="en-US" altLang="ko-KR" sz="4000" dirty="0"/>
           </a:p>
         </p:txBody>
       </p:sp>
     </p:spTree>
     <p:extLst>
       <p:ext uri="{BB962C8B-B14F-4D97-AF65-F5344CB8AC3E}">
-        <p14:creationId xmlns:p14="http://schemas.microsoft.com/office/powerpoint/2010/main" val="1004204534"/>
+        <p14:creationId xmlns:p14="http://schemas.microsoft.com/office/powerpoint/2010/main" val="2082934293"/>
       </p:ext>
     </p:extLst>
   </p:cSld>
@@ -5109,12 +5110,8 @@
           <a:p>
             <a:pPr algn="ctr"/>
             <a:r>
-              <a:rPr lang="ko-KR" altLang="en-US" sz="8000" dirty="0" err="1"/>
-              <a:t>변수명</a:t>
-            </a:r>
-            <a:r>
               <a:rPr lang="ko-KR" altLang="en-US" sz="8000" dirty="0"/>
-              <a:t> 규칙</a:t>
+              <a:t>변수</a:t>
             </a:r>
             <a:endParaRPr lang="en-US" altLang="ko-KR" sz="8000" dirty="0"/>
           </a:p>
@@ -5123,7 +5120,7 @@
     </p:spTree>
     <p:extLst>
       <p:ext uri="{BB962C8B-B14F-4D97-AF65-F5344CB8AC3E}">
-        <p14:creationId xmlns:p14="http://schemas.microsoft.com/office/powerpoint/2010/main" val="2525268661"/>
+        <p14:creationId xmlns:p14="http://schemas.microsoft.com/office/powerpoint/2010/main" val="1004204534"/>
       </p:ext>
     </p:extLst>
   </p:cSld>
@@ -5180,16 +5177,21 @@
           <a:p>
             <a:pPr algn="ctr"/>
             <a:r>
-              <a:rPr lang="en-US" altLang="ko-KR" sz="8000" dirty="0"/>
-              <a:t>var let const</a:t>
-            </a:r>
+              <a:rPr lang="ko-KR" altLang="en-US" sz="8000" dirty="0" err="1"/>
+              <a:t>변수명</a:t>
+            </a:r>
+            <a:r>
+              <a:rPr lang="ko-KR" altLang="en-US" sz="8000" dirty="0"/>
+              <a:t> 규칙</a:t>
+            </a:r>
+            <a:endParaRPr lang="en-US" altLang="ko-KR" sz="8000" dirty="0"/>
           </a:p>
         </p:txBody>
       </p:sp>
     </p:spTree>
     <p:extLst>
       <p:ext uri="{BB962C8B-B14F-4D97-AF65-F5344CB8AC3E}">
-        <p14:creationId xmlns:p14="http://schemas.microsoft.com/office/powerpoint/2010/main" val="2557639981"/>
+        <p14:creationId xmlns:p14="http://schemas.microsoft.com/office/powerpoint/2010/main" val="2525268661"/>
       </p:ext>
     </p:extLst>
   </p:cSld>
@@ -5247,7 +5249,7 @@
             <a:pPr algn="ctr"/>
             <a:r>
               <a:rPr lang="en-US" altLang="ko-KR" sz="8000" dirty="0"/>
-              <a:t>console.log()</a:t>
+              <a:t>var let const</a:t>
             </a:r>
           </a:p>
         </p:txBody>
@@ -5255,7 +5257,7 @@
     </p:spTree>
     <p:extLst>
       <p:ext uri="{BB962C8B-B14F-4D97-AF65-F5344CB8AC3E}">
-        <p14:creationId xmlns:p14="http://schemas.microsoft.com/office/powerpoint/2010/main" val="194507990"/>
+        <p14:creationId xmlns:p14="http://schemas.microsoft.com/office/powerpoint/2010/main" val="2557639981"/>
       </p:ext>
     </p:extLst>
   </p:cSld>
@@ -5296,7 +5298,7 @@
         </p:nvSpPr>
         <p:spPr>
           <a:xfrm>
-            <a:off x="2461846" y="2551723"/>
+            <a:off x="2461846" y="2145323"/>
             <a:ext cx="7268308" cy="1323439"/>
           </a:xfrm>
           <a:prstGeom prst="rect">
@@ -5313,7 +5315,7 @@
             <a:pPr algn="ctr"/>
             <a:r>
               <a:rPr lang="en-US" altLang="ko-KR" sz="8000" dirty="0"/>
-              <a:t>+ - * / % **</a:t>
+              <a:t>console.log()</a:t>
             </a:r>
           </a:p>
         </p:txBody>
@@ -5321,7 +5323,7 @@
     </p:spTree>
     <p:extLst>
       <p:ext uri="{BB962C8B-B14F-4D97-AF65-F5344CB8AC3E}">
-        <p14:creationId xmlns:p14="http://schemas.microsoft.com/office/powerpoint/2010/main" val="4203081283"/>
+        <p14:creationId xmlns:p14="http://schemas.microsoft.com/office/powerpoint/2010/main" val="194507990"/>
       </p:ext>
     </p:extLst>
   </p:cSld>
@@ -5362,7 +5364,7 @@
         </p:nvSpPr>
         <p:spPr>
           <a:xfrm>
-            <a:off x="2461846" y="2145323"/>
+            <a:off x="2461846" y="2551723"/>
             <a:ext cx="7268308" cy="1323439"/>
           </a:xfrm>
           <a:prstGeom prst="rect">
@@ -5379,7 +5381,7 @@
             <a:pPr algn="ctr"/>
             <a:r>
               <a:rPr lang="en-US" altLang="ko-KR" sz="8000" dirty="0"/>
-              <a:t>alert()</a:t>
+              <a:t>+ - * / % **</a:t>
             </a:r>
           </a:p>
         </p:txBody>
@@ -5387,7 +5389,7 @@
     </p:spTree>
     <p:extLst>
       <p:ext uri="{BB962C8B-B14F-4D97-AF65-F5344CB8AC3E}">
-        <p14:creationId xmlns:p14="http://schemas.microsoft.com/office/powerpoint/2010/main" val="2768001639"/>
+        <p14:creationId xmlns:p14="http://schemas.microsoft.com/office/powerpoint/2010/main" val="4203081283"/>
       </p:ext>
     </p:extLst>
   </p:cSld>
@@ -5495,7 +5497,7 @@
         </p:nvSpPr>
         <p:spPr>
           <a:xfrm>
-            <a:off x="2461846" y="2564423"/>
+            <a:off x="2461846" y="2145323"/>
             <a:ext cx="7268308" cy="1323439"/>
           </a:xfrm>
           <a:prstGeom prst="rect">
@@ -5512,7 +5514,7 @@
             <a:pPr algn="ctr"/>
             <a:r>
               <a:rPr lang="en-US" altLang="ko-KR" sz="8000" dirty="0"/>
-              <a:t>if</a:t>
+              <a:t>alert()</a:t>
             </a:r>
           </a:p>
         </p:txBody>
@@ -5520,7 +5522,7 @@
     </p:spTree>
     <p:extLst>
       <p:ext uri="{BB962C8B-B14F-4D97-AF65-F5344CB8AC3E}">
-        <p14:creationId xmlns:p14="http://schemas.microsoft.com/office/powerpoint/2010/main" val="1676203958"/>
+        <p14:creationId xmlns:p14="http://schemas.microsoft.com/office/powerpoint/2010/main" val="2768001639"/>
       </p:ext>
     </p:extLst>
   </p:cSld>
@@ -5561,8 +5563,8 @@
         </p:nvSpPr>
         <p:spPr>
           <a:xfrm>
-            <a:off x="2461846" y="761023"/>
-            <a:ext cx="7268308" cy="5016758"/>
+            <a:off x="2461846" y="2564423"/>
+            <a:ext cx="7268308" cy="1323439"/>
           </a:xfrm>
           <a:prstGeom prst="rect">
             <a:avLst/>
@@ -5578,28 +5580,7 @@
             <a:pPr algn="ctr"/>
             <a:r>
               <a:rPr lang="en-US" altLang="ko-KR" sz="8000" dirty="0"/>
-              <a:t>&gt;</a:t>
-            </a:r>
-          </a:p>
-          <a:p>
-            <a:pPr algn="ctr"/>
-            <a:r>
-              <a:rPr lang="en-US" altLang="ko-KR" sz="8000" dirty="0"/>
-              <a:t>&lt;</a:t>
-            </a:r>
-          </a:p>
-          <a:p>
-            <a:pPr algn="ctr"/>
-            <a:r>
-              <a:rPr lang="en-US" altLang="ko-KR" sz="8000" dirty="0"/>
-              <a:t>&gt;=</a:t>
-            </a:r>
-          </a:p>
-          <a:p>
-            <a:pPr algn="ctr"/>
-            <a:r>
-              <a:rPr lang="en-US" altLang="ko-KR" sz="8000" dirty="0"/>
-              <a:t>&lt;=</a:t>
+              <a:t>if</a:t>
             </a:r>
           </a:p>
         </p:txBody>
@@ -5607,7 +5588,7 @@
     </p:spTree>
     <p:extLst>
       <p:ext uri="{BB962C8B-B14F-4D97-AF65-F5344CB8AC3E}">
-        <p14:creationId xmlns:p14="http://schemas.microsoft.com/office/powerpoint/2010/main" val="4091158168"/>
+        <p14:creationId xmlns:p14="http://schemas.microsoft.com/office/powerpoint/2010/main" val="1676203958"/>
       </p:ext>
     </p:extLst>
   </p:cSld>
@@ -5648,8 +5629,8 @@
         </p:nvSpPr>
         <p:spPr>
           <a:xfrm>
-            <a:off x="2461846" y="1269023"/>
-            <a:ext cx="7268308" cy="3785652"/>
+            <a:off x="2461846" y="761023"/>
+            <a:ext cx="7268308" cy="5016758"/>
           </a:xfrm>
           <a:prstGeom prst="rect">
             <a:avLst/>
@@ -5665,21 +5646,28 @@
             <a:pPr algn="ctr"/>
             <a:r>
               <a:rPr lang="en-US" altLang="ko-KR" sz="8000" dirty="0"/>
-              <a:t>||</a:t>
+              <a:t>&gt;</a:t>
             </a:r>
           </a:p>
           <a:p>
             <a:pPr algn="ctr"/>
             <a:r>
               <a:rPr lang="en-US" altLang="ko-KR" sz="8000" dirty="0"/>
-              <a:t>&amp;&amp;</a:t>
+              <a:t>&lt;</a:t>
             </a:r>
           </a:p>
           <a:p>
             <a:pPr algn="ctr"/>
             <a:r>
               <a:rPr lang="en-US" altLang="ko-KR" sz="8000" dirty="0"/>
-              <a:t>!</a:t>
+              <a:t>&gt;=</a:t>
+            </a:r>
+          </a:p>
+          <a:p>
+            <a:pPr algn="ctr"/>
+            <a:r>
+              <a:rPr lang="en-US" altLang="ko-KR" sz="8000" dirty="0"/>
+              <a:t>&lt;=</a:t>
             </a:r>
           </a:p>
         </p:txBody>
@@ -5687,7 +5675,7 @@
     </p:spTree>
     <p:extLst>
       <p:ext uri="{BB962C8B-B14F-4D97-AF65-F5344CB8AC3E}">
-        <p14:creationId xmlns:p14="http://schemas.microsoft.com/office/powerpoint/2010/main" val="2531885579"/>
+        <p14:creationId xmlns:p14="http://schemas.microsoft.com/office/powerpoint/2010/main" val="4091158168"/>
       </p:ext>
     </p:extLst>
   </p:cSld>
@@ -5728,7 +5716,7 @@
         </p:nvSpPr>
         <p:spPr>
           <a:xfrm>
-            <a:off x="2461846" y="1015023"/>
+            <a:off x="2461846" y="1269023"/>
             <a:ext cx="7268308" cy="3785652"/>
           </a:xfrm>
           <a:prstGeom prst="rect">
@@ -5745,21 +5733,21 @@
             <a:pPr algn="ctr"/>
             <a:r>
               <a:rPr lang="en-US" altLang="ko-KR" sz="8000" dirty="0"/>
-              <a:t>if</a:t>
+              <a:t>||</a:t>
             </a:r>
           </a:p>
           <a:p>
             <a:pPr algn="ctr"/>
             <a:r>
               <a:rPr lang="en-US" altLang="ko-KR" sz="8000" dirty="0"/>
-              <a:t>else if</a:t>
+              <a:t>&amp;&amp;</a:t>
             </a:r>
           </a:p>
           <a:p>
             <a:pPr algn="ctr"/>
             <a:r>
               <a:rPr lang="en-US" altLang="ko-KR" sz="8000" dirty="0"/>
-              <a:t>else</a:t>
+              <a:t>!</a:t>
             </a:r>
           </a:p>
         </p:txBody>
@@ -5767,7 +5755,7 @@
     </p:spTree>
     <p:extLst>
       <p:ext uri="{BB962C8B-B14F-4D97-AF65-F5344CB8AC3E}">
-        <p14:creationId xmlns:p14="http://schemas.microsoft.com/office/powerpoint/2010/main" val="1384890283"/>
+        <p14:creationId xmlns:p14="http://schemas.microsoft.com/office/powerpoint/2010/main" val="2531885579"/>
       </p:ext>
     </p:extLst>
   </p:cSld>
@@ -5808,8 +5796,8 @@
         </p:nvSpPr>
         <p:spPr>
           <a:xfrm>
-            <a:off x="2461846" y="1878623"/>
-            <a:ext cx="7268308" cy="2554545"/>
+            <a:off x="2461846" y="1015023"/>
+            <a:ext cx="7268308" cy="3785652"/>
           </a:xfrm>
           <a:prstGeom prst="rect">
             <a:avLst/>
@@ -5825,14 +5813,21 @@
             <a:pPr algn="ctr"/>
             <a:r>
               <a:rPr lang="en-US" altLang="ko-KR" sz="8000" dirty="0"/>
-              <a:t>//</a:t>
+              <a:t>if</a:t>
             </a:r>
           </a:p>
           <a:p>
             <a:pPr algn="ctr"/>
             <a:r>
               <a:rPr lang="en-US" altLang="ko-KR" sz="8000" dirty="0"/>
-              <a:t>/**/</a:t>
+              <a:t>else if</a:t>
+            </a:r>
+          </a:p>
+          <a:p>
+            <a:pPr algn="ctr"/>
+            <a:r>
+              <a:rPr lang="en-US" altLang="ko-KR" sz="8000" dirty="0"/>
+              <a:t>else</a:t>
             </a:r>
           </a:p>
         </p:txBody>
@@ -5840,7 +5835,7 @@
     </p:spTree>
     <p:extLst>
       <p:ext uri="{BB962C8B-B14F-4D97-AF65-F5344CB8AC3E}">
-        <p14:creationId xmlns:p14="http://schemas.microsoft.com/office/powerpoint/2010/main" val="3460563741"/>
+        <p14:creationId xmlns:p14="http://schemas.microsoft.com/office/powerpoint/2010/main" val="1384890283"/>
       </p:ext>
     </p:extLst>
   </p:cSld>
@@ -5881,8 +5876,8 @@
         </p:nvSpPr>
         <p:spPr>
           <a:xfrm>
-            <a:off x="2461846" y="2207161"/>
-            <a:ext cx="7268308" cy="1323439"/>
+            <a:off x="2461846" y="1878623"/>
+            <a:ext cx="7268308" cy="2554545"/>
           </a:xfrm>
           <a:prstGeom prst="rect">
             <a:avLst/>
@@ -5898,7 +5893,14 @@
             <a:pPr algn="ctr"/>
             <a:r>
               <a:rPr lang="en-US" altLang="ko-KR" sz="8000" dirty="0"/>
-              <a:t>? :</a:t>
+              <a:t>//</a:t>
+            </a:r>
+          </a:p>
+          <a:p>
+            <a:pPr algn="ctr"/>
+            <a:r>
+              <a:rPr lang="en-US" altLang="ko-KR" sz="8000" dirty="0"/>
+              <a:t>/**/</a:t>
             </a:r>
           </a:p>
         </p:txBody>
@@ -5906,7 +5908,7 @@
     </p:spTree>
     <p:extLst>
       <p:ext uri="{BB962C8B-B14F-4D97-AF65-F5344CB8AC3E}">
-        <p14:creationId xmlns:p14="http://schemas.microsoft.com/office/powerpoint/2010/main" val="1720475646"/>
+        <p14:creationId xmlns:p14="http://schemas.microsoft.com/office/powerpoint/2010/main" val="3460563741"/>
       </p:ext>
     </p:extLst>
   </p:cSld>
@@ -5947,7 +5949,7 @@
         </p:nvSpPr>
         <p:spPr>
           <a:xfrm>
-            <a:off x="2461846" y="2145323"/>
+            <a:off x="2461846" y="2207161"/>
             <a:ext cx="7268308" cy="1323439"/>
           </a:xfrm>
           <a:prstGeom prst="rect">
@@ -5964,7 +5966,7 @@
             <a:pPr algn="ctr"/>
             <a:r>
               <a:rPr lang="en-US" altLang="ko-KR" sz="8000" dirty="0"/>
-              <a:t>switch</a:t>
+              <a:t>? :</a:t>
             </a:r>
           </a:p>
         </p:txBody>
@@ -5972,7 +5974,7 @@
     </p:spTree>
     <p:extLst>
       <p:ext uri="{BB962C8B-B14F-4D97-AF65-F5344CB8AC3E}">
-        <p14:creationId xmlns:p14="http://schemas.microsoft.com/office/powerpoint/2010/main" val="1752721334"/>
+        <p14:creationId xmlns:p14="http://schemas.microsoft.com/office/powerpoint/2010/main" val="1720475646"/>
       </p:ext>
     </p:extLst>
   </p:cSld>
@@ -6030,7 +6032,7 @@
             <a:pPr algn="ctr"/>
             <a:r>
               <a:rPr lang="en-US" altLang="ko-KR" sz="8000" dirty="0"/>
-              <a:t>while</a:t>
+              <a:t>switch</a:t>
             </a:r>
           </a:p>
         </p:txBody>
@@ -6038,7 +6040,7 @@
     </p:spTree>
     <p:extLst>
       <p:ext uri="{BB962C8B-B14F-4D97-AF65-F5344CB8AC3E}">
-        <p14:creationId xmlns:p14="http://schemas.microsoft.com/office/powerpoint/2010/main" val="3957724946"/>
+        <p14:creationId xmlns:p14="http://schemas.microsoft.com/office/powerpoint/2010/main" val="1752721334"/>
       </p:ext>
     </p:extLst>
   </p:cSld>
@@ -6096,43 +6098,7 @@
             <a:pPr algn="ctr"/>
             <a:r>
               <a:rPr lang="en-US" altLang="ko-KR" sz="8000" dirty="0"/>
-              <a:t>continue</a:t>
-            </a:r>
-          </a:p>
-        </p:txBody>
-      </p:sp>
-      <p:sp>
-        <p:nvSpPr>
-          <p:cNvPr id="2" name="TextBox 1">
-            <a:extLst>
-              <a:ext uri="{FF2B5EF4-FFF2-40B4-BE49-F238E27FC236}">
-                <a16:creationId xmlns:a16="http://schemas.microsoft.com/office/drawing/2014/main" id="{4215E355-C71B-D009-5413-1B23656E5882}"/>
-              </a:ext>
-            </a:extLst>
-          </p:cNvPr>
-          <p:cNvSpPr txBox="1"/>
-          <p:nvPr/>
-        </p:nvSpPr>
-        <p:spPr>
-          <a:xfrm>
-            <a:off x="2461846" y="3262923"/>
-            <a:ext cx="7268308" cy="1323439"/>
-          </a:xfrm>
-          <a:prstGeom prst="rect">
-            <a:avLst/>
-          </a:prstGeom>
-          <a:noFill/>
-        </p:spPr>
-        <p:txBody>
-          <a:bodyPr wrap="square" rtlCol="0">
-            <a:spAutoFit/>
-          </a:bodyPr>
-          <a:lstStyle/>
-          <a:p>
-            <a:pPr algn="ctr"/>
-            <a:r>
-              <a:rPr lang="en-US" altLang="ko-KR" sz="8000" dirty="0"/>
-              <a:t>break</a:t>
+              <a:t>while</a:t>
             </a:r>
           </a:p>
         </p:txBody>
@@ -6140,7 +6106,7 @@
     </p:spTree>
     <p:extLst>
       <p:ext uri="{BB962C8B-B14F-4D97-AF65-F5344CB8AC3E}">
-        <p14:creationId xmlns:p14="http://schemas.microsoft.com/office/powerpoint/2010/main" val="203296431"/>
+        <p14:creationId xmlns:p14="http://schemas.microsoft.com/office/powerpoint/2010/main" val="3957724946"/>
       </p:ext>
     </p:extLst>
   </p:cSld>
@@ -6197,17 +6163,52 @@
           <a:p>
             <a:pPr algn="ctr"/>
             <a:r>
-              <a:rPr lang="en-US" altLang="ko-KR" sz="8000" dirty="0" err="1"/>
-              <a:t>dowhile</a:t>
-            </a:r>
-            <a:endParaRPr lang="en-US" altLang="ko-KR" sz="8000" dirty="0"/>
+              <a:rPr lang="en-US" altLang="ko-KR" sz="8000" dirty="0"/>
+              <a:t>continue</a:t>
+            </a:r>
+          </a:p>
+        </p:txBody>
+      </p:sp>
+      <p:sp>
+        <p:nvSpPr>
+          <p:cNvPr id="2" name="TextBox 1">
+            <a:extLst>
+              <a:ext uri="{FF2B5EF4-FFF2-40B4-BE49-F238E27FC236}">
+                <a16:creationId xmlns:a16="http://schemas.microsoft.com/office/drawing/2014/main" id="{4215E355-C71B-D009-5413-1B23656E5882}"/>
+              </a:ext>
+            </a:extLst>
+          </p:cNvPr>
+          <p:cNvSpPr txBox="1"/>
+          <p:nvPr/>
+        </p:nvSpPr>
+        <p:spPr>
+          <a:xfrm>
+            <a:off x="2461846" y="3262923"/>
+            <a:ext cx="7268308" cy="1323439"/>
+          </a:xfrm>
+          <a:prstGeom prst="rect">
+            <a:avLst/>
+          </a:prstGeom>
+          <a:noFill/>
+        </p:spPr>
+        <p:txBody>
+          <a:bodyPr wrap="square" rtlCol="0">
+            <a:spAutoFit/>
+          </a:bodyPr>
+          <a:lstStyle/>
+          <a:p>
+            <a:pPr algn="ctr"/>
+            <a:r>
+              <a:rPr lang="en-US" altLang="ko-KR" sz="8000" dirty="0"/>
+              <a:t>break</a:t>
+            </a:r>
           </a:p>
         </p:txBody>
       </p:sp>
     </p:spTree>
     <p:extLst>
       <p:ext uri="{BB962C8B-B14F-4D97-AF65-F5344CB8AC3E}">
-        <p14:creationId xmlns:p14="http://schemas.microsoft.com/office/powerpoint/2010/main" val="2658919004"/>
+        <p14:creationId xmlns:p14="http://schemas.microsoft.com/office/powerpoint/2010/main" val="203296431"/>
       </p:ext>
     </p:extLst>
   </p:cSld>
@@ -6315,53 +6316,33 @@
         </p:nvSpPr>
         <p:spPr>
           <a:xfrm>
-            <a:off x="2461846" y="584200"/>
-            <a:ext cx="7268308" cy="5016758"/>
-          </a:xfrm>
-          <a:prstGeom prst="rect">
-            <a:avLst/>
-          </a:prstGeom>
-          <a:noFill/>
-        </p:spPr>
-        <p:txBody>
-          <a:bodyPr wrap="square" rtlCol="0">
-            <a:spAutoFit/>
-          </a:bodyPr>
-          <a:lstStyle/>
-          <a:p>
-            <a:pPr algn="ctr"/>
-            <a:r>
-              <a:rPr lang="en-US" altLang="ko-KR" sz="8000" dirty="0"/>
-              <a:t>++</a:t>
-            </a:r>
-          </a:p>
-          <a:p>
-            <a:pPr algn="ctr"/>
-            <a:r>
-              <a:rPr lang="en-US" altLang="ko-KR" sz="8000" dirty="0"/>
-              <a:t>--</a:t>
-            </a:r>
-          </a:p>
-          <a:p>
-            <a:pPr algn="ctr"/>
-            <a:r>
-              <a:rPr lang="en-US" altLang="ko-KR" sz="8000" dirty="0"/>
-              <a:t>+=</a:t>
-            </a:r>
-          </a:p>
-          <a:p>
-            <a:pPr algn="ctr"/>
-            <a:r>
-              <a:rPr lang="en-US" altLang="ko-KR" sz="8000" dirty="0"/>
-              <a:t>* / % !</a:t>
-            </a:r>
+            <a:off x="2461846" y="2145323"/>
+            <a:ext cx="7268308" cy="1323439"/>
+          </a:xfrm>
+          <a:prstGeom prst="rect">
+            <a:avLst/>
+          </a:prstGeom>
+          <a:noFill/>
+        </p:spPr>
+        <p:txBody>
+          <a:bodyPr wrap="square" rtlCol="0">
+            <a:spAutoFit/>
+          </a:bodyPr>
+          <a:lstStyle/>
+          <a:p>
+            <a:pPr algn="ctr"/>
+            <a:r>
+              <a:rPr lang="en-US" altLang="ko-KR" sz="8000" dirty="0" err="1"/>
+              <a:t>dowhile</a:t>
+            </a:r>
+            <a:endParaRPr lang="en-US" altLang="ko-KR" sz="8000" dirty="0"/>
           </a:p>
         </p:txBody>
       </p:sp>
     </p:spTree>
     <p:extLst>
       <p:ext uri="{BB962C8B-B14F-4D97-AF65-F5344CB8AC3E}">
-        <p14:creationId xmlns:p14="http://schemas.microsoft.com/office/powerpoint/2010/main" val="1196184717"/>
+        <p14:creationId xmlns:p14="http://schemas.microsoft.com/office/powerpoint/2010/main" val="2658919004"/>
       </p:ext>
     </p:extLst>
   </p:cSld>
@@ -6402,8 +6383,8 @@
         </p:nvSpPr>
         <p:spPr>
           <a:xfrm>
-            <a:off x="2461846" y="2145323"/>
-            <a:ext cx="7268308" cy="1323439"/>
+            <a:off x="2461846" y="584200"/>
+            <a:ext cx="7268308" cy="5016758"/>
           </a:xfrm>
           <a:prstGeom prst="rect">
             <a:avLst/>
@@ -6419,7 +6400,28 @@
             <a:pPr algn="ctr"/>
             <a:r>
               <a:rPr lang="en-US" altLang="ko-KR" sz="8000" dirty="0"/>
-              <a:t>for</a:t>
+              <a:t>++</a:t>
+            </a:r>
+          </a:p>
+          <a:p>
+            <a:pPr algn="ctr"/>
+            <a:r>
+              <a:rPr lang="en-US" altLang="ko-KR" sz="8000" dirty="0"/>
+              <a:t>--</a:t>
+            </a:r>
+          </a:p>
+          <a:p>
+            <a:pPr algn="ctr"/>
+            <a:r>
+              <a:rPr lang="en-US" altLang="ko-KR" sz="8000" dirty="0"/>
+              <a:t>+=</a:t>
+            </a:r>
+          </a:p>
+          <a:p>
+            <a:pPr algn="ctr"/>
+            <a:r>
+              <a:rPr lang="en-US" altLang="ko-KR" sz="8000" dirty="0"/>
+              <a:t>* / % !</a:t>
             </a:r>
           </a:p>
         </p:txBody>
@@ -6427,7 +6429,7 @@
     </p:spTree>
     <p:extLst>
       <p:ext uri="{BB962C8B-B14F-4D97-AF65-F5344CB8AC3E}">
-        <p14:creationId xmlns:p14="http://schemas.microsoft.com/office/powerpoint/2010/main" val="2212278104"/>
+        <p14:creationId xmlns:p14="http://schemas.microsoft.com/office/powerpoint/2010/main" val="1196184717"/>
       </p:ext>
     </p:extLst>
   </p:cSld>
@@ -6468,41 +6470,32 @@
         </p:nvSpPr>
         <p:spPr>
           <a:xfrm>
-            <a:off x="2461846" y="1688123"/>
-            <a:ext cx="7268308" cy="2554545"/>
-          </a:xfrm>
-          <a:prstGeom prst="rect">
-            <a:avLst/>
-          </a:prstGeom>
-          <a:noFill/>
-        </p:spPr>
-        <p:txBody>
-          <a:bodyPr wrap="square" rtlCol="0">
-            <a:spAutoFit/>
-          </a:bodyPr>
-          <a:lstStyle/>
-          <a:p>
-            <a:pPr algn="ctr"/>
-            <a:r>
-              <a:rPr lang="ko-KR" altLang="en-US" sz="8000" dirty="0"/>
-              <a:t>지역변수</a:t>
-            </a:r>
-            <a:endParaRPr lang="en-US" altLang="ko-KR" sz="8000" dirty="0"/>
-          </a:p>
-          <a:p>
-            <a:pPr algn="ctr"/>
-            <a:r>
-              <a:rPr lang="ko-KR" altLang="en-US" sz="8000" dirty="0"/>
-              <a:t>전역변수</a:t>
-            </a:r>
-            <a:endParaRPr lang="en-US" altLang="ko-KR" sz="8000" dirty="0"/>
+            <a:off x="2461846" y="2145323"/>
+            <a:ext cx="7268308" cy="1323439"/>
+          </a:xfrm>
+          <a:prstGeom prst="rect">
+            <a:avLst/>
+          </a:prstGeom>
+          <a:noFill/>
+        </p:spPr>
+        <p:txBody>
+          <a:bodyPr wrap="square" rtlCol="0">
+            <a:spAutoFit/>
+          </a:bodyPr>
+          <a:lstStyle/>
+          <a:p>
+            <a:pPr algn="ctr"/>
+            <a:r>
+              <a:rPr lang="en-US" altLang="ko-KR" sz="8000" dirty="0"/>
+              <a:t>for</a:t>
+            </a:r>
           </a:p>
         </p:txBody>
       </p:sp>
     </p:spTree>
     <p:extLst>
       <p:ext uri="{BB962C8B-B14F-4D97-AF65-F5344CB8AC3E}">
-        <p14:creationId xmlns:p14="http://schemas.microsoft.com/office/powerpoint/2010/main" val="279647758"/>
+        <p14:creationId xmlns:p14="http://schemas.microsoft.com/office/powerpoint/2010/main" val="2212278104"/>
       </p:ext>
     </p:extLst>
   </p:cSld>
@@ -6543,8 +6536,8 @@
         </p:nvSpPr>
         <p:spPr>
           <a:xfrm>
-            <a:off x="2461846" y="2145323"/>
-            <a:ext cx="7268308" cy="1323439"/>
+            <a:off x="2461846" y="1688123"/>
+            <a:ext cx="7268308" cy="2554545"/>
           </a:xfrm>
           <a:prstGeom prst="rect">
             <a:avLst/>
@@ -6560,19 +6553,24 @@
             <a:pPr algn="ctr"/>
             <a:r>
               <a:rPr lang="ko-KR" altLang="en-US" sz="8000" dirty="0"/>
-              <a:t>배열</a:t>
-            </a:r>
-            <a:r>
-              <a:rPr lang="en-US" altLang="ko-KR" sz="8000" dirty="0"/>
-              <a:t>[]</a:t>
-            </a:r>
+              <a:t>지역변수</a:t>
+            </a:r>
+            <a:endParaRPr lang="en-US" altLang="ko-KR" sz="8000" dirty="0"/>
+          </a:p>
+          <a:p>
+            <a:pPr algn="ctr"/>
+            <a:r>
+              <a:rPr lang="ko-KR" altLang="en-US" sz="8000" dirty="0"/>
+              <a:t>전역변수</a:t>
+            </a:r>
+            <a:endParaRPr lang="en-US" altLang="ko-KR" sz="8000" dirty="0"/>
           </a:p>
         </p:txBody>
       </p:sp>
     </p:spTree>
     <p:extLst>
       <p:ext uri="{BB962C8B-B14F-4D97-AF65-F5344CB8AC3E}">
-        <p14:creationId xmlns:p14="http://schemas.microsoft.com/office/powerpoint/2010/main" val="1230663859"/>
+        <p14:creationId xmlns:p14="http://schemas.microsoft.com/office/powerpoint/2010/main" val="279647758"/>
       </p:ext>
     </p:extLst>
   </p:cSld>
@@ -6613,31 +6611,28 @@
         </p:nvSpPr>
         <p:spPr>
           <a:xfrm>
-            <a:off x="2461846" y="2105561"/>
-            <a:ext cx="7268308" cy="2554545"/>
-          </a:xfrm>
-          <a:prstGeom prst="rect">
-            <a:avLst/>
-          </a:prstGeom>
-          <a:noFill/>
-        </p:spPr>
-        <p:txBody>
-          <a:bodyPr wrap="square" rtlCol="0">
-            <a:spAutoFit/>
-          </a:bodyPr>
-          <a:lstStyle/>
-          <a:p>
-            <a:pPr algn="ctr"/>
+            <a:off x="2461846" y="2145323"/>
+            <a:ext cx="7268308" cy="1323439"/>
+          </a:xfrm>
+          <a:prstGeom prst="rect">
+            <a:avLst/>
+          </a:prstGeom>
+          <a:noFill/>
+        </p:spPr>
+        <p:txBody>
+          <a:bodyPr wrap="square" rtlCol="0">
+            <a:spAutoFit/>
+          </a:bodyPr>
+          <a:lstStyle/>
+          <a:p>
+            <a:pPr algn="ctr"/>
+            <a:r>
+              <a:rPr lang="ko-KR" altLang="en-US" sz="8000" dirty="0"/>
+              <a:t>배열</a:t>
+            </a:r>
             <a:r>
               <a:rPr lang="en-US" altLang="ko-KR" sz="8000" dirty="0"/>
-              <a:t>function()</a:t>
-            </a:r>
-          </a:p>
-          <a:p>
-            <a:pPr algn="ctr"/>
-            <a:r>
-              <a:rPr lang="en-US" altLang="ko-KR" sz="8000" dirty="0"/>
-              <a:t>return 0;</a:t>
+              <a:t>[]</a:t>
             </a:r>
           </a:p>
         </p:txBody>
@@ -6645,7 +6640,7 @@
     </p:spTree>
     <p:extLst>
       <p:ext uri="{BB962C8B-B14F-4D97-AF65-F5344CB8AC3E}">
-        <p14:creationId xmlns:p14="http://schemas.microsoft.com/office/powerpoint/2010/main" val="26382584"/>
+        <p14:creationId xmlns:p14="http://schemas.microsoft.com/office/powerpoint/2010/main" val="1230663859"/>
       </p:ext>
     </p:extLst>
   </p:cSld>
@@ -6686,33 +6681,39 @@
         </p:nvSpPr>
         <p:spPr>
           <a:xfrm>
-            <a:off x="1746250" y="2526323"/>
-            <a:ext cx="8699500" cy="1323439"/>
-          </a:xfrm>
-          <a:prstGeom prst="rect">
-            <a:avLst/>
-          </a:prstGeom>
-          <a:noFill/>
-        </p:spPr>
-        <p:txBody>
-          <a:bodyPr wrap="square" rtlCol="0">
-            <a:spAutoFit/>
-          </a:bodyPr>
-          <a:lstStyle/>
-          <a:p>
-            <a:pPr algn="ctr"/>
-            <a:r>
-              <a:rPr lang="en-US" altLang="ko-KR" sz="8000" dirty="0" err="1"/>
-              <a:t>addEventListener</a:t>
-            </a:r>
-            <a:endParaRPr lang="en-US" altLang="ko-KR" sz="8000" dirty="0"/>
+            <a:off x="2461846" y="2105561"/>
+            <a:ext cx="7268308" cy="2554545"/>
+          </a:xfrm>
+          <a:prstGeom prst="rect">
+            <a:avLst/>
+          </a:prstGeom>
+          <a:noFill/>
+        </p:spPr>
+        <p:txBody>
+          <a:bodyPr wrap="square" rtlCol="0">
+            <a:spAutoFit/>
+          </a:bodyPr>
+          <a:lstStyle/>
+          <a:p>
+            <a:pPr algn="ctr"/>
+            <a:r>
+              <a:rPr lang="en-US" altLang="ko-KR" sz="8000" dirty="0"/>
+              <a:t>function()</a:t>
+            </a:r>
+          </a:p>
+          <a:p>
+            <a:pPr algn="ctr"/>
+            <a:r>
+              <a:rPr lang="en-US" altLang="ko-KR" sz="8000" dirty="0"/>
+              <a:t>return 0;</a:t>
+            </a:r>
           </a:p>
         </p:txBody>
       </p:sp>
     </p:spTree>
     <p:extLst>
       <p:ext uri="{BB962C8B-B14F-4D97-AF65-F5344CB8AC3E}">
-        <p14:creationId xmlns:p14="http://schemas.microsoft.com/office/powerpoint/2010/main" val="2225793031"/>
+        <p14:creationId xmlns:p14="http://schemas.microsoft.com/office/powerpoint/2010/main" val="26382584"/>
       </p:ext>
     </p:extLst>
   </p:cSld>
@@ -6769,16 +6770,17 @@
           <a:p>
             <a:pPr algn="ctr"/>
             <a:r>
-              <a:rPr lang="en-US" altLang="ko-KR" sz="8000" dirty="0"/>
-              <a:t>select</a:t>
-            </a:r>
+              <a:rPr lang="en-US" altLang="ko-KR" sz="8000" dirty="0" err="1"/>
+              <a:t>addEventListener</a:t>
+            </a:r>
+            <a:endParaRPr lang="en-US" altLang="ko-KR" sz="8000" dirty="0"/>
           </a:p>
         </p:txBody>
       </p:sp>
     </p:spTree>
     <p:extLst>
       <p:ext uri="{BB962C8B-B14F-4D97-AF65-F5344CB8AC3E}">
-        <p14:creationId xmlns:p14="http://schemas.microsoft.com/office/powerpoint/2010/main" val="891193199"/>
+        <p14:creationId xmlns:p14="http://schemas.microsoft.com/office/powerpoint/2010/main" val="2225793031"/>
       </p:ext>
     </p:extLst>
   </p:cSld>
@@ -6835,17 +6837,16 @@
           <a:p>
             <a:pPr algn="ctr"/>
             <a:r>
-              <a:rPr lang="en-US" altLang="ko-KR" sz="8000" dirty="0" err="1"/>
-              <a:t>Math.PI</a:t>
-            </a:r>
-            <a:endParaRPr lang="en-US" altLang="ko-KR" sz="8000" dirty="0"/>
+              <a:rPr lang="en-US" altLang="ko-KR" sz="8000" dirty="0"/>
+              <a:t>select</a:t>
+            </a:r>
           </a:p>
         </p:txBody>
       </p:sp>
     </p:spTree>
     <p:extLst>
       <p:ext uri="{BB962C8B-B14F-4D97-AF65-F5344CB8AC3E}">
-        <p14:creationId xmlns:p14="http://schemas.microsoft.com/office/powerpoint/2010/main" val="2940396978"/>
+        <p14:creationId xmlns:p14="http://schemas.microsoft.com/office/powerpoint/2010/main" val="891193199"/>
       </p:ext>
     </p:extLst>
   </p:cSld>
@@ -6902,16 +6903,17 @@
           <a:p>
             <a:pPr algn="ctr"/>
             <a:r>
-              <a:rPr lang="en-US" altLang="ko-KR" sz="8000" dirty="0"/>
-              <a:t>=&gt;()</a:t>
-            </a:r>
+              <a:rPr lang="en-US" altLang="ko-KR" sz="8000" dirty="0" err="1"/>
+              <a:t>Math.PI</a:t>
+            </a:r>
+            <a:endParaRPr lang="en-US" altLang="ko-KR" sz="8000" dirty="0"/>
           </a:p>
         </p:txBody>
       </p:sp>
     </p:spTree>
     <p:extLst>
       <p:ext uri="{BB962C8B-B14F-4D97-AF65-F5344CB8AC3E}">
-        <p14:creationId xmlns:p14="http://schemas.microsoft.com/office/powerpoint/2010/main" val="2555373383"/>
+        <p14:creationId xmlns:p14="http://schemas.microsoft.com/office/powerpoint/2010/main" val="2940396978"/>
       </p:ext>
     </p:extLst>
   </p:cSld>
@@ -6952,8 +6954,8 @@
         </p:nvSpPr>
         <p:spPr>
           <a:xfrm>
-            <a:off x="1746250" y="2151727"/>
-            <a:ext cx="8699500" cy="2554545"/>
+            <a:off x="1746250" y="2526323"/>
+            <a:ext cx="8699500" cy="1323439"/>
           </a:xfrm>
           <a:prstGeom prst="rect">
             <a:avLst/>
@@ -6969,14 +6971,7 @@
             <a:pPr algn="ctr"/>
             <a:r>
               <a:rPr lang="en-US" altLang="ko-KR" sz="8000" dirty="0"/>
-              <a:t>~ | &amp; ^ &lt;&lt; &gt;&gt;</a:t>
-            </a:r>
-          </a:p>
-          <a:p>
-            <a:pPr algn="ctr"/>
-            <a:r>
-              <a:rPr lang="en-US" altLang="ko-KR" sz="8000" dirty="0"/>
-              <a:t>&lt;&lt;&lt; &gt;&gt;&gt;</a:t>
+              <a:t>=&gt;()</a:t>
             </a:r>
           </a:p>
         </p:txBody>
@@ -6984,7 +6979,7 @@
     </p:spTree>
     <p:extLst>
       <p:ext uri="{BB962C8B-B14F-4D97-AF65-F5344CB8AC3E}">
-        <p14:creationId xmlns:p14="http://schemas.microsoft.com/office/powerpoint/2010/main" val="3530468642"/>
+        <p14:creationId xmlns:p14="http://schemas.microsoft.com/office/powerpoint/2010/main" val="2555373383"/>
       </p:ext>
     </p:extLst>
   </p:cSld>
@@ -7204,68 +7199,39 @@
         </p:nvSpPr>
         <p:spPr>
           <a:xfrm>
-            <a:off x="2182446" y="5066323"/>
-            <a:ext cx="7268308" cy="769441"/>
-          </a:xfrm>
-          <a:prstGeom prst="rect">
-            <a:avLst/>
-          </a:prstGeom>
-          <a:noFill/>
-        </p:spPr>
-        <p:txBody>
-          <a:bodyPr wrap="square" rtlCol="0">
-            <a:spAutoFit/>
-          </a:bodyPr>
-          <a:lstStyle/>
-          <a:p>
-            <a:pPr algn="ctr"/>
-            <a:r>
-              <a:rPr lang="ko-KR" altLang="en-US" sz="4400" dirty="0"/>
-              <a:t>질문 리스트 작성하기</a:t>
-            </a:r>
-          </a:p>
-        </p:txBody>
-      </p:sp>
-      <p:pic>
-        <p:nvPicPr>
-          <p:cNvPr id="6" name="그림 5" descr="만화 영화, 예술, 그래픽, 그림이(가) 표시된 사진&#10;&#10;자동 생성된 설명">
-            <a:extLst>
-              <a:ext uri="{FF2B5EF4-FFF2-40B4-BE49-F238E27FC236}">
-                <a16:creationId xmlns:a16="http://schemas.microsoft.com/office/drawing/2014/main" id="{4A46C2B8-FD94-4AE0-FAC4-B57C1F6BB0D0}"/>
-              </a:ext>
-            </a:extLst>
-          </p:cNvPr>
-          <p:cNvPicPr>
-            <a:picLocks noChangeAspect="1"/>
-          </p:cNvPicPr>
-          <p:nvPr/>
-        </p:nvPicPr>
-        <p:blipFill>
-          <a:blip r:embed="rId2">
-            <a:extLst>
-              <a:ext uri="{28A0092B-C50C-407E-A947-70E740481C1C}">
-                <a14:useLocalDpi xmlns:a14="http://schemas.microsoft.com/office/drawing/2010/main" val="0"/>
-              </a:ext>
-            </a:extLst>
-          </a:blip>
-          <a:stretch>
-            <a:fillRect/>
-          </a:stretch>
-        </p:blipFill>
-        <p:spPr>
-          <a:xfrm>
-            <a:off x="4064000" y="769442"/>
-            <a:ext cx="4064000" cy="4064000"/>
-          </a:xfrm>
-          <a:prstGeom prst="rect">
-            <a:avLst/>
-          </a:prstGeom>
-        </p:spPr>
-      </p:pic>
+            <a:off x="1746250" y="2151727"/>
+            <a:ext cx="8699500" cy="2554545"/>
+          </a:xfrm>
+          <a:prstGeom prst="rect">
+            <a:avLst/>
+          </a:prstGeom>
+          <a:noFill/>
+        </p:spPr>
+        <p:txBody>
+          <a:bodyPr wrap="square" rtlCol="0">
+            <a:spAutoFit/>
+          </a:bodyPr>
+          <a:lstStyle/>
+          <a:p>
+            <a:pPr algn="ctr"/>
+            <a:r>
+              <a:rPr lang="en-US" altLang="ko-KR" sz="8000" dirty="0"/>
+              <a:t>~ | &amp; ^ &lt;&lt; &gt;&gt;</a:t>
+            </a:r>
+          </a:p>
+          <a:p>
+            <a:pPr algn="ctr"/>
+            <a:r>
+              <a:rPr lang="en-US" altLang="ko-KR" sz="8000" dirty="0"/>
+              <a:t>&lt;&lt;&lt; &gt;&gt;&gt;</a:t>
+            </a:r>
+          </a:p>
+        </p:txBody>
+      </p:sp>
     </p:spTree>
     <p:extLst>
       <p:ext uri="{BB962C8B-B14F-4D97-AF65-F5344CB8AC3E}">
-        <p14:creationId xmlns:p14="http://schemas.microsoft.com/office/powerpoint/2010/main" val="2608603203"/>
+        <p14:creationId xmlns:p14="http://schemas.microsoft.com/office/powerpoint/2010/main" val="3530468642"/>
       </p:ext>
     </p:extLst>
   </p:cSld>
@@ -7306,6 +7272,108 @@
         </p:nvSpPr>
         <p:spPr>
           <a:xfrm>
+            <a:off x="2182446" y="5066323"/>
+            <a:ext cx="7268308" cy="769441"/>
+          </a:xfrm>
+          <a:prstGeom prst="rect">
+            <a:avLst/>
+          </a:prstGeom>
+          <a:noFill/>
+        </p:spPr>
+        <p:txBody>
+          <a:bodyPr wrap="square" rtlCol="0">
+            <a:spAutoFit/>
+          </a:bodyPr>
+          <a:lstStyle/>
+          <a:p>
+            <a:pPr algn="ctr"/>
+            <a:r>
+              <a:rPr lang="ko-KR" altLang="en-US" sz="4400" dirty="0"/>
+              <a:t>질문 리스트 작성하기</a:t>
+            </a:r>
+          </a:p>
+        </p:txBody>
+      </p:sp>
+      <p:pic>
+        <p:nvPicPr>
+          <p:cNvPr id="6" name="그림 5" descr="만화 영화, 예술, 그래픽, 그림이(가) 표시된 사진&#10;&#10;자동 생성된 설명">
+            <a:extLst>
+              <a:ext uri="{FF2B5EF4-FFF2-40B4-BE49-F238E27FC236}">
+                <a16:creationId xmlns:a16="http://schemas.microsoft.com/office/drawing/2014/main" id="{4A46C2B8-FD94-4AE0-FAC4-B57C1F6BB0D0}"/>
+              </a:ext>
+            </a:extLst>
+          </p:cNvPr>
+          <p:cNvPicPr>
+            <a:picLocks noChangeAspect="1"/>
+          </p:cNvPicPr>
+          <p:nvPr/>
+        </p:nvPicPr>
+        <p:blipFill>
+          <a:blip r:embed="rId2">
+            <a:extLst>
+              <a:ext uri="{28A0092B-C50C-407E-A947-70E740481C1C}">
+                <a14:useLocalDpi xmlns:a14="http://schemas.microsoft.com/office/drawing/2010/main" val="0"/>
+              </a:ext>
+            </a:extLst>
+          </a:blip>
+          <a:stretch>
+            <a:fillRect/>
+          </a:stretch>
+        </p:blipFill>
+        <p:spPr>
+          <a:xfrm>
+            <a:off x="4064000" y="769442"/>
+            <a:ext cx="4064000" cy="4064000"/>
+          </a:xfrm>
+          <a:prstGeom prst="rect">
+            <a:avLst/>
+          </a:prstGeom>
+        </p:spPr>
+      </p:pic>
+    </p:spTree>
+    <p:extLst>
+      <p:ext uri="{BB962C8B-B14F-4D97-AF65-F5344CB8AC3E}">
+        <p14:creationId xmlns:p14="http://schemas.microsoft.com/office/powerpoint/2010/main" val="2608603203"/>
+      </p:ext>
+    </p:extLst>
+  </p:cSld>
+  <p:clrMapOvr>
+    <a:masterClrMapping/>
+  </p:clrMapOvr>
+</p:sld>
+</file>
+
+<file path=ppt/slides/slide142.xml><?xml version="1.0" encoding="utf-8"?>
+<p:sld xmlns:a="http://schemas.openxmlformats.org/drawingml/2006/main" xmlns:r="http://schemas.openxmlformats.org/officeDocument/2006/relationships" xmlns:p="http://schemas.openxmlformats.org/presentationml/2006/main">
+  <p:cSld>
+    <p:spTree>
+      <p:nvGrpSpPr>
+        <p:cNvPr id="1" name=""/>
+        <p:cNvGrpSpPr/>
+        <p:nvPr/>
+      </p:nvGrpSpPr>
+      <p:grpSpPr>
+        <a:xfrm>
+          <a:off x="0" y="0"/>
+          <a:ext cx="0" cy="0"/>
+          <a:chOff x="0" y="0"/>
+          <a:chExt cx="0" cy="0"/>
+        </a:xfrm>
+      </p:grpSpPr>
+      <p:sp>
+        <p:nvSpPr>
+          <p:cNvPr id="4" name="TextBox 3">
+            <a:extLst>
+              <a:ext uri="{FF2B5EF4-FFF2-40B4-BE49-F238E27FC236}">
+                <a16:creationId xmlns:a16="http://schemas.microsoft.com/office/drawing/2014/main" id="{77E83A82-1077-074D-D148-C824C7D5A2ED}"/>
+              </a:ext>
+            </a:extLst>
+          </p:cNvPr>
+          <p:cNvSpPr txBox="1"/>
+          <p:nvPr/>
+        </p:nvSpPr>
+        <p:spPr>
+          <a:xfrm>
             <a:off x="2461846" y="1180123"/>
             <a:ext cx="7268308" cy="1323439"/>
           </a:xfrm>
@@ -7341,7 +7409,7 @@
 </p:sld>
 </file>
 
-<file path=ppt/slides/slide142.xml><?xml version="1.0" encoding="utf-8"?>
+<file path=ppt/slides/slide143.xml><?xml version="1.0" encoding="utf-8"?>
 <p:sld xmlns:a="http://schemas.openxmlformats.org/drawingml/2006/main" xmlns:r="http://schemas.openxmlformats.org/officeDocument/2006/relationships" xmlns:p="http://schemas.openxmlformats.org/presentationml/2006/main">
   <p:cSld>
     <p:spTree>
@@ -17630,202 +17698,37 @@
       </p:grpSpPr>
       <p:sp>
         <p:nvSpPr>
-          <p:cNvPr id="4" name="TextBox 3">
-            <a:extLst>
-              <a:ext uri="{FF2B5EF4-FFF2-40B4-BE49-F238E27FC236}">
-                <a16:creationId xmlns:a16="http://schemas.microsoft.com/office/drawing/2014/main" id="{77E83A82-1077-074D-D148-C824C7D5A2ED}"/>
-              </a:ext>
-            </a:extLst>
-          </p:cNvPr>
-          <p:cNvSpPr txBox="1"/>
-          <p:nvPr/>
-        </p:nvSpPr>
-        <p:spPr>
-          <a:xfrm>
-            <a:off x="2461846" y="392723"/>
-            <a:ext cx="7268308" cy="769441"/>
-          </a:xfrm>
-          <a:prstGeom prst="rect">
-            <a:avLst/>
-          </a:prstGeom>
-          <a:noFill/>
-        </p:spPr>
-        <p:txBody>
-          <a:bodyPr wrap="square" rtlCol="0">
-            <a:spAutoFit/>
-          </a:bodyPr>
-          <a:lstStyle/>
-          <a:p>
-            <a:pPr algn="ctr"/>
-            <a:r>
-              <a:rPr lang="en-US" altLang="ko-KR" sz="4400" dirty="0"/>
-              <a:t>CSS </a:t>
-            </a:r>
-            <a:r>
-              <a:rPr lang="ko-KR" altLang="en-US" sz="4400" dirty="0" err="1"/>
-              <a:t>선택자</a:t>
-            </a:r>
-            <a:endParaRPr lang="ko-KR" altLang="en-US" sz="4400" dirty="0"/>
-          </a:p>
-        </p:txBody>
-      </p:sp>
-      <p:sp>
-        <p:nvSpPr>
           <p:cNvPr id="2" name="TextBox 1">
             <a:extLst>
               <a:ext uri="{FF2B5EF4-FFF2-40B4-BE49-F238E27FC236}">
-                <a16:creationId xmlns:a16="http://schemas.microsoft.com/office/drawing/2014/main" id="{CDE84F91-E200-1633-CEE1-DE55A55BA226}"/>
-              </a:ext>
-            </a:extLst>
-          </p:cNvPr>
-          <p:cNvSpPr txBox="1"/>
-          <p:nvPr/>
-        </p:nvSpPr>
-        <p:spPr>
-          <a:xfrm>
-            <a:off x="711200" y="832966"/>
-            <a:ext cx="9018954" cy="5632311"/>
-          </a:xfrm>
-          <a:prstGeom prst="rect">
-            <a:avLst/>
-          </a:prstGeom>
-          <a:noFill/>
-        </p:spPr>
-        <p:txBody>
-          <a:bodyPr wrap="square" rtlCol="0">
-            <a:spAutoFit/>
-          </a:bodyPr>
-          <a:lstStyle/>
-          <a:p>
-            <a:r>
-              <a:rPr lang="en-US" altLang="ko-KR" sz="2000" dirty="0"/>
-              <a:t>* {</a:t>
-            </a:r>
-          </a:p>
-          <a:p>
-            <a:r>
-              <a:rPr lang="en-US" altLang="ko-KR" sz="2000" dirty="0"/>
-              <a:t>}</a:t>
-            </a:r>
-          </a:p>
-          <a:p>
-            <a:r>
-              <a:rPr lang="en-US" altLang="ko-KR" sz="2000" dirty="0"/>
-              <a:t>h1 {</a:t>
-            </a:r>
-          </a:p>
-          <a:p>
-            <a:r>
-              <a:rPr lang="en-US" altLang="ko-KR" sz="2000" dirty="0"/>
-              <a:t>}</a:t>
-            </a:r>
-          </a:p>
-          <a:p>
-            <a:r>
-              <a:rPr lang="en-US" altLang="ko-KR" sz="2000" dirty="0"/>
-              <a:t>.box, p {</a:t>
-            </a:r>
-          </a:p>
-          <a:p>
-            <a:r>
-              <a:rPr lang="en-US" altLang="ko-KR" sz="2000" dirty="0"/>
-              <a:t>}</a:t>
-            </a:r>
-          </a:p>
+                <a16:creationId xmlns:a16="http://schemas.microsoft.com/office/drawing/2014/main" id="{5667DB42-EA86-6686-7BB8-B8635E1EB3B6}"/>
+              </a:ext>
+            </a:extLst>
+          </p:cNvPr>
+          <p:cNvSpPr txBox="1"/>
+          <p:nvPr/>
+        </p:nvSpPr>
+        <p:spPr>
+          <a:xfrm>
+            <a:off x="912446" y="2451368"/>
+            <a:ext cx="9018954" cy="400110"/>
+          </a:xfrm>
+          <a:prstGeom prst="rect">
+            <a:avLst/>
+          </a:prstGeom>
+          <a:noFill/>
+        </p:spPr>
+        <p:txBody>
+          <a:bodyPr wrap="square" rtlCol="0">
+            <a:spAutoFit/>
+          </a:bodyPr>
+          <a:lstStyle/>
           <a:p>
             <a:r>
               <a:rPr lang="en-US" altLang="ko-KR" sz="2000" b="0" dirty="0">
                 <a:effectLst/>
               </a:rPr>
-              <a:t>#box p {</a:t>
-            </a:r>
-          </a:p>
-          <a:p>
-            <a:r>
-              <a:rPr lang="en-US" altLang="ko-KR" sz="2000" b="0" dirty="0">
-                <a:effectLst/>
-              </a:rPr>
-              <a:t>}</a:t>
-            </a:r>
-          </a:p>
-          <a:p>
-            <a:r>
-              <a:rPr lang="en-US" altLang="ko-KR" sz="2000" dirty="0"/>
-              <a:t>a[title] {</a:t>
-            </a:r>
-          </a:p>
-          <a:p>
-            <a:r>
-              <a:rPr lang="en-US" altLang="ko-KR" sz="2000" dirty="0"/>
-              <a:t>}</a:t>
-            </a:r>
-          </a:p>
-          <a:p>
-            <a:r>
-              <a:rPr lang="en-US" altLang="ko-KR" sz="2000" b="0" dirty="0">
-                <a:effectLst/>
-              </a:rPr>
-              <a:t>a[</a:t>
-            </a:r>
-            <a:r>
-              <a:rPr lang="en-US" altLang="ko-KR" sz="2000" b="0" dirty="0" err="1">
-                <a:effectLst/>
-              </a:rPr>
-              <a:t>href</a:t>
-            </a:r>
-            <a:r>
-              <a:rPr lang="en-US" altLang="ko-KR" sz="2000" b="0" dirty="0">
-                <a:effectLst/>
-              </a:rPr>
-              <a:t>="index.html"] {</a:t>
-            </a:r>
-          </a:p>
-          <a:p>
-            <a:r>
-              <a:rPr lang="en-US" altLang="ko-KR" sz="2000" b="0" dirty="0">
-                <a:effectLst/>
-              </a:rPr>
-              <a:t>}</a:t>
-            </a:r>
-          </a:p>
-          <a:p>
-            <a:r>
-              <a:rPr lang="en-US" altLang="ko-KR" sz="2000" dirty="0"/>
-              <a:t>a:hover {</a:t>
-            </a:r>
-          </a:p>
-          <a:p>
-            <a:r>
-              <a:rPr lang="en-US" altLang="ko-KR" sz="2000" dirty="0"/>
-              <a:t>}</a:t>
-            </a:r>
-          </a:p>
-          <a:p>
-            <a:r>
-              <a:rPr lang="en-US" altLang="ko-KR" sz="2000" dirty="0"/>
-              <a:t>div &gt; p {</a:t>
-            </a:r>
-          </a:p>
-          <a:p>
-            <a:r>
-              <a:rPr lang="en-US" altLang="ko-KR" sz="2000" dirty="0"/>
-              <a:t>}</a:t>
-            </a:r>
-          </a:p>
-          <a:p>
-            <a:r>
-              <a:rPr lang="en-US" altLang="ko-KR" sz="2000" b="0" dirty="0">
-                <a:effectLst/>
-              </a:rPr>
-              <a:t>div &gt; p:first-child {</a:t>
-            </a:r>
-          </a:p>
-          <a:p>
-            <a:r>
-              <a:rPr lang="en-US" altLang="ko-KR" sz="2000" b="0" dirty="0">
-                <a:effectLst/>
-              </a:rPr>
-              <a:t>}</a:t>
+              <a:t>inline, block</a:t>
             </a:r>
           </a:p>
         </p:txBody>
@@ -17833,7 +17736,7 @@
     </p:spTree>
     <p:extLst>
       <p:ext uri="{BB962C8B-B14F-4D97-AF65-F5344CB8AC3E}">
-        <p14:creationId xmlns:p14="http://schemas.microsoft.com/office/powerpoint/2010/main" val="3598240748"/>
+        <p14:creationId xmlns:p14="http://schemas.microsoft.com/office/powerpoint/2010/main" val="2680124598"/>
       </p:ext>
     </p:extLst>
   </p:cSld>
@@ -17915,8 +17818,8 @@
         </p:nvSpPr>
         <p:spPr>
           <a:xfrm>
-            <a:off x="327378" y="305068"/>
-            <a:ext cx="9018954" cy="6247864"/>
+            <a:off x="711200" y="832966"/>
+            <a:ext cx="9018954" cy="5632311"/>
           </a:xfrm>
           <a:prstGeom prst="rect">
             <a:avLst/>
@@ -17931,40 +17834,34 @@
           <a:p>
             <a:r>
               <a:rPr lang="en-US" altLang="ko-KR" sz="2000" dirty="0"/>
-              <a:t>// </a:t>
-            </a:r>
-            <a:r>
-              <a:rPr lang="ko-KR" altLang="en-US" sz="2000" dirty="0"/>
-              <a:t>태그 </a:t>
-            </a:r>
-            <a:r>
-              <a:rPr lang="ko-KR" altLang="en-US" sz="2000" dirty="0" err="1"/>
-              <a:t>선택자</a:t>
-            </a:r>
-            <a:endParaRPr lang="en-US" altLang="ko-KR" sz="2000" dirty="0"/>
+              <a:t>* {</a:t>
+            </a:r>
           </a:p>
           <a:p>
             <a:r>
               <a:rPr lang="en-US" altLang="ko-KR" sz="2000" dirty="0"/>
-              <a:t>li {</a:t>
+              <a:t>}</a:t>
             </a:r>
           </a:p>
           <a:p>
             <a:r>
               <a:rPr lang="en-US" altLang="ko-KR" sz="2000" dirty="0"/>
-              <a:t> color:</a:t>
-            </a:r>
-            <a:r>
-              <a:rPr lang="ko-KR" altLang="en-US" sz="2000" dirty="0"/>
-              <a:t> </a:t>
-            </a:r>
+              <a:t>h1 {</a:t>
+            </a:r>
+          </a:p>
+          <a:p>
             <a:r>
               <a:rPr lang="en-US" altLang="ko-KR" sz="2000" dirty="0"/>
-              <a:t>red;</a:t>
-            </a:r>
-            <a:br>
+              <a:t>}</a:t>
+            </a:r>
+          </a:p>
+          <a:p>
+            <a:r>
               <a:rPr lang="en-US" altLang="ko-KR" sz="2000" dirty="0"/>
-            </a:br>
+              <a:t>.box, p {</a:t>
+            </a:r>
+          </a:p>
+          <a:p>
             <a:r>
               <a:rPr lang="en-US" altLang="ko-KR" sz="2000" dirty="0"/>
               <a:t>}</a:t>
@@ -17975,30 +17872,7 @@
               <a:rPr lang="en-US" altLang="ko-KR" sz="2000" b="0" dirty="0">
                 <a:effectLst/>
               </a:rPr>
-              <a:t>// </a:t>
-            </a:r>
-            <a:r>
-              <a:rPr lang="en-US" altLang="ko-KR" sz="2000" dirty="0"/>
-              <a:t>id </a:t>
-            </a:r>
-            <a:r>
-              <a:rPr lang="ko-KR" altLang="en-US" sz="2000" dirty="0" err="1"/>
-              <a:t>선택자</a:t>
-            </a:r>
-            <a:endParaRPr lang="en-US" altLang="ko-KR" sz="2000" dirty="0"/>
-          </a:p>
-          <a:p>
-            <a:r>
-              <a:rPr lang="en-US" altLang="ko-KR" sz="2000" b="0" dirty="0">
-                <a:effectLst/>
-              </a:rPr>
-              <a:t>#select {</a:t>
-            </a:r>
-          </a:p>
-          <a:p>
-            <a:r>
-              <a:rPr lang="en-US" altLang="ko-KR" sz="2000" dirty="0"/>
-              <a:t> font-size: 100px;</a:t>
+              <a:t>#box p {</a:t>
             </a:r>
           </a:p>
           <a:p>
@@ -18012,38 +17886,33 @@
           <a:p>
             <a:r>
               <a:rPr lang="en-US" altLang="ko-KR" sz="2000" dirty="0"/>
-              <a:t>// class </a:t>
-            </a:r>
-            <a:r>
-              <a:rPr lang="ko-KR" altLang="en-US" sz="2000" dirty="0" err="1"/>
-              <a:t>선택자</a:t>
-            </a:r>
-            <a:endParaRPr lang="en-US" altLang="ko-KR" sz="2000" dirty="0"/>
+              <a:t>a[title] {</a:t>
+            </a:r>
+          </a:p>
+          <a:p>
+            <a:r>
+              <a:rPr lang="en-US" altLang="ko-KR" sz="2000" dirty="0"/>
+              <a:t>}</a:t>
+            </a:r>
           </a:p>
           <a:p>
             <a:r>
               <a:rPr lang="en-US" altLang="ko-KR" sz="2000" b="0" dirty="0">
                 <a:effectLst/>
               </a:rPr>
-              <a:t>.</a:t>
+              <a:t>a[</a:t>
             </a:r>
             <a:r>
               <a:rPr lang="en-US" altLang="ko-KR" sz="2000" b="0" dirty="0" err="1">
                 <a:effectLst/>
               </a:rPr>
-              <a:t>deactive</a:t>
+              <a:t>href</a:t>
             </a:r>
             <a:r>
               <a:rPr lang="en-US" altLang="ko-KR" sz="2000" b="0" dirty="0">
                 <a:effectLst/>
               </a:rPr>
-              <a:t> {</a:t>
-            </a:r>
-          </a:p>
-          <a:p>
-            <a:r>
-              <a:rPr lang="en-US" altLang="ko-KR" sz="2000" dirty="0"/>
-              <a:t> text-decoration: line-through;</a:t>
+              <a:t>="index.html"] {</a:t>
             </a:r>
           </a:p>
           <a:p>
@@ -18057,44 +17926,33 @@
           <a:p>
             <a:r>
               <a:rPr lang="en-US" altLang="ko-KR" sz="2000" dirty="0"/>
-              <a:t>// </a:t>
-            </a:r>
-            <a:r>
-              <a:rPr lang="ko-KR" altLang="en-US" sz="2000" dirty="0"/>
-              <a:t>부모</a:t>
-            </a:r>
+              <a:t>a:hover {</a:t>
+            </a:r>
+          </a:p>
+          <a:p>
             <a:r>
               <a:rPr lang="en-US" altLang="ko-KR" sz="2000" dirty="0"/>
-              <a:t>, </a:t>
-            </a:r>
-            <a:r>
-              <a:rPr lang="ko-KR" altLang="en-US" sz="2000" dirty="0"/>
-              <a:t>자손 </a:t>
-            </a:r>
-            <a:r>
-              <a:rPr lang="ko-KR" altLang="en-US" sz="2000" dirty="0" err="1"/>
-              <a:t>선택자</a:t>
-            </a:r>
-            <a:endParaRPr lang="en-US" altLang="ko-KR" sz="2000" dirty="0"/>
-          </a:p>
-          <a:p>
-            <a:r>
-              <a:rPr lang="en-US" altLang="ko-KR" sz="2000" b="0" dirty="0" err="1">
-                <a:effectLst/>
-              </a:rPr>
-              <a:t>ul</a:t>
-            </a:r>
+              <a:t>}</a:t>
+            </a:r>
+          </a:p>
+          <a:p>
+            <a:r>
+              <a:rPr lang="en-US" altLang="ko-KR" sz="2000" dirty="0"/>
+              <a:t>div &gt; p {</a:t>
+            </a:r>
+          </a:p>
+          <a:p>
+            <a:r>
+              <a:rPr lang="en-US" altLang="ko-KR" sz="2000" dirty="0"/>
+              <a:t>}</a:t>
+            </a:r>
+          </a:p>
+          <a:p>
             <a:r>
               <a:rPr lang="en-US" altLang="ko-KR" sz="2000" b="0" dirty="0">
                 <a:effectLst/>
               </a:rPr>
-              <a:t> li {</a:t>
-            </a:r>
-          </a:p>
-          <a:p>
-            <a:r>
-              <a:rPr lang="en-US" altLang="ko-KR" sz="2000" dirty="0"/>
-              <a:t> color: red;</a:t>
+              <a:t>div &gt; p:first-child {</a:t>
             </a:r>
           </a:p>
           <a:p>
@@ -18105,39 +17963,12 @@
               <a:t>}</a:t>
             </a:r>
           </a:p>
-          <a:p>
-            <a:r>
-              <a:rPr lang="en-US" altLang="ko-KR" sz="2000" dirty="0"/>
-              <a:t>#lecture &gt; li {</a:t>
-            </a:r>
-          </a:p>
-          <a:p>
-            <a:r>
-              <a:rPr lang="en-US" altLang="ko-KR" sz="2000" dirty="0"/>
-              <a:t> border: 1px solid black;</a:t>
-            </a:r>
-          </a:p>
-          <a:p>
-            <a:r>
-              <a:rPr lang="en-US" altLang="ko-KR" sz="2000" dirty="0"/>
-              <a:t> color: blue;</a:t>
-            </a:r>
-          </a:p>
-          <a:p>
-            <a:r>
-              <a:rPr lang="en-US" altLang="ko-KR" sz="2000" dirty="0"/>
-              <a:t>}</a:t>
-            </a:r>
-            <a:endParaRPr lang="en-US" altLang="ko-KR" sz="2000" b="0" dirty="0">
-              <a:effectLst/>
-            </a:endParaRPr>
-          </a:p>
         </p:txBody>
       </p:sp>
     </p:spTree>
     <p:extLst>
       <p:ext uri="{BB962C8B-B14F-4D97-AF65-F5344CB8AC3E}">
-        <p14:creationId xmlns:p14="http://schemas.microsoft.com/office/powerpoint/2010/main" val="3190781140"/>
+        <p14:creationId xmlns:p14="http://schemas.microsoft.com/office/powerpoint/2010/main" val="3598240748"/>
       </p:ext>
     </p:extLst>
   </p:cSld>
@@ -18220,7 +18051,7 @@
         <p:spPr>
           <a:xfrm>
             <a:off x="327378" y="305068"/>
-            <a:ext cx="9018954" cy="4708981"/>
+            <a:ext cx="9018954" cy="6247864"/>
           </a:xfrm>
           <a:prstGeom prst="rect">
             <a:avLst/>
@@ -18239,7 +18070,145 @@
             </a:r>
             <a:r>
               <a:rPr lang="ko-KR" altLang="en-US" sz="2000" dirty="0"/>
-              <a:t>여러 선택</a:t>
+              <a:t>태그 </a:t>
+            </a:r>
+            <a:r>
+              <a:rPr lang="ko-KR" altLang="en-US" sz="2000" dirty="0" err="1"/>
+              <a:t>선택자</a:t>
+            </a:r>
+            <a:endParaRPr lang="en-US" altLang="ko-KR" sz="2000" dirty="0"/>
+          </a:p>
+          <a:p>
+            <a:r>
+              <a:rPr lang="en-US" altLang="ko-KR" sz="2000" dirty="0"/>
+              <a:t>li {</a:t>
+            </a:r>
+          </a:p>
+          <a:p>
+            <a:r>
+              <a:rPr lang="en-US" altLang="ko-KR" sz="2000" dirty="0"/>
+              <a:t> color:</a:t>
+            </a:r>
+            <a:r>
+              <a:rPr lang="ko-KR" altLang="en-US" sz="2000" dirty="0"/>
+              <a:t> </a:t>
+            </a:r>
+            <a:r>
+              <a:rPr lang="en-US" altLang="ko-KR" sz="2000" dirty="0"/>
+              <a:t>red;</a:t>
+            </a:r>
+            <a:br>
+              <a:rPr lang="en-US" altLang="ko-KR" sz="2000" dirty="0"/>
+            </a:br>
+            <a:r>
+              <a:rPr lang="en-US" altLang="ko-KR" sz="2000" dirty="0"/>
+              <a:t>}</a:t>
+            </a:r>
+          </a:p>
+          <a:p>
+            <a:r>
+              <a:rPr lang="en-US" altLang="ko-KR" sz="2000" b="0" dirty="0">
+                <a:effectLst/>
+              </a:rPr>
+              <a:t>// </a:t>
+            </a:r>
+            <a:r>
+              <a:rPr lang="en-US" altLang="ko-KR" sz="2000" dirty="0"/>
+              <a:t>id </a:t>
+            </a:r>
+            <a:r>
+              <a:rPr lang="ko-KR" altLang="en-US" sz="2000" dirty="0" err="1"/>
+              <a:t>선택자</a:t>
+            </a:r>
+            <a:endParaRPr lang="en-US" altLang="ko-KR" sz="2000" dirty="0"/>
+          </a:p>
+          <a:p>
+            <a:r>
+              <a:rPr lang="en-US" altLang="ko-KR" sz="2000" b="0" dirty="0">
+                <a:effectLst/>
+              </a:rPr>
+              <a:t>#select {</a:t>
+            </a:r>
+          </a:p>
+          <a:p>
+            <a:r>
+              <a:rPr lang="en-US" altLang="ko-KR" sz="2000" dirty="0"/>
+              <a:t> font-size: 100px;</a:t>
+            </a:r>
+          </a:p>
+          <a:p>
+            <a:r>
+              <a:rPr lang="en-US" altLang="ko-KR" sz="2000" b="0" dirty="0">
+                <a:effectLst/>
+              </a:rPr>
+              <a:t>}</a:t>
+            </a:r>
+          </a:p>
+          <a:p>
+            <a:r>
+              <a:rPr lang="en-US" altLang="ko-KR" sz="2000" dirty="0"/>
+              <a:t>// class </a:t>
+            </a:r>
+            <a:r>
+              <a:rPr lang="ko-KR" altLang="en-US" sz="2000" dirty="0" err="1"/>
+              <a:t>선택자</a:t>
+            </a:r>
+            <a:endParaRPr lang="en-US" altLang="ko-KR" sz="2000" dirty="0"/>
+          </a:p>
+          <a:p>
+            <a:r>
+              <a:rPr lang="en-US" altLang="ko-KR" sz="2000" b="0" dirty="0">
+                <a:effectLst/>
+              </a:rPr>
+              <a:t>.</a:t>
+            </a:r>
+            <a:r>
+              <a:rPr lang="en-US" altLang="ko-KR" sz="2000" b="0" dirty="0" err="1">
+                <a:effectLst/>
+              </a:rPr>
+              <a:t>deactive</a:t>
+            </a:r>
+            <a:r>
+              <a:rPr lang="en-US" altLang="ko-KR" sz="2000" b="0" dirty="0">
+                <a:effectLst/>
+              </a:rPr>
+              <a:t> {</a:t>
+            </a:r>
+          </a:p>
+          <a:p>
+            <a:r>
+              <a:rPr lang="en-US" altLang="ko-KR" sz="2000" dirty="0"/>
+              <a:t> text-decoration: line-through;</a:t>
+            </a:r>
+          </a:p>
+          <a:p>
+            <a:r>
+              <a:rPr lang="en-US" altLang="ko-KR" sz="2000" b="0" dirty="0">
+                <a:effectLst/>
+              </a:rPr>
+              <a:t>}</a:t>
+            </a:r>
+          </a:p>
+          <a:p>
+            <a:r>
+              <a:rPr lang="en-US" altLang="ko-KR" sz="2000" dirty="0"/>
+              <a:t>// </a:t>
+            </a:r>
+            <a:r>
+              <a:rPr lang="ko-KR" altLang="en-US" sz="2000" dirty="0"/>
+              <a:t>부모</a:t>
+            </a:r>
+            <a:r>
+              <a:rPr lang="en-US" altLang="ko-KR" sz="2000" dirty="0"/>
+              <a:t>, </a:t>
+            </a:r>
+            <a:r>
+              <a:rPr lang="ko-KR" altLang="en-US" sz="2000" dirty="0"/>
+              <a:t>자손 </a:t>
+            </a:r>
+            <a:r>
+              <a:rPr lang="ko-KR" altLang="en-US" sz="2000" dirty="0" err="1"/>
+              <a:t>선택자</a:t>
             </a:r>
             <a:endParaRPr lang="en-US" altLang="ko-KR" sz="2000" dirty="0"/>
           </a:p>
@@ -18254,25 +18223,13 @@
               <a:rPr lang="en-US" altLang="ko-KR" sz="2000" b="0" dirty="0">
                 <a:effectLst/>
               </a:rPr>
-              <a:t>, </a:t>
-            </a:r>
-            <a:r>
-              <a:rPr lang="en-US" altLang="ko-KR" sz="2000" b="0" dirty="0" err="1">
-                <a:effectLst/>
-              </a:rPr>
-              <a:t>ol</a:t>
-            </a:r>
-            <a:r>
-              <a:rPr lang="en-US" altLang="ko-KR" sz="2000" b="0" dirty="0">
-                <a:effectLst/>
-              </a:rPr>
-              <a:t> {</a:t>
+              <a:t> li {</a:t>
             </a:r>
           </a:p>
           <a:p>
             <a:r>
               <a:rPr lang="en-US" altLang="ko-KR" sz="2000" dirty="0"/>
-              <a:t> color: green;</a:t>
+              <a:t> color: red;</a:t>
             </a:r>
           </a:p>
           <a:p>
@@ -18285,33 +18242,20 @@
           </a:p>
           <a:p>
             <a:r>
-              <a:rPr lang="en-US" altLang="ko-KR" sz="2000" b="0" dirty="0">
-                <a:effectLst/>
-              </a:rPr>
-              <a:t>// </a:t>
-            </a:r>
-            <a:r>
-              <a:rPr lang="ko-KR" altLang="en-US" sz="2000" dirty="0"/>
-              <a:t>가상 클래스 </a:t>
-            </a:r>
-            <a:r>
-              <a:rPr lang="ko-KR" altLang="en-US" sz="2000" dirty="0" err="1"/>
-              <a:t>선택자</a:t>
-            </a:r>
-            <a:endParaRPr lang="en-US" altLang="ko-KR" sz="2000" dirty="0"/>
-          </a:p>
-          <a:p>
-            <a:r>
-              <a:rPr lang="en-US" altLang="ko-KR" sz="2000" b="0" dirty="0">
-                <a:effectLst/>
-              </a:rPr>
-              <a:t>a:active {</a:t>
-            </a:r>
-          </a:p>
-          <a:p>
-            <a:r>
               <a:rPr lang="en-US" altLang="ko-KR" sz="2000" dirty="0"/>
-              <a:t> color: green;</a:t>
+              <a:t>#lecture &gt; li {</a:t>
+            </a:r>
+          </a:p>
+          <a:p>
+            <a:r>
+              <a:rPr lang="en-US" altLang="ko-KR" sz="2000" dirty="0"/>
+              <a:t> border: 1px solid black;</a:t>
+            </a:r>
+          </a:p>
+          <a:p>
+            <a:r>
+              <a:rPr lang="en-US" altLang="ko-KR" sz="2000" dirty="0"/>
+              <a:t> color: blue;</a:t>
             </a:r>
           </a:p>
           <a:p>
@@ -18319,76 +18263,16 @@
               <a:rPr lang="en-US" altLang="ko-KR" sz="2000" dirty="0"/>
               <a:t>}</a:t>
             </a:r>
-          </a:p>
-          <a:p>
-            <a:r>
-              <a:rPr lang="en-US" altLang="ko-KR" sz="2000" b="0" dirty="0">
-                <a:effectLst/>
-              </a:rPr>
-              <a:t>a:visited</a:t>
-            </a:r>
-            <a:endParaRPr lang="en-US" altLang="ko-KR" sz="2000" dirty="0"/>
-          </a:p>
-          <a:p>
-            <a:r>
-              <a:rPr lang="en-US" altLang="ko-KR" sz="2000" b="0" dirty="0">
-                <a:effectLst/>
-              </a:rPr>
-              <a:t>a:</a:t>
-            </a:r>
-            <a:r>
-              <a:rPr lang="en-US" altLang="ko-KR" sz="2000" dirty="0"/>
-              <a:t>hover</a:t>
-            </a:r>
-          </a:p>
-          <a:p>
-            <a:r>
-              <a:rPr lang="en-US" altLang="ko-KR" sz="2000" b="0" dirty="0">
-                <a:effectLst/>
-              </a:rPr>
-              <a:t>a:link</a:t>
-            </a:r>
-          </a:p>
-          <a:p>
-            <a:r>
-              <a:rPr lang="en-US" altLang="ko-KR" sz="2000" dirty="0"/>
-              <a:t>a:focus</a:t>
-            </a:r>
-          </a:p>
-          <a:p>
-            <a:r>
-              <a:rPr lang="en-US" altLang="ko-KR" sz="2000" b="0" dirty="0">
-                <a:effectLst/>
-              </a:rPr>
-              <a:t>a:first-child</a:t>
-            </a:r>
-          </a:p>
-          <a:p>
-            <a:r>
-              <a:rPr lang="en-US" altLang="ko-KR" sz="2000" b="0" dirty="0">
-                <a:effectLst/>
-              </a:rPr>
-              <a:t>a:l</a:t>
-            </a:r>
-            <a:r>
-              <a:rPr lang="en-US" altLang="ko-KR" sz="2000" dirty="0"/>
-              <a:t>ast-child</a:t>
-            </a:r>
-          </a:p>
-          <a:p>
-            <a:r>
-              <a:rPr lang="en-US" altLang="ko-KR" sz="2000" b="0" dirty="0">
-                <a:effectLst/>
-              </a:rPr>
-              <a:t>a:nth-child(A)</a:t>
-            </a:r>
+            <a:endParaRPr lang="en-US" altLang="ko-KR" sz="2000" b="0" dirty="0">
+              <a:effectLst/>
+            </a:endParaRPr>
           </a:p>
         </p:txBody>
       </p:sp>
     </p:spTree>
     <p:extLst>
       <p:ext uri="{BB962C8B-B14F-4D97-AF65-F5344CB8AC3E}">
-        <p14:creationId xmlns:p14="http://schemas.microsoft.com/office/powerpoint/2010/main" val="967638719"/>
+        <p14:creationId xmlns:p14="http://schemas.microsoft.com/office/powerpoint/2010/main" val="3190781140"/>
       </p:ext>
     </p:extLst>
   </p:cSld>
@@ -18896,8 +18780,8 @@
         </p:nvSpPr>
         <p:spPr>
           <a:xfrm>
-            <a:off x="711200" y="1709266"/>
-            <a:ext cx="9018954" cy="3170099"/>
+            <a:off x="327378" y="305068"/>
+            <a:ext cx="9018954" cy="4708981"/>
           </a:xfrm>
           <a:prstGeom prst="rect">
             <a:avLst/>
@@ -18912,21 +18796,44 @@
           <a:p>
             <a:r>
               <a:rPr lang="en-US" altLang="ko-KR" sz="2000" dirty="0"/>
-              <a:t>a:link {</a:t>
-            </a:r>
-          </a:p>
-          <a:p>
-            <a:r>
-              <a:rPr lang="en-US" altLang="ko-KR" sz="2000" dirty="0"/>
-              <a:t>}</a:t>
-            </a:r>
-          </a:p>
-          <a:p>
+              <a:t>// </a:t>
+            </a:r>
+            <a:r>
+              <a:rPr lang="ko-KR" altLang="en-US" sz="2000" dirty="0"/>
+              <a:t>여러 선택</a:t>
+            </a:r>
+            <a:endParaRPr lang="en-US" altLang="ko-KR" sz="2000" dirty="0"/>
+          </a:p>
+          <a:p>
+            <a:r>
+              <a:rPr lang="en-US" altLang="ko-KR" sz="2000" b="0" dirty="0" err="1">
+                <a:effectLst/>
+              </a:rPr>
+              <a:t>ul</a:t>
+            </a:r>
             <a:r>
               <a:rPr lang="en-US" altLang="ko-KR" sz="2000" b="0" dirty="0">
                 <a:effectLst/>
               </a:rPr>
-              <a:t>a:visited {</a:t>
+              <a:t>, </a:t>
+            </a:r>
+            <a:r>
+              <a:rPr lang="en-US" altLang="ko-KR" sz="2000" b="0" dirty="0" err="1">
+                <a:effectLst/>
+              </a:rPr>
+              <a:t>ol</a:t>
+            </a:r>
+            <a:r>
+              <a:rPr lang="en-US" altLang="ko-KR" sz="2000" b="0" dirty="0">
+                <a:effectLst/>
+              </a:rPr>
+              <a:t> {</a:t>
+            </a:r>
+          </a:p>
+          <a:p>
+            <a:r>
+              <a:rPr lang="en-US" altLang="ko-KR" sz="2000" dirty="0"/>
+              <a:t> color: green;</a:t>
             </a:r>
           </a:p>
           <a:p>
@@ -18939,36 +18846,33 @@
           </a:p>
           <a:p>
             <a:r>
-              <a:rPr lang="en-US" altLang="ko-KR" sz="2000" dirty="0"/>
-              <a:t>a:focus {</a:t>
-            </a:r>
-          </a:p>
-          <a:p>
-            <a:r>
-              <a:rPr lang="en-US" altLang="ko-KR" sz="2000" dirty="0"/>
-              <a:t>}</a:t>
-            </a:r>
-          </a:p>
-          <a:p>
-            <a:r>
               <a:rPr lang="en-US" altLang="ko-KR" sz="2000" b="0" dirty="0">
                 <a:effectLst/>
               </a:rPr>
-              <a:t>a:hover {</a:t>
-            </a:r>
+              <a:t>// </a:t>
+            </a:r>
+            <a:r>
+              <a:rPr lang="ko-KR" altLang="en-US" sz="2000" dirty="0"/>
+              <a:t>가상 클래스 </a:t>
+            </a:r>
+            <a:r>
+              <a:rPr lang="ko-KR" altLang="en-US" sz="2000" dirty="0" err="1"/>
+              <a:t>선택자</a:t>
+            </a:r>
+            <a:endParaRPr lang="en-US" altLang="ko-KR" sz="2000" dirty="0"/>
           </a:p>
           <a:p>
             <a:r>
               <a:rPr lang="en-US" altLang="ko-KR" sz="2000" b="0" dirty="0">
                 <a:effectLst/>
               </a:rPr>
-              <a:t>}</a:t>
+              <a:t>a:active {</a:t>
             </a:r>
           </a:p>
           <a:p>
             <a:r>
               <a:rPr lang="en-US" altLang="ko-KR" sz="2000" dirty="0"/>
-              <a:t>a:active {</a:t>
+              <a:t> color: green;</a:t>
             </a:r>
           </a:p>
           <a:p>
@@ -18976,16 +18880,76 @@
               <a:rPr lang="en-US" altLang="ko-KR" sz="2000" dirty="0"/>
               <a:t>}</a:t>
             </a:r>
-            <a:endParaRPr lang="en-US" altLang="ko-KR" sz="2000" b="0" dirty="0">
-              <a:effectLst/>
-            </a:endParaRPr>
+          </a:p>
+          <a:p>
+            <a:r>
+              <a:rPr lang="en-US" altLang="ko-KR" sz="2000" b="0" dirty="0">
+                <a:effectLst/>
+              </a:rPr>
+              <a:t>a:visited</a:t>
+            </a:r>
+            <a:endParaRPr lang="en-US" altLang="ko-KR" sz="2000" dirty="0"/>
+          </a:p>
+          <a:p>
+            <a:r>
+              <a:rPr lang="en-US" altLang="ko-KR" sz="2000" b="0" dirty="0">
+                <a:effectLst/>
+              </a:rPr>
+              <a:t>a:</a:t>
+            </a:r>
+            <a:r>
+              <a:rPr lang="en-US" altLang="ko-KR" sz="2000" dirty="0"/>
+              <a:t>hover</a:t>
+            </a:r>
+          </a:p>
+          <a:p>
+            <a:r>
+              <a:rPr lang="en-US" altLang="ko-KR" sz="2000" b="0" dirty="0">
+                <a:effectLst/>
+              </a:rPr>
+              <a:t>a:link</a:t>
+            </a:r>
+          </a:p>
+          <a:p>
+            <a:r>
+              <a:rPr lang="en-US" altLang="ko-KR" sz="2000" dirty="0"/>
+              <a:t>a:focus</a:t>
+            </a:r>
+          </a:p>
+          <a:p>
+            <a:r>
+              <a:rPr lang="en-US" altLang="ko-KR" sz="2000" b="0" dirty="0">
+                <a:effectLst/>
+              </a:rPr>
+              <a:t>a:first-child</a:t>
+            </a:r>
+          </a:p>
+          <a:p>
+            <a:r>
+              <a:rPr lang="en-US" altLang="ko-KR" sz="2000" b="0" dirty="0">
+                <a:effectLst/>
+              </a:rPr>
+              <a:t>a:l</a:t>
+            </a:r>
+            <a:r>
+              <a:rPr lang="en-US" altLang="ko-KR" sz="2000" dirty="0"/>
+              <a:t>ast-child</a:t>
+            </a:r>
+          </a:p>
+          <a:p>
+            <a:r>
+              <a:rPr lang="en-US" altLang="ko-KR" sz="2000" b="0" dirty="0">
+                <a:effectLst/>
+              </a:rPr>
+              <a:t>a:nth-child(A)</a:t>
+            </a:r>
           </a:p>
         </p:txBody>
       </p:sp>
     </p:spTree>
     <p:extLst>
       <p:ext uri="{BB962C8B-B14F-4D97-AF65-F5344CB8AC3E}">
-        <p14:creationId xmlns:p14="http://schemas.microsoft.com/office/powerpoint/2010/main" val="3221376626"/>
+        <p14:creationId xmlns:p14="http://schemas.microsoft.com/office/powerpoint/2010/main" val="967638719"/>
       </p:ext>
     </p:extLst>
   </p:cSld>
@@ -19026,7 +18990,7 @@
         </p:nvSpPr>
         <p:spPr>
           <a:xfrm>
-            <a:off x="2461846" y="2659559"/>
+            <a:off x="2461846" y="392723"/>
             <a:ext cx="7268308" cy="769441"/>
           </a:xfrm>
           <a:prstGeom prst="rect">
@@ -19042,31 +19006,121 @@
           <a:p>
             <a:pPr algn="ctr"/>
             <a:r>
-              <a:rPr lang="en-US" altLang="ko-KR" sz="4400" dirty="0">
-                <a:hlinkClick r:id="rId2"/>
+              <a:rPr lang="en-US" altLang="ko-KR" sz="4400" dirty="0"/>
+              <a:t>CSS </a:t>
+            </a:r>
+            <a:r>
+              <a:rPr lang="ko-KR" altLang="en-US" sz="4400" dirty="0" err="1"/>
+              <a:t>선택자</a:t>
+            </a:r>
+            <a:endParaRPr lang="ko-KR" altLang="en-US" sz="4400" dirty="0"/>
+          </a:p>
+        </p:txBody>
+      </p:sp>
+      <p:sp>
+        <p:nvSpPr>
+          <p:cNvPr id="2" name="TextBox 1">
+            <a:extLst>
+              <a:ext uri="{FF2B5EF4-FFF2-40B4-BE49-F238E27FC236}">
+                <a16:creationId xmlns:a16="http://schemas.microsoft.com/office/drawing/2014/main" id="{CDE84F91-E200-1633-CEE1-DE55A55BA226}"/>
+              </a:ext>
+            </a:extLst>
+          </p:cNvPr>
+          <p:cNvSpPr txBox="1"/>
+          <p:nvPr/>
+        </p:nvSpPr>
+        <p:spPr>
+          <a:xfrm>
+            <a:off x="711200" y="1709266"/>
+            <a:ext cx="9018954" cy="3170099"/>
+          </a:xfrm>
+          <a:prstGeom prst="rect">
+            <a:avLst/>
+          </a:prstGeom>
+          <a:noFill/>
+        </p:spPr>
+        <p:txBody>
+          <a:bodyPr wrap="square" rtlCol="0">
+            <a:spAutoFit/>
+          </a:bodyPr>
+          <a:lstStyle/>
+          <a:p>
+            <a:r>
+              <a:rPr lang="en-US" altLang="ko-KR" sz="2000" dirty="0"/>
+              <a:t>a:link {</a:t>
+            </a:r>
+          </a:p>
+          <a:p>
+            <a:r>
+              <a:rPr lang="en-US" altLang="ko-KR" sz="2000" dirty="0"/>
+              <a:t>}</a:t>
+            </a:r>
+          </a:p>
+          <a:p>
+            <a:r>
+              <a:rPr lang="en-US" altLang="ko-KR" sz="2000" b="0" dirty="0">
+                <a:effectLst/>
               </a:rPr>
-              <a:t>CSS </a:t>
-            </a:r>
-            <a:r>
-              <a:rPr lang="ko-KR" altLang="en-US" sz="4400" dirty="0" err="1">
-                <a:hlinkClick r:id="rId2"/>
+              <a:t>a:visited {</a:t>
+            </a:r>
+          </a:p>
+          <a:p>
+            <a:r>
+              <a:rPr lang="en-US" altLang="ko-KR" sz="2000" b="0" dirty="0">
+                <a:effectLst/>
               </a:rPr>
-              <a:t>선택자</a:t>
-            </a:r>
-            <a:r>
-              <a:rPr lang="ko-KR" altLang="en-US" sz="4400" dirty="0">
-                <a:hlinkClick r:id="rId2"/>
+              <a:t>}</a:t>
+            </a:r>
+          </a:p>
+          <a:p>
+            <a:r>
+              <a:rPr lang="en-US" altLang="ko-KR" sz="2000" dirty="0"/>
+              <a:t>a:focus {</a:t>
+            </a:r>
+          </a:p>
+          <a:p>
+            <a:r>
+              <a:rPr lang="en-US" altLang="ko-KR" sz="2000" dirty="0"/>
+              <a:t>}</a:t>
+            </a:r>
+          </a:p>
+          <a:p>
+            <a:r>
+              <a:rPr lang="en-US" altLang="ko-KR" sz="2000" b="0" dirty="0">
+                <a:effectLst/>
               </a:rPr>
-              <a:t> 실습</a:t>
-            </a:r>
-            <a:endParaRPr lang="ko-KR" altLang="en-US" sz="4400" dirty="0"/>
+              <a:t>a:hover {</a:t>
+            </a:r>
+          </a:p>
+          <a:p>
+            <a:r>
+              <a:rPr lang="en-US" altLang="ko-KR" sz="2000" b="0" dirty="0">
+                <a:effectLst/>
+              </a:rPr>
+              <a:t>}</a:t>
+            </a:r>
+          </a:p>
+          <a:p>
+            <a:r>
+              <a:rPr lang="en-US" altLang="ko-KR" sz="2000" dirty="0"/>
+              <a:t>a:active {</a:t>
+            </a:r>
+          </a:p>
+          <a:p>
+            <a:r>
+              <a:rPr lang="en-US" altLang="ko-KR" sz="2000" dirty="0"/>
+              <a:t>}</a:t>
+            </a:r>
+            <a:endParaRPr lang="en-US" altLang="ko-KR" sz="2000" b="0" dirty="0">
+              <a:effectLst/>
+            </a:endParaRPr>
           </a:p>
         </p:txBody>
       </p:sp>
     </p:spTree>
     <p:extLst>
       <p:ext uri="{BB962C8B-B14F-4D97-AF65-F5344CB8AC3E}">
-        <p14:creationId xmlns:p14="http://schemas.microsoft.com/office/powerpoint/2010/main" val="3800416521"/>
+        <p14:creationId xmlns:p14="http://schemas.microsoft.com/office/powerpoint/2010/main" val="3221376626"/>
       </p:ext>
     </p:extLst>
   </p:cSld>
@@ -19107,7 +19161,7 @@
         </p:nvSpPr>
         <p:spPr>
           <a:xfrm>
-            <a:off x="2461846" y="430823"/>
+            <a:off x="2461846" y="2659559"/>
             <a:ext cx="7268308" cy="769441"/>
           </a:xfrm>
           <a:prstGeom prst="rect">
@@ -19123,115 +19177,31 @@
           <a:p>
             <a:pPr algn="ctr"/>
             <a:r>
-              <a:rPr lang="en-US" altLang="ko-KR" sz="4400" dirty="0"/>
+              <a:rPr lang="en-US" altLang="ko-KR" sz="4400" dirty="0">
+                <a:hlinkClick r:id="rId2"/>
+              </a:rPr>
               <a:t>CSS </a:t>
             </a:r>
             <a:r>
-              <a:rPr lang="ko-KR" altLang="en-US" sz="4400" dirty="0"/>
-              <a:t>우선순위</a:t>
-            </a:r>
-          </a:p>
-        </p:txBody>
-      </p:sp>
-      <p:sp>
-        <p:nvSpPr>
-          <p:cNvPr id="3" name="TextBox 2">
-            <a:extLst>
-              <a:ext uri="{FF2B5EF4-FFF2-40B4-BE49-F238E27FC236}">
-                <a16:creationId xmlns:a16="http://schemas.microsoft.com/office/drawing/2014/main" id="{AAB98EA7-E45C-DFEA-0B08-97709329C1C9}"/>
-              </a:ext>
-            </a:extLst>
-          </p:cNvPr>
-          <p:cNvSpPr txBox="1"/>
-          <p:nvPr/>
-        </p:nvSpPr>
-        <p:spPr>
-          <a:xfrm>
-            <a:off x="1009650" y="2654568"/>
-            <a:ext cx="10172700" cy="461665"/>
-          </a:xfrm>
-          <a:prstGeom prst="rect">
-            <a:avLst/>
-          </a:prstGeom>
-          <a:noFill/>
-        </p:spPr>
-        <p:txBody>
-          <a:bodyPr wrap="square" rtlCol="0">
-            <a:spAutoFit/>
-          </a:bodyPr>
-          <a:lstStyle/>
-          <a:p>
-            <a:pPr algn="ctr"/>
-            <a:r>
-              <a:rPr lang="en-US" altLang="ko-KR" sz="2400" b="0" dirty="0">
-                <a:effectLst/>
-              </a:rPr>
-              <a:t>!important &gt; inline &gt; id</a:t>
-            </a:r>
-            <a:r>
-              <a:rPr lang="ko-KR" altLang="en-US" sz="2400" b="0" dirty="0" err="1">
-                <a:effectLst/>
+              <a:rPr lang="ko-KR" altLang="en-US" sz="4400" dirty="0" err="1">
+                <a:hlinkClick r:id="rId2"/>
               </a:rPr>
               <a:t>선택자</a:t>
             </a:r>
             <a:r>
-              <a:rPr lang="ko-KR" altLang="en-US" sz="2400" b="0" dirty="0">
-                <a:effectLst/>
+              <a:rPr lang="ko-KR" altLang="en-US" sz="4400" dirty="0">
+                <a:hlinkClick r:id="rId2"/>
               </a:rPr>
-              <a:t> </a:t>
-            </a:r>
-            <a:r>
-              <a:rPr lang="en-US" altLang="ko-KR" sz="2400" b="0" dirty="0">
-                <a:effectLst/>
-              </a:rPr>
-              <a:t>&gt; class</a:t>
-            </a:r>
-            <a:r>
-              <a:rPr lang="ko-KR" altLang="en-US" sz="2400" b="0" dirty="0">
-                <a:effectLst/>
-              </a:rPr>
-              <a:t>명 </a:t>
-            </a:r>
-            <a:r>
-              <a:rPr lang="en-US" altLang="ko-KR" sz="2400" b="0" dirty="0">
-                <a:effectLst/>
-              </a:rPr>
-              <a:t>&gt; HTML </a:t>
-            </a:r>
-            <a:r>
-              <a:rPr lang="ko-KR" altLang="en-US" sz="2400" b="0" dirty="0" err="1">
-                <a:effectLst/>
-              </a:rPr>
-              <a:t>태그명</a:t>
-            </a:r>
-            <a:r>
-              <a:rPr lang="ko-KR" altLang="en-US" sz="2400" b="0" dirty="0">
-                <a:effectLst/>
-              </a:rPr>
-              <a:t> </a:t>
-            </a:r>
-            <a:r>
-              <a:rPr lang="en-US" altLang="ko-KR" sz="2400" b="0" dirty="0">
-                <a:effectLst/>
-              </a:rPr>
-              <a:t>&gt; </a:t>
-            </a:r>
-            <a:r>
-              <a:rPr lang="ko-KR" altLang="en-US" sz="2400" b="0" dirty="0">
-                <a:effectLst/>
-              </a:rPr>
-              <a:t>부모 상속</a:t>
-            </a:r>
-            <a:endParaRPr lang="en-US" altLang="ko-KR" sz="2400" b="0" dirty="0">
-              <a:effectLst/>
-            </a:endParaRPr>
+              <a:t> 실습</a:t>
+            </a:r>
+            <a:endParaRPr lang="ko-KR" altLang="en-US" sz="4400" dirty="0"/>
           </a:p>
         </p:txBody>
       </p:sp>
     </p:spTree>
     <p:extLst>
       <p:ext uri="{BB962C8B-B14F-4D97-AF65-F5344CB8AC3E}">
-        <p14:creationId xmlns:p14="http://schemas.microsoft.com/office/powerpoint/2010/main" val="1580353136"/>
+        <p14:creationId xmlns:p14="http://schemas.microsoft.com/office/powerpoint/2010/main" val="3800416521"/>
       </p:ext>
     </p:extLst>
   </p:cSld>
@@ -19272,7 +19242,7 @@
         </p:nvSpPr>
         <p:spPr>
           <a:xfrm>
-            <a:off x="2461846" y="278423"/>
+            <a:off x="2461846" y="430823"/>
             <a:ext cx="7268308" cy="769441"/>
           </a:xfrm>
           <a:prstGeom prst="rect">
@@ -19293,51 +19263,110 @@
             </a:r>
             <a:r>
               <a:rPr lang="ko-KR" altLang="en-US" sz="4400" dirty="0"/>
-              <a:t>박스 모델</a:t>
-            </a:r>
-          </a:p>
-        </p:txBody>
-      </p:sp>
-      <p:pic>
-        <p:nvPicPr>
-          <p:cNvPr id="3" name="그림 2" descr="텍스트, 스크린샷, 직사각형, 디스플레이이(가) 표시된 사진&#10;&#10;자동 생성된 설명">
-            <a:extLst>
-              <a:ext uri="{FF2B5EF4-FFF2-40B4-BE49-F238E27FC236}">
-                <a16:creationId xmlns:a16="http://schemas.microsoft.com/office/drawing/2014/main" id="{56A16C8C-C540-1149-4D2B-B279DD534EC0}"/>
-              </a:ext>
-            </a:extLst>
-          </p:cNvPr>
-          <p:cNvPicPr>
-            <a:picLocks noChangeAspect="1"/>
-          </p:cNvPicPr>
-          <p:nvPr/>
-        </p:nvPicPr>
-        <p:blipFill>
-          <a:blip r:embed="rId2">
-            <a:extLst>
-              <a:ext uri="{28A0092B-C50C-407E-A947-70E740481C1C}">
-                <a14:useLocalDpi xmlns:a14="http://schemas.microsoft.com/office/drawing/2010/main" val="0"/>
-              </a:ext>
-            </a:extLst>
-          </a:blip>
-          <a:stretch>
-            <a:fillRect/>
-          </a:stretch>
-        </p:blipFill>
-        <p:spPr>
-          <a:xfrm>
-            <a:off x="2196567" y="1301864"/>
-            <a:ext cx="7533587" cy="4712677"/>
-          </a:xfrm>
-          <a:prstGeom prst="rect">
-            <a:avLst/>
-          </a:prstGeom>
-        </p:spPr>
-      </p:pic>
+              <a:t>우선순위</a:t>
+            </a:r>
+          </a:p>
+        </p:txBody>
+      </p:sp>
+      <p:sp>
+        <p:nvSpPr>
+          <p:cNvPr id="3" name="TextBox 2">
+            <a:extLst>
+              <a:ext uri="{FF2B5EF4-FFF2-40B4-BE49-F238E27FC236}">
+                <a16:creationId xmlns:a16="http://schemas.microsoft.com/office/drawing/2014/main" id="{AAB98EA7-E45C-DFEA-0B08-97709329C1C9}"/>
+              </a:ext>
+            </a:extLst>
+          </p:cNvPr>
+          <p:cNvSpPr txBox="1"/>
+          <p:nvPr/>
+        </p:nvSpPr>
+        <p:spPr>
+          <a:xfrm>
+            <a:off x="1009650" y="2654568"/>
+            <a:ext cx="10172700" cy="461665"/>
+          </a:xfrm>
+          <a:prstGeom prst="rect">
+            <a:avLst/>
+          </a:prstGeom>
+          <a:noFill/>
+        </p:spPr>
+        <p:txBody>
+          <a:bodyPr wrap="square" rtlCol="0">
+            <a:spAutoFit/>
+          </a:bodyPr>
+          <a:lstStyle/>
+          <a:p>
+            <a:pPr algn="ctr"/>
+            <a:r>
+              <a:rPr lang="en-US" altLang="ko-KR" sz="2400" b="0" dirty="0">
+                <a:effectLst/>
+              </a:rPr>
+              <a:t>!important &gt; inline &gt; id</a:t>
+            </a:r>
+            <a:r>
+              <a:rPr lang="ko-KR" altLang="en-US" sz="2400" b="0" dirty="0" err="1">
+                <a:effectLst/>
+              </a:rPr>
+              <a:t>선택자</a:t>
+            </a:r>
+            <a:r>
+              <a:rPr lang="ko-KR" altLang="en-US" sz="2400" b="0" dirty="0">
+                <a:effectLst/>
+              </a:rPr>
+              <a:t> </a:t>
+            </a:r>
+            <a:r>
+              <a:rPr lang="en-US" altLang="ko-KR" sz="2400" b="0" dirty="0">
+                <a:effectLst/>
+              </a:rPr>
+              <a:t>&gt; class</a:t>
+            </a:r>
+            <a:r>
+              <a:rPr lang="ko-KR" altLang="en-US" sz="2400" b="0" dirty="0">
+                <a:effectLst/>
+              </a:rPr>
+              <a:t>명 </a:t>
+            </a:r>
+            <a:r>
+              <a:rPr lang="en-US" altLang="ko-KR" sz="2400" b="0" dirty="0">
+                <a:effectLst/>
+              </a:rPr>
+              <a:t>&gt; HTML </a:t>
+            </a:r>
+            <a:r>
+              <a:rPr lang="ko-KR" altLang="en-US" sz="2400" b="0" dirty="0" err="1">
+                <a:effectLst/>
+              </a:rPr>
+              <a:t>태그명</a:t>
+            </a:r>
+            <a:r>
+              <a:rPr lang="ko-KR" altLang="en-US" sz="2400" b="0" dirty="0">
+                <a:effectLst/>
+              </a:rPr>
+              <a:t> </a:t>
+            </a:r>
+            <a:r>
+              <a:rPr lang="en-US" altLang="ko-KR" sz="2400" b="0" dirty="0">
+                <a:effectLst/>
+              </a:rPr>
+              <a:t>&gt; </a:t>
+            </a:r>
+            <a:r>
+              <a:rPr lang="ko-KR" altLang="en-US" sz="2400" b="0" dirty="0">
+                <a:effectLst/>
+              </a:rPr>
+              <a:t>부모 상속</a:t>
+            </a:r>
+            <a:endParaRPr lang="en-US" altLang="ko-KR" sz="2400" b="0" dirty="0">
+              <a:effectLst/>
+            </a:endParaRPr>
+          </a:p>
+        </p:txBody>
+      </p:sp>
     </p:spTree>
     <p:extLst>
       <p:ext uri="{BB962C8B-B14F-4D97-AF65-F5344CB8AC3E}">
-        <p14:creationId xmlns:p14="http://schemas.microsoft.com/office/powerpoint/2010/main" val="2303041322"/>
+        <p14:creationId xmlns:p14="http://schemas.microsoft.com/office/powerpoint/2010/main" val="1580353136"/>
       </p:ext>
     </p:extLst>
   </p:cSld>
@@ -19399,17 +19428,17 @@
             </a:r>
             <a:r>
               <a:rPr lang="ko-KR" altLang="en-US" sz="4400" dirty="0"/>
-              <a:t>레이아웃</a:t>
+              <a:t>박스 모델</a:t>
             </a:r>
           </a:p>
         </p:txBody>
       </p:sp>
       <p:pic>
         <p:nvPicPr>
-          <p:cNvPr id="5" name="그림 4" descr="텍스트, 스크린샷, 소프트웨어, 운영 체제이(가) 표시된 사진&#10;&#10;자동 생성된 설명">
-            <a:extLst>
-              <a:ext uri="{FF2B5EF4-FFF2-40B4-BE49-F238E27FC236}">
-                <a16:creationId xmlns:a16="http://schemas.microsoft.com/office/drawing/2014/main" id="{4B562B0D-3070-321D-2FB6-1BEC049BC4F1}"/>
+          <p:cNvPr id="3" name="그림 2" descr="텍스트, 스크린샷, 직사각형, 디스플레이이(가) 표시된 사진&#10;&#10;자동 생성된 설명">
+            <a:extLst>
+              <a:ext uri="{FF2B5EF4-FFF2-40B4-BE49-F238E27FC236}">
+                <a16:creationId xmlns:a16="http://schemas.microsoft.com/office/drawing/2014/main" id="{56A16C8C-C540-1149-4D2B-B279DD534EC0}"/>
               </a:ext>
             </a:extLst>
           </p:cNvPr>
@@ -19432,8 +19461,8 @@
         </p:blipFill>
         <p:spPr>
           <a:xfrm>
-            <a:off x="2214562" y="1389820"/>
-            <a:ext cx="7762875" cy="4725229"/>
+            <a:off x="2196567" y="1301864"/>
+            <a:ext cx="7533587" cy="4712677"/>
           </a:xfrm>
           <a:prstGeom prst="rect">
             <a:avLst/>
@@ -19443,7 +19472,7 @@
     </p:spTree>
     <p:extLst>
       <p:ext uri="{BB962C8B-B14F-4D97-AF65-F5344CB8AC3E}">
-        <p14:creationId xmlns:p14="http://schemas.microsoft.com/office/powerpoint/2010/main" val="207085717"/>
+        <p14:creationId xmlns:p14="http://schemas.microsoft.com/office/powerpoint/2010/main" val="2303041322"/>
       </p:ext>
     </p:extLst>
   </p:cSld>
@@ -19484,7 +19513,7 @@
         </p:nvSpPr>
         <p:spPr>
           <a:xfrm>
-            <a:off x="2461846" y="2272323"/>
+            <a:off x="2461846" y="278423"/>
             <a:ext cx="7268308" cy="769441"/>
           </a:xfrm>
           <a:prstGeom prst="rect">
@@ -19501,16 +19530,55 @@
             <a:pPr algn="ctr"/>
             <a:r>
               <a:rPr lang="en-US" altLang="ko-KR" sz="4400" dirty="0"/>
-              <a:t>Google Font</a:t>
-            </a:r>
-            <a:endParaRPr lang="ko-KR" altLang="en-US" sz="4400" dirty="0"/>
-          </a:p>
-        </p:txBody>
-      </p:sp>
+              <a:t>CSS </a:t>
+            </a:r>
+            <a:r>
+              <a:rPr lang="ko-KR" altLang="en-US" sz="4400" dirty="0"/>
+              <a:t>레이아웃</a:t>
+            </a:r>
+          </a:p>
+        </p:txBody>
+      </p:sp>
+      <p:pic>
+        <p:nvPicPr>
+          <p:cNvPr id="5" name="그림 4" descr="텍스트, 스크린샷, 소프트웨어, 운영 체제이(가) 표시된 사진&#10;&#10;자동 생성된 설명">
+            <a:extLst>
+              <a:ext uri="{FF2B5EF4-FFF2-40B4-BE49-F238E27FC236}">
+                <a16:creationId xmlns:a16="http://schemas.microsoft.com/office/drawing/2014/main" id="{4B562B0D-3070-321D-2FB6-1BEC049BC4F1}"/>
+              </a:ext>
+            </a:extLst>
+          </p:cNvPr>
+          <p:cNvPicPr>
+            <a:picLocks noChangeAspect="1"/>
+          </p:cNvPicPr>
+          <p:nvPr/>
+        </p:nvPicPr>
+        <p:blipFill>
+          <a:blip r:embed="rId2">
+            <a:extLst>
+              <a:ext uri="{28A0092B-C50C-407E-A947-70E740481C1C}">
+                <a14:useLocalDpi xmlns:a14="http://schemas.microsoft.com/office/drawing/2010/main" val="0"/>
+              </a:ext>
+            </a:extLst>
+          </a:blip>
+          <a:stretch>
+            <a:fillRect/>
+          </a:stretch>
+        </p:blipFill>
+        <p:spPr>
+          <a:xfrm>
+            <a:off x="2214562" y="1389820"/>
+            <a:ext cx="7762875" cy="4725229"/>
+          </a:xfrm>
+          <a:prstGeom prst="rect">
+            <a:avLst/>
+          </a:prstGeom>
+        </p:spPr>
+      </p:pic>
     </p:spTree>
     <p:extLst>
       <p:ext uri="{BB962C8B-B14F-4D97-AF65-F5344CB8AC3E}">
-        <p14:creationId xmlns:p14="http://schemas.microsoft.com/office/powerpoint/2010/main" val="2831799372"/>
+        <p14:creationId xmlns:p14="http://schemas.microsoft.com/office/powerpoint/2010/main" val="207085717"/>
       </p:ext>
     </p:extLst>
   </p:cSld>
@@ -19551,7 +19619,7 @@
         </p:nvSpPr>
         <p:spPr>
           <a:xfrm>
-            <a:off x="2461846" y="2272323"/>
+            <a:off x="2461846" y="2145323"/>
             <a:ext cx="7268308" cy="769441"/>
           </a:xfrm>
           <a:prstGeom prst="rect">
@@ -19568,16 +19636,27 @@
             <a:pPr algn="ctr"/>
             <a:r>
               <a:rPr lang="en-US" altLang="ko-KR" sz="4400" dirty="0"/>
-              <a:t>License</a:t>
-            </a:r>
-            <a:endParaRPr lang="ko-KR" altLang="en-US" sz="4400" dirty="0"/>
+              <a:t>CSS </a:t>
+            </a:r>
+            <a:r>
+              <a:rPr lang="ko-KR" altLang="en-US" sz="4400" dirty="0"/>
+              <a:t>전환</a:t>
+            </a:r>
+            <a:r>
+              <a:rPr lang="en-US" altLang="ko-KR" sz="4400" dirty="0"/>
+              <a:t>, </a:t>
+            </a:r>
+            <a:r>
+              <a:rPr lang="ko-KR" altLang="en-US" sz="4400" dirty="0"/>
+              <a:t>애니메이션</a:t>
+            </a:r>
           </a:p>
         </p:txBody>
       </p:sp>
     </p:spTree>
     <p:extLst>
       <p:ext uri="{BB962C8B-B14F-4D97-AF65-F5344CB8AC3E}">
-        <p14:creationId xmlns:p14="http://schemas.microsoft.com/office/powerpoint/2010/main" val="2733209541"/>
+        <p14:creationId xmlns:p14="http://schemas.microsoft.com/office/powerpoint/2010/main" val="1487699276"/>
       </p:ext>
     </p:extLst>
   </p:cSld>
@@ -19618,7 +19697,7 @@
         </p:nvSpPr>
         <p:spPr>
           <a:xfrm>
-            <a:off x="2461846" y="2145323"/>
+            <a:off x="2461846" y="2272323"/>
             <a:ext cx="7268308" cy="769441"/>
           </a:xfrm>
           <a:prstGeom prst="rect">
@@ -19635,19 +19714,16 @@
             <a:pPr algn="ctr"/>
             <a:r>
               <a:rPr lang="en-US" altLang="ko-KR" sz="4400" dirty="0"/>
-              <a:t>CSS </a:t>
-            </a:r>
-            <a:r>
-              <a:rPr lang="ko-KR" altLang="en-US" sz="4400" dirty="0"/>
-              <a:t>애니메이션</a:t>
-            </a:r>
+              <a:t>Google Font</a:t>
+            </a:r>
+            <a:endParaRPr lang="ko-KR" altLang="en-US" sz="4400" dirty="0"/>
           </a:p>
         </p:txBody>
       </p:sp>
     </p:spTree>
     <p:extLst>
       <p:ext uri="{BB962C8B-B14F-4D97-AF65-F5344CB8AC3E}">
-        <p14:creationId xmlns:p14="http://schemas.microsoft.com/office/powerpoint/2010/main" val="1487699276"/>
+        <p14:creationId xmlns:p14="http://schemas.microsoft.com/office/powerpoint/2010/main" val="2831799372"/>
       </p:ext>
     </p:extLst>
   </p:cSld>
@@ -19688,7 +19764,7 @@
         </p:nvSpPr>
         <p:spPr>
           <a:xfrm>
-            <a:off x="2182446" y="5066323"/>
+            <a:off x="2461846" y="2272323"/>
             <a:ext cx="7268308" cy="769441"/>
           </a:xfrm>
           <a:prstGeom prst="rect">
@@ -19704,52 +19780,17 @@
           <a:p>
             <a:pPr algn="ctr"/>
             <a:r>
-              <a:rPr lang="ko-KR" altLang="en-US" sz="4400" dirty="0"/>
-              <a:t>질문 리스트 작성하기</a:t>
-            </a:r>
-          </a:p>
-        </p:txBody>
-      </p:sp>
-      <p:pic>
-        <p:nvPicPr>
-          <p:cNvPr id="6" name="그림 5" descr="만화 영화, 예술, 그래픽, 그림이(가) 표시된 사진&#10;&#10;자동 생성된 설명">
-            <a:extLst>
-              <a:ext uri="{FF2B5EF4-FFF2-40B4-BE49-F238E27FC236}">
-                <a16:creationId xmlns:a16="http://schemas.microsoft.com/office/drawing/2014/main" id="{4A46C2B8-FD94-4AE0-FAC4-B57C1F6BB0D0}"/>
-              </a:ext>
-            </a:extLst>
-          </p:cNvPr>
-          <p:cNvPicPr>
-            <a:picLocks noChangeAspect="1"/>
-          </p:cNvPicPr>
-          <p:nvPr/>
-        </p:nvPicPr>
-        <p:blipFill>
-          <a:blip r:embed="rId2">
-            <a:extLst>
-              <a:ext uri="{28A0092B-C50C-407E-A947-70E740481C1C}">
-                <a14:useLocalDpi xmlns:a14="http://schemas.microsoft.com/office/drawing/2010/main" val="0"/>
-              </a:ext>
-            </a:extLst>
-          </a:blip>
-          <a:stretch>
-            <a:fillRect/>
-          </a:stretch>
-        </p:blipFill>
-        <p:spPr>
-          <a:xfrm>
-            <a:off x="4064000" y="769442"/>
-            <a:ext cx="4064000" cy="4064000"/>
-          </a:xfrm>
-          <a:prstGeom prst="rect">
-            <a:avLst/>
-          </a:prstGeom>
-        </p:spPr>
-      </p:pic>
+              <a:rPr lang="en-US" altLang="ko-KR" sz="4400" dirty="0"/>
+              <a:t>License</a:t>
+            </a:r>
+            <a:endParaRPr lang="ko-KR" altLang="en-US" sz="4400" dirty="0"/>
+          </a:p>
+        </p:txBody>
+      </p:sp>
     </p:spTree>
     <p:extLst>
       <p:ext uri="{BB962C8B-B14F-4D97-AF65-F5344CB8AC3E}">
-        <p14:creationId xmlns:p14="http://schemas.microsoft.com/office/powerpoint/2010/main" val="2841109164"/>
+        <p14:creationId xmlns:p14="http://schemas.microsoft.com/office/powerpoint/2010/main" val="2733209541"/>
       </p:ext>
     </p:extLst>
   </p:cSld>
@@ -19790,33 +19831,68 @@
         </p:nvSpPr>
         <p:spPr>
           <a:xfrm>
-            <a:off x="1053123" y="2412023"/>
-            <a:ext cx="10085754" cy="1107996"/>
-          </a:xfrm>
-          <a:prstGeom prst="rect">
-            <a:avLst/>
-          </a:prstGeom>
-          <a:noFill/>
-        </p:spPr>
-        <p:txBody>
-          <a:bodyPr wrap="square" rtlCol="0">
-            <a:spAutoFit/>
-          </a:bodyPr>
-          <a:lstStyle/>
-          <a:p>
-            <a:pPr algn="ctr"/>
-            <a:r>
-              <a:rPr lang="ko-KR" altLang="en-US" sz="6600" dirty="0"/>
-              <a:t>인터넷에 올리기</a:t>
-            </a:r>
-            <a:endParaRPr lang="en-US" altLang="ko-KR" sz="6600" dirty="0"/>
-          </a:p>
-        </p:txBody>
-      </p:sp>
+            <a:off x="2182446" y="5066323"/>
+            <a:ext cx="7268308" cy="769441"/>
+          </a:xfrm>
+          <a:prstGeom prst="rect">
+            <a:avLst/>
+          </a:prstGeom>
+          <a:noFill/>
+        </p:spPr>
+        <p:txBody>
+          <a:bodyPr wrap="square" rtlCol="0">
+            <a:spAutoFit/>
+          </a:bodyPr>
+          <a:lstStyle/>
+          <a:p>
+            <a:pPr algn="ctr"/>
+            <a:r>
+              <a:rPr lang="ko-KR" altLang="en-US" sz="4400" dirty="0"/>
+              <a:t>질문 리스트 작성하기</a:t>
+            </a:r>
+          </a:p>
+        </p:txBody>
+      </p:sp>
+      <p:pic>
+        <p:nvPicPr>
+          <p:cNvPr id="6" name="그림 5" descr="만화 영화, 예술, 그래픽, 그림이(가) 표시된 사진&#10;&#10;자동 생성된 설명">
+            <a:extLst>
+              <a:ext uri="{FF2B5EF4-FFF2-40B4-BE49-F238E27FC236}">
+                <a16:creationId xmlns:a16="http://schemas.microsoft.com/office/drawing/2014/main" id="{4A46C2B8-FD94-4AE0-FAC4-B57C1F6BB0D0}"/>
+              </a:ext>
+            </a:extLst>
+          </p:cNvPr>
+          <p:cNvPicPr>
+            <a:picLocks noChangeAspect="1"/>
+          </p:cNvPicPr>
+          <p:nvPr/>
+        </p:nvPicPr>
+        <p:blipFill>
+          <a:blip r:embed="rId2">
+            <a:extLst>
+              <a:ext uri="{28A0092B-C50C-407E-A947-70E740481C1C}">
+                <a14:useLocalDpi xmlns:a14="http://schemas.microsoft.com/office/drawing/2010/main" val="0"/>
+              </a:ext>
+            </a:extLst>
+          </a:blip>
+          <a:stretch>
+            <a:fillRect/>
+          </a:stretch>
+        </p:blipFill>
+        <p:spPr>
+          <a:xfrm>
+            <a:off x="4064000" y="769442"/>
+            <a:ext cx="4064000" cy="4064000"/>
+          </a:xfrm>
+          <a:prstGeom prst="rect">
+            <a:avLst/>
+          </a:prstGeom>
+        </p:spPr>
+      </p:pic>
     </p:spTree>
     <p:extLst>
       <p:ext uri="{BB962C8B-B14F-4D97-AF65-F5344CB8AC3E}">
-        <p14:creationId xmlns:p14="http://schemas.microsoft.com/office/powerpoint/2010/main" val="1570912372"/>
+        <p14:creationId xmlns:p14="http://schemas.microsoft.com/office/powerpoint/2010/main" val="2841109164"/>
       </p:ext>
     </p:extLst>
   </p:cSld>

--- a/ppt/web-design.pptx
+++ b/ppt/web-design.pptx
@@ -433,7 +433,7 @@
           <a:p>
             <a:fld id="{73165A7E-2CB0-40BE-A268-322DAB4BC2CF}" type="datetimeFigureOut">
               <a:rPr lang="ko-KR" altLang="en-US" smtClean="0"/>
-              <a:t>2024-01-26</a:t>
+              <a:t>2024-02-02</a:t>
             </a:fld>
             <a:endParaRPr lang="ko-KR" altLang="en-US"/>
           </a:p>
@@ -631,7 +631,7 @@
           <a:p>
             <a:fld id="{73165A7E-2CB0-40BE-A268-322DAB4BC2CF}" type="datetimeFigureOut">
               <a:rPr lang="ko-KR" altLang="en-US" smtClean="0"/>
-              <a:t>2024-01-26</a:t>
+              <a:t>2024-02-02</a:t>
             </a:fld>
             <a:endParaRPr lang="ko-KR" altLang="en-US"/>
           </a:p>
@@ -839,7 +839,7 @@
           <a:p>
             <a:fld id="{73165A7E-2CB0-40BE-A268-322DAB4BC2CF}" type="datetimeFigureOut">
               <a:rPr lang="ko-KR" altLang="en-US" smtClean="0"/>
-              <a:t>2024-01-26</a:t>
+              <a:t>2024-02-02</a:t>
             </a:fld>
             <a:endParaRPr lang="ko-KR" altLang="en-US"/>
           </a:p>
@@ -1037,7 +1037,7 @@
           <a:p>
             <a:fld id="{73165A7E-2CB0-40BE-A268-322DAB4BC2CF}" type="datetimeFigureOut">
               <a:rPr lang="ko-KR" altLang="en-US" smtClean="0"/>
-              <a:t>2024-01-26</a:t>
+              <a:t>2024-02-02</a:t>
             </a:fld>
             <a:endParaRPr lang="ko-KR" altLang="en-US"/>
           </a:p>
@@ -1312,7 +1312,7 @@
           <a:p>
             <a:fld id="{73165A7E-2CB0-40BE-A268-322DAB4BC2CF}" type="datetimeFigureOut">
               <a:rPr lang="ko-KR" altLang="en-US" smtClean="0"/>
-              <a:t>2024-01-26</a:t>
+              <a:t>2024-02-02</a:t>
             </a:fld>
             <a:endParaRPr lang="ko-KR" altLang="en-US"/>
           </a:p>
@@ -1577,7 +1577,7 @@
           <a:p>
             <a:fld id="{73165A7E-2CB0-40BE-A268-322DAB4BC2CF}" type="datetimeFigureOut">
               <a:rPr lang="ko-KR" altLang="en-US" smtClean="0"/>
-              <a:t>2024-01-26</a:t>
+              <a:t>2024-02-02</a:t>
             </a:fld>
             <a:endParaRPr lang="ko-KR" altLang="en-US"/>
           </a:p>
@@ -1989,7 +1989,7 @@
           <a:p>
             <a:fld id="{73165A7E-2CB0-40BE-A268-322DAB4BC2CF}" type="datetimeFigureOut">
               <a:rPr lang="ko-KR" altLang="en-US" smtClean="0"/>
-              <a:t>2024-01-26</a:t>
+              <a:t>2024-02-02</a:t>
             </a:fld>
             <a:endParaRPr lang="ko-KR" altLang="en-US"/>
           </a:p>
@@ -2130,7 +2130,7 @@
           <a:p>
             <a:fld id="{73165A7E-2CB0-40BE-A268-322DAB4BC2CF}" type="datetimeFigureOut">
               <a:rPr lang="ko-KR" altLang="en-US" smtClean="0"/>
-              <a:t>2024-01-26</a:t>
+              <a:t>2024-02-02</a:t>
             </a:fld>
             <a:endParaRPr lang="ko-KR" altLang="en-US"/>
           </a:p>
@@ -2243,7 +2243,7 @@
           <a:p>
             <a:fld id="{73165A7E-2CB0-40BE-A268-322DAB4BC2CF}" type="datetimeFigureOut">
               <a:rPr lang="ko-KR" altLang="en-US" smtClean="0"/>
-              <a:t>2024-01-26</a:t>
+              <a:t>2024-02-02</a:t>
             </a:fld>
             <a:endParaRPr lang="ko-KR" altLang="en-US"/>
           </a:p>
@@ -2554,7 +2554,7 @@
           <a:p>
             <a:fld id="{73165A7E-2CB0-40BE-A268-322DAB4BC2CF}" type="datetimeFigureOut">
               <a:rPr lang="ko-KR" altLang="en-US" smtClean="0"/>
-              <a:t>2024-01-26</a:t>
+              <a:t>2024-02-02</a:t>
             </a:fld>
             <a:endParaRPr lang="ko-KR" altLang="en-US"/>
           </a:p>
@@ -2842,7 +2842,7 @@
           <a:p>
             <a:fld id="{73165A7E-2CB0-40BE-A268-322DAB4BC2CF}" type="datetimeFigureOut">
               <a:rPr lang="ko-KR" altLang="en-US" smtClean="0"/>
-              <a:t>2024-01-26</a:t>
+              <a:t>2024-02-02</a:t>
             </a:fld>
             <a:endParaRPr lang="ko-KR" altLang="en-US"/>
           </a:p>
@@ -3083,7 +3083,7 @@
           <a:p>
             <a:fld id="{73165A7E-2CB0-40BE-A268-322DAB4BC2CF}" type="datetimeFigureOut">
               <a:rPr lang="ko-KR" altLang="en-US" smtClean="0"/>
-              <a:t>2024-01-26</a:t>
+              <a:t>2024-02-02</a:t>
             </a:fld>
             <a:endParaRPr lang="ko-KR" altLang="en-US"/>
           </a:p>
